--- a/fundamentals/8-Dictionary, Tuple, Range.pptx
+++ b/fundamentals/8-Dictionary, Tuple, Range.pptx
@@ -2,7 +2,7 @@
 <file path=ppt/presentation.xml><?xml version="1.0" encoding="utf-8"?>
 <p:presentation xmlns:a="http://schemas.openxmlformats.org/drawingml/2006/main" xmlns:r="http://schemas.openxmlformats.org/officeDocument/2006/relationships" xmlns:p="http://schemas.openxmlformats.org/presentationml/2006/main" autoCompressPictures="0">
   <p:sldMasterIdLst>
-    <p:sldMasterId id="2147483942" r:id="rId1"/>
+    <p:sldMasterId id="2147483954" r:id="rId1"/>
   </p:sldMasterIdLst>
   <p:notesMasterIdLst>
     <p:notesMasterId r:id="rId19"/>
@@ -32,7 +32,7 @@
     <a:defPPr>
       <a:defRPr lang="en-US"/>
     </a:defPPr>
-    <a:lvl1pPr marL="0" algn="l" defTabSz="457200" rtl="0" eaLnBrk="1" latinLnBrk="0" hangingPunct="1">
+    <a:lvl1pPr marL="0" algn="l" defTabSz="914400" rtl="0" eaLnBrk="1" latinLnBrk="0" hangingPunct="1">
       <a:defRPr sz="1800" kern="1200">
         <a:solidFill>
           <a:schemeClr val="tx1"/>
@@ -42,7 +42,7 @@
         <a:cs typeface="+mn-cs"/>
       </a:defRPr>
     </a:lvl1pPr>
-    <a:lvl2pPr marL="457200" algn="l" defTabSz="457200" rtl="0" eaLnBrk="1" latinLnBrk="0" hangingPunct="1">
+    <a:lvl2pPr marL="457200" algn="l" defTabSz="914400" rtl="0" eaLnBrk="1" latinLnBrk="0" hangingPunct="1">
       <a:defRPr sz="1800" kern="1200">
         <a:solidFill>
           <a:schemeClr val="tx1"/>
@@ -52,7 +52,7 @@
         <a:cs typeface="+mn-cs"/>
       </a:defRPr>
     </a:lvl2pPr>
-    <a:lvl3pPr marL="914400" algn="l" defTabSz="457200" rtl="0" eaLnBrk="1" latinLnBrk="0" hangingPunct="1">
+    <a:lvl3pPr marL="914400" algn="l" defTabSz="914400" rtl="0" eaLnBrk="1" latinLnBrk="0" hangingPunct="1">
       <a:defRPr sz="1800" kern="1200">
         <a:solidFill>
           <a:schemeClr val="tx1"/>
@@ -62,7 +62,7 @@
         <a:cs typeface="+mn-cs"/>
       </a:defRPr>
     </a:lvl3pPr>
-    <a:lvl4pPr marL="1371600" algn="l" defTabSz="457200" rtl="0" eaLnBrk="1" latinLnBrk="0" hangingPunct="1">
+    <a:lvl4pPr marL="1371600" algn="l" defTabSz="914400" rtl="0" eaLnBrk="1" latinLnBrk="0" hangingPunct="1">
       <a:defRPr sz="1800" kern="1200">
         <a:solidFill>
           <a:schemeClr val="tx1"/>
@@ -72,7 +72,7 @@
         <a:cs typeface="+mn-cs"/>
       </a:defRPr>
     </a:lvl4pPr>
-    <a:lvl5pPr marL="1828800" algn="l" defTabSz="457200" rtl="0" eaLnBrk="1" latinLnBrk="0" hangingPunct="1">
+    <a:lvl5pPr marL="1828800" algn="l" defTabSz="914400" rtl="0" eaLnBrk="1" latinLnBrk="0" hangingPunct="1">
       <a:defRPr sz="1800" kern="1200">
         <a:solidFill>
           <a:schemeClr val="tx1"/>
@@ -82,7 +82,7 @@
         <a:cs typeface="+mn-cs"/>
       </a:defRPr>
     </a:lvl5pPr>
-    <a:lvl6pPr marL="2286000" algn="l" defTabSz="457200" rtl="0" eaLnBrk="1" latinLnBrk="0" hangingPunct="1">
+    <a:lvl6pPr marL="2286000" algn="l" defTabSz="914400" rtl="0" eaLnBrk="1" latinLnBrk="0" hangingPunct="1">
       <a:defRPr sz="1800" kern="1200">
         <a:solidFill>
           <a:schemeClr val="tx1"/>
@@ -92,7 +92,7 @@
         <a:cs typeface="+mn-cs"/>
       </a:defRPr>
     </a:lvl6pPr>
-    <a:lvl7pPr marL="2743200" algn="l" defTabSz="457200" rtl="0" eaLnBrk="1" latinLnBrk="0" hangingPunct="1">
+    <a:lvl7pPr marL="2743200" algn="l" defTabSz="914400" rtl="0" eaLnBrk="1" latinLnBrk="0" hangingPunct="1">
       <a:defRPr sz="1800" kern="1200">
         <a:solidFill>
           <a:schemeClr val="tx1"/>
@@ -102,7 +102,7 @@
         <a:cs typeface="+mn-cs"/>
       </a:defRPr>
     </a:lvl7pPr>
-    <a:lvl8pPr marL="3200400" algn="l" defTabSz="457200" rtl="0" eaLnBrk="1" latinLnBrk="0" hangingPunct="1">
+    <a:lvl8pPr marL="3200400" algn="l" defTabSz="914400" rtl="0" eaLnBrk="1" latinLnBrk="0" hangingPunct="1">
       <a:defRPr sz="1800" kern="1200">
         <a:solidFill>
           <a:schemeClr val="tx1"/>
@@ -112,7 +112,7 @@
         <a:cs typeface="+mn-cs"/>
       </a:defRPr>
     </a:lvl8pPr>
-    <a:lvl9pPr marL="3657600" algn="l" defTabSz="457200" rtl="0" eaLnBrk="1" latinLnBrk="0" hangingPunct="1">
+    <a:lvl9pPr marL="3657600" algn="l" defTabSz="914400" rtl="0" eaLnBrk="1" latinLnBrk="0" hangingPunct="1">
       <a:defRPr sz="1800" kern="1200">
         <a:solidFill>
           <a:schemeClr val="tx1"/>
@@ -216,7 +216,7 @@
           <a:p>
             <a:fld id="{720C9186-47A3-C54A-A8AF-47B660C0099D}" type="datetimeFigureOut">
               <a:rPr lang="en-US" smtClean="0"/>
-              <a:t>6/6/20</a:t>
+              <a:t>6/18/20</a:t>
             </a:fld>
             <a:endParaRPr lang="en-US"/>
           </a:p>
@@ -485,13 +485,8 @@
 </file>
 
 <file path=ppt/slideLayouts/slideLayout1.xml><?xml version="1.0" encoding="utf-8"?>
-<p:sldLayout xmlns:a="http://schemas.openxmlformats.org/drawingml/2006/main" xmlns:r="http://schemas.openxmlformats.org/officeDocument/2006/relationships" xmlns:p="http://schemas.openxmlformats.org/presentationml/2006/main" showMasterSp="0" type="title" preserve="1">
+<p:sldLayout xmlns:a="http://schemas.openxmlformats.org/drawingml/2006/main" xmlns:r="http://schemas.openxmlformats.org/officeDocument/2006/relationships" xmlns:p="http://schemas.openxmlformats.org/presentationml/2006/main" type="title" preserve="1">
   <p:cSld name="Title Slide">
-    <p:bg>
-      <p:bgRef idx="1002">
-        <a:schemeClr val="bg2"/>
-      </p:bgRef>
-    </p:bg>
     <p:spTree>
       <p:nvGrpSpPr>
         <p:cNvPr id="1" name=""/>
@@ -508,294 +503,13 @@
       </p:grpSpPr>
       <p:sp>
         <p:nvSpPr>
-          <p:cNvPr id="16" name="Rectangle 15"/>
-          <p:cNvSpPr/>
-          <p:nvPr/>
-        </p:nvSpPr>
-        <p:spPr>
-          <a:xfrm>
-            <a:off x="0" y="0"/>
-            <a:ext cx="12192000" cy="6858000"/>
-          </a:xfrm>
-          <a:prstGeom prst="rect">
-            <a:avLst/>
-          </a:prstGeom>
-          <a:blipFill dpi="0" rotWithShape="1">
-            <a:blip r:embed="rId2">
-              <a:alphaModFix amt="45000"/>
-              <a:duotone>
-                <a:schemeClr val="accent1">
-                  <a:shade val="45000"/>
-                  <a:satMod val="135000"/>
-                </a:schemeClr>
-                <a:prstClr val="white"/>
-              </a:duotone>
-            </a:blip>
-            <a:srcRect/>
-            <a:tile tx="-44450" ty="38100" sx="85000" sy="85000" flip="none" algn="tl"/>
-          </a:blipFill>
-          <a:ln>
-            <a:noFill/>
-          </a:ln>
-        </p:spPr>
-        <p:style>
-          <a:lnRef idx="2">
-            <a:schemeClr val="accent1">
-              <a:shade val="50000"/>
-            </a:schemeClr>
-          </a:lnRef>
-          <a:fillRef idx="1">
-            <a:schemeClr val="accent1"/>
-          </a:fillRef>
-          <a:effectRef idx="0">
-            <a:schemeClr val="accent1"/>
-          </a:effectRef>
-          <a:fontRef idx="minor">
-            <a:schemeClr val="lt1"/>
-          </a:fontRef>
-        </p:style>
-      </p:sp>
-      <p:sp>
-        <p:nvSpPr>
-          <p:cNvPr id="10" name="Rectangle 9"/>
-          <p:cNvSpPr/>
-          <p:nvPr/>
-        </p:nvSpPr>
-        <p:spPr>
-          <a:xfrm>
-            <a:off x="1307870" y="1267730"/>
-            <a:ext cx="9576262" cy="4307950"/>
-          </a:xfrm>
-          <a:prstGeom prst="rect">
-            <a:avLst/>
-          </a:prstGeom>
-          <a:solidFill>
-            <a:schemeClr val="bg1"/>
-          </a:solidFill>
-          <a:ln w="6350" cap="flat" cmpd="sng" algn="ctr">
-            <a:noFill/>
-            <a:prstDash val="solid"/>
-          </a:ln>
-          <a:effectLst>
-            <a:outerShdw blurRad="50800" algn="ctr" rotWithShape="0">
-              <a:prstClr val="black">
-                <a:alpha val="66000"/>
-              </a:prstClr>
-            </a:outerShdw>
-            <a:softEdge rad="0"/>
-          </a:effectLst>
-        </p:spPr>
-      </p:sp>
-      <p:sp>
-        <p:nvSpPr>
-          <p:cNvPr id="11" name="Rectangle 10"/>
-          <p:cNvSpPr/>
-          <p:nvPr/>
-        </p:nvSpPr>
-        <p:spPr>
-          <a:xfrm>
-            <a:off x="1447801" y="1411615"/>
-            <a:ext cx="9296400" cy="4034770"/>
-          </a:xfrm>
-          <a:prstGeom prst="rect">
-            <a:avLst/>
-          </a:prstGeom>
-          <a:noFill/>
-          <a:ln w="6350" cap="sq" cmpd="sng" algn="ctr">
-            <a:solidFill>
-              <a:schemeClr val="tx1">
-                <a:lumMod val="75000"/>
-                <a:lumOff val="25000"/>
-              </a:schemeClr>
-            </a:solidFill>
-            <a:prstDash val="solid"/>
-            <a:miter lim="800000"/>
-          </a:ln>
-          <a:effectLst/>
-        </p:spPr>
-      </p:sp>
-      <p:sp>
-        <p:nvSpPr>
-          <p:cNvPr id="15" name="Rectangle 14"/>
-          <p:cNvSpPr/>
-          <p:nvPr/>
-        </p:nvSpPr>
-        <p:spPr>
-          <a:xfrm>
-            <a:off x="5135880" y="1267730"/>
-            <a:ext cx="1920240" cy="731520"/>
-          </a:xfrm>
-          <a:prstGeom prst="rect">
-            <a:avLst/>
-          </a:prstGeom>
-          <a:solidFill>
-            <a:schemeClr val="bg2"/>
-          </a:solidFill>
-          <a:ln>
-            <a:noFill/>
-          </a:ln>
-        </p:spPr>
-        <p:style>
-          <a:lnRef idx="2">
-            <a:schemeClr val="accent1">
-              <a:shade val="50000"/>
-            </a:schemeClr>
-          </a:lnRef>
-          <a:fillRef idx="1">
-            <a:schemeClr val="accent1"/>
-          </a:fillRef>
-          <a:effectRef idx="0">
-            <a:schemeClr val="accent1"/>
-          </a:effectRef>
-          <a:fontRef idx="minor">
-            <a:schemeClr val="lt1"/>
-          </a:fontRef>
-        </p:style>
-      </p:sp>
-      <p:grpSp>
-        <p:nvGrpSpPr>
-          <p:cNvPr id="4" name="Group 3"/>
-          <p:cNvGrpSpPr/>
-          <p:nvPr/>
-        </p:nvGrpSpPr>
-        <p:grpSpPr>
-          <a:xfrm>
-            <a:off x="5250180" y="1267730"/>
-            <a:ext cx="1691640" cy="645295"/>
-            <a:chOff x="5318306" y="1386268"/>
-            <a:chExt cx="1567331" cy="645295"/>
-          </a:xfrm>
-        </p:grpSpPr>
-        <p:cxnSp>
-          <p:nvCxnSpPr>
-            <p:cNvPr id="17" name="Straight Connector 16"/>
-            <p:cNvCxnSpPr/>
-            <p:nvPr/>
-          </p:nvCxnSpPr>
-          <p:spPr>
-            <a:xfrm>
-              <a:off x="5318306" y="1386268"/>
-              <a:ext cx="0" cy="640080"/>
-            </a:xfrm>
-            <a:prstGeom prst="line">
-              <a:avLst/>
-            </a:prstGeom>
-            <a:solidFill>
-              <a:schemeClr val="tx1">
-                <a:lumMod val="85000"/>
-                <a:lumOff val="15000"/>
-              </a:schemeClr>
-            </a:solidFill>
-            <a:ln>
-              <a:solidFill>
-                <a:schemeClr val="tx1"/>
-              </a:solidFill>
-              <a:miter lim="800000"/>
-            </a:ln>
-          </p:spPr>
-          <p:style>
-            <a:lnRef idx="1">
-              <a:schemeClr val="accent1"/>
-            </a:lnRef>
-            <a:fillRef idx="0">
-              <a:schemeClr val="accent1"/>
-            </a:fillRef>
-            <a:effectRef idx="0">
-              <a:schemeClr val="accent1"/>
-            </a:effectRef>
-            <a:fontRef idx="minor">
-              <a:schemeClr val="tx1"/>
-            </a:fontRef>
-          </p:style>
-        </p:cxnSp>
-        <p:cxnSp>
-          <p:nvCxnSpPr>
-            <p:cNvPr id="18" name="Straight Connector 17"/>
-            <p:cNvCxnSpPr/>
-            <p:nvPr/>
-          </p:nvCxnSpPr>
-          <p:spPr>
-            <a:xfrm>
-              <a:off x="6885637" y="1386268"/>
-              <a:ext cx="0" cy="640080"/>
-            </a:xfrm>
-            <a:prstGeom prst="line">
-              <a:avLst/>
-            </a:prstGeom>
-            <a:solidFill>
-              <a:schemeClr val="tx1">
-                <a:lumMod val="85000"/>
-                <a:lumOff val="15000"/>
-              </a:schemeClr>
-            </a:solidFill>
-            <a:ln>
-              <a:solidFill>
-                <a:schemeClr val="tx1"/>
-              </a:solidFill>
-              <a:miter lim="800000"/>
-            </a:ln>
-          </p:spPr>
-          <p:style>
-            <a:lnRef idx="1">
-              <a:schemeClr val="accent1"/>
-            </a:lnRef>
-            <a:fillRef idx="0">
-              <a:schemeClr val="accent1"/>
-            </a:fillRef>
-            <a:effectRef idx="0">
-              <a:schemeClr val="accent1"/>
-            </a:effectRef>
-            <a:fontRef idx="minor">
-              <a:schemeClr val="tx1"/>
-            </a:fontRef>
-          </p:style>
-        </p:cxnSp>
-        <p:cxnSp>
-          <p:nvCxnSpPr>
-            <p:cNvPr id="19" name="Straight Connector 18"/>
-            <p:cNvCxnSpPr/>
-            <p:nvPr/>
-          </p:nvCxnSpPr>
-          <p:spPr>
-            <a:xfrm>
-              <a:off x="5318306" y="2031563"/>
-              <a:ext cx="1567331" cy="0"/>
-            </a:xfrm>
-            <a:prstGeom prst="line">
-              <a:avLst/>
-            </a:prstGeom>
-            <a:solidFill>
-              <a:schemeClr val="tx1">
-                <a:lumMod val="85000"/>
-                <a:lumOff val="15000"/>
-              </a:schemeClr>
-            </a:solidFill>
-            <a:ln>
-              <a:solidFill>
-                <a:schemeClr val="tx1"/>
-              </a:solidFill>
-              <a:miter lim="800000"/>
-            </a:ln>
-          </p:spPr>
-          <p:style>
-            <a:lnRef idx="1">
-              <a:schemeClr val="accent1"/>
-            </a:lnRef>
-            <a:fillRef idx="0">
-              <a:schemeClr val="accent1"/>
-            </a:fillRef>
-            <a:effectRef idx="0">
-              <a:schemeClr val="accent1"/>
-            </a:effectRef>
-            <a:fontRef idx="minor">
-              <a:schemeClr val="tx1"/>
-            </a:fontRef>
-          </p:style>
-        </p:cxnSp>
-      </p:grpSp>
-      <p:sp>
-        <p:nvSpPr>
-          <p:cNvPr id="2" name="Title 1"/>
+          <p:cNvPr id="2" name="Title 1">
+            <a:extLst>
+              <a:ext uri="{FF2B5EF4-FFF2-40B4-BE49-F238E27FC236}">
+                <a16:creationId xmlns:a16="http://schemas.microsoft.com/office/drawing/2014/main" id="{88DFD17E-E2E3-0D47-BA26-FE18166B0B3A}"/>
+              </a:ext>
+            </a:extLst>
+          </p:cNvPr>
           <p:cNvSpPr>
             <a:spLocks noGrp="1"/>
           </p:cNvSpPr>
@@ -805,31 +519,15 @@
         </p:nvSpPr>
         <p:spPr>
           <a:xfrm>
-            <a:off x="1561708" y="2091263"/>
-            <a:ext cx="9068586" cy="2590800"/>
+            <a:off x="1524000" y="1122363"/>
+            <a:ext cx="9144000" cy="2387600"/>
           </a:xfrm>
         </p:spPr>
         <p:txBody>
-          <a:bodyPr tIns="45720" bIns="45720" anchor="ctr">
-            <a:noAutofit/>
-          </a:bodyPr>
+          <a:bodyPr anchor="b"/>
           <a:lstStyle>
             <a:lvl1pPr algn="ctr">
-              <a:lnSpc>
-                <a:spcPct val="83000"/>
-              </a:lnSpc>
-              <a:defRPr lang="en-US" sz="7200" b="0" kern="1200" cap="all" spc="-100" baseline="0" dirty="0">
-                <a:solidFill>
-                  <a:schemeClr val="tx1">
-                    <a:lumMod val="85000"/>
-                    <a:lumOff val="15000"/>
-                  </a:schemeClr>
-                </a:solidFill>
-                <a:effectLst/>
-                <a:latin typeface="+mj-lt"/>
-                <a:ea typeface="+mn-ea"/>
-                <a:cs typeface="+mn-cs"/>
-              </a:defRPr>
+              <a:defRPr sz="6000"/>
             </a:lvl1pPr>
           </a:lstStyle>
           <a:p>
@@ -837,13 +535,19 @@
               <a:rPr lang="en-GB"/>
               <a:t>Click to edit Master title style</a:t>
             </a:r>
-            <a:endParaRPr lang="en-US" dirty="0"/>
+            <a:endParaRPr lang="en-US"/>
           </a:p>
         </p:txBody>
       </p:sp>
       <p:sp>
         <p:nvSpPr>
-          <p:cNvPr id="3" name="Subtitle 2"/>
+          <p:cNvPr id="3" name="Subtitle 2">
+            <a:extLst>
+              <a:ext uri="{FF2B5EF4-FFF2-40B4-BE49-F238E27FC236}">
+                <a16:creationId xmlns:a16="http://schemas.microsoft.com/office/drawing/2014/main" id="{4AE57AB1-3D8C-6849-9BD4-A3622C35EAE1}"/>
+              </a:ext>
+            </a:extLst>
+          </p:cNvPr>
           <p:cNvSpPr>
             <a:spLocks noGrp="1"/>
           </p:cNvSpPr>
@@ -853,33 +557,24 @@
         </p:nvSpPr>
         <p:spPr>
           <a:xfrm>
-            <a:off x="1562100" y="4682062"/>
-            <a:ext cx="9070848" cy="457201"/>
+            <a:off x="1524000" y="3602038"/>
+            <a:ext cx="9144000" cy="1655762"/>
           </a:xfrm>
         </p:spPr>
         <p:txBody>
-          <a:bodyPr>
-            <a:normAutofit/>
-          </a:bodyPr>
+          <a:bodyPr/>
           <a:lstStyle>
             <a:lvl1pPr marL="0" indent="0" algn="ctr">
-              <a:spcBef>
-                <a:spcPts val="0"/>
-              </a:spcBef>
               <a:buNone/>
-              <a:defRPr sz="1600" spc="80" baseline="0">
-                <a:solidFill>
-                  <a:schemeClr val="tx1"/>
-                </a:solidFill>
-              </a:defRPr>
+              <a:defRPr sz="2400"/>
             </a:lvl1pPr>
             <a:lvl2pPr marL="457200" indent="0" algn="ctr">
               <a:buNone/>
-              <a:defRPr sz="1600"/>
+              <a:defRPr sz="2000"/>
             </a:lvl2pPr>
             <a:lvl3pPr marL="914400" indent="0" algn="ctr">
               <a:buNone/>
-              <a:defRPr sz="1600"/>
+              <a:defRPr sz="1800"/>
             </a:lvl3pPr>
             <a:lvl4pPr marL="1371600" indent="0" algn="ctr">
               <a:buNone/>
@@ -911,13 +606,19 @@
               <a:rPr lang="en-GB"/>
               <a:t>Click to edit Master subtitle style</a:t>
             </a:r>
-            <a:endParaRPr lang="en-US" dirty="0"/>
+            <a:endParaRPr lang="en-US"/>
           </a:p>
         </p:txBody>
       </p:sp>
       <p:sp>
         <p:nvSpPr>
-          <p:cNvPr id="20" name="Date Placeholder 19"/>
+          <p:cNvPr id="4" name="Date Placeholder 3">
+            <a:extLst>
+              <a:ext uri="{FF2B5EF4-FFF2-40B4-BE49-F238E27FC236}">
+                <a16:creationId xmlns:a16="http://schemas.microsoft.com/office/drawing/2014/main" id="{AEEDAF1E-E95D-514A-9D16-33361551DEAA}"/>
+              </a:ext>
+            </a:extLst>
+          </p:cNvPr>
           <p:cNvSpPr>
             <a:spLocks noGrp="1"/>
           </p:cNvSpPr>
@@ -925,28 +626,14 @@
             <p:ph type="dt" sz="half" idx="10"/>
           </p:nvPr>
         </p:nvSpPr>
-        <p:spPr>
-          <a:xfrm>
-            <a:off x="5318760" y="1341255"/>
-            <a:ext cx="1554480" cy="527213"/>
-          </a:xfrm>
-        </p:spPr>
+        <p:spPr/>
         <p:txBody>
           <a:bodyPr/>
-          <a:lstStyle>
-            <a:lvl1pPr algn="ctr">
-              <a:defRPr sz="1300" spc="0" baseline="0">
-                <a:solidFill>
-                  <a:schemeClr val="tx1"/>
-                </a:solidFill>
-                <a:latin typeface="+mn-lt"/>
-              </a:defRPr>
-            </a:lvl1pPr>
-          </a:lstStyle>
+          <a:lstStyle/>
           <a:p>
             <a:fld id="{4AAD347D-5ACD-4C99-B74B-A9C85AD731AF}" type="datetimeFigureOut">
               <a:rPr lang="en-US" smtClean="0"/>
-              <a:t>6/6/20</a:t>
+              <a:t>6/18/20</a:t>
             </a:fld>
             <a:endParaRPr lang="en-US" dirty="0"/>
           </a:p>
@@ -954,7 +641,13 @@
       </p:sp>
       <p:sp>
         <p:nvSpPr>
-          <p:cNvPr id="21" name="Footer Placeholder 20"/>
+          <p:cNvPr id="5" name="Footer Placeholder 4">
+            <a:extLst>
+              <a:ext uri="{FF2B5EF4-FFF2-40B4-BE49-F238E27FC236}">
+                <a16:creationId xmlns:a16="http://schemas.microsoft.com/office/drawing/2014/main" id="{F582047C-C745-B04D-B831-98595473AAA8}"/>
+              </a:ext>
+            </a:extLst>
+          </p:cNvPr>
           <p:cNvSpPr>
             <a:spLocks noGrp="1"/>
           </p:cNvSpPr>
@@ -962,26 +655,10 @@
             <p:ph type="ftr" sz="quarter" idx="11"/>
           </p:nvPr>
         </p:nvSpPr>
-        <p:spPr>
-          <a:xfrm>
-            <a:off x="1453896" y="5211060"/>
-            <a:ext cx="5905500" cy="228600"/>
-          </a:xfrm>
-        </p:spPr>
+        <p:spPr/>
         <p:txBody>
           <a:bodyPr/>
-          <a:lstStyle>
-            <a:lvl1pPr algn="l">
-              <a:defRPr>
-                <a:solidFill>
-                  <a:schemeClr val="tx1">
-                    <a:lumMod val="75000"/>
-                    <a:lumOff val="25000"/>
-                  </a:schemeClr>
-                </a:solidFill>
-              </a:defRPr>
-            </a:lvl1pPr>
-          </a:lstStyle>
+          <a:lstStyle/>
           <a:p>
             <a:endParaRPr lang="en-US" dirty="0"/>
           </a:p>
@@ -989,7 +666,13 @@
       </p:sp>
       <p:sp>
         <p:nvSpPr>
-          <p:cNvPr id="22" name="Slide Number Placeholder 21"/>
+          <p:cNvPr id="6" name="Slide Number Placeholder 5">
+            <a:extLst>
+              <a:ext uri="{FF2B5EF4-FFF2-40B4-BE49-F238E27FC236}">
+                <a16:creationId xmlns:a16="http://schemas.microsoft.com/office/drawing/2014/main" id="{030D8692-E61A-4F40-8C2C-6CC3E216E932}"/>
+              </a:ext>
+            </a:extLst>
+          </p:cNvPr>
           <p:cNvSpPr>
             <a:spLocks noGrp="1"/>
           </p:cNvSpPr>
@@ -997,26 +680,10 @@
             <p:ph type="sldNum" sz="quarter" idx="12"/>
           </p:nvPr>
         </p:nvSpPr>
-        <p:spPr>
-          <a:xfrm>
-            <a:off x="8606919" y="5212080"/>
-            <a:ext cx="2111881" cy="228600"/>
-          </a:xfrm>
-        </p:spPr>
+        <p:spPr/>
         <p:txBody>
           <a:bodyPr/>
-          <a:lstStyle>
-            <a:lvl1pPr>
-              <a:defRPr>
-                <a:solidFill>
-                  <a:schemeClr val="tx1">
-                    <a:lumMod val="75000"/>
-                    <a:lumOff val="25000"/>
-                  </a:schemeClr>
-                </a:solidFill>
-              </a:defRPr>
-            </a:lvl1pPr>
-          </a:lstStyle>
+          <a:lstStyle/>
           <a:p>
             <a:fld id="{D57F1E4F-1CFF-5643-939E-02111984F565}" type="slidenum">
               <a:rPr lang="en-US" smtClean="0"/>
@@ -1029,12 +696,12 @@
     </p:spTree>
     <p:extLst>
       <p:ext uri="{BB962C8B-B14F-4D97-AF65-F5344CB8AC3E}">
-        <p14:creationId xmlns:p14="http://schemas.microsoft.com/office/powerpoint/2010/main" val="1423734947"/>
+        <p14:creationId xmlns:p14="http://schemas.microsoft.com/office/powerpoint/2010/main" val="3595460216"/>
       </p:ext>
     </p:extLst>
   </p:cSld>
   <p:clrMapOvr>
-    <a:overrideClrMapping bg1="lt1" tx1="dk1" bg2="lt2" tx2="dk2" accent1="accent1" accent2="accent2" accent3="accent3" accent4="accent4" accent5="accent5" accent6="accent6" hlink="hlink" folHlink="folHlink"/>
+    <a:masterClrMapping/>
   </p:clrMapOvr>
 </p:sldLayout>
 </file>
@@ -1058,7 +725,13 @@
       </p:grpSpPr>
       <p:sp>
         <p:nvSpPr>
-          <p:cNvPr id="2" name="Title 1"/>
+          <p:cNvPr id="2" name="Title 1">
+            <a:extLst>
+              <a:ext uri="{FF2B5EF4-FFF2-40B4-BE49-F238E27FC236}">
+                <a16:creationId xmlns:a16="http://schemas.microsoft.com/office/drawing/2014/main" id="{01397B44-6A15-C04A-B4FD-C645EB0A3ABA}"/>
+              </a:ext>
+            </a:extLst>
+          </p:cNvPr>
           <p:cNvSpPr>
             <a:spLocks noGrp="1"/>
           </p:cNvSpPr>
@@ -1075,13 +748,19 @@
               <a:rPr lang="en-GB"/>
               <a:t>Click to edit Master title style</a:t>
             </a:r>
-            <a:endParaRPr lang="en-US" dirty="0"/>
+            <a:endParaRPr lang="en-US"/>
           </a:p>
         </p:txBody>
       </p:sp>
       <p:sp>
         <p:nvSpPr>
-          <p:cNvPr id="3" name="Vertical Text Placeholder 2"/>
+          <p:cNvPr id="3" name="Vertical Text Placeholder 2">
+            <a:extLst>
+              <a:ext uri="{FF2B5EF4-FFF2-40B4-BE49-F238E27FC236}">
+                <a16:creationId xmlns:a16="http://schemas.microsoft.com/office/drawing/2014/main" id="{5A02A769-1974-7D45-BAA3-0FA93E4AF054}"/>
+              </a:ext>
+            </a:extLst>
+          </p:cNvPr>
           <p:cNvSpPr>
             <a:spLocks noGrp="1"/>
           </p:cNvSpPr>
@@ -1127,13 +806,19 @@
               <a:rPr lang="en-GB"/>
               <a:t>Fifth level</a:t>
             </a:r>
-            <a:endParaRPr lang="en-US" dirty="0"/>
+            <a:endParaRPr lang="en-US"/>
           </a:p>
         </p:txBody>
       </p:sp>
       <p:sp>
         <p:nvSpPr>
-          <p:cNvPr id="4" name="Date Placeholder 3"/>
+          <p:cNvPr id="4" name="Date Placeholder 3">
+            <a:extLst>
+              <a:ext uri="{FF2B5EF4-FFF2-40B4-BE49-F238E27FC236}">
+                <a16:creationId xmlns:a16="http://schemas.microsoft.com/office/drawing/2014/main" id="{4050A1DE-A6E2-674D-9EE5-CEB6B7C2E753}"/>
+              </a:ext>
+            </a:extLst>
+          </p:cNvPr>
           <p:cNvSpPr>
             <a:spLocks noGrp="1"/>
           </p:cNvSpPr>
@@ -1148,7 +833,7 @@
           <a:p>
             <a:fld id="{4AAD347D-5ACD-4C99-B74B-A9C85AD731AF}" type="datetimeFigureOut">
               <a:rPr lang="en-US" smtClean="0"/>
-              <a:t>6/6/20</a:t>
+              <a:t>6/18/20</a:t>
             </a:fld>
             <a:endParaRPr lang="en-US" dirty="0"/>
           </a:p>
@@ -1156,7 +841,13 @@
       </p:sp>
       <p:sp>
         <p:nvSpPr>
-          <p:cNvPr id="5" name="Footer Placeholder 4"/>
+          <p:cNvPr id="5" name="Footer Placeholder 4">
+            <a:extLst>
+              <a:ext uri="{FF2B5EF4-FFF2-40B4-BE49-F238E27FC236}">
+                <a16:creationId xmlns:a16="http://schemas.microsoft.com/office/drawing/2014/main" id="{C8F534D0-2682-564A-8B77-0537DD1C8C36}"/>
+              </a:ext>
+            </a:extLst>
+          </p:cNvPr>
           <p:cNvSpPr>
             <a:spLocks noGrp="1"/>
           </p:cNvSpPr>
@@ -1175,7 +866,13 @@
       </p:sp>
       <p:sp>
         <p:nvSpPr>
-          <p:cNvPr id="6" name="Slide Number Placeholder 5"/>
+          <p:cNvPr id="6" name="Slide Number Placeholder 5">
+            <a:extLst>
+              <a:ext uri="{FF2B5EF4-FFF2-40B4-BE49-F238E27FC236}">
+                <a16:creationId xmlns:a16="http://schemas.microsoft.com/office/drawing/2014/main" id="{AF5C6AD7-3425-0247-AF35-C1839B29B1C4}"/>
+              </a:ext>
+            </a:extLst>
+          </p:cNvPr>
           <p:cNvSpPr>
             <a:spLocks noGrp="1"/>
           </p:cNvSpPr>
@@ -1199,7 +896,7 @@
     </p:spTree>
     <p:extLst>
       <p:ext uri="{BB962C8B-B14F-4D97-AF65-F5344CB8AC3E}">
-        <p14:creationId xmlns:p14="http://schemas.microsoft.com/office/powerpoint/2010/main" val="2179365818"/>
+        <p14:creationId xmlns:p14="http://schemas.microsoft.com/office/powerpoint/2010/main" val="4079512159"/>
       </p:ext>
     </p:extLst>
   </p:cSld>
@@ -1229,7 +926,13 @@
       </p:grpSpPr>
       <p:sp>
         <p:nvSpPr>
-          <p:cNvPr id="2" name="Vertical Title 1"/>
+          <p:cNvPr id="2" name="Vertical Title 1">
+            <a:extLst>
+              <a:ext uri="{FF2B5EF4-FFF2-40B4-BE49-F238E27FC236}">
+                <a16:creationId xmlns:a16="http://schemas.microsoft.com/office/drawing/2014/main" id="{E9D5112E-EEE6-3A4E-A729-DFF06F59CA22}"/>
+              </a:ext>
+            </a:extLst>
+          </p:cNvPr>
           <p:cNvSpPr>
             <a:spLocks noGrp="1"/>
           </p:cNvSpPr>
@@ -1239,8 +942,8 @@
         </p:nvSpPr>
         <p:spPr>
           <a:xfrm>
-            <a:off x="8991600" y="762000"/>
-            <a:ext cx="2362200" cy="5257800"/>
+            <a:off x="8724900" y="365125"/>
+            <a:ext cx="2628900" cy="5811838"/>
           </a:xfrm>
         </p:spPr>
         <p:txBody>
@@ -1251,13 +954,19 @@
               <a:rPr lang="en-GB"/>
               <a:t>Click to edit Master title style</a:t>
             </a:r>
-            <a:endParaRPr lang="en-US" dirty="0"/>
+            <a:endParaRPr lang="en-US"/>
           </a:p>
         </p:txBody>
       </p:sp>
       <p:sp>
         <p:nvSpPr>
-          <p:cNvPr id="3" name="Vertical Text Placeholder 2"/>
+          <p:cNvPr id="3" name="Vertical Text Placeholder 2">
+            <a:extLst>
+              <a:ext uri="{FF2B5EF4-FFF2-40B4-BE49-F238E27FC236}">
+                <a16:creationId xmlns:a16="http://schemas.microsoft.com/office/drawing/2014/main" id="{10C66B22-0906-D745-843E-E098A68C4D90}"/>
+              </a:ext>
+            </a:extLst>
+          </p:cNvPr>
           <p:cNvSpPr>
             <a:spLocks noGrp="1"/>
           </p:cNvSpPr>
@@ -1267,8 +976,8 @@
         </p:nvSpPr>
         <p:spPr>
           <a:xfrm>
-            <a:off x="838200" y="762000"/>
-            <a:ext cx="8077200" cy="5257800"/>
+            <a:off x="838200" y="365125"/>
+            <a:ext cx="7734300" cy="5811838"/>
           </a:xfrm>
         </p:spPr>
         <p:txBody>
@@ -1308,13 +1017,19 @@
               <a:rPr lang="en-GB"/>
               <a:t>Fifth level</a:t>
             </a:r>
-            <a:endParaRPr lang="en-US" dirty="0"/>
+            <a:endParaRPr lang="en-US"/>
           </a:p>
         </p:txBody>
       </p:sp>
       <p:sp>
         <p:nvSpPr>
-          <p:cNvPr id="4" name="Date Placeholder 3"/>
+          <p:cNvPr id="4" name="Date Placeholder 3">
+            <a:extLst>
+              <a:ext uri="{FF2B5EF4-FFF2-40B4-BE49-F238E27FC236}">
+                <a16:creationId xmlns:a16="http://schemas.microsoft.com/office/drawing/2014/main" id="{BF9D55A0-E0EF-6F4D-8E8C-F4C25F215BC1}"/>
+              </a:ext>
+            </a:extLst>
+          </p:cNvPr>
           <p:cNvSpPr>
             <a:spLocks noGrp="1"/>
           </p:cNvSpPr>
@@ -1329,7 +1044,7 @@
           <a:p>
             <a:fld id="{4AAD347D-5ACD-4C99-B74B-A9C85AD731AF}" type="datetimeFigureOut">
               <a:rPr lang="en-US" smtClean="0"/>
-              <a:t>6/6/20</a:t>
+              <a:t>6/18/20</a:t>
             </a:fld>
             <a:endParaRPr lang="en-US" dirty="0"/>
           </a:p>
@@ -1337,7 +1052,13 @@
       </p:sp>
       <p:sp>
         <p:nvSpPr>
-          <p:cNvPr id="5" name="Footer Placeholder 4"/>
+          <p:cNvPr id="5" name="Footer Placeholder 4">
+            <a:extLst>
+              <a:ext uri="{FF2B5EF4-FFF2-40B4-BE49-F238E27FC236}">
+                <a16:creationId xmlns:a16="http://schemas.microsoft.com/office/drawing/2014/main" id="{E683146A-8654-0542-815F-D08A9F7593C9}"/>
+              </a:ext>
+            </a:extLst>
+          </p:cNvPr>
           <p:cNvSpPr>
             <a:spLocks noGrp="1"/>
           </p:cNvSpPr>
@@ -1356,7 +1077,13 @@
       </p:sp>
       <p:sp>
         <p:nvSpPr>
-          <p:cNvPr id="6" name="Slide Number Placeholder 5"/>
+          <p:cNvPr id="6" name="Slide Number Placeholder 5">
+            <a:extLst>
+              <a:ext uri="{FF2B5EF4-FFF2-40B4-BE49-F238E27FC236}">
+                <a16:creationId xmlns:a16="http://schemas.microsoft.com/office/drawing/2014/main" id="{A071C4DF-EC65-384C-BA3D-2D6C9952D5DC}"/>
+              </a:ext>
+            </a:extLst>
+          </p:cNvPr>
           <p:cNvSpPr>
             <a:spLocks noGrp="1"/>
           </p:cNvSpPr>
@@ -1380,7 +1107,7 @@
     </p:spTree>
     <p:extLst>
       <p:ext uri="{BB962C8B-B14F-4D97-AF65-F5344CB8AC3E}">
-        <p14:creationId xmlns:p14="http://schemas.microsoft.com/office/powerpoint/2010/main" val="3903511555"/>
+        <p14:creationId xmlns:p14="http://schemas.microsoft.com/office/powerpoint/2010/main" val="4214415869"/>
       </p:ext>
     </p:extLst>
   </p:cSld>
@@ -1410,7 +1137,13 @@
       </p:grpSpPr>
       <p:sp>
         <p:nvSpPr>
-          <p:cNvPr id="2" name="Title 1"/>
+          <p:cNvPr id="2" name="Title 1">
+            <a:extLst>
+              <a:ext uri="{FF2B5EF4-FFF2-40B4-BE49-F238E27FC236}">
+                <a16:creationId xmlns:a16="http://schemas.microsoft.com/office/drawing/2014/main" id="{FB02AA78-A038-4B4B-B5AD-2895048D8BBB}"/>
+              </a:ext>
+            </a:extLst>
+          </p:cNvPr>
           <p:cNvSpPr>
             <a:spLocks noGrp="1"/>
           </p:cNvSpPr>
@@ -1427,13 +1160,19 @@
               <a:rPr lang="en-GB"/>
               <a:t>Click to edit Master title style</a:t>
             </a:r>
-            <a:endParaRPr lang="en-US" dirty="0"/>
+            <a:endParaRPr lang="en-US"/>
           </a:p>
         </p:txBody>
       </p:sp>
       <p:sp>
         <p:nvSpPr>
-          <p:cNvPr id="3" name="Content Placeholder 2"/>
+          <p:cNvPr id="3" name="Content Placeholder 2">
+            <a:extLst>
+              <a:ext uri="{FF2B5EF4-FFF2-40B4-BE49-F238E27FC236}">
+                <a16:creationId xmlns:a16="http://schemas.microsoft.com/office/drawing/2014/main" id="{A25377F5-71F2-2544-A9D2-B046A502846A}"/>
+              </a:ext>
+            </a:extLst>
+          </p:cNvPr>
           <p:cNvSpPr>
             <a:spLocks noGrp="1"/>
           </p:cNvSpPr>
@@ -1479,13 +1218,19 @@
               <a:rPr lang="en-GB"/>
               <a:t>Fifth level</a:t>
             </a:r>
-            <a:endParaRPr lang="en-US" dirty="0"/>
+            <a:endParaRPr lang="en-US"/>
           </a:p>
         </p:txBody>
       </p:sp>
       <p:sp>
         <p:nvSpPr>
-          <p:cNvPr id="7" name="Date Placeholder 6"/>
+          <p:cNvPr id="4" name="Date Placeholder 3">
+            <a:extLst>
+              <a:ext uri="{FF2B5EF4-FFF2-40B4-BE49-F238E27FC236}">
+                <a16:creationId xmlns:a16="http://schemas.microsoft.com/office/drawing/2014/main" id="{87D1BB1D-0EEC-484D-B3AC-AF9F53C51A4C}"/>
+              </a:ext>
+            </a:extLst>
+          </p:cNvPr>
           <p:cNvSpPr>
             <a:spLocks noGrp="1"/>
           </p:cNvSpPr>
@@ -1500,7 +1245,7 @@
           <a:p>
             <a:fld id="{4AAD347D-5ACD-4C99-B74B-A9C85AD731AF}" type="datetimeFigureOut">
               <a:rPr lang="en-US" smtClean="0"/>
-              <a:t>6/6/20</a:t>
+              <a:t>6/18/20</a:t>
             </a:fld>
             <a:endParaRPr lang="en-US" dirty="0"/>
           </a:p>
@@ -1508,7 +1253,13 @@
       </p:sp>
       <p:sp>
         <p:nvSpPr>
-          <p:cNvPr id="8" name="Footer Placeholder 7"/>
+          <p:cNvPr id="5" name="Footer Placeholder 4">
+            <a:extLst>
+              <a:ext uri="{FF2B5EF4-FFF2-40B4-BE49-F238E27FC236}">
+                <a16:creationId xmlns:a16="http://schemas.microsoft.com/office/drawing/2014/main" id="{343614F5-CF5B-644C-B8F8-2334C58EDF4D}"/>
+              </a:ext>
+            </a:extLst>
+          </p:cNvPr>
           <p:cNvSpPr>
             <a:spLocks noGrp="1"/>
           </p:cNvSpPr>
@@ -1527,7 +1278,13 @@
       </p:sp>
       <p:sp>
         <p:nvSpPr>
-          <p:cNvPr id="9" name="Slide Number Placeholder 8"/>
+          <p:cNvPr id="6" name="Slide Number Placeholder 5">
+            <a:extLst>
+              <a:ext uri="{FF2B5EF4-FFF2-40B4-BE49-F238E27FC236}">
+                <a16:creationId xmlns:a16="http://schemas.microsoft.com/office/drawing/2014/main" id="{FC7591E5-426D-B147-9B2D-64F387283ACF}"/>
+              </a:ext>
+            </a:extLst>
+          </p:cNvPr>
           <p:cNvSpPr>
             <a:spLocks noGrp="1"/>
           </p:cNvSpPr>
@@ -1551,7 +1308,7 @@
     </p:spTree>
     <p:extLst>
       <p:ext uri="{BB962C8B-B14F-4D97-AF65-F5344CB8AC3E}">
-        <p14:creationId xmlns:p14="http://schemas.microsoft.com/office/powerpoint/2010/main" val="2608989615"/>
+        <p14:creationId xmlns:p14="http://schemas.microsoft.com/office/powerpoint/2010/main" val="4218229609"/>
       </p:ext>
     </p:extLst>
   </p:cSld>
@@ -1563,13 +1320,8 @@
 </file>
 
 <file path=ppt/slideLayouts/slideLayout3.xml><?xml version="1.0" encoding="utf-8"?>
-<p:sldLayout xmlns:a="http://schemas.openxmlformats.org/drawingml/2006/main" xmlns:r="http://schemas.openxmlformats.org/officeDocument/2006/relationships" xmlns:p="http://schemas.openxmlformats.org/presentationml/2006/main" showMasterSp="0" type="secHead" preserve="1">
+<p:sldLayout xmlns:a="http://schemas.openxmlformats.org/drawingml/2006/main" xmlns:r="http://schemas.openxmlformats.org/officeDocument/2006/relationships" xmlns:p="http://schemas.openxmlformats.org/presentationml/2006/main" type="secHead" preserve="1">
   <p:cSld name="Section Header">
-    <p:bg>
-      <p:bgRef idx="1002">
-        <a:schemeClr val="bg2"/>
-      </p:bgRef>
-    </p:bg>
     <p:spTree>
       <p:nvGrpSpPr>
         <p:cNvPr id="1" name=""/>
@@ -1586,294 +1338,13 @@
       </p:grpSpPr>
       <p:sp>
         <p:nvSpPr>
-          <p:cNvPr id="22" name="Rectangle 21"/>
-          <p:cNvSpPr/>
-          <p:nvPr/>
-        </p:nvSpPr>
-        <p:spPr>
-          <a:xfrm>
-            <a:off x="0" y="0"/>
-            <a:ext cx="12192000" cy="6858000"/>
-          </a:xfrm>
-          <a:prstGeom prst="rect">
-            <a:avLst/>
-          </a:prstGeom>
-          <a:blipFill dpi="0" rotWithShape="1">
-            <a:blip r:embed="rId2">
-              <a:alphaModFix amt="45000"/>
-              <a:duotone>
-                <a:schemeClr val="accent2">
-                  <a:shade val="45000"/>
-                  <a:satMod val="135000"/>
-                </a:schemeClr>
-                <a:prstClr val="white"/>
-              </a:duotone>
-            </a:blip>
-            <a:srcRect/>
-            <a:tile tx="-44450" ty="38100" sx="85000" sy="85000" flip="none" algn="tl"/>
-          </a:blipFill>
-          <a:ln>
-            <a:noFill/>
-          </a:ln>
-        </p:spPr>
-        <p:style>
-          <a:lnRef idx="2">
-            <a:schemeClr val="accent1">
-              <a:shade val="50000"/>
-            </a:schemeClr>
-          </a:lnRef>
-          <a:fillRef idx="1">
-            <a:schemeClr val="accent1"/>
-          </a:fillRef>
-          <a:effectRef idx="0">
-            <a:schemeClr val="accent1"/>
-          </a:effectRef>
-          <a:fontRef idx="minor">
-            <a:schemeClr val="lt1"/>
-          </a:fontRef>
-        </p:style>
-      </p:sp>
-      <p:sp>
-        <p:nvSpPr>
-          <p:cNvPr id="23" name="Rectangle 22"/>
-          <p:cNvSpPr/>
-          <p:nvPr/>
-        </p:nvSpPr>
-        <p:spPr>
-          <a:xfrm>
-            <a:off x="1307870" y="1267730"/>
-            <a:ext cx="9576262" cy="4307950"/>
-          </a:xfrm>
-          <a:prstGeom prst="rect">
-            <a:avLst/>
-          </a:prstGeom>
-          <a:solidFill>
-            <a:schemeClr val="bg1"/>
-          </a:solidFill>
-          <a:ln w="6350" cap="flat" cmpd="sng" algn="ctr">
-            <a:noFill/>
-            <a:prstDash val="solid"/>
-          </a:ln>
-          <a:effectLst>
-            <a:outerShdw blurRad="50800" algn="ctr" rotWithShape="0">
-              <a:prstClr val="black">
-                <a:alpha val="66000"/>
-              </a:prstClr>
-            </a:outerShdw>
-            <a:softEdge rad="0"/>
-          </a:effectLst>
-        </p:spPr>
-      </p:sp>
-      <p:sp>
-        <p:nvSpPr>
-          <p:cNvPr id="24" name="Rectangle 23"/>
-          <p:cNvSpPr/>
-          <p:nvPr/>
-        </p:nvSpPr>
-        <p:spPr>
-          <a:xfrm>
-            <a:off x="1447800" y="1411615"/>
-            <a:ext cx="9296400" cy="4034770"/>
-          </a:xfrm>
-          <a:prstGeom prst="rect">
-            <a:avLst/>
-          </a:prstGeom>
-          <a:noFill/>
-          <a:ln w="6350" cap="sq" cmpd="sng" algn="ctr">
-            <a:solidFill>
-              <a:schemeClr val="tx1">
-                <a:lumMod val="75000"/>
-                <a:lumOff val="25000"/>
-              </a:schemeClr>
-            </a:solidFill>
-            <a:prstDash val="solid"/>
-            <a:miter lim="800000"/>
-          </a:ln>
-          <a:effectLst/>
-        </p:spPr>
-      </p:sp>
-      <p:sp>
-        <p:nvSpPr>
-          <p:cNvPr id="30" name="Rectangle 29"/>
-          <p:cNvSpPr/>
-          <p:nvPr/>
-        </p:nvSpPr>
-        <p:spPr>
-          <a:xfrm>
-            <a:off x="5135880" y="1267730"/>
-            <a:ext cx="1920240" cy="731520"/>
-          </a:xfrm>
-          <a:prstGeom prst="rect">
-            <a:avLst/>
-          </a:prstGeom>
-          <a:solidFill>
-            <a:schemeClr val="bg2"/>
-          </a:solidFill>
-          <a:ln>
-            <a:noFill/>
-          </a:ln>
-        </p:spPr>
-        <p:style>
-          <a:lnRef idx="2">
-            <a:schemeClr val="accent1">
-              <a:shade val="50000"/>
-            </a:schemeClr>
-          </a:lnRef>
-          <a:fillRef idx="1">
-            <a:schemeClr val="accent1"/>
-          </a:fillRef>
-          <a:effectRef idx="0">
-            <a:schemeClr val="accent1"/>
-          </a:effectRef>
-          <a:fontRef idx="minor">
-            <a:schemeClr val="lt1"/>
-          </a:fontRef>
-        </p:style>
-      </p:sp>
-      <p:grpSp>
-        <p:nvGrpSpPr>
-          <p:cNvPr id="31" name="Group 30"/>
-          <p:cNvGrpSpPr/>
-          <p:nvPr/>
-        </p:nvGrpSpPr>
-        <p:grpSpPr>
-          <a:xfrm>
-            <a:off x="5250180" y="1267730"/>
-            <a:ext cx="1691640" cy="645295"/>
-            <a:chOff x="5318306" y="1386268"/>
-            <a:chExt cx="1567331" cy="645295"/>
-          </a:xfrm>
-        </p:grpSpPr>
-        <p:cxnSp>
-          <p:nvCxnSpPr>
-            <p:cNvPr id="32" name="Straight Connector 31"/>
-            <p:cNvCxnSpPr/>
-            <p:nvPr/>
-          </p:nvCxnSpPr>
-          <p:spPr>
-            <a:xfrm>
-              <a:off x="5318306" y="1386268"/>
-              <a:ext cx="0" cy="640080"/>
-            </a:xfrm>
-            <a:prstGeom prst="line">
-              <a:avLst/>
-            </a:prstGeom>
-            <a:solidFill>
-              <a:schemeClr val="tx1">
-                <a:lumMod val="85000"/>
-                <a:lumOff val="15000"/>
-              </a:schemeClr>
-            </a:solidFill>
-            <a:ln>
-              <a:solidFill>
-                <a:schemeClr val="tx1"/>
-              </a:solidFill>
-              <a:miter lim="800000"/>
-            </a:ln>
-          </p:spPr>
-          <p:style>
-            <a:lnRef idx="1">
-              <a:schemeClr val="accent1"/>
-            </a:lnRef>
-            <a:fillRef idx="0">
-              <a:schemeClr val="accent1"/>
-            </a:fillRef>
-            <a:effectRef idx="0">
-              <a:schemeClr val="accent1"/>
-            </a:effectRef>
-            <a:fontRef idx="minor">
-              <a:schemeClr val="tx1"/>
-            </a:fontRef>
-          </p:style>
-        </p:cxnSp>
-        <p:cxnSp>
-          <p:nvCxnSpPr>
-            <p:cNvPr id="33" name="Straight Connector 32"/>
-            <p:cNvCxnSpPr/>
-            <p:nvPr/>
-          </p:nvCxnSpPr>
-          <p:spPr>
-            <a:xfrm>
-              <a:off x="6885637" y="1386268"/>
-              <a:ext cx="0" cy="640080"/>
-            </a:xfrm>
-            <a:prstGeom prst="line">
-              <a:avLst/>
-            </a:prstGeom>
-            <a:solidFill>
-              <a:schemeClr val="tx1">
-                <a:lumMod val="85000"/>
-                <a:lumOff val="15000"/>
-              </a:schemeClr>
-            </a:solidFill>
-            <a:ln>
-              <a:solidFill>
-                <a:schemeClr val="tx1"/>
-              </a:solidFill>
-              <a:miter lim="800000"/>
-            </a:ln>
-          </p:spPr>
-          <p:style>
-            <a:lnRef idx="1">
-              <a:schemeClr val="accent1"/>
-            </a:lnRef>
-            <a:fillRef idx="0">
-              <a:schemeClr val="accent1"/>
-            </a:fillRef>
-            <a:effectRef idx="0">
-              <a:schemeClr val="accent1"/>
-            </a:effectRef>
-            <a:fontRef idx="minor">
-              <a:schemeClr val="tx1"/>
-            </a:fontRef>
-          </p:style>
-        </p:cxnSp>
-        <p:cxnSp>
-          <p:nvCxnSpPr>
-            <p:cNvPr id="34" name="Straight Connector 33"/>
-            <p:cNvCxnSpPr/>
-            <p:nvPr/>
-          </p:nvCxnSpPr>
-          <p:spPr>
-            <a:xfrm>
-              <a:off x="5318306" y="2031563"/>
-              <a:ext cx="1567331" cy="0"/>
-            </a:xfrm>
-            <a:prstGeom prst="line">
-              <a:avLst/>
-            </a:prstGeom>
-            <a:solidFill>
-              <a:schemeClr val="tx1">
-                <a:lumMod val="85000"/>
-                <a:lumOff val="15000"/>
-              </a:schemeClr>
-            </a:solidFill>
-            <a:ln>
-              <a:solidFill>
-                <a:schemeClr val="tx1"/>
-              </a:solidFill>
-              <a:miter lim="800000"/>
-            </a:ln>
-          </p:spPr>
-          <p:style>
-            <a:lnRef idx="1">
-              <a:schemeClr val="accent1"/>
-            </a:lnRef>
-            <a:fillRef idx="0">
-              <a:schemeClr val="accent1"/>
-            </a:fillRef>
-            <a:effectRef idx="0">
-              <a:schemeClr val="accent1"/>
-            </a:effectRef>
-            <a:fontRef idx="minor">
-              <a:schemeClr val="tx1"/>
-            </a:fontRef>
-          </p:style>
-        </p:cxnSp>
-      </p:grpSp>
-      <p:sp>
-        <p:nvSpPr>
-          <p:cNvPr id="2" name="Title 1"/>
+          <p:cNvPr id="2" name="Title 1">
+            <a:extLst>
+              <a:ext uri="{FF2B5EF4-FFF2-40B4-BE49-F238E27FC236}">
+                <a16:creationId xmlns:a16="http://schemas.microsoft.com/office/drawing/2014/main" id="{46D3AFF6-EB70-5B42-9B77-8D3604EEED62}"/>
+              </a:ext>
+            </a:extLst>
+          </p:cNvPr>
           <p:cNvSpPr>
             <a:spLocks noGrp="1"/>
           </p:cNvSpPr>
@@ -1883,31 +1354,15 @@
         </p:nvSpPr>
         <p:spPr>
           <a:xfrm>
-            <a:off x="1563623" y="2094309"/>
-            <a:ext cx="9070848" cy="2587752"/>
+            <a:off x="831850" y="1709738"/>
+            <a:ext cx="10515600" cy="2852737"/>
           </a:xfrm>
         </p:spPr>
         <p:txBody>
-          <a:bodyPr anchor="ctr">
-            <a:noAutofit/>
-          </a:bodyPr>
+          <a:bodyPr anchor="b"/>
           <a:lstStyle>
-            <a:lvl1pPr algn="ctr">
-              <a:lnSpc>
-                <a:spcPct val="83000"/>
-              </a:lnSpc>
-              <a:defRPr lang="en-US" sz="7200" kern="1200" cap="all" spc="-100" baseline="0" dirty="0">
-                <a:solidFill>
-                  <a:schemeClr val="tx1">
-                    <a:lumMod val="85000"/>
-                    <a:lumOff val="15000"/>
-                  </a:schemeClr>
-                </a:solidFill>
-                <a:effectLst/>
-                <a:latin typeface="+mj-lt"/>
-                <a:ea typeface="+mn-ea"/>
-                <a:cs typeface="+mn-cs"/>
-              </a:defRPr>
+            <a:lvl1pPr>
+              <a:defRPr sz="6000"/>
             </a:lvl1pPr>
           </a:lstStyle>
           <a:p>
@@ -1915,13 +1370,19 @@
               <a:rPr lang="en-GB"/>
               <a:t>Click to edit Master title style</a:t>
             </a:r>
-            <a:endParaRPr lang="en-US" dirty="0"/>
+            <a:endParaRPr lang="en-US"/>
           </a:p>
         </p:txBody>
       </p:sp>
       <p:sp>
         <p:nvSpPr>
-          <p:cNvPr id="3" name="Text Placeholder 2"/>
+          <p:cNvPr id="3" name="Text Placeholder 2">
+            <a:extLst>
+              <a:ext uri="{FF2B5EF4-FFF2-40B4-BE49-F238E27FC236}">
+                <a16:creationId xmlns:a16="http://schemas.microsoft.com/office/drawing/2014/main" id="{DA87BF2B-AD2B-6B43-9EFB-73569046B39B}"/>
+              </a:ext>
+            </a:extLst>
+          </p:cNvPr>
           <p:cNvSpPr>
             <a:spLocks noGrp="1"/>
           </p:cNvSpPr>
@@ -1931,27 +1392,26 @@
         </p:nvSpPr>
         <p:spPr>
           <a:xfrm>
-            <a:off x="1563624" y="4682062"/>
-            <a:ext cx="9070848" cy="457200"/>
+            <a:off x="831850" y="4589463"/>
+            <a:ext cx="10515600" cy="1500187"/>
           </a:xfrm>
         </p:spPr>
         <p:txBody>
-          <a:bodyPr anchor="t">
-            <a:normAutofit/>
-          </a:bodyPr>
+          <a:bodyPr/>
           <a:lstStyle>
-            <a:lvl1pPr marL="0" indent="0" algn="ctr">
+            <a:lvl1pPr marL="0" indent="0">
               <a:buNone/>
-              <a:defRPr sz="1600">
-                <a:solidFill>
-                  <a:schemeClr val="tx1"/>
-                </a:solidFill>
-                <a:effectLst/>
+              <a:defRPr sz="2400">
+                <a:solidFill>
+                  <a:schemeClr val="tx1">
+                    <a:tint val="75000"/>
+                  </a:schemeClr>
+                </a:solidFill>
               </a:defRPr>
             </a:lvl1pPr>
             <a:lvl2pPr marL="457200" indent="0">
               <a:buNone/>
-              <a:defRPr sz="1600">
+              <a:defRPr sz="2000">
                 <a:solidFill>
                   <a:schemeClr val="tx1">
                     <a:tint val="75000"/>
@@ -1961,7 +1421,7 @@
             </a:lvl2pPr>
             <a:lvl3pPr marL="914400" indent="0">
               <a:buNone/>
-              <a:defRPr sz="1600">
+              <a:defRPr sz="1800">
                 <a:solidFill>
                   <a:schemeClr val="tx1">
                     <a:tint val="75000"/>
@@ -1971,7 +1431,7 @@
             </a:lvl3pPr>
             <a:lvl4pPr marL="1371600" indent="0">
               <a:buNone/>
-              <a:defRPr sz="1400">
+              <a:defRPr sz="1600">
                 <a:solidFill>
                   <a:schemeClr val="tx1">
                     <a:tint val="75000"/>
@@ -1981,7 +1441,7 @@
             </a:lvl4pPr>
             <a:lvl5pPr marL="1828800" indent="0">
               <a:buNone/>
-              <a:defRPr sz="1400">
+              <a:defRPr sz="1600">
                 <a:solidFill>
                   <a:schemeClr val="tx1">
                     <a:tint val="75000"/>
@@ -1991,7 +1451,7 @@
             </a:lvl5pPr>
             <a:lvl6pPr marL="2286000" indent="0">
               <a:buNone/>
-              <a:defRPr sz="1400">
+              <a:defRPr sz="1600">
                 <a:solidFill>
                   <a:schemeClr val="tx1">
                     <a:tint val="75000"/>
@@ -2001,7 +1461,7 @@
             </a:lvl6pPr>
             <a:lvl7pPr marL="2743200" indent="0">
               <a:buNone/>
-              <a:defRPr sz="1400">
+              <a:defRPr sz="1600">
                 <a:solidFill>
                   <a:schemeClr val="tx1">
                     <a:tint val="75000"/>
@@ -2011,7 +1471,7 @@
             </a:lvl7pPr>
             <a:lvl8pPr marL="3200400" indent="0">
               <a:buNone/>
-              <a:defRPr sz="1400">
+              <a:defRPr sz="1600">
                 <a:solidFill>
                   <a:schemeClr val="tx1">
                     <a:tint val="75000"/>
@@ -2021,7 +1481,7 @@
             </a:lvl8pPr>
             <a:lvl9pPr marL="3657600" indent="0">
               <a:buNone/>
-              <a:defRPr sz="1400">
+              <a:defRPr sz="1600">
                 <a:solidFill>
                   <a:schemeClr val="tx1">
                     <a:tint val="75000"/>
@@ -2041,7 +1501,13 @@
       </p:sp>
       <p:sp>
         <p:nvSpPr>
-          <p:cNvPr id="4" name="Date Placeholder 3"/>
+          <p:cNvPr id="4" name="Date Placeholder 3">
+            <a:extLst>
+              <a:ext uri="{FF2B5EF4-FFF2-40B4-BE49-F238E27FC236}">
+                <a16:creationId xmlns:a16="http://schemas.microsoft.com/office/drawing/2014/main" id="{C74DAA7A-DF6E-BD4B-A1FA-02A901FEB580}"/>
+              </a:ext>
+            </a:extLst>
+          </p:cNvPr>
           <p:cNvSpPr>
             <a:spLocks noGrp="1"/>
           </p:cNvSpPr>
@@ -2049,30 +1515,14 @@
             <p:ph type="dt" sz="half" idx="10"/>
           </p:nvPr>
         </p:nvSpPr>
-        <p:spPr>
-          <a:xfrm>
-            <a:off x="5321808" y="1344502"/>
-            <a:ext cx="1554480" cy="530352"/>
-          </a:xfrm>
-        </p:spPr>
+        <p:spPr/>
         <p:txBody>
           <a:bodyPr/>
-          <a:lstStyle>
-            <a:lvl1pPr algn="ctr">
-              <a:defRPr lang="en-US" sz="1300" kern="1200" spc="0" baseline="0">
-                <a:solidFill>
-                  <a:schemeClr val="tx1"/>
-                </a:solidFill>
-                <a:latin typeface="+mn-lt"/>
-                <a:ea typeface="+mn-ea"/>
-                <a:cs typeface="+mn-cs"/>
-              </a:defRPr>
-            </a:lvl1pPr>
-          </a:lstStyle>
+          <a:lstStyle/>
           <a:p>
             <a:fld id="{9796027F-7875-4030-9381-8BD8C4F21935}" type="datetimeFigureOut">
               <a:rPr lang="en-US" smtClean="0"/>
-              <a:t>6/6/20</a:t>
+              <a:t>6/18/20</a:t>
             </a:fld>
             <a:endParaRPr lang="en-US" dirty="0"/>
           </a:p>
@@ -2080,7 +1530,13 @@
       </p:sp>
       <p:sp>
         <p:nvSpPr>
-          <p:cNvPr id="5" name="Footer Placeholder 4"/>
+          <p:cNvPr id="5" name="Footer Placeholder 4">
+            <a:extLst>
+              <a:ext uri="{FF2B5EF4-FFF2-40B4-BE49-F238E27FC236}">
+                <a16:creationId xmlns:a16="http://schemas.microsoft.com/office/drawing/2014/main" id="{371953B9-C350-374D-A189-9448D2213040}"/>
+              </a:ext>
+            </a:extLst>
+          </p:cNvPr>
           <p:cNvSpPr>
             <a:spLocks noGrp="1"/>
           </p:cNvSpPr>
@@ -2088,19 +1544,10 @@
             <p:ph type="ftr" sz="quarter" idx="11"/>
           </p:nvPr>
         </p:nvSpPr>
-        <p:spPr>
-          <a:xfrm>
-            <a:off x="1453553" y="5211060"/>
-            <a:ext cx="5907024" cy="228600"/>
-          </a:xfrm>
-        </p:spPr>
+        <p:spPr/>
         <p:txBody>
           <a:bodyPr/>
-          <a:lstStyle>
-            <a:lvl1pPr algn="l">
-              <a:defRPr/>
-            </a:lvl1pPr>
-          </a:lstStyle>
+          <a:lstStyle/>
           <a:p>
             <a:endParaRPr lang="en-US" dirty="0"/>
           </a:p>
@@ -2108,7 +1555,13 @@
       </p:sp>
       <p:sp>
         <p:nvSpPr>
-          <p:cNvPr id="6" name="Slide Number Placeholder 5"/>
+          <p:cNvPr id="6" name="Slide Number Placeholder 5">
+            <a:extLst>
+              <a:ext uri="{FF2B5EF4-FFF2-40B4-BE49-F238E27FC236}">
+                <a16:creationId xmlns:a16="http://schemas.microsoft.com/office/drawing/2014/main" id="{DEE35F63-8F97-CF43-88C4-F22152759E83}"/>
+              </a:ext>
+            </a:extLst>
+          </p:cNvPr>
           <p:cNvSpPr>
             <a:spLocks noGrp="1"/>
           </p:cNvSpPr>
@@ -2116,12 +1569,7 @@
             <p:ph type="sldNum" sz="quarter" idx="12"/>
           </p:nvPr>
         </p:nvSpPr>
-        <p:spPr>
-          <a:xfrm>
-            <a:off x="8604504" y="5211060"/>
-            <a:ext cx="2112264" cy="228600"/>
-          </a:xfrm>
-        </p:spPr>
+        <p:spPr/>
         <p:txBody>
           <a:bodyPr/>
           <a:lstStyle/>
@@ -2137,12 +1585,12 @@
     </p:spTree>
     <p:extLst>
       <p:ext uri="{BB962C8B-B14F-4D97-AF65-F5344CB8AC3E}">
-        <p14:creationId xmlns:p14="http://schemas.microsoft.com/office/powerpoint/2010/main" val="183952823"/>
+        <p14:creationId xmlns:p14="http://schemas.microsoft.com/office/powerpoint/2010/main" val="3278307346"/>
       </p:ext>
     </p:extLst>
   </p:cSld>
   <p:clrMapOvr>
-    <a:overrideClrMapping bg1="lt1" tx1="dk1" bg2="lt2" tx2="dk2" accent1="accent1" accent2="accent2" accent3="accent3" accent4="accent4" accent5="accent5" accent6="accent6" hlink="hlink" folHlink="folHlink"/>
+    <a:masterClrMapping/>
   </p:clrMapOvr>
 </p:sldLayout>
 </file>
@@ -2166,7 +1614,13 @@
       </p:grpSpPr>
       <p:sp>
         <p:nvSpPr>
-          <p:cNvPr id="8" name="Title 7"/>
+          <p:cNvPr id="2" name="Title 1">
+            <a:extLst>
+              <a:ext uri="{FF2B5EF4-FFF2-40B4-BE49-F238E27FC236}">
+                <a16:creationId xmlns:a16="http://schemas.microsoft.com/office/drawing/2014/main" id="{1F00F096-5361-C740-99F1-6FDDFC01B996}"/>
+              </a:ext>
+            </a:extLst>
+          </p:cNvPr>
           <p:cNvSpPr>
             <a:spLocks noGrp="1"/>
           </p:cNvSpPr>
@@ -2183,13 +1637,19 @@
               <a:rPr lang="en-GB"/>
               <a:t>Click to edit Master title style</a:t>
             </a:r>
-            <a:endParaRPr lang="en-US" dirty="0"/>
+            <a:endParaRPr lang="en-US"/>
           </a:p>
         </p:txBody>
       </p:sp>
       <p:sp>
         <p:nvSpPr>
-          <p:cNvPr id="3" name="Content Placeholder 2"/>
+          <p:cNvPr id="3" name="Content Placeholder 2">
+            <a:extLst>
+              <a:ext uri="{FF2B5EF4-FFF2-40B4-BE49-F238E27FC236}">
+                <a16:creationId xmlns:a16="http://schemas.microsoft.com/office/drawing/2014/main" id="{89A36FCF-0635-D545-8FAA-214D2C885F9B}"/>
+              </a:ext>
+            </a:extLst>
+          </p:cNvPr>
           <p:cNvSpPr>
             <a:spLocks noGrp="1"/>
           </p:cNvSpPr>
@@ -2199,41 +1659,13 @@
         </p:nvSpPr>
         <p:spPr>
           <a:xfrm>
-            <a:off x="1066800" y="2103120"/>
-            <a:ext cx="4754880" cy="3749040"/>
+            <a:off x="838200" y="1825625"/>
+            <a:ext cx="5181600" cy="4351338"/>
           </a:xfrm>
         </p:spPr>
         <p:txBody>
           <a:bodyPr/>
-          <a:lstStyle>
-            <a:lvl1pPr>
-              <a:defRPr sz="1800"/>
-            </a:lvl1pPr>
-            <a:lvl2pPr>
-              <a:defRPr sz="1600"/>
-            </a:lvl2pPr>
-            <a:lvl3pPr>
-              <a:defRPr sz="1400"/>
-            </a:lvl3pPr>
-            <a:lvl4pPr>
-              <a:defRPr sz="1400"/>
-            </a:lvl4pPr>
-            <a:lvl5pPr>
-              <a:defRPr sz="1400"/>
-            </a:lvl5pPr>
-            <a:lvl6pPr>
-              <a:defRPr sz="1400"/>
-            </a:lvl6pPr>
-            <a:lvl7pPr>
-              <a:defRPr sz="1400"/>
-            </a:lvl7pPr>
-            <a:lvl8pPr>
-              <a:defRPr sz="1400"/>
-            </a:lvl8pPr>
-            <a:lvl9pPr>
-              <a:defRPr sz="1400"/>
-            </a:lvl9pPr>
-          </a:lstStyle>
+          <a:lstStyle/>
           <a:p>
             <a:pPr lvl="0"/>
             <a:r>
@@ -2268,13 +1700,19 @@
               <a:rPr lang="en-GB"/>
               <a:t>Fifth level</a:t>
             </a:r>
-            <a:endParaRPr lang="en-US" dirty="0"/>
+            <a:endParaRPr lang="en-US"/>
           </a:p>
         </p:txBody>
       </p:sp>
       <p:sp>
         <p:nvSpPr>
-          <p:cNvPr id="4" name="Content Placeholder 3"/>
+          <p:cNvPr id="4" name="Content Placeholder 3">
+            <a:extLst>
+              <a:ext uri="{FF2B5EF4-FFF2-40B4-BE49-F238E27FC236}">
+                <a16:creationId xmlns:a16="http://schemas.microsoft.com/office/drawing/2014/main" id="{24405199-40B5-BF47-9BFA-E9849A041608}"/>
+              </a:ext>
+            </a:extLst>
+          </p:cNvPr>
           <p:cNvSpPr>
             <a:spLocks noGrp="1"/>
           </p:cNvSpPr>
@@ -2284,41 +1722,13 @@
         </p:nvSpPr>
         <p:spPr>
           <a:xfrm>
-            <a:off x="6370320" y="2103120"/>
-            <a:ext cx="4754880" cy="3749040"/>
+            <a:off x="6172200" y="1825625"/>
+            <a:ext cx="5181600" cy="4351338"/>
           </a:xfrm>
         </p:spPr>
         <p:txBody>
           <a:bodyPr/>
-          <a:lstStyle>
-            <a:lvl1pPr>
-              <a:defRPr sz="1800"/>
-            </a:lvl1pPr>
-            <a:lvl2pPr>
-              <a:defRPr sz="1600"/>
-            </a:lvl2pPr>
-            <a:lvl3pPr>
-              <a:defRPr sz="1400"/>
-            </a:lvl3pPr>
-            <a:lvl4pPr>
-              <a:defRPr sz="1400"/>
-            </a:lvl4pPr>
-            <a:lvl5pPr>
-              <a:defRPr sz="1400"/>
-            </a:lvl5pPr>
-            <a:lvl6pPr>
-              <a:defRPr sz="1400"/>
-            </a:lvl6pPr>
-            <a:lvl7pPr>
-              <a:defRPr sz="1400"/>
-            </a:lvl7pPr>
-            <a:lvl8pPr>
-              <a:defRPr sz="1400"/>
-            </a:lvl8pPr>
-            <a:lvl9pPr>
-              <a:defRPr sz="1400"/>
-            </a:lvl9pPr>
-          </a:lstStyle>
+          <a:lstStyle/>
           <a:p>
             <a:pPr lvl="0"/>
             <a:r>
@@ -2353,13 +1763,19 @@
               <a:rPr lang="en-GB"/>
               <a:t>Fifth level</a:t>
             </a:r>
-            <a:endParaRPr lang="en-US" dirty="0"/>
+            <a:endParaRPr lang="en-US"/>
           </a:p>
         </p:txBody>
       </p:sp>
       <p:sp>
         <p:nvSpPr>
-          <p:cNvPr id="5" name="Date Placeholder 4"/>
+          <p:cNvPr id="5" name="Date Placeholder 4">
+            <a:extLst>
+              <a:ext uri="{FF2B5EF4-FFF2-40B4-BE49-F238E27FC236}">
+                <a16:creationId xmlns:a16="http://schemas.microsoft.com/office/drawing/2014/main" id="{31766D44-5985-5348-837E-6631A2084BCB}"/>
+              </a:ext>
+            </a:extLst>
+          </p:cNvPr>
           <p:cNvSpPr>
             <a:spLocks noGrp="1"/>
           </p:cNvSpPr>
@@ -2374,7 +1790,7 @@
           <a:p>
             <a:fld id="{4AAD347D-5ACD-4C99-B74B-A9C85AD731AF}" type="datetimeFigureOut">
               <a:rPr lang="en-US" smtClean="0"/>
-              <a:t>6/6/20</a:t>
+              <a:t>6/18/20</a:t>
             </a:fld>
             <a:endParaRPr lang="en-US" dirty="0"/>
           </a:p>
@@ -2382,7 +1798,13 @@
       </p:sp>
       <p:sp>
         <p:nvSpPr>
-          <p:cNvPr id="6" name="Footer Placeholder 5"/>
+          <p:cNvPr id="6" name="Footer Placeholder 5">
+            <a:extLst>
+              <a:ext uri="{FF2B5EF4-FFF2-40B4-BE49-F238E27FC236}">
+                <a16:creationId xmlns:a16="http://schemas.microsoft.com/office/drawing/2014/main" id="{461ABBBC-FACA-DF4C-9528-92B259A9E0D8}"/>
+              </a:ext>
+            </a:extLst>
+          </p:cNvPr>
           <p:cNvSpPr>
             <a:spLocks noGrp="1"/>
           </p:cNvSpPr>
@@ -2401,7 +1823,13 @@
       </p:sp>
       <p:sp>
         <p:nvSpPr>
-          <p:cNvPr id="7" name="Slide Number Placeholder 6"/>
+          <p:cNvPr id="7" name="Slide Number Placeholder 6">
+            <a:extLst>
+              <a:ext uri="{FF2B5EF4-FFF2-40B4-BE49-F238E27FC236}">
+                <a16:creationId xmlns:a16="http://schemas.microsoft.com/office/drawing/2014/main" id="{C04A1937-6719-E64F-8829-37973B25BBD5}"/>
+              </a:ext>
+            </a:extLst>
+          </p:cNvPr>
           <p:cNvSpPr>
             <a:spLocks noGrp="1"/>
           </p:cNvSpPr>
@@ -2425,7 +1853,7 @@
     </p:spTree>
     <p:extLst>
       <p:ext uri="{BB962C8B-B14F-4D97-AF65-F5344CB8AC3E}">
-        <p14:creationId xmlns:p14="http://schemas.microsoft.com/office/powerpoint/2010/main" val="277750982"/>
+        <p14:creationId xmlns:p14="http://schemas.microsoft.com/office/powerpoint/2010/main" val="2690620371"/>
       </p:ext>
     </p:extLst>
   </p:cSld>
@@ -2460,7 +1888,13 @@
       </p:grpSpPr>
       <p:sp>
         <p:nvSpPr>
-          <p:cNvPr id="2" name="Title 1"/>
+          <p:cNvPr id="2" name="Title 1">
+            <a:extLst>
+              <a:ext uri="{FF2B5EF4-FFF2-40B4-BE49-F238E27FC236}">
+                <a16:creationId xmlns:a16="http://schemas.microsoft.com/office/drawing/2014/main" id="{729CAD5B-F9BF-134D-9F48-D12AEAB80BE0}"/>
+              </a:ext>
+            </a:extLst>
+          </p:cNvPr>
           <p:cNvSpPr>
             <a:spLocks noGrp="1"/>
           </p:cNvSpPr>
@@ -2468,7 +1902,12 @@
             <p:ph type="title"/>
           </p:nvPr>
         </p:nvSpPr>
-        <p:spPr/>
+        <p:spPr>
+          <a:xfrm>
+            <a:off x="839788" y="365125"/>
+            <a:ext cx="10515600" cy="1325563"/>
+          </a:xfrm>
+        </p:spPr>
         <p:txBody>
           <a:bodyPr/>
           <a:lstStyle/>
@@ -2477,13 +1916,19 @@
               <a:rPr lang="en-GB"/>
               <a:t>Click to edit Master title style</a:t>
             </a:r>
-            <a:endParaRPr lang="en-US" dirty="0"/>
+            <a:endParaRPr lang="en-US"/>
           </a:p>
         </p:txBody>
       </p:sp>
       <p:sp>
         <p:nvSpPr>
-          <p:cNvPr id="3" name="Text Placeholder 2"/>
+          <p:cNvPr id="3" name="Text Placeholder 2">
+            <a:extLst>
+              <a:ext uri="{FF2B5EF4-FFF2-40B4-BE49-F238E27FC236}">
+                <a16:creationId xmlns:a16="http://schemas.microsoft.com/office/drawing/2014/main" id="{030EE290-AFA2-8D4A-9C45-A9735F0F6939}"/>
+              </a:ext>
+            </a:extLst>
+          </p:cNvPr>
           <p:cNvSpPr>
             <a:spLocks noGrp="1"/>
           </p:cNvSpPr>
@@ -2493,30 +1938,20 @@
         </p:nvSpPr>
         <p:spPr>
           <a:xfrm>
-            <a:off x="1069848" y="2074334"/>
-            <a:ext cx="4754880" cy="640080"/>
+            <a:off x="839788" y="1681163"/>
+            <a:ext cx="5157787" cy="823912"/>
           </a:xfrm>
         </p:spPr>
         <p:txBody>
-          <a:bodyPr anchor="ctr">
-            <a:normAutofit/>
-          </a:bodyPr>
+          <a:bodyPr anchor="b"/>
           <a:lstStyle>
-            <a:lvl1pPr marL="0" indent="0" algn="ctr">
-              <a:spcBef>
-                <a:spcPts val="0"/>
-              </a:spcBef>
+            <a:lvl1pPr marL="0" indent="0">
               <a:buNone/>
-              <a:defRPr sz="1900" b="0">
-                <a:solidFill>
-                  <a:schemeClr val="tx2"/>
-                </a:solidFill>
-                <a:latin typeface="+mn-lt"/>
-              </a:defRPr>
+              <a:defRPr sz="2400" b="1"/>
             </a:lvl1pPr>
             <a:lvl2pPr marL="457200" indent="0">
               <a:buNone/>
-              <a:defRPr sz="1900" b="1"/>
+              <a:defRPr sz="2000" b="1"/>
             </a:lvl2pPr>
             <a:lvl3pPr marL="914400" indent="0">
               <a:buNone/>
@@ -2558,7 +1993,13 @@
       </p:sp>
       <p:sp>
         <p:nvSpPr>
-          <p:cNvPr id="4" name="Content Placeholder 3"/>
+          <p:cNvPr id="4" name="Content Placeholder 3">
+            <a:extLst>
+              <a:ext uri="{FF2B5EF4-FFF2-40B4-BE49-F238E27FC236}">
+                <a16:creationId xmlns:a16="http://schemas.microsoft.com/office/drawing/2014/main" id="{B4CC7D83-CEA5-7940-A93E-8C0714064D6C}"/>
+              </a:ext>
+            </a:extLst>
+          </p:cNvPr>
           <p:cNvSpPr>
             <a:spLocks noGrp="1"/>
           </p:cNvSpPr>
@@ -2568,41 +2009,13 @@
         </p:nvSpPr>
         <p:spPr>
           <a:xfrm>
-            <a:off x="1069848" y="2755898"/>
-            <a:ext cx="4754880" cy="3200400"/>
+            <a:off x="839788" y="2505075"/>
+            <a:ext cx="5157787" cy="3684588"/>
           </a:xfrm>
         </p:spPr>
         <p:txBody>
           <a:bodyPr/>
-          <a:lstStyle>
-            <a:lvl1pPr>
-              <a:defRPr sz="1800"/>
-            </a:lvl1pPr>
-            <a:lvl2pPr>
-              <a:defRPr sz="1600"/>
-            </a:lvl2pPr>
-            <a:lvl3pPr>
-              <a:defRPr sz="1400"/>
-            </a:lvl3pPr>
-            <a:lvl4pPr>
-              <a:defRPr sz="1400"/>
-            </a:lvl4pPr>
-            <a:lvl5pPr>
-              <a:defRPr sz="1400"/>
-            </a:lvl5pPr>
-            <a:lvl6pPr>
-              <a:defRPr sz="1400"/>
-            </a:lvl6pPr>
-            <a:lvl7pPr>
-              <a:defRPr sz="1400"/>
-            </a:lvl7pPr>
-            <a:lvl8pPr>
-              <a:defRPr sz="1400"/>
-            </a:lvl8pPr>
-            <a:lvl9pPr>
-              <a:defRPr sz="1400"/>
-            </a:lvl9pPr>
-          </a:lstStyle>
+          <a:lstStyle/>
           <a:p>
             <a:pPr lvl="0"/>
             <a:r>
@@ -2637,13 +2050,19 @@
               <a:rPr lang="en-GB"/>
               <a:t>Fifth level</a:t>
             </a:r>
-            <a:endParaRPr lang="en-US" dirty="0"/>
+            <a:endParaRPr lang="en-US"/>
           </a:p>
         </p:txBody>
       </p:sp>
       <p:sp>
         <p:nvSpPr>
-          <p:cNvPr id="5" name="Text Placeholder 4"/>
+          <p:cNvPr id="5" name="Text Placeholder 4">
+            <a:extLst>
+              <a:ext uri="{FF2B5EF4-FFF2-40B4-BE49-F238E27FC236}">
+                <a16:creationId xmlns:a16="http://schemas.microsoft.com/office/drawing/2014/main" id="{4184ECE1-4E4D-E543-8B29-D0F10B452A84}"/>
+              </a:ext>
+            </a:extLst>
+          </p:cNvPr>
           <p:cNvSpPr>
             <a:spLocks noGrp="1"/>
           </p:cNvSpPr>
@@ -2653,29 +2072,20 @@
         </p:nvSpPr>
         <p:spPr>
           <a:xfrm>
-            <a:off x="6373368" y="2074334"/>
-            <a:ext cx="4754880" cy="640080"/>
+            <a:off x="6172200" y="1681163"/>
+            <a:ext cx="5183188" cy="823912"/>
           </a:xfrm>
         </p:spPr>
         <p:txBody>
-          <a:bodyPr anchor="ctr">
-            <a:normAutofit/>
-          </a:bodyPr>
+          <a:bodyPr anchor="b"/>
           <a:lstStyle>
-            <a:lvl1pPr marL="0" indent="0" algn="ctr">
-              <a:spcBef>
-                <a:spcPts val="0"/>
-              </a:spcBef>
+            <a:lvl1pPr marL="0" indent="0">
               <a:buNone/>
-              <a:defRPr sz="1900" b="0">
-                <a:solidFill>
-                  <a:schemeClr val="tx2"/>
-                </a:solidFill>
-              </a:defRPr>
+              <a:defRPr sz="2400" b="1"/>
             </a:lvl1pPr>
             <a:lvl2pPr marL="457200" indent="0">
               <a:buNone/>
-              <a:defRPr sz="1900" b="1"/>
+              <a:defRPr sz="2000" b="1"/>
             </a:lvl2pPr>
             <a:lvl3pPr marL="914400" indent="0">
               <a:buNone/>
@@ -2717,7 +2127,13 @@
       </p:sp>
       <p:sp>
         <p:nvSpPr>
-          <p:cNvPr id="6" name="Content Placeholder 5"/>
+          <p:cNvPr id="6" name="Content Placeholder 5">
+            <a:extLst>
+              <a:ext uri="{FF2B5EF4-FFF2-40B4-BE49-F238E27FC236}">
+                <a16:creationId xmlns:a16="http://schemas.microsoft.com/office/drawing/2014/main" id="{36148CFF-7523-6846-9710-A68796A8C4FA}"/>
+              </a:ext>
+            </a:extLst>
+          </p:cNvPr>
           <p:cNvSpPr>
             <a:spLocks noGrp="1"/>
           </p:cNvSpPr>
@@ -2727,41 +2143,13 @@
         </p:nvSpPr>
         <p:spPr>
           <a:xfrm>
-            <a:off x="6373368" y="2756581"/>
-            <a:ext cx="4754880" cy="3200400"/>
+            <a:off x="6172200" y="2505075"/>
+            <a:ext cx="5183188" cy="3684588"/>
           </a:xfrm>
         </p:spPr>
         <p:txBody>
           <a:bodyPr/>
-          <a:lstStyle>
-            <a:lvl1pPr>
-              <a:defRPr sz="1800"/>
-            </a:lvl1pPr>
-            <a:lvl2pPr>
-              <a:defRPr sz="1600"/>
-            </a:lvl2pPr>
-            <a:lvl3pPr>
-              <a:defRPr sz="1400"/>
-            </a:lvl3pPr>
-            <a:lvl4pPr>
-              <a:defRPr sz="1400"/>
-            </a:lvl4pPr>
-            <a:lvl5pPr>
-              <a:defRPr sz="1400"/>
-            </a:lvl5pPr>
-            <a:lvl6pPr>
-              <a:defRPr sz="1400"/>
-            </a:lvl6pPr>
-            <a:lvl7pPr>
-              <a:defRPr sz="1400"/>
-            </a:lvl7pPr>
-            <a:lvl8pPr>
-              <a:defRPr sz="1400"/>
-            </a:lvl8pPr>
-            <a:lvl9pPr>
-              <a:defRPr sz="1400"/>
-            </a:lvl9pPr>
-          </a:lstStyle>
+          <a:lstStyle/>
           <a:p>
             <a:pPr lvl="0"/>
             <a:r>
@@ -2796,13 +2184,19 @@
               <a:rPr lang="en-GB"/>
               <a:t>Fifth level</a:t>
             </a:r>
-            <a:endParaRPr lang="en-US" dirty="0"/>
+            <a:endParaRPr lang="en-US"/>
           </a:p>
         </p:txBody>
       </p:sp>
       <p:sp>
         <p:nvSpPr>
-          <p:cNvPr id="7" name="Date Placeholder 6"/>
+          <p:cNvPr id="7" name="Date Placeholder 6">
+            <a:extLst>
+              <a:ext uri="{FF2B5EF4-FFF2-40B4-BE49-F238E27FC236}">
+                <a16:creationId xmlns:a16="http://schemas.microsoft.com/office/drawing/2014/main" id="{A91EDD02-CF90-CD4C-B4B3-5A93BC8CF686}"/>
+              </a:ext>
+            </a:extLst>
+          </p:cNvPr>
           <p:cNvSpPr>
             <a:spLocks noGrp="1"/>
           </p:cNvSpPr>
@@ -2817,7 +2211,7 @@
           <a:p>
             <a:fld id="{4AAD347D-5ACD-4C99-B74B-A9C85AD731AF}" type="datetimeFigureOut">
               <a:rPr lang="en-US" smtClean="0"/>
-              <a:t>6/6/20</a:t>
+              <a:t>6/18/20</a:t>
             </a:fld>
             <a:endParaRPr lang="en-US" dirty="0"/>
           </a:p>
@@ -2825,7 +2219,13 @@
       </p:sp>
       <p:sp>
         <p:nvSpPr>
-          <p:cNvPr id="8" name="Footer Placeholder 7"/>
+          <p:cNvPr id="8" name="Footer Placeholder 7">
+            <a:extLst>
+              <a:ext uri="{FF2B5EF4-FFF2-40B4-BE49-F238E27FC236}">
+                <a16:creationId xmlns:a16="http://schemas.microsoft.com/office/drawing/2014/main" id="{E73E43D0-FB7C-C649-9087-661E67A34CD7}"/>
+              </a:ext>
+            </a:extLst>
+          </p:cNvPr>
           <p:cNvSpPr>
             <a:spLocks noGrp="1"/>
           </p:cNvSpPr>
@@ -2844,7 +2244,13 @@
       </p:sp>
       <p:sp>
         <p:nvSpPr>
-          <p:cNvPr id="9" name="Slide Number Placeholder 8"/>
+          <p:cNvPr id="9" name="Slide Number Placeholder 8">
+            <a:extLst>
+              <a:ext uri="{FF2B5EF4-FFF2-40B4-BE49-F238E27FC236}">
+                <a16:creationId xmlns:a16="http://schemas.microsoft.com/office/drawing/2014/main" id="{774198B2-777E-1D4D-9480-06FC169DF78C}"/>
+              </a:ext>
+            </a:extLst>
+          </p:cNvPr>
           <p:cNvSpPr>
             <a:spLocks noGrp="1"/>
           </p:cNvSpPr>
@@ -2868,7 +2274,7 @@
     </p:spTree>
     <p:extLst>
       <p:ext uri="{BB962C8B-B14F-4D97-AF65-F5344CB8AC3E}">
-        <p14:creationId xmlns:p14="http://schemas.microsoft.com/office/powerpoint/2010/main" val="2918773571"/>
+        <p14:creationId xmlns:p14="http://schemas.microsoft.com/office/powerpoint/2010/main" val="2876684398"/>
       </p:ext>
     </p:extLst>
   </p:cSld>
@@ -2898,7 +2304,13 @@
       </p:grpSpPr>
       <p:sp>
         <p:nvSpPr>
-          <p:cNvPr id="2" name="Title 1"/>
+          <p:cNvPr id="2" name="Title 1">
+            <a:extLst>
+              <a:ext uri="{FF2B5EF4-FFF2-40B4-BE49-F238E27FC236}">
+                <a16:creationId xmlns:a16="http://schemas.microsoft.com/office/drawing/2014/main" id="{C2488998-9B8B-5043-8976-6D3BBF9B108E}"/>
+              </a:ext>
+            </a:extLst>
+          </p:cNvPr>
           <p:cNvSpPr>
             <a:spLocks noGrp="1"/>
           </p:cNvSpPr>
@@ -2915,13 +2327,19 @@
               <a:rPr lang="en-GB"/>
               <a:t>Click to edit Master title style</a:t>
             </a:r>
-            <a:endParaRPr lang="en-US" dirty="0"/>
+            <a:endParaRPr lang="en-US"/>
           </a:p>
         </p:txBody>
       </p:sp>
       <p:sp>
         <p:nvSpPr>
-          <p:cNvPr id="3" name="Date Placeholder 2"/>
+          <p:cNvPr id="3" name="Date Placeholder 2">
+            <a:extLst>
+              <a:ext uri="{FF2B5EF4-FFF2-40B4-BE49-F238E27FC236}">
+                <a16:creationId xmlns:a16="http://schemas.microsoft.com/office/drawing/2014/main" id="{922CC45D-D96B-4442-9FD5-2F172EA60374}"/>
+              </a:ext>
+            </a:extLst>
+          </p:cNvPr>
           <p:cNvSpPr>
             <a:spLocks noGrp="1"/>
           </p:cNvSpPr>
@@ -2936,7 +2354,7 @@
           <a:p>
             <a:fld id="{4509A250-FF31-4206-8172-F9D3106AACB1}" type="datetimeFigureOut">
               <a:rPr lang="en-US" smtClean="0"/>
-              <a:t>6/6/20</a:t>
+              <a:t>6/18/20</a:t>
             </a:fld>
             <a:endParaRPr lang="en-US" dirty="0"/>
           </a:p>
@@ -2944,7 +2362,13 @@
       </p:sp>
       <p:sp>
         <p:nvSpPr>
-          <p:cNvPr id="4" name="Footer Placeholder 3"/>
+          <p:cNvPr id="4" name="Footer Placeholder 3">
+            <a:extLst>
+              <a:ext uri="{FF2B5EF4-FFF2-40B4-BE49-F238E27FC236}">
+                <a16:creationId xmlns:a16="http://schemas.microsoft.com/office/drawing/2014/main" id="{5C9683DD-AA6A-8940-8F28-794E463EC421}"/>
+              </a:ext>
+            </a:extLst>
+          </p:cNvPr>
           <p:cNvSpPr>
             <a:spLocks noGrp="1"/>
           </p:cNvSpPr>
@@ -2963,7 +2387,13 @@
       </p:sp>
       <p:sp>
         <p:nvSpPr>
-          <p:cNvPr id="5" name="Slide Number Placeholder 4"/>
+          <p:cNvPr id="5" name="Slide Number Placeholder 4">
+            <a:extLst>
+              <a:ext uri="{FF2B5EF4-FFF2-40B4-BE49-F238E27FC236}">
+                <a16:creationId xmlns:a16="http://schemas.microsoft.com/office/drawing/2014/main" id="{8E8AC353-8472-024F-B10D-E1CF59ED6489}"/>
+              </a:ext>
+            </a:extLst>
+          </p:cNvPr>
           <p:cNvSpPr>
             <a:spLocks noGrp="1"/>
           </p:cNvSpPr>
@@ -2987,7 +2417,7 @@
     </p:spTree>
     <p:extLst>
       <p:ext uri="{BB962C8B-B14F-4D97-AF65-F5344CB8AC3E}">
-        <p14:creationId xmlns:p14="http://schemas.microsoft.com/office/powerpoint/2010/main" val="3290436486"/>
+        <p14:creationId xmlns:p14="http://schemas.microsoft.com/office/powerpoint/2010/main" val="4152605243"/>
       </p:ext>
     </p:extLst>
   </p:cSld>
@@ -3016,7 +2446,13 @@
       </p:grpSpPr>
       <p:sp>
         <p:nvSpPr>
-          <p:cNvPr id="2" name="Date Placeholder 1"/>
+          <p:cNvPr id="2" name="Date Placeholder 1">
+            <a:extLst>
+              <a:ext uri="{FF2B5EF4-FFF2-40B4-BE49-F238E27FC236}">
+                <a16:creationId xmlns:a16="http://schemas.microsoft.com/office/drawing/2014/main" id="{737BEC5F-5D05-3342-B4BD-49E9DC874352}"/>
+              </a:ext>
+            </a:extLst>
+          </p:cNvPr>
           <p:cNvSpPr>
             <a:spLocks noGrp="1"/>
           </p:cNvSpPr>
@@ -3031,7 +2467,7 @@
           <a:p>
             <a:fld id="{4509A250-FF31-4206-8172-F9D3106AACB1}" type="datetimeFigureOut">
               <a:rPr lang="en-US" smtClean="0"/>
-              <a:t>6/6/20</a:t>
+              <a:t>6/18/20</a:t>
             </a:fld>
             <a:endParaRPr lang="en-US" dirty="0"/>
           </a:p>
@@ -3039,7 +2475,13 @@
       </p:sp>
       <p:sp>
         <p:nvSpPr>
-          <p:cNvPr id="3" name="Footer Placeholder 2"/>
+          <p:cNvPr id="3" name="Footer Placeholder 2">
+            <a:extLst>
+              <a:ext uri="{FF2B5EF4-FFF2-40B4-BE49-F238E27FC236}">
+                <a16:creationId xmlns:a16="http://schemas.microsoft.com/office/drawing/2014/main" id="{4E5F2484-AF9C-904A-AB38-E6C9575B63D5}"/>
+              </a:ext>
+            </a:extLst>
+          </p:cNvPr>
           <p:cNvSpPr>
             <a:spLocks noGrp="1"/>
           </p:cNvSpPr>
@@ -3058,7 +2500,13 @@
       </p:sp>
       <p:sp>
         <p:nvSpPr>
-          <p:cNvPr id="4" name="Slide Number Placeholder 3"/>
+          <p:cNvPr id="4" name="Slide Number Placeholder 3">
+            <a:extLst>
+              <a:ext uri="{FF2B5EF4-FFF2-40B4-BE49-F238E27FC236}">
+                <a16:creationId xmlns:a16="http://schemas.microsoft.com/office/drawing/2014/main" id="{E60D7163-D572-DC44-98BD-52711346EF8B}"/>
+              </a:ext>
+            </a:extLst>
+          </p:cNvPr>
           <p:cNvSpPr>
             <a:spLocks noGrp="1"/>
           </p:cNvSpPr>
@@ -3082,7 +2530,7 @@
     </p:spTree>
     <p:extLst>
       <p:ext uri="{BB962C8B-B14F-4D97-AF65-F5344CB8AC3E}">
-        <p14:creationId xmlns:p14="http://schemas.microsoft.com/office/powerpoint/2010/main" val="775188965"/>
+        <p14:creationId xmlns:p14="http://schemas.microsoft.com/office/powerpoint/2010/main" val="4180390972"/>
       </p:ext>
     </p:extLst>
   </p:cSld>
@@ -3093,7 +2541,7 @@
 </file>
 
 <file path=ppt/slideLayouts/slideLayout8.xml><?xml version="1.0" encoding="utf-8"?>
-<p:sldLayout xmlns:a="http://schemas.openxmlformats.org/drawingml/2006/main" xmlns:r="http://schemas.openxmlformats.org/officeDocument/2006/relationships" xmlns:p="http://schemas.openxmlformats.org/presentationml/2006/main" showMasterSp="0" type="objTx" preserve="1">
+<p:sldLayout xmlns:a="http://schemas.openxmlformats.org/drawingml/2006/main" xmlns:r="http://schemas.openxmlformats.org/officeDocument/2006/relationships" xmlns:p="http://schemas.openxmlformats.org/presentationml/2006/main" type="objTx" preserve="1">
   <p:cSld name="Content with Caption">
     <p:spTree>
       <p:nvGrpSpPr>
@@ -3111,83 +2559,13 @@
       </p:grpSpPr>
       <p:sp>
         <p:nvSpPr>
-          <p:cNvPr id="16" name="Rectangle 15"/>
-          <p:cNvSpPr/>
-          <p:nvPr/>
-        </p:nvSpPr>
-        <p:spPr>
-          <a:xfrm>
-            <a:off x="245529" y="237744"/>
-            <a:ext cx="8531352" cy="6382512"/>
-          </a:xfrm>
-          <a:prstGeom prst="rect">
-            <a:avLst/>
-          </a:prstGeom>
-          <a:solidFill>
-            <a:schemeClr val="bg2"/>
-          </a:solidFill>
-          <a:ln>
-            <a:noFill/>
-          </a:ln>
-        </p:spPr>
-        <p:style>
-          <a:lnRef idx="2">
-            <a:schemeClr val="accent1">
-              <a:shade val="50000"/>
-            </a:schemeClr>
-          </a:lnRef>
-          <a:fillRef idx="1">
-            <a:schemeClr val="accent1"/>
-          </a:fillRef>
-          <a:effectRef idx="0">
-            <a:schemeClr val="accent1"/>
-          </a:effectRef>
-          <a:fontRef idx="minor">
-            <a:schemeClr val="lt1"/>
-          </a:fontRef>
-        </p:style>
-      </p:sp>
-      <p:sp>
-        <p:nvSpPr>
-          <p:cNvPr id="15" name="Rectangle 14"/>
-          <p:cNvSpPr/>
-          <p:nvPr/>
-        </p:nvSpPr>
-        <p:spPr>
-          <a:xfrm>
-            <a:off x="9020386" y="237744"/>
-            <a:ext cx="2926080" cy="6382512"/>
-          </a:xfrm>
-          <a:prstGeom prst="rect">
-            <a:avLst/>
-          </a:prstGeom>
-          <a:solidFill>
-            <a:schemeClr val="accent1"/>
-          </a:solidFill>
-          <a:ln>
-            <a:noFill/>
-          </a:ln>
-        </p:spPr>
-        <p:style>
-          <a:lnRef idx="2">
-            <a:schemeClr val="accent1">
-              <a:shade val="50000"/>
-            </a:schemeClr>
-          </a:lnRef>
-          <a:fillRef idx="1">
-            <a:schemeClr val="accent1"/>
-          </a:fillRef>
-          <a:effectRef idx="0">
-            <a:schemeClr val="accent1"/>
-          </a:effectRef>
-          <a:fontRef idx="minor">
-            <a:schemeClr val="lt1"/>
-          </a:fontRef>
-        </p:style>
-      </p:sp>
-      <p:sp>
-        <p:nvSpPr>
-          <p:cNvPr id="2" name="Title 1"/>
+          <p:cNvPr id="2" name="Title 1">
+            <a:extLst>
+              <a:ext uri="{FF2B5EF4-FFF2-40B4-BE49-F238E27FC236}">
+                <a16:creationId xmlns:a16="http://schemas.microsoft.com/office/drawing/2014/main" id="{F0660A1A-8EA4-114C-9DE9-EB59BEE8B9A2}"/>
+              </a:ext>
+            </a:extLst>
+          </p:cNvPr>
           <p:cNvSpPr>
             <a:spLocks noGrp="1"/>
           </p:cNvSpPr>
@@ -3197,32 +2575,15 @@
         </p:nvSpPr>
         <p:spPr>
           <a:xfrm>
-            <a:off x="9296400" y="607392"/>
-            <a:ext cx="2430780" cy="1645920"/>
+            <a:off x="839788" y="457200"/>
+            <a:ext cx="3932237" cy="1600200"/>
           </a:xfrm>
         </p:spPr>
         <p:txBody>
-          <a:bodyPr anchor="b">
-            <a:normAutofit/>
-          </a:bodyPr>
+          <a:bodyPr anchor="b"/>
           <a:lstStyle>
-            <a:lvl1pPr algn="l" defTabSz="914400" rtl="0" eaLnBrk="1" latinLnBrk="0" hangingPunct="1">
-              <a:lnSpc>
-                <a:spcPct val="90000"/>
-              </a:lnSpc>
-              <a:spcBef>
-                <a:spcPct val="0"/>
-              </a:spcBef>
-              <a:buNone/>
-              <a:defRPr lang="en-US" sz="2800" b="0" kern="1200" cap="none" spc="0" baseline="0" dirty="0">
-                <a:solidFill>
-                  <a:srgbClr val="FFFFFF"/>
-                </a:solidFill>
-                <a:effectLst/>
-                <a:latin typeface="+mj-lt"/>
-                <a:ea typeface="+mn-ea"/>
-                <a:cs typeface="+mn-cs"/>
-              </a:defRPr>
+            <a:lvl1pPr>
+              <a:defRPr sz="3200"/>
             </a:lvl1pPr>
           </a:lstStyle>
           <a:p>
@@ -3230,13 +2591,19 @@
               <a:rPr lang="en-GB"/>
               <a:t>Click to edit Master title style</a:t>
             </a:r>
-            <a:endParaRPr lang="en-US" dirty="0"/>
+            <a:endParaRPr lang="en-US"/>
           </a:p>
         </p:txBody>
       </p:sp>
       <p:sp>
         <p:nvSpPr>
-          <p:cNvPr id="3" name="Content Placeholder 2"/>
+          <p:cNvPr id="3" name="Content Placeholder 2">
+            <a:extLst>
+              <a:ext uri="{FF2B5EF4-FFF2-40B4-BE49-F238E27FC236}">
+                <a16:creationId xmlns:a16="http://schemas.microsoft.com/office/drawing/2014/main" id="{A4F49CC0-82FF-3046-B926-8077E6C6807B}"/>
+              </a:ext>
+            </a:extLst>
+          </p:cNvPr>
           <p:cNvSpPr>
             <a:spLocks noGrp="1"/>
           </p:cNvSpPr>
@@ -3246,39 +2613,39 @@
         </p:nvSpPr>
         <p:spPr>
           <a:xfrm>
-            <a:off x="685800" y="609600"/>
-            <a:ext cx="7772400" cy="5334000"/>
+            <a:off x="5183188" y="987425"/>
+            <a:ext cx="6172200" cy="4873625"/>
           </a:xfrm>
         </p:spPr>
         <p:txBody>
           <a:bodyPr/>
           <a:lstStyle>
             <a:lvl1pPr>
-              <a:defRPr sz="1800"/>
+              <a:defRPr sz="3200"/>
             </a:lvl1pPr>
             <a:lvl2pPr>
-              <a:defRPr sz="1600"/>
+              <a:defRPr sz="2800"/>
             </a:lvl2pPr>
             <a:lvl3pPr>
-              <a:defRPr sz="1400"/>
+              <a:defRPr sz="2400"/>
             </a:lvl3pPr>
             <a:lvl4pPr>
-              <a:defRPr sz="1400"/>
+              <a:defRPr sz="2000"/>
             </a:lvl4pPr>
             <a:lvl5pPr>
-              <a:defRPr sz="1400"/>
+              <a:defRPr sz="2000"/>
             </a:lvl5pPr>
             <a:lvl6pPr>
-              <a:defRPr sz="1400"/>
+              <a:defRPr sz="2000"/>
             </a:lvl6pPr>
             <a:lvl7pPr>
-              <a:defRPr sz="1400"/>
+              <a:defRPr sz="2000"/>
             </a:lvl7pPr>
             <a:lvl8pPr>
-              <a:defRPr sz="1400"/>
+              <a:defRPr sz="2000"/>
             </a:lvl8pPr>
             <a:lvl9pPr>
-              <a:defRPr sz="1400"/>
+              <a:defRPr sz="2000"/>
             </a:lvl9pPr>
           </a:lstStyle>
           <a:p>
@@ -3315,13 +2682,19 @@
               <a:rPr lang="en-GB"/>
               <a:t>Fifth level</a:t>
             </a:r>
-            <a:endParaRPr lang="en-US" dirty="0"/>
+            <a:endParaRPr lang="en-US"/>
           </a:p>
         </p:txBody>
       </p:sp>
       <p:sp>
         <p:nvSpPr>
-          <p:cNvPr id="4" name="Text Placeholder 3"/>
+          <p:cNvPr id="4" name="Text Placeholder 3">
+            <a:extLst>
+              <a:ext uri="{FF2B5EF4-FFF2-40B4-BE49-F238E27FC236}">
+                <a16:creationId xmlns:a16="http://schemas.microsoft.com/office/drawing/2014/main" id="{AE420D02-6BFC-D04D-97F5-1DD7024B3C02}"/>
+              </a:ext>
+            </a:extLst>
+          </p:cNvPr>
           <p:cNvSpPr>
             <a:spLocks noGrp="1"/>
           </p:cNvSpPr>
@@ -3331,60 +2704,48 @@
         </p:nvSpPr>
         <p:spPr>
           <a:xfrm>
-            <a:off x="9296400" y="2286000"/>
-            <a:ext cx="2430780" cy="3505200"/>
+            <a:off x="839788" y="2057400"/>
+            <a:ext cx="3932237" cy="3811588"/>
           </a:xfrm>
         </p:spPr>
         <p:txBody>
-          <a:bodyPr>
-            <a:normAutofit/>
-          </a:bodyPr>
+          <a:bodyPr/>
           <a:lstStyle>
             <a:lvl1pPr marL="0" indent="0">
-              <a:lnSpc>
-                <a:spcPct val="110000"/>
-              </a:lnSpc>
-              <a:spcBef>
-                <a:spcPts val="800"/>
-              </a:spcBef>
               <a:buNone/>
-              <a:defRPr sz="1400">
-                <a:solidFill>
-                  <a:srgbClr val="FFFFFF"/>
-                </a:solidFill>
-              </a:defRPr>
+              <a:defRPr sz="1600"/>
             </a:lvl1pPr>
             <a:lvl2pPr marL="457200" indent="0">
               <a:buNone/>
-              <a:defRPr sz="1200"/>
+              <a:defRPr sz="1400"/>
             </a:lvl2pPr>
             <a:lvl3pPr marL="914400" indent="0">
               <a:buNone/>
-              <a:defRPr sz="1000"/>
+              <a:defRPr sz="1200"/>
             </a:lvl3pPr>
             <a:lvl4pPr marL="1371600" indent="0">
               <a:buNone/>
-              <a:defRPr sz="900"/>
+              <a:defRPr sz="1000"/>
             </a:lvl4pPr>
             <a:lvl5pPr marL="1828800" indent="0">
               <a:buNone/>
-              <a:defRPr sz="900"/>
+              <a:defRPr sz="1000"/>
             </a:lvl5pPr>
             <a:lvl6pPr marL="2286000" indent="0">
               <a:buNone/>
-              <a:defRPr sz="900"/>
+              <a:defRPr sz="1000"/>
             </a:lvl6pPr>
             <a:lvl7pPr marL="2743200" indent="0">
               <a:buNone/>
-              <a:defRPr sz="900"/>
+              <a:defRPr sz="1000"/>
             </a:lvl7pPr>
             <a:lvl8pPr marL="3200400" indent="0">
               <a:buNone/>
-              <a:defRPr sz="900"/>
+              <a:defRPr sz="1000"/>
             </a:lvl8pPr>
             <a:lvl9pPr marL="3657600" indent="0">
               <a:buNone/>
-              <a:defRPr sz="900"/>
+              <a:defRPr sz="1000"/>
             </a:lvl9pPr>
           </a:lstStyle>
           <a:p>
@@ -3398,7 +2759,13 @@
       </p:sp>
       <p:sp>
         <p:nvSpPr>
-          <p:cNvPr id="8" name="Date Placeholder 7"/>
+          <p:cNvPr id="5" name="Date Placeholder 4">
+            <a:extLst>
+              <a:ext uri="{FF2B5EF4-FFF2-40B4-BE49-F238E27FC236}">
+                <a16:creationId xmlns:a16="http://schemas.microsoft.com/office/drawing/2014/main" id="{B3A68471-8C1B-534A-BC05-B037FF7A20D3}"/>
+              </a:ext>
+            </a:extLst>
+          </p:cNvPr>
           <p:cNvSpPr>
             <a:spLocks noGrp="1"/>
           </p:cNvSpPr>
@@ -3413,7 +2780,7 @@
           <a:p>
             <a:fld id="{4AAD347D-5ACD-4C99-B74B-A9C85AD731AF}" type="datetimeFigureOut">
               <a:rPr lang="en-US" smtClean="0"/>
-              <a:t>6/6/20</a:t>
+              <a:t>6/18/20</a:t>
             </a:fld>
             <a:endParaRPr lang="en-US" dirty="0"/>
           </a:p>
@@ -3421,7 +2788,13 @@
       </p:sp>
       <p:sp>
         <p:nvSpPr>
-          <p:cNvPr id="9" name="Footer Placeholder 8"/>
+          <p:cNvPr id="6" name="Footer Placeholder 5">
+            <a:extLst>
+              <a:ext uri="{FF2B5EF4-FFF2-40B4-BE49-F238E27FC236}">
+                <a16:creationId xmlns:a16="http://schemas.microsoft.com/office/drawing/2014/main" id="{A2597DD0-E3AF-9946-A828-10E0A11EFF27}"/>
+              </a:ext>
+            </a:extLst>
+          </p:cNvPr>
           <p:cNvSpPr>
             <a:spLocks noGrp="1"/>
           </p:cNvSpPr>
@@ -3432,11 +2805,7 @@
         <p:spPr/>
         <p:txBody>
           <a:bodyPr/>
-          <a:lstStyle>
-            <a:lvl1pPr algn="r">
-              <a:defRPr/>
-            </a:lvl1pPr>
-          </a:lstStyle>
+          <a:lstStyle/>
           <a:p>
             <a:endParaRPr lang="en-US" dirty="0"/>
           </a:p>
@@ -3444,7 +2813,13 @@
       </p:sp>
       <p:sp>
         <p:nvSpPr>
-          <p:cNvPr id="11" name="Slide Number Placeholder 10"/>
+          <p:cNvPr id="7" name="Slide Number Placeholder 6">
+            <a:extLst>
+              <a:ext uri="{FF2B5EF4-FFF2-40B4-BE49-F238E27FC236}">
+                <a16:creationId xmlns:a16="http://schemas.microsoft.com/office/drawing/2014/main" id="{F145261A-E11B-A347-B755-1AA332A46AFA}"/>
+              </a:ext>
+            </a:extLst>
+          </p:cNvPr>
           <p:cNvSpPr>
             <a:spLocks noGrp="1"/>
           </p:cNvSpPr>
@@ -3452,23 +2827,10 @@
             <p:ph type="sldNum" sz="quarter" idx="12"/>
           </p:nvPr>
         </p:nvSpPr>
-        <p:spPr>
-          <a:xfrm>
-            <a:off x="10393677" y="6223002"/>
-            <a:ext cx="1463040" cy="274320"/>
-          </a:xfrm>
-        </p:spPr>
+        <p:spPr/>
         <p:txBody>
           <a:bodyPr/>
-          <a:lstStyle>
-            <a:lvl1pPr>
-              <a:defRPr>
-                <a:solidFill>
-                  <a:srgbClr val="FFFFFF"/>
-                </a:solidFill>
-              </a:defRPr>
-            </a:lvl1pPr>
-          </a:lstStyle>
+          <a:lstStyle/>
           <a:p>
             <a:fld id="{D57F1E4F-1CFF-5643-939E-02111984F565}" type="slidenum">
               <a:rPr lang="en-US" smtClean="0"/>
@@ -3478,49 +2840,10 @@
           </a:p>
         </p:txBody>
       </p:sp>
-      <p:sp>
-        <p:nvSpPr>
-          <p:cNvPr id="12" name="Rectangle 11"/>
-          <p:cNvSpPr/>
-          <p:nvPr/>
-        </p:nvSpPr>
-        <p:spPr>
-          <a:xfrm>
-            <a:off x="9157546" y="374904"/>
-            <a:ext cx="2651760" cy="6108192"/>
-          </a:xfrm>
-          <a:prstGeom prst="rect">
-            <a:avLst/>
-          </a:prstGeom>
-          <a:noFill/>
-          <a:ln w="6350" cap="sq">
-            <a:solidFill>
-              <a:srgbClr val="FFFFFF"/>
-            </a:solidFill>
-            <a:miter lim="800000"/>
-          </a:ln>
-        </p:spPr>
-        <p:style>
-          <a:lnRef idx="2">
-            <a:schemeClr val="accent1">
-              <a:shade val="50000"/>
-            </a:schemeClr>
-          </a:lnRef>
-          <a:fillRef idx="1">
-            <a:schemeClr val="accent1"/>
-          </a:fillRef>
-          <a:effectRef idx="0">
-            <a:schemeClr val="accent1"/>
-          </a:effectRef>
-          <a:fontRef idx="minor">
-            <a:schemeClr val="lt1"/>
-          </a:fontRef>
-        </p:style>
-      </p:sp>
     </p:spTree>
     <p:extLst>
       <p:ext uri="{BB962C8B-B14F-4D97-AF65-F5344CB8AC3E}">
-        <p14:creationId xmlns:p14="http://schemas.microsoft.com/office/powerpoint/2010/main" val="3058748976"/>
+        <p14:creationId xmlns:p14="http://schemas.microsoft.com/office/powerpoint/2010/main" val="2834883163"/>
       </p:ext>
     </p:extLst>
   </p:cSld>
@@ -3537,7 +2860,7 @@
 </file>
 
 <file path=ppt/slideLayouts/slideLayout9.xml><?xml version="1.0" encoding="utf-8"?>
-<p:sldLayout xmlns:a="http://schemas.openxmlformats.org/drawingml/2006/main" xmlns:r="http://schemas.openxmlformats.org/officeDocument/2006/relationships" xmlns:p="http://schemas.openxmlformats.org/presentationml/2006/main" showMasterSp="0" type="picTx" preserve="1">
+<p:sldLayout xmlns:a="http://schemas.openxmlformats.org/drawingml/2006/main" xmlns:r="http://schemas.openxmlformats.org/officeDocument/2006/relationships" xmlns:p="http://schemas.openxmlformats.org/presentationml/2006/main" type="picTx" preserve="1">
   <p:cSld name="Picture with Caption">
     <p:spTree>
       <p:nvGrpSpPr>
@@ -3555,45 +2878,13 @@
       </p:grpSpPr>
       <p:sp>
         <p:nvSpPr>
-          <p:cNvPr id="14" name="Rectangle 13"/>
-          <p:cNvSpPr/>
-          <p:nvPr/>
-        </p:nvSpPr>
-        <p:spPr>
-          <a:xfrm>
-            <a:off x="9020386" y="237744"/>
-            <a:ext cx="2926080" cy="6382512"/>
-          </a:xfrm>
-          <a:prstGeom prst="rect">
-            <a:avLst/>
-          </a:prstGeom>
-          <a:solidFill>
-            <a:schemeClr val="accent1"/>
-          </a:solidFill>
-          <a:ln>
-            <a:noFill/>
-          </a:ln>
-        </p:spPr>
-        <p:style>
-          <a:lnRef idx="2">
-            <a:schemeClr val="accent1">
-              <a:shade val="50000"/>
-            </a:schemeClr>
-          </a:lnRef>
-          <a:fillRef idx="1">
-            <a:schemeClr val="accent1"/>
-          </a:fillRef>
-          <a:effectRef idx="0">
-            <a:schemeClr val="accent1"/>
-          </a:effectRef>
-          <a:fontRef idx="minor">
-            <a:schemeClr val="lt1"/>
-          </a:fontRef>
-        </p:style>
-      </p:sp>
-      <p:sp>
-        <p:nvSpPr>
-          <p:cNvPr id="2" name="Title 1"/>
+          <p:cNvPr id="2" name="Title 1">
+            <a:extLst>
+              <a:ext uri="{FF2B5EF4-FFF2-40B4-BE49-F238E27FC236}">
+                <a16:creationId xmlns:a16="http://schemas.microsoft.com/office/drawing/2014/main" id="{352DFBBD-9028-6044-815B-24727361BD1C}"/>
+              </a:ext>
+            </a:extLst>
+          </p:cNvPr>
           <p:cNvSpPr>
             <a:spLocks noGrp="1"/>
           </p:cNvSpPr>
@@ -3603,22 +2894,15 @@
         </p:nvSpPr>
         <p:spPr>
           <a:xfrm>
-            <a:off x="9296400" y="603504"/>
-            <a:ext cx="2432304" cy="1645920"/>
+            <a:off x="839788" y="457200"/>
+            <a:ext cx="3932237" cy="1600200"/>
           </a:xfrm>
         </p:spPr>
         <p:txBody>
-          <a:bodyPr anchor="b">
-            <a:noAutofit/>
-          </a:bodyPr>
+          <a:bodyPr anchor="b"/>
           <a:lstStyle>
-            <a:lvl1pPr algn="l">
-              <a:defRPr sz="2800" b="0">
-                <a:solidFill>
-                  <a:srgbClr val="FFFFFF"/>
-                </a:solidFill>
-                <a:latin typeface="+mj-lt"/>
-              </a:defRPr>
+            <a:lvl1pPr>
+              <a:defRPr sz="3200"/>
             </a:lvl1pPr>
           </a:lstStyle>
           <a:p>
@@ -3626,15 +2910,21 @@
               <a:rPr lang="en-GB"/>
               <a:t>Click to edit Master title style</a:t>
             </a:r>
-            <a:endParaRPr lang="en-US" dirty="0"/>
+            <a:endParaRPr lang="en-US"/>
           </a:p>
         </p:txBody>
       </p:sp>
       <p:sp>
         <p:nvSpPr>
-          <p:cNvPr id="3" name="Picture Placeholder 2"/>
+          <p:cNvPr id="3" name="Picture Placeholder 2">
+            <a:extLst>
+              <a:ext uri="{FF2B5EF4-FFF2-40B4-BE49-F238E27FC236}">
+                <a16:creationId xmlns:a16="http://schemas.microsoft.com/office/drawing/2014/main" id="{74D822D2-F4D9-2A4B-ADE8-502CF60FB9DD}"/>
+              </a:ext>
+            </a:extLst>
+          </p:cNvPr>
           <p:cNvSpPr>
-            <a:spLocks noGrp="1" noChangeAspect="1"/>
+            <a:spLocks noGrp="1"/>
           </p:cNvSpPr>
           <p:nvPr>
             <p:ph type="pic" idx="1"/>
@@ -3642,21 +2932,12 @@
         </p:nvSpPr>
         <p:spPr>
           <a:xfrm>
-            <a:off x="228599" y="237744"/>
-            <a:ext cx="8531352" cy="6382512"/>
+            <a:off x="5183188" y="987425"/>
+            <a:ext cx="6172200" cy="4873625"/>
           </a:xfrm>
-          <a:solidFill>
-            <a:schemeClr val="accent1">
-              <a:lumMod val="60000"/>
-              <a:lumOff val="40000"/>
-            </a:schemeClr>
-          </a:solidFill>
-          <a:ln>
-            <a:noFill/>
-          </a:ln>
         </p:spPr>
         <p:txBody>
-          <a:bodyPr anchor="t"/>
+          <a:bodyPr/>
           <a:lstStyle>
             <a:lvl1pPr marL="0" indent="0">
               <a:buNone/>
@@ -3696,17 +2977,19 @@
             </a:lvl9pPr>
           </a:lstStyle>
           <a:p>
-            <a:r>
-              <a:rPr lang="en-GB"/>
-              <a:t>Click icon to add picture</a:t>
-            </a:r>
-            <a:endParaRPr lang="en-US" dirty="0"/>
+            <a:endParaRPr lang="en-US"/>
           </a:p>
         </p:txBody>
       </p:sp>
       <p:sp>
         <p:nvSpPr>
-          <p:cNvPr id="4" name="Text Placeholder 3"/>
+          <p:cNvPr id="4" name="Text Placeholder 3">
+            <a:extLst>
+              <a:ext uri="{FF2B5EF4-FFF2-40B4-BE49-F238E27FC236}">
+                <a16:creationId xmlns:a16="http://schemas.microsoft.com/office/drawing/2014/main" id="{227D5768-B827-9741-84F9-CDF8640381DE}"/>
+              </a:ext>
+            </a:extLst>
+          </p:cNvPr>
           <p:cNvSpPr>
             <a:spLocks noGrp="1"/>
           </p:cNvSpPr>
@@ -3716,60 +2999,48 @@
         </p:nvSpPr>
         <p:spPr>
           <a:xfrm>
-            <a:off x="9296400" y="2286000"/>
-            <a:ext cx="2432304" cy="3502152"/>
+            <a:off x="839788" y="2057400"/>
+            <a:ext cx="3932237" cy="3811588"/>
           </a:xfrm>
         </p:spPr>
         <p:txBody>
-          <a:bodyPr>
-            <a:normAutofit/>
-          </a:bodyPr>
+          <a:bodyPr/>
           <a:lstStyle>
-            <a:lvl1pPr marL="0" indent="0" algn="l">
-              <a:lnSpc>
-                <a:spcPct val="110000"/>
-              </a:lnSpc>
-              <a:spcBef>
-                <a:spcPts val="800"/>
-              </a:spcBef>
+            <a:lvl1pPr marL="0" indent="0">
               <a:buNone/>
-              <a:defRPr sz="1400">
-                <a:solidFill>
-                  <a:srgbClr val="FFFFFF"/>
-                </a:solidFill>
-              </a:defRPr>
+              <a:defRPr sz="1600"/>
             </a:lvl1pPr>
             <a:lvl2pPr marL="457200" indent="0">
               <a:buNone/>
-              <a:defRPr sz="1200"/>
+              <a:defRPr sz="1400"/>
             </a:lvl2pPr>
             <a:lvl3pPr marL="914400" indent="0">
               <a:buNone/>
-              <a:defRPr sz="1000"/>
+              <a:defRPr sz="1200"/>
             </a:lvl3pPr>
             <a:lvl4pPr marL="1371600" indent="0">
               <a:buNone/>
-              <a:defRPr sz="900"/>
+              <a:defRPr sz="1000"/>
             </a:lvl4pPr>
             <a:lvl5pPr marL="1828800" indent="0">
               <a:buNone/>
-              <a:defRPr sz="900"/>
+              <a:defRPr sz="1000"/>
             </a:lvl5pPr>
             <a:lvl6pPr marL="2286000" indent="0">
               <a:buNone/>
-              <a:defRPr sz="900"/>
+              <a:defRPr sz="1000"/>
             </a:lvl6pPr>
             <a:lvl7pPr marL="2743200" indent="0">
               <a:buNone/>
-              <a:defRPr sz="900"/>
+              <a:defRPr sz="1000"/>
             </a:lvl7pPr>
             <a:lvl8pPr marL="3200400" indent="0">
               <a:buNone/>
-              <a:defRPr sz="900"/>
+              <a:defRPr sz="1000"/>
             </a:lvl8pPr>
             <a:lvl9pPr marL="3657600" indent="0">
               <a:buNone/>
-              <a:defRPr sz="900"/>
+              <a:defRPr sz="1000"/>
             </a:lvl9pPr>
           </a:lstStyle>
           <a:p>
@@ -3783,7 +3054,13 @@
       </p:sp>
       <p:sp>
         <p:nvSpPr>
-          <p:cNvPr id="5" name="Date Placeholder 4"/>
+          <p:cNvPr id="5" name="Date Placeholder 4">
+            <a:extLst>
+              <a:ext uri="{FF2B5EF4-FFF2-40B4-BE49-F238E27FC236}">
+                <a16:creationId xmlns:a16="http://schemas.microsoft.com/office/drawing/2014/main" id="{973CF340-964D-F845-B477-5412DAB86A60}"/>
+              </a:ext>
+            </a:extLst>
+          </p:cNvPr>
           <p:cNvSpPr>
             <a:spLocks noGrp="1"/>
           </p:cNvSpPr>
@@ -3794,26 +3071,11 @@
         <p:spPr/>
         <p:txBody>
           <a:bodyPr/>
-          <a:lstStyle>
-            <a:lvl1pPr>
-              <a:defRPr>
-                <a:solidFill>
-                  <a:srgbClr val="FFFFFF"/>
-                </a:solidFill>
-                <a:effectLst>
-                  <a:outerShdw blurRad="12700" dist="6350" dir="2700000" algn="tl" rotWithShape="0">
-                    <a:prstClr val="black">
-                      <a:alpha val="40000"/>
-                    </a:prstClr>
-                  </a:outerShdw>
-                </a:effectLst>
-              </a:defRPr>
-            </a:lvl1pPr>
-          </a:lstStyle>
+          <a:lstStyle/>
           <a:p>
             <a:fld id="{4509A250-FF31-4206-8172-F9D3106AACB1}" type="datetimeFigureOut">
               <a:rPr lang="en-US" smtClean="0"/>
-              <a:t>6/6/20</a:t>
+              <a:t>6/18/20</a:t>
             </a:fld>
             <a:endParaRPr lang="en-US" dirty="0"/>
           </a:p>
@@ -3821,7 +3083,13 @@
       </p:sp>
       <p:sp>
         <p:nvSpPr>
-          <p:cNvPr id="6" name="Footer Placeholder 5"/>
+          <p:cNvPr id="6" name="Footer Placeholder 5">
+            <a:extLst>
+              <a:ext uri="{FF2B5EF4-FFF2-40B4-BE49-F238E27FC236}">
+                <a16:creationId xmlns:a16="http://schemas.microsoft.com/office/drawing/2014/main" id="{29BE4962-B541-F64E-9729-F62F8583BEC7}"/>
+              </a:ext>
+            </a:extLst>
+          </p:cNvPr>
           <p:cNvSpPr>
             <a:spLocks noGrp="1"/>
           </p:cNvSpPr>
@@ -3832,25 +3100,7 @@
         <p:spPr/>
         <p:txBody>
           <a:bodyPr/>
-          <a:lstStyle>
-            <a:lvl1pPr marL="0" algn="r" defTabSz="914400" rtl="0" eaLnBrk="1" latinLnBrk="0" hangingPunct="1">
-              <a:defRPr lang="en-US" sz="1000" kern="1200" dirty="0">
-                <a:solidFill>
-                  <a:srgbClr val="FFFFFF"/>
-                </a:solidFill>
-                <a:effectLst>
-                  <a:outerShdw blurRad="12700" dist="6350" dir="2700000" algn="tl" rotWithShape="0">
-                    <a:prstClr val="black">
-                      <a:alpha val="40000"/>
-                    </a:prstClr>
-                  </a:outerShdw>
-                </a:effectLst>
-                <a:latin typeface="+mn-lt"/>
-                <a:ea typeface="+mn-ea"/>
-                <a:cs typeface="+mn-cs"/>
-              </a:defRPr>
-            </a:lvl1pPr>
-          </a:lstStyle>
+          <a:lstStyle/>
           <a:p>
             <a:endParaRPr lang="en-US"/>
           </a:p>
@@ -3858,7 +3108,13 @@
       </p:sp>
       <p:sp>
         <p:nvSpPr>
-          <p:cNvPr id="7" name="Slide Number Placeholder 6"/>
+          <p:cNvPr id="7" name="Slide Number Placeholder 6">
+            <a:extLst>
+              <a:ext uri="{FF2B5EF4-FFF2-40B4-BE49-F238E27FC236}">
+                <a16:creationId xmlns:a16="http://schemas.microsoft.com/office/drawing/2014/main" id="{766E2329-71E4-D541-83E8-DBAADBDE245D}"/>
+              </a:ext>
+            </a:extLst>
+          </p:cNvPr>
           <p:cNvSpPr>
             <a:spLocks noGrp="1"/>
           </p:cNvSpPr>
@@ -3866,23 +3122,10 @@
             <p:ph type="sldNum" sz="quarter" idx="12"/>
           </p:nvPr>
         </p:nvSpPr>
-        <p:spPr>
-          <a:xfrm>
-            <a:off x="10396728" y="6227064"/>
-            <a:ext cx="1463040" cy="274320"/>
-          </a:xfrm>
-        </p:spPr>
+        <p:spPr/>
         <p:txBody>
           <a:bodyPr/>
-          <a:lstStyle>
-            <a:lvl1pPr>
-              <a:defRPr>
-                <a:solidFill>
-                  <a:srgbClr val="FFFFFF"/>
-                </a:solidFill>
-              </a:defRPr>
-            </a:lvl1pPr>
-          </a:lstStyle>
+          <a:lstStyle/>
           <a:p>
             <a:fld id="{D57F1E4F-1CFF-5643-939E-02111984F565}" type="slidenum">
               <a:rPr lang="en-US" smtClean="0"/>
@@ -3892,49 +3135,10 @@
           </a:p>
         </p:txBody>
       </p:sp>
-      <p:sp>
-        <p:nvSpPr>
-          <p:cNvPr id="10" name="Rectangle 9"/>
-          <p:cNvSpPr/>
-          <p:nvPr/>
-        </p:nvSpPr>
-        <p:spPr>
-          <a:xfrm>
-            <a:off x="9157546" y="374904"/>
-            <a:ext cx="2651760" cy="6108192"/>
-          </a:xfrm>
-          <a:prstGeom prst="rect">
-            <a:avLst/>
-          </a:prstGeom>
-          <a:noFill/>
-          <a:ln w="6350" cap="sq">
-            <a:solidFill>
-              <a:srgbClr val="FFFFFF"/>
-            </a:solidFill>
-            <a:miter lim="800000"/>
-          </a:ln>
-        </p:spPr>
-        <p:style>
-          <a:lnRef idx="2">
-            <a:schemeClr val="accent1">
-              <a:shade val="50000"/>
-            </a:schemeClr>
-          </a:lnRef>
-          <a:fillRef idx="1">
-            <a:schemeClr val="accent1"/>
-          </a:fillRef>
-          <a:effectRef idx="0">
-            <a:schemeClr val="accent1"/>
-          </a:effectRef>
-          <a:fontRef idx="minor">
-            <a:schemeClr val="lt1"/>
-          </a:fontRef>
-        </p:style>
-      </p:sp>
     </p:spTree>
     <p:extLst>
       <p:ext uri="{BB962C8B-B14F-4D97-AF65-F5344CB8AC3E}">
-        <p14:creationId xmlns:p14="http://schemas.microsoft.com/office/powerpoint/2010/main" val="3371750980"/>
+        <p14:creationId xmlns:p14="http://schemas.microsoft.com/office/powerpoint/2010/main" val="1694166608"/>
       </p:ext>
     </p:extLst>
   </p:cSld>
@@ -3948,12 +3152,9 @@
 <p:sldMaster xmlns:a="http://schemas.openxmlformats.org/drawingml/2006/main" xmlns:r="http://schemas.openxmlformats.org/officeDocument/2006/relationships" xmlns:p="http://schemas.openxmlformats.org/presentationml/2006/main">
   <p:cSld>
     <p:bg>
-      <p:bgPr>
-        <a:solidFill>
-          <a:schemeClr val="bg1"/>
-        </a:solidFill>
-        <a:effectLst/>
-      </p:bgPr>
+      <p:bgRef idx="1001">
+        <a:schemeClr val="bg1"/>
+      </p:bgRef>
     </p:bg>
     <p:spTree>
       <p:nvGrpSpPr>
@@ -3971,33 +3172,13 @@
       </p:grpSpPr>
       <p:sp>
         <p:nvSpPr>
-          <p:cNvPr id="7" name="Rectangle 6"/>
-          <p:cNvSpPr/>
-          <p:nvPr/>
-        </p:nvSpPr>
-        <p:spPr>
-          <a:xfrm>
-            <a:off x="234696" y="237744"/>
-            <a:ext cx="11722608" cy="6382512"/>
-          </a:xfrm>
-          <a:prstGeom prst="rect">
-            <a:avLst/>
-          </a:prstGeom>
-          <a:solidFill>
-            <a:schemeClr val="bg2"/>
-          </a:solidFill>
-          <a:ln w="6350" cap="flat" cmpd="sng" algn="ctr">
-            <a:noFill/>
-            <a:prstDash val="solid"/>
-          </a:ln>
-          <a:effectLst>
-            <a:softEdge rad="0"/>
-          </a:effectLst>
-        </p:spPr>
-      </p:sp>
-      <p:sp>
-        <p:nvSpPr>
-          <p:cNvPr id="2" name="Title Placeholder 1"/>
+          <p:cNvPr id="2" name="Title Placeholder 1">
+            <a:extLst>
+              <a:ext uri="{FF2B5EF4-FFF2-40B4-BE49-F238E27FC236}">
+                <a16:creationId xmlns:a16="http://schemas.microsoft.com/office/drawing/2014/main" id="{98573549-E396-FF49-922E-0C1F446265D5}"/>
+              </a:ext>
+            </a:extLst>
+          </p:cNvPr>
           <p:cNvSpPr>
             <a:spLocks noGrp="1"/>
           </p:cNvSpPr>
@@ -4007,8 +3188,8 @@
         </p:nvSpPr>
         <p:spPr>
           <a:xfrm>
-            <a:off x="1066800" y="642594"/>
-            <a:ext cx="10058400" cy="1371600"/>
+            <a:off x="838200" y="365125"/>
+            <a:ext cx="10515600" cy="1325563"/>
           </a:xfrm>
           <a:prstGeom prst="rect">
             <a:avLst/>
@@ -4021,7 +3202,7 @@
           <a:lstStyle/>
           <a:p>
             <a:r>
-              <a:rPr lang="en-GB"/>
+              <a:rPr lang="en-GB" dirty="0"/>
               <a:t>Click to edit Master title style</a:t>
             </a:r>
             <a:endParaRPr lang="en-US" dirty="0"/>
@@ -4030,7 +3211,13 @@
       </p:sp>
       <p:sp>
         <p:nvSpPr>
-          <p:cNvPr id="3" name="Text Placeholder 2"/>
+          <p:cNvPr id="3" name="Text Placeholder 2">
+            <a:extLst>
+              <a:ext uri="{FF2B5EF4-FFF2-40B4-BE49-F238E27FC236}">
+                <a16:creationId xmlns:a16="http://schemas.microsoft.com/office/drawing/2014/main" id="{73E813F2-8067-7849-AF4F-B83F187814A5}"/>
+              </a:ext>
+            </a:extLst>
+          </p:cNvPr>
           <p:cNvSpPr>
             <a:spLocks noGrp="1"/>
           </p:cNvSpPr>
@@ -4040,8 +3227,8 @@
         </p:nvSpPr>
         <p:spPr>
           <a:xfrm>
-            <a:off x="1066800" y="2103120"/>
-            <a:ext cx="10058400" cy="3931920"/>
+            <a:off x="838200" y="1825625"/>
+            <a:ext cx="10515600" cy="4351338"/>
           </a:xfrm>
           <a:prstGeom prst="rect">
             <a:avLst/>
@@ -4055,35 +3242,35 @@
           <a:p>
             <a:pPr lvl="0"/>
             <a:r>
-              <a:rPr lang="en-GB"/>
+              <a:rPr lang="en-GB" dirty="0"/>
               <a:t>Click to edit Master text styles</a:t>
             </a:r>
           </a:p>
           <a:p>
             <a:pPr lvl="1"/>
             <a:r>
-              <a:rPr lang="en-GB"/>
+              <a:rPr lang="en-GB" dirty="0"/>
               <a:t>Second level</a:t>
             </a:r>
           </a:p>
           <a:p>
             <a:pPr lvl="2"/>
             <a:r>
-              <a:rPr lang="en-GB"/>
+              <a:rPr lang="en-GB" dirty="0"/>
               <a:t>Third level</a:t>
             </a:r>
           </a:p>
           <a:p>
             <a:pPr lvl="3"/>
             <a:r>
-              <a:rPr lang="en-GB"/>
+              <a:rPr lang="en-GB" dirty="0"/>
               <a:t>Fourth level</a:t>
             </a:r>
           </a:p>
           <a:p>
             <a:pPr lvl="4"/>
             <a:r>
-              <a:rPr lang="en-GB"/>
+              <a:rPr lang="en-GB" dirty="0"/>
               <a:t>Fifth level</a:t>
             </a:r>
             <a:endParaRPr lang="en-US" dirty="0"/>
@@ -4092,7 +3279,13 @@
       </p:sp>
       <p:sp>
         <p:nvSpPr>
-          <p:cNvPr id="4" name="Date Placeholder 3"/>
+          <p:cNvPr id="4" name="Date Placeholder 3">
+            <a:extLst>
+              <a:ext uri="{FF2B5EF4-FFF2-40B4-BE49-F238E27FC236}">
+                <a16:creationId xmlns:a16="http://schemas.microsoft.com/office/drawing/2014/main" id="{7A1B0ECA-CF97-0745-831E-85864992647E}"/>
+              </a:ext>
+            </a:extLst>
+          </p:cNvPr>
           <p:cNvSpPr>
             <a:spLocks noGrp="1"/>
           </p:cNvSpPr>
@@ -4102,22 +3295,21 @@
         </p:nvSpPr>
         <p:spPr>
           <a:xfrm>
-            <a:off x="274320" y="6307672"/>
-            <a:ext cx="2743200" cy="274320"/>
+            <a:off x="838200" y="6356350"/>
+            <a:ext cx="2743200" cy="365125"/>
           </a:xfrm>
           <a:prstGeom prst="rect">
             <a:avLst/>
           </a:prstGeom>
         </p:spPr>
         <p:txBody>
-          <a:bodyPr vert="horz" lIns="91440" tIns="45720" rIns="91440" bIns="45720" rtlCol="0" anchor="b"/>
+          <a:bodyPr vert="horz" lIns="91440" tIns="45720" rIns="91440" bIns="45720" rtlCol="0" anchor="ctr"/>
           <a:lstStyle>
             <a:lvl1pPr algn="l">
-              <a:defRPr sz="1000">
+              <a:defRPr sz="1200">
                 <a:solidFill>
                   <a:schemeClr val="tx1">
-                    <a:lumMod val="75000"/>
-                    <a:lumOff val="25000"/>
+                    <a:tint val="75000"/>
                   </a:schemeClr>
                 </a:solidFill>
               </a:defRPr>
@@ -4126,7 +3318,7 @@
           <a:p>
             <a:fld id="{4AAD347D-5ACD-4C99-B74B-A9C85AD731AF}" type="datetimeFigureOut">
               <a:rPr lang="en-US" smtClean="0"/>
-              <a:t>6/6/20</a:t>
+              <a:t>6/18/20</a:t>
             </a:fld>
             <a:endParaRPr lang="en-US" dirty="0"/>
           </a:p>
@@ -4134,7 +3326,13 @@
       </p:sp>
       <p:sp>
         <p:nvSpPr>
-          <p:cNvPr id="5" name="Footer Placeholder 4"/>
+          <p:cNvPr id="5" name="Footer Placeholder 4">
+            <a:extLst>
+              <a:ext uri="{FF2B5EF4-FFF2-40B4-BE49-F238E27FC236}">
+                <a16:creationId xmlns:a16="http://schemas.microsoft.com/office/drawing/2014/main" id="{FDC149BB-2AE8-5E41-837A-EA314D7DCF4F}"/>
+              </a:ext>
+            </a:extLst>
+          </p:cNvPr>
           <p:cNvSpPr>
             <a:spLocks noGrp="1"/>
           </p:cNvSpPr>
@@ -4144,22 +3342,21 @@
         </p:nvSpPr>
         <p:spPr>
           <a:xfrm>
-            <a:off x="3489960" y="6307672"/>
-            <a:ext cx="5212080" cy="274320"/>
+            <a:off x="4038600" y="6356350"/>
+            <a:ext cx="4114800" cy="365125"/>
           </a:xfrm>
           <a:prstGeom prst="rect">
             <a:avLst/>
           </a:prstGeom>
         </p:spPr>
         <p:txBody>
-          <a:bodyPr vert="horz" lIns="91440" tIns="45720" rIns="91440" bIns="45720" rtlCol="0" anchor="b"/>
+          <a:bodyPr vert="horz" lIns="91440" tIns="45720" rIns="91440" bIns="45720" rtlCol="0" anchor="ctr"/>
           <a:lstStyle>
             <a:lvl1pPr algn="ctr">
-              <a:defRPr sz="1000">
+              <a:defRPr sz="1200">
                 <a:solidFill>
                   <a:schemeClr val="tx1">
-                    <a:lumMod val="75000"/>
-                    <a:lumOff val="25000"/>
+                    <a:tint val="75000"/>
                   </a:schemeClr>
                 </a:solidFill>
               </a:defRPr>
@@ -4172,7 +3369,13 @@
       </p:sp>
       <p:sp>
         <p:nvSpPr>
-          <p:cNvPr id="6" name="Slide Number Placeholder 5"/>
+          <p:cNvPr id="6" name="Slide Number Placeholder 5">
+            <a:extLst>
+              <a:ext uri="{FF2B5EF4-FFF2-40B4-BE49-F238E27FC236}">
+                <a16:creationId xmlns:a16="http://schemas.microsoft.com/office/drawing/2014/main" id="{20F90DE2-6900-A447-A375-946EDCC5C3F0}"/>
+              </a:ext>
+            </a:extLst>
+          </p:cNvPr>
           <p:cNvSpPr>
             <a:spLocks noGrp="1"/>
           </p:cNvSpPr>
@@ -4182,22 +3385,21 @@
         </p:nvSpPr>
         <p:spPr>
           <a:xfrm>
-            <a:off x="10469880" y="6307672"/>
-            <a:ext cx="1463040" cy="274320"/>
+            <a:off x="8610600" y="6356350"/>
+            <a:ext cx="2743200" cy="365125"/>
           </a:xfrm>
           <a:prstGeom prst="rect">
             <a:avLst/>
           </a:prstGeom>
         </p:spPr>
         <p:txBody>
-          <a:bodyPr vert="horz" lIns="91440" tIns="45720" rIns="91440" bIns="45720" rtlCol="0" anchor="b"/>
+          <a:bodyPr vert="horz" lIns="91440" tIns="45720" rIns="91440" bIns="45720" rtlCol="0" anchor="ctr"/>
           <a:lstStyle>
             <a:lvl1pPr algn="r">
-              <a:defRPr sz="1000">
+              <a:defRPr sz="1200">
                 <a:solidFill>
                   <a:schemeClr val="tx1">
-                    <a:lumMod val="75000"/>
-                    <a:lumOff val="25000"/>
+                    <a:tint val="75000"/>
                   </a:schemeClr>
                 </a:solidFill>
               </a:defRPr>
@@ -4215,23 +3417,23 @@
     </p:spTree>
     <p:extLst>
       <p:ext uri="{BB962C8B-B14F-4D97-AF65-F5344CB8AC3E}">
-        <p14:creationId xmlns:p14="http://schemas.microsoft.com/office/powerpoint/2010/main" val="2281518641"/>
+        <p14:creationId xmlns:p14="http://schemas.microsoft.com/office/powerpoint/2010/main" val="591079094"/>
       </p:ext>
     </p:extLst>
   </p:cSld>
   <p:clrMap bg1="lt1" tx1="dk1" bg2="lt2" tx2="dk2" accent1="accent1" accent2="accent2" accent3="accent3" accent4="accent4" accent5="accent5" accent6="accent6" hlink="hlink" folHlink="folHlink"/>
   <p:sldLayoutIdLst>
-    <p:sldLayoutId id="2147483943" r:id="rId1"/>
-    <p:sldLayoutId id="2147483944" r:id="rId2"/>
-    <p:sldLayoutId id="2147483945" r:id="rId3"/>
-    <p:sldLayoutId id="2147483946" r:id="rId4"/>
-    <p:sldLayoutId id="2147483947" r:id="rId5"/>
-    <p:sldLayoutId id="2147483948" r:id="rId6"/>
-    <p:sldLayoutId id="2147483949" r:id="rId7"/>
-    <p:sldLayoutId id="2147483950" r:id="rId8"/>
-    <p:sldLayoutId id="2147483951" r:id="rId9"/>
-    <p:sldLayoutId id="2147483952" r:id="rId10"/>
-    <p:sldLayoutId id="2147483953" r:id="rId11"/>
+    <p:sldLayoutId id="2147483955" r:id="rId1"/>
+    <p:sldLayoutId id="2147483956" r:id="rId2"/>
+    <p:sldLayoutId id="2147483957" r:id="rId3"/>
+    <p:sldLayoutId id="2147483958" r:id="rId4"/>
+    <p:sldLayoutId id="2147483959" r:id="rId5"/>
+    <p:sldLayoutId id="2147483960" r:id="rId6"/>
+    <p:sldLayoutId id="2147483961" r:id="rId7"/>
+    <p:sldLayoutId id="2147483962" r:id="rId8"/>
+    <p:sldLayoutId id="2147483963" r:id="rId9"/>
+    <p:sldLayoutId id="2147483964" r:id="rId10"/>
+    <p:sldLayoutId id="2147483965" r:id="rId11"/>
   </p:sldLayoutIdLst>
   <p:hf sldNum="0" hdr="0" ftr="0" dt="0"/>
   <p:txStyles>
@@ -4244,39 +3446,128 @@
           <a:spcPct val="0"/>
         </a:spcBef>
         <a:buNone/>
-        <a:defRPr lang="en-US" sz="4800" kern="1200" cap="none" spc="0" baseline="0" dirty="0">
+        <a:defRPr sz="4400" kern="1200">
           <a:solidFill>
-            <a:schemeClr val="tx1">
-              <a:lumMod val="85000"/>
-              <a:lumOff val="15000"/>
+            <a:schemeClr val="tx2">
+              <a:lumMod val="75000"/>
             </a:schemeClr>
           </a:solidFill>
-          <a:effectLst/>
           <a:latin typeface="+mj-lt"/>
+          <a:ea typeface="+mj-ea"/>
+          <a:cs typeface="+mj-cs"/>
+        </a:defRPr>
+      </a:lvl1pPr>
+    </p:titleStyle>
+    <p:bodyStyle>
+      <a:lvl1pPr marL="228600" indent="-228600" algn="l" defTabSz="914400" rtl="0" eaLnBrk="1" latinLnBrk="0" hangingPunct="1">
+        <a:lnSpc>
+          <a:spcPct val="90000"/>
+        </a:lnSpc>
+        <a:spcBef>
+          <a:spcPts val="1000"/>
+        </a:spcBef>
+        <a:buFont typeface="Arial" panose="020B0604020202020204" pitchFamily="34" charset="0"/>
+        <a:buChar char="•"/>
+        <a:defRPr sz="2800" kern="1200">
+          <a:solidFill>
+            <a:schemeClr val="tx2">
+              <a:lumMod val="75000"/>
+            </a:schemeClr>
+          </a:solidFill>
+          <a:latin typeface="+mn-lt"/>
           <a:ea typeface="+mn-ea"/>
           <a:cs typeface="+mn-cs"/>
         </a:defRPr>
       </a:lvl1pPr>
-    </p:titleStyle>
-    <p:bodyStyle>
-      <a:lvl1pPr marL="182880" indent="-182880" algn="l" defTabSz="914400" rtl="0" eaLnBrk="1" latinLnBrk="0" hangingPunct="1">
+      <a:lvl2pPr marL="685800" indent="-228600" algn="l" defTabSz="914400" rtl="0" eaLnBrk="1" latinLnBrk="0" hangingPunct="1">
         <a:lnSpc>
-          <a:spcPct val="100000"/>
+          <a:spcPct val="90000"/>
         </a:lnSpc>
         <a:spcBef>
-          <a:spcPts val="900"/>
+          <a:spcPts val="500"/>
         </a:spcBef>
-        <a:spcAft>
-          <a:spcPts val="0"/>
-        </a:spcAft>
-        <a:buClr>
-          <a:schemeClr val="tx1">
-            <a:lumMod val="85000"/>
-            <a:lumOff val="15000"/>
-          </a:schemeClr>
-        </a:buClr>
-        <a:buFont typeface="Garamond" pitchFamily="18" charset="0"/>
-        <a:buChar char="◦"/>
+        <a:buFont typeface="Arial" panose="020B0604020202020204" pitchFamily="34" charset="0"/>
+        <a:buChar char="•"/>
+        <a:defRPr sz="2400" kern="1200">
+          <a:solidFill>
+            <a:schemeClr val="tx2">
+              <a:lumMod val="75000"/>
+            </a:schemeClr>
+          </a:solidFill>
+          <a:latin typeface="+mn-lt"/>
+          <a:ea typeface="+mn-ea"/>
+          <a:cs typeface="+mn-cs"/>
+        </a:defRPr>
+      </a:lvl2pPr>
+      <a:lvl3pPr marL="1143000" indent="-228600" algn="l" defTabSz="914400" rtl="0" eaLnBrk="1" latinLnBrk="0" hangingPunct="1">
+        <a:lnSpc>
+          <a:spcPct val="90000"/>
+        </a:lnSpc>
+        <a:spcBef>
+          <a:spcPts val="500"/>
+        </a:spcBef>
+        <a:buFont typeface="Arial" panose="020B0604020202020204" pitchFamily="34" charset="0"/>
+        <a:buChar char="•"/>
+        <a:defRPr sz="2000" kern="1200">
+          <a:solidFill>
+            <a:schemeClr val="tx2">
+              <a:lumMod val="75000"/>
+            </a:schemeClr>
+          </a:solidFill>
+          <a:latin typeface="+mn-lt"/>
+          <a:ea typeface="+mn-ea"/>
+          <a:cs typeface="+mn-cs"/>
+        </a:defRPr>
+      </a:lvl3pPr>
+      <a:lvl4pPr marL="1600200" indent="-228600" algn="l" defTabSz="914400" rtl="0" eaLnBrk="1" latinLnBrk="0" hangingPunct="1">
+        <a:lnSpc>
+          <a:spcPct val="90000"/>
+        </a:lnSpc>
+        <a:spcBef>
+          <a:spcPts val="500"/>
+        </a:spcBef>
+        <a:buFont typeface="Arial" panose="020B0604020202020204" pitchFamily="34" charset="0"/>
+        <a:buChar char="•"/>
+        <a:defRPr sz="1800" kern="1200">
+          <a:solidFill>
+            <a:schemeClr val="tx2">
+              <a:lumMod val="75000"/>
+            </a:schemeClr>
+          </a:solidFill>
+          <a:latin typeface="+mn-lt"/>
+          <a:ea typeface="+mn-ea"/>
+          <a:cs typeface="+mn-cs"/>
+        </a:defRPr>
+      </a:lvl4pPr>
+      <a:lvl5pPr marL="2057400" indent="-228600" algn="l" defTabSz="914400" rtl="0" eaLnBrk="1" latinLnBrk="0" hangingPunct="1">
+        <a:lnSpc>
+          <a:spcPct val="90000"/>
+        </a:lnSpc>
+        <a:spcBef>
+          <a:spcPts val="500"/>
+        </a:spcBef>
+        <a:buFont typeface="Arial" panose="020B0604020202020204" pitchFamily="34" charset="0"/>
+        <a:buChar char="•"/>
+        <a:defRPr sz="1800" kern="1200">
+          <a:solidFill>
+            <a:schemeClr val="tx2">
+              <a:lumMod val="75000"/>
+            </a:schemeClr>
+          </a:solidFill>
+          <a:latin typeface="+mn-lt"/>
+          <a:ea typeface="+mn-ea"/>
+          <a:cs typeface="+mn-cs"/>
+        </a:defRPr>
+      </a:lvl5pPr>
+      <a:lvl6pPr marL="2514600" indent="-228600" algn="l" defTabSz="914400" rtl="0" eaLnBrk="1" latinLnBrk="0" hangingPunct="1">
+        <a:lnSpc>
+          <a:spcPct val="90000"/>
+        </a:lnSpc>
+        <a:spcBef>
+          <a:spcPts val="500"/>
+        </a:spcBef>
+        <a:buFont typeface="Arial" panose="020B0604020202020204" pitchFamily="34" charset="0"/>
+        <a:buChar char="•"/>
         <a:defRPr sz="1800" kern="1200">
           <a:solidFill>
             <a:schemeClr val="tx1"/>
@@ -4285,143 +3576,17 @@
           <a:ea typeface="+mn-ea"/>
           <a:cs typeface="+mn-cs"/>
         </a:defRPr>
-      </a:lvl1pPr>
-      <a:lvl2pPr marL="457200" indent="-182880" algn="l" defTabSz="914400" rtl="0" eaLnBrk="1" latinLnBrk="0" hangingPunct="1">
+      </a:lvl6pPr>
+      <a:lvl7pPr marL="2971800" indent="-228600" algn="l" defTabSz="914400" rtl="0" eaLnBrk="1" latinLnBrk="0" hangingPunct="1">
         <a:lnSpc>
-          <a:spcPct val="100000"/>
+          <a:spcPct val="90000"/>
         </a:lnSpc>
         <a:spcBef>
           <a:spcPts val="500"/>
         </a:spcBef>
-        <a:buClr>
-          <a:schemeClr val="tx1">
-            <a:lumMod val="85000"/>
-            <a:lumOff val="15000"/>
-          </a:schemeClr>
-        </a:buClr>
-        <a:buFont typeface="Garamond" pitchFamily="18" charset="0"/>
-        <a:buChar char="◦"/>
-        <a:defRPr sz="1600" kern="1200">
-          <a:solidFill>
-            <a:schemeClr val="tx1"/>
-          </a:solidFill>
-          <a:latin typeface="+mn-lt"/>
-          <a:ea typeface="+mn-ea"/>
-          <a:cs typeface="+mn-cs"/>
-        </a:defRPr>
-      </a:lvl2pPr>
-      <a:lvl3pPr marL="731520" indent="-182880" algn="l" defTabSz="914400" rtl="0" eaLnBrk="1" latinLnBrk="0" hangingPunct="1">
-        <a:lnSpc>
-          <a:spcPct val="100000"/>
-        </a:lnSpc>
-        <a:spcBef>
-          <a:spcPts val="500"/>
-        </a:spcBef>
-        <a:buClr>
-          <a:schemeClr val="tx1">
-            <a:lumMod val="85000"/>
-            <a:lumOff val="15000"/>
-          </a:schemeClr>
-        </a:buClr>
-        <a:buFont typeface="Garamond" pitchFamily="18" charset="0"/>
-        <a:buChar char="◦"/>
-        <a:defRPr sz="1400" kern="1200">
-          <a:solidFill>
-            <a:schemeClr val="tx1"/>
-          </a:solidFill>
-          <a:latin typeface="+mn-lt"/>
-          <a:ea typeface="+mn-ea"/>
-          <a:cs typeface="+mn-cs"/>
-        </a:defRPr>
-      </a:lvl3pPr>
-      <a:lvl4pPr marL="1005840" indent="-182880" algn="l" defTabSz="914400" rtl="0" eaLnBrk="1" latinLnBrk="0" hangingPunct="1">
-        <a:lnSpc>
-          <a:spcPct val="100000"/>
-        </a:lnSpc>
-        <a:spcBef>
-          <a:spcPts val="500"/>
-        </a:spcBef>
-        <a:buClr>
-          <a:schemeClr val="tx1">
-            <a:lumMod val="85000"/>
-            <a:lumOff val="15000"/>
-          </a:schemeClr>
-        </a:buClr>
-        <a:buFont typeface="Garamond" pitchFamily="18" charset="0"/>
-        <a:buChar char="◦"/>
-        <a:defRPr sz="1400" kern="1200">
-          <a:solidFill>
-            <a:schemeClr val="tx1"/>
-          </a:solidFill>
-          <a:latin typeface="+mn-lt"/>
-          <a:ea typeface="+mn-ea"/>
-          <a:cs typeface="+mn-cs"/>
-        </a:defRPr>
-      </a:lvl4pPr>
-      <a:lvl5pPr marL="1280160" indent="-182880" algn="l" defTabSz="914400" rtl="0" eaLnBrk="1" latinLnBrk="0" hangingPunct="1">
-        <a:lnSpc>
-          <a:spcPct val="100000"/>
-        </a:lnSpc>
-        <a:spcBef>
-          <a:spcPts val="500"/>
-        </a:spcBef>
-        <a:buClr>
-          <a:schemeClr val="tx1">
-            <a:lumMod val="85000"/>
-            <a:lumOff val="15000"/>
-          </a:schemeClr>
-        </a:buClr>
-        <a:buFont typeface="Garamond" pitchFamily="18" charset="0"/>
-        <a:buChar char="◦"/>
-        <a:defRPr sz="1400" kern="1200">
-          <a:solidFill>
-            <a:schemeClr val="tx1"/>
-          </a:solidFill>
-          <a:latin typeface="+mn-lt"/>
-          <a:ea typeface="+mn-ea"/>
-          <a:cs typeface="+mn-cs"/>
-        </a:defRPr>
-      </a:lvl5pPr>
-      <a:lvl6pPr marL="1600000" indent="-228600" algn="l" defTabSz="914400" rtl="0" eaLnBrk="1" latinLnBrk="0" hangingPunct="1">
-        <a:lnSpc>
-          <a:spcPct val="100000"/>
-        </a:lnSpc>
-        <a:spcBef>
-          <a:spcPts val="500"/>
-        </a:spcBef>
-        <a:buClr>
-          <a:schemeClr val="tx1">
-            <a:lumMod val="85000"/>
-            <a:lumOff val="15000"/>
-          </a:schemeClr>
-        </a:buClr>
-        <a:buFont typeface="Garamond" pitchFamily="18" charset="0"/>
-        <a:buChar char="◦"/>
-        <a:defRPr sz="1400" kern="1200">
-          <a:solidFill>
-            <a:schemeClr val="tx1"/>
-          </a:solidFill>
-          <a:latin typeface="+mn-lt"/>
-          <a:ea typeface="+mn-ea"/>
-          <a:cs typeface="+mn-cs"/>
-        </a:defRPr>
-      </a:lvl6pPr>
-      <a:lvl7pPr marL="1900000" indent="-228600" algn="l" defTabSz="914400" rtl="0" eaLnBrk="1" latinLnBrk="0" hangingPunct="1">
-        <a:lnSpc>
-          <a:spcPct val="100000"/>
-        </a:lnSpc>
-        <a:spcBef>
-          <a:spcPts val="500"/>
-        </a:spcBef>
-        <a:buClr>
-          <a:schemeClr val="tx1">
-            <a:lumMod val="85000"/>
-            <a:lumOff val="15000"/>
-          </a:schemeClr>
-        </a:buClr>
-        <a:buFont typeface="Garamond" pitchFamily="18" charset="0"/>
-        <a:buChar char="◦"/>
-        <a:defRPr sz="1400" kern="1200">
+        <a:buFont typeface="Arial" panose="020B0604020202020204" pitchFamily="34" charset="0"/>
+        <a:buChar char="•"/>
+        <a:defRPr sz="1800" kern="1200">
           <a:solidFill>
             <a:schemeClr val="tx1"/>
           </a:solidFill>
@@ -4430,22 +3595,16 @@
           <a:cs typeface="+mn-cs"/>
         </a:defRPr>
       </a:lvl7pPr>
-      <a:lvl8pPr marL="2200000" indent="-228600" algn="l" defTabSz="914400" rtl="0" eaLnBrk="1" latinLnBrk="0" hangingPunct="1">
+      <a:lvl8pPr marL="3429000" indent="-228600" algn="l" defTabSz="914400" rtl="0" eaLnBrk="1" latinLnBrk="0" hangingPunct="1">
         <a:lnSpc>
-          <a:spcPct val="100000"/>
+          <a:spcPct val="90000"/>
         </a:lnSpc>
         <a:spcBef>
           <a:spcPts val="500"/>
         </a:spcBef>
-        <a:buClr>
-          <a:schemeClr val="tx1">
-            <a:lumMod val="85000"/>
-            <a:lumOff val="15000"/>
-          </a:schemeClr>
-        </a:buClr>
-        <a:buFont typeface="Garamond" pitchFamily="18" charset="0"/>
-        <a:buChar char="◦"/>
-        <a:defRPr sz="1400" kern="1200">
+        <a:buFont typeface="Arial" panose="020B0604020202020204" pitchFamily="34" charset="0"/>
+        <a:buChar char="•"/>
+        <a:defRPr sz="1800" kern="1200">
           <a:solidFill>
             <a:schemeClr val="tx1"/>
           </a:solidFill>
@@ -4454,22 +3613,16 @@
           <a:cs typeface="+mn-cs"/>
         </a:defRPr>
       </a:lvl8pPr>
-      <a:lvl9pPr marL="2500000" indent="-228600" algn="l" defTabSz="914400" rtl="0" eaLnBrk="1" latinLnBrk="0" hangingPunct="1">
+      <a:lvl9pPr marL="3886200" indent="-228600" algn="l" defTabSz="914400" rtl="0" eaLnBrk="1" latinLnBrk="0" hangingPunct="1">
         <a:lnSpc>
-          <a:spcPct val="100000"/>
+          <a:spcPct val="90000"/>
         </a:lnSpc>
         <a:spcBef>
           <a:spcPts val="500"/>
         </a:spcBef>
-        <a:buClr>
-          <a:schemeClr val="tx1">
-            <a:lumMod val="85000"/>
-            <a:lumOff val="15000"/>
-          </a:schemeClr>
-        </a:buClr>
-        <a:buFont typeface="Garamond" pitchFamily="18" charset="0"/>
-        <a:buChar char="◦"/>
-        <a:defRPr sz="1400" kern="1200">
+        <a:buFont typeface="Arial" panose="020B0604020202020204" pitchFamily="34" charset="0"/>
+        <a:buChar char="•"/>
+        <a:defRPr sz="1800" kern="1200">
           <a:solidFill>
             <a:schemeClr val="tx1"/>
           </a:solidFill>
@@ -4588,32 +3741,9 @@
   <p:cSld>
     <p:bg>
       <p:bgPr>
-        <a:gradFill rotWithShape="1">
-          <a:gsLst>
-            <a:gs pos="0">
-              <a:schemeClr val="bg2">
-                <a:tint val="90000"/>
-                <a:shade val="92000"/>
-                <a:satMod val="160000"/>
-              </a:schemeClr>
-            </a:gs>
-            <a:gs pos="77000">
-              <a:schemeClr val="bg2">
-                <a:tint val="100000"/>
-                <a:shade val="73000"/>
-                <a:satMod val="155000"/>
-              </a:schemeClr>
-            </a:gs>
-            <a:gs pos="100000">
-              <a:schemeClr val="bg2">
-                <a:tint val="100000"/>
-                <a:shade val="67000"/>
-                <a:satMod val="145000"/>
-              </a:schemeClr>
-            </a:gs>
-          </a:gsLst>
-          <a:lin ang="5400000" scaled="0"/>
-        </a:gradFill>
+        <a:solidFill>
+          <a:schemeClr val="tx1"/>
+        </a:solidFill>
         <a:effectLst/>
       </p:bgPr>
     </p:bg>
@@ -4633,130 +3763,6 @@
       </p:grpSpPr>
       <p:sp>
         <p:nvSpPr>
-          <p:cNvPr id="8" name="Rectangle 7">
-            <a:extLst>
-              <a:ext uri="{FF2B5EF4-FFF2-40B4-BE49-F238E27FC236}">
-                <a16:creationId xmlns:a16="http://schemas.microsoft.com/office/drawing/2014/main" id="{AA927C3B-99B6-4CC8-9B17-E037F8499584}"/>
-              </a:ext>
-              <a:ext uri="{C183D7F6-B498-43B3-948B-1728B52AA6E4}">
-                <adec:decorative xmlns:adec="http://schemas.microsoft.com/office/drawing/2017/decorative" val="1"/>
-              </a:ext>
-            </a:extLst>
-          </p:cNvPr>
-          <p:cNvSpPr>
-            <a:spLocks noGrp="1" noRot="1" noChangeAspect="1" noMove="1" noResize="1" noEditPoints="1" noAdjustHandles="1" noChangeArrowheads="1" noChangeShapeType="1" noTextEdit="1"/>
-          </p:cNvSpPr>
-          <p:nvPr>
-            <p:extLst>
-              <p:ext uri="{386F3935-93C4-4BCD-93E2-E3B085C9AB24}">
-                <p16:designElem xmlns:p16="http://schemas.microsoft.com/office/powerpoint/2015/main" val="1"/>
-              </p:ext>
-            </p:extLst>
-          </p:nvPr>
-        </p:nvSpPr>
-        <p:spPr>
-          <a:xfrm>
-            <a:off x="0" y="0"/>
-            <a:ext cx="12192000" cy="6858000"/>
-          </a:xfrm>
-          <a:prstGeom prst="rect">
-            <a:avLst/>
-          </a:prstGeom>
-          <a:solidFill>
-            <a:schemeClr val="tx2"/>
-          </a:solidFill>
-          <a:ln w="6350" cap="sq" cmpd="sng" algn="ctr">
-            <a:noFill/>
-            <a:prstDash val="solid"/>
-            <a:miter lim="800000"/>
-          </a:ln>
-          <a:effectLst/>
-        </p:spPr>
-      </p:sp>
-      <p:sp>
-        <p:nvSpPr>
-          <p:cNvPr id="10" name="Rectangle 9">
-            <a:extLst>
-              <a:ext uri="{FF2B5EF4-FFF2-40B4-BE49-F238E27FC236}">
-                <a16:creationId xmlns:a16="http://schemas.microsoft.com/office/drawing/2014/main" id="{1C1D606D-4DA3-4806-8F40-02982F4AD00D}"/>
-              </a:ext>
-              <a:ext uri="{C183D7F6-B498-43B3-948B-1728B52AA6E4}">
-                <adec:decorative xmlns:adec="http://schemas.microsoft.com/office/drawing/2017/decorative" val="1"/>
-              </a:ext>
-            </a:extLst>
-          </p:cNvPr>
-          <p:cNvSpPr>
-            <a:spLocks noGrp="1" noRot="1" noChangeAspect="1" noMove="1" noResize="1" noEditPoints="1" noAdjustHandles="1" noChangeArrowheads="1" noChangeShapeType="1" noTextEdit="1"/>
-          </p:cNvSpPr>
-          <p:nvPr>
-            <p:extLst>
-              <p:ext uri="{386F3935-93C4-4BCD-93E2-E3B085C9AB24}">
-                <p16:designElem xmlns:p16="http://schemas.microsoft.com/office/powerpoint/2015/main" val="1"/>
-              </p:ext>
-            </p:extLst>
-          </p:nvPr>
-        </p:nvSpPr>
-        <p:spPr>
-          <a:xfrm>
-            <a:off x="643242" y="643464"/>
-            <a:ext cx="10905291" cy="5571072"/>
-          </a:xfrm>
-          <a:prstGeom prst="rect">
-            <a:avLst/>
-          </a:prstGeom>
-          <a:solidFill>
-            <a:srgbClr val="FFFFFF"/>
-          </a:solidFill>
-          <a:ln w="9525" cap="flat" cmpd="sng" algn="ctr">
-            <a:noFill/>
-            <a:prstDash val="solid"/>
-          </a:ln>
-          <a:effectLst>
-            <a:softEdge rad="0"/>
-          </a:effectLst>
-        </p:spPr>
-      </p:sp>
-      <p:sp useBgFill="1">
-        <p:nvSpPr>
-          <p:cNvPr id="12" name="Rectangle 11">
-            <a:extLst>
-              <a:ext uri="{FF2B5EF4-FFF2-40B4-BE49-F238E27FC236}">
-                <a16:creationId xmlns:a16="http://schemas.microsoft.com/office/drawing/2014/main" id="{CD7A4F52-D451-483C-8243-5B0F83B91D28}"/>
-              </a:ext>
-              <a:ext uri="{C183D7F6-B498-43B3-948B-1728B52AA6E4}">
-                <adec:decorative xmlns:adec="http://schemas.microsoft.com/office/drawing/2017/decorative" val="1"/>
-              </a:ext>
-            </a:extLst>
-          </p:cNvPr>
-          <p:cNvSpPr>
-            <a:spLocks noGrp="1" noRot="1" noChangeAspect="1" noMove="1" noResize="1" noEditPoints="1" noAdjustHandles="1" noChangeArrowheads="1" noChangeShapeType="1" noTextEdit="1"/>
-          </p:cNvSpPr>
-          <p:nvPr>
-            <p:extLst>
-              <p:ext uri="{386F3935-93C4-4BCD-93E2-E3B085C9AB24}">
-                <p16:designElem xmlns:p16="http://schemas.microsoft.com/office/powerpoint/2015/main" val="1"/>
-              </p:ext>
-            </p:extLst>
-          </p:nvPr>
-        </p:nvSpPr>
-        <p:spPr>
-          <a:xfrm>
-            <a:off x="806680" y="809244"/>
-            <a:ext cx="10579608" cy="5239512"/>
-          </a:xfrm>
-          <a:prstGeom prst="rect">
-            <a:avLst/>
-          </a:prstGeom>
-          <a:ln w="6350" cap="sq" cmpd="sng" algn="ctr">
-            <a:noFill/>
-            <a:prstDash val="solid"/>
-            <a:miter lim="800000"/>
-          </a:ln>
-          <a:effectLst/>
-        </p:spPr>
-      </p:sp>
-      <p:sp>
-        <p:nvSpPr>
           <p:cNvPr id="2" name="Title 1">
             <a:extLst>
               <a:ext uri="{FF2B5EF4-FFF2-40B4-BE49-F238E27FC236}">
@@ -4768,29 +3774,45 @@
             <a:spLocks noGrp="1"/>
           </p:cNvSpPr>
           <p:nvPr>
-            <p:ph type="ctrTitle"/>
+            <p:ph type="title"/>
           </p:nvPr>
         </p:nvSpPr>
-        <p:spPr>
-          <a:xfrm>
-            <a:off x="1141883" y="1260389"/>
-            <a:ext cx="6704658" cy="4335616"/>
-          </a:xfrm>
-        </p:spPr>
+        <p:spPr/>
         <p:txBody>
           <a:bodyPr>
-            <a:normAutofit/>
+            <a:normAutofit fontScale="90000"/>
           </a:bodyPr>
           <a:lstStyle/>
           <a:p>
-            <a:pPr algn="r"/>
+            <a:pPr algn="ctr"/>
             <a:r>
               <a:rPr lang="en-US" sz="5400" cap="none" dirty="0">
                 <a:solidFill>
-                  <a:schemeClr val="tx1"/>
-                </a:solidFill>
-              </a:rPr>
-              <a:t>Introduction to programming  (Python)</a:t>
+                  <a:schemeClr val="bg2">
+                    <a:lumMod val="75000"/>
+                  </a:schemeClr>
+                </a:solidFill>
+              </a:rPr>
+              <a:t>Introduction to programming  </a:t>
+            </a:r>
+            <a:br>
+              <a:rPr lang="en-US" sz="5400" cap="none" dirty="0">
+                <a:solidFill>
+                  <a:schemeClr val="bg2">
+                    <a:lumMod val="75000"/>
+                  </a:schemeClr>
+                </a:solidFill>
+              </a:rPr>
+            </a:br>
+            <a:r>
+              <a:rPr lang="en-US" sz="5400" cap="none" dirty="0">
+                <a:solidFill>
+                  <a:schemeClr val="bg2">
+                    <a:lumMod val="75000"/>
+                  </a:schemeClr>
+                </a:solidFill>
+              </a:rPr>
+              <a:t>(Python)</a:t>
             </a:r>
           </a:p>
         </p:txBody>
@@ -4808,108 +3830,63 @@
             <a:spLocks noGrp="1"/>
           </p:cNvSpPr>
           <p:nvPr>
-            <p:ph type="subTitle" idx="1"/>
+            <p:ph idx="1"/>
           </p:nvPr>
         </p:nvSpPr>
-        <p:spPr>
-          <a:xfrm>
-            <a:off x="8413205" y="1260389"/>
-            <a:ext cx="2658449" cy="4334006"/>
-          </a:xfrm>
-        </p:spPr>
+        <p:spPr/>
         <p:txBody>
           <a:bodyPr anchor="ctr">
             <a:normAutofit/>
           </a:bodyPr>
           <a:lstStyle/>
           <a:p>
-            <a:pPr algn="l">
+            <a:pPr marL="0" indent="0" algn="ctr">
               <a:spcAft>
                 <a:spcPts val="600"/>
               </a:spcAft>
+              <a:buNone/>
             </a:pPr>
             <a:r>
-              <a:rPr lang="en-US" sz="2000" cap="none" dirty="0"/>
+              <a:rPr lang="en-US" sz="2000" cap="none" dirty="0">
+                <a:solidFill>
+                  <a:schemeClr val="bg2">
+                    <a:lumMod val="75000"/>
+                  </a:schemeClr>
+                </a:solidFill>
+              </a:rPr>
               <a:t>Session</a:t>
             </a:r>
             <a:r>
-              <a:rPr lang="en-US" sz="2000" dirty="0"/>
+              <a:rPr lang="en-US" sz="2000" dirty="0">
+                <a:solidFill>
+                  <a:schemeClr val="bg2">
+                    <a:lumMod val="75000"/>
+                  </a:schemeClr>
+                </a:solidFill>
+              </a:rPr>
               <a:t> #8</a:t>
             </a:r>
           </a:p>
           <a:p>
-            <a:pPr algn="l">
+            <a:pPr marL="0" indent="0" algn="ctr">
               <a:spcAft>
                 <a:spcPts val="600"/>
               </a:spcAft>
+              <a:buNone/>
             </a:pPr>
             <a:r>
-              <a:rPr lang="en-US" sz="2000" dirty="0"/>
-              <a:t>Dictionary</a:t>
-            </a:r>
-            <a:r>
-              <a:rPr lang="en-US" sz="2000"/>
-              <a:t>, Tuple, Range</a:t>
-            </a:r>
-            <a:endParaRPr lang="en-US" sz="2000" dirty="0"/>
+              <a:rPr lang="en-US" sz="2000" dirty="0">
+                <a:solidFill>
+                  <a:schemeClr val="bg2">
+                    <a:lumMod val="75000"/>
+                  </a:schemeClr>
+                </a:solidFill>
+              </a:rPr>
+              <a:t>Dictionary, Tuple, Range</a:t>
+            </a:r>
           </a:p>
         </p:txBody>
       </p:sp>
-      <p:cxnSp>
-        <p:nvCxnSpPr>
-          <p:cNvPr id="14" name="Straight Connector 13">
-            <a:extLst>
-              <a:ext uri="{FF2B5EF4-FFF2-40B4-BE49-F238E27FC236}">
-                <a16:creationId xmlns:a16="http://schemas.microsoft.com/office/drawing/2014/main" id="{23413C9D-32A8-4475-92E1-327E029906D9}"/>
-              </a:ext>
-              <a:ext uri="{C183D7F6-B498-43B3-948B-1728B52AA6E4}">
-                <adec:decorative xmlns:adec="http://schemas.microsoft.com/office/drawing/2017/decorative" val="1"/>
-              </a:ext>
-            </a:extLst>
-          </p:cNvPr>
-          <p:cNvCxnSpPr>
-            <a:cxnSpLocks noGrp="1" noRot="1" noChangeAspect="1" noMove="1" noResize="1" noEditPoints="1" noAdjustHandles="1" noChangeArrowheads="1" noChangeShapeType="1"/>
-          </p:cNvCxnSpPr>
-          <p:nvPr>
-            <p:extLst>
-              <p:ext uri="{386F3935-93C4-4BCD-93E2-E3B085C9AB24}">
-                <p16:designElem xmlns:p16="http://schemas.microsoft.com/office/powerpoint/2015/main" val="1"/>
-              </p:ext>
-            </p:extLst>
-          </p:nvPr>
-        </p:nvCxnSpPr>
-        <p:spPr>
-          <a:xfrm>
-            <a:off x="8129872" y="2057401"/>
-            <a:ext cx="0" cy="2743200"/>
-          </a:xfrm>
-          <a:prstGeom prst="line">
-            <a:avLst/>
-          </a:prstGeom>
-          <a:ln w="15875">
-            <a:solidFill>
-              <a:schemeClr val="tx1">
-                <a:lumMod val="75000"/>
-                <a:lumOff val="25000"/>
-              </a:schemeClr>
-            </a:solidFill>
-          </a:ln>
-        </p:spPr>
-        <p:style>
-          <a:lnRef idx="1">
-            <a:schemeClr val="accent1"/>
-          </a:lnRef>
-          <a:fillRef idx="0">
-            <a:schemeClr val="accent1"/>
-          </a:fillRef>
-          <a:effectRef idx="0">
-            <a:schemeClr val="accent1"/>
-          </a:effectRef>
-          <a:fontRef idx="minor">
-            <a:schemeClr val="tx1"/>
-          </a:fontRef>
-        </p:style>
-      </p:cxnSp>
     </p:spTree>
     <p:extLst>
       <p:ext uri="{BB962C8B-B14F-4D97-AF65-F5344CB8AC3E}">
@@ -4948,208 +3925,6 @@
           <a:chExt cx="0" cy="0"/>
         </a:xfrm>
       </p:grpSpPr>
-      <p:sp>
-        <p:nvSpPr>
-          <p:cNvPr id="8" name="Rectangle 7">
-            <a:extLst>
-              <a:ext uri="{FF2B5EF4-FFF2-40B4-BE49-F238E27FC236}">
-                <a16:creationId xmlns:a16="http://schemas.microsoft.com/office/drawing/2014/main" id="{70120F84-A866-4D9F-8B1C-9120A013D654}"/>
-              </a:ext>
-              <a:ext uri="{C183D7F6-B498-43B3-948B-1728B52AA6E4}">
-                <adec:decorative xmlns:adec="http://schemas.microsoft.com/office/drawing/2017/decorative" val="1"/>
-              </a:ext>
-            </a:extLst>
-          </p:cNvPr>
-          <p:cNvSpPr>
-            <a:spLocks noGrp="1" noRot="1" noChangeAspect="1" noMove="1" noResize="1" noEditPoints="1" noAdjustHandles="1" noChangeArrowheads="1" noChangeShapeType="1" noTextEdit="1"/>
-          </p:cNvSpPr>
-          <p:nvPr>
-            <p:extLst>
-              <p:ext uri="{386F3935-93C4-4BCD-93E2-E3B085C9AB24}">
-                <p16:designElem xmlns:p16="http://schemas.microsoft.com/office/powerpoint/2015/main" val="1"/>
-              </p:ext>
-            </p:extLst>
-          </p:nvPr>
-        </p:nvSpPr>
-        <p:spPr>
-          <a:xfrm>
-            <a:off x="0" y="0"/>
-            <a:ext cx="12192001" cy="6858000"/>
-          </a:xfrm>
-          <a:prstGeom prst="rect">
-            <a:avLst/>
-          </a:prstGeom>
-          <a:solidFill>
-            <a:schemeClr val="accent1"/>
-          </a:solidFill>
-          <a:ln>
-            <a:noFill/>
-          </a:ln>
-        </p:spPr>
-        <p:style>
-          <a:lnRef idx="2">
-            <a:schemeClr val="accent1">
-              <a:shade val="50000"/>
-            </a:schemeClr>
-          </a:lnRef>
-          <a:fillRef idx="1">
-            <a:schemeClr val="accent1"/>
-          </a:fillRef>
-          <a:effectRef idx="0">
-            <a:schemeClr val="accent1"/>
-          </a:effectRef>
-          <a:fontRef idx="minor">
-            <a:schemeClr val="lt1"/>
-          </a:fontRef>
-        </p:style>
-        <p:txBody>
-          <a:bodyPr rot="0" spcFirstLastPara="0" vert="horz" wrap="square" lIns="91440" tIns="45720" rIns="91440" bIns="45720" numCol="1" spcCol="0" rtlCol="0" fromWordArt="0" anchor="ctr" anchorCtr="0" forceAA="0" compatLnSpc="1">
-            <a:prstTxWarp prst="textNoShape">
-              <a:avLst/>
-            </a:prstTxWarp>
-            <a:noAutofit/>
-          </a:bodyPr>
-          <a:lstStyle>
-            <a:defPPr>
-              <a:defRPr lang="en-US"/>
-            </a:defPPr>
-            <a:lvl1pPr marL="0" algn="l" defTabSz="914400" rtl="0" eaLnBrk="1" latinLnBrk="0" hangingPunct="1">
-              <a:defRPr sz="1800" kern="1200">
-                <a:solidFill>
-                  <a:schemeClr val="lt1"/>
-                </a:solidFill>
-                <a:latin typeface="+mn-lt"/>
-                <a:ea typeface="+mn-ea"/>
-                <a:cs typeface="+mn-cs"/>
-              </a:defRPr>
-            </a:lvl1pPr>
-            <a:lvl2pPr marL="457200" algn="l" defTabSz="914400" rtl="0" eaLnBrk="1" latinLnBrk="0" hangingPunct="1">
-              <a:defRPr sz="1800" kern="1200">
-                <a:solidFill>
-                  <a:schemeClr val="lt1"/>
-                </a:solidFill>
-                <a:latin typeface="+mn-lt"/>
-                <a:ea typeface="+mn-ea"/>
-                <a:cs typeface="+mn-cs"/>
-              </a:defRPr>
-            </a:lvl2pPr>
-            <a:lvl3pPr marL="914400" algn="l" defTabSz="914400" rtl="0" eaLnBrk="1" latinLnBrk="0" hangingPunct="1">
-              <a:defRPr sz="1800" kern="1200">
-                <a:solidFill>
-                  <a:schemeClr val="lt1"/>
-                </a:solidFill>
-                <a:latin typeface="+mn-lt"/>
-                <a:ea typeface="+mn-ea"/>
-                <a:cs typeface="+mn-cs"/>
-              </a:defRPr>
-            </a:lvl3pPr>
-            <a:lvl4pPr marL="1371600" algn="l" defTabSz="914400" rtl="0" eaLnBrk="1" latinLnBrk="0" hangingPunct="1">
-              <a:defRPr sz="1800" kern="1200">
-                <a:solidFill>
-                  <a:schemeClr val="lt1"/>
-                </a:solidFill>
-                <a:latin typeface="+mn-lt"/>
-                <a:ea typeface="+mn-ea"/>
-                <a:cs typeface="+mn-cs"/>
-              </a:defRPr>
-            </a:lvl4pPr>
-            <a:lvl5pPr marL="1828800" algn="l" defTabSz="914400" rtl="0" eaLnBrk="1" latinLnBrk="0" hangingPunct="1">
-              <a:defRPr sz="1800" kern="1200">
-                <a:solidFill>
-                  <a:schemeClr val="lt1"/>
-                </a:solidFill>
-                <a:latin typeface="+mn-lt"/>
-                <a:ea typeface="+mn-ea"/>
-                <a:cs typeface="+mn-cs"/>
-              </a:defRPr>
-            </a:lvl5pPr>
-            <a:lvl6pPr marL="2286000" algn="l" defTabSz="914400" rtl="0" eaLnBrk="1" latinLnBrk="0" hangingPunct="1">
-              <a:defRPr sz="1800" kern="1200">
-                <a:solidFill>
-                  <a:schemeClr val="lt1"/>
-                </a:solidFill>
-                <a:latin typeface="+mn-lt"/>
-                <a:ea typeface="+mn-ea"/>
-                <a:cs typeface="+mn-cs"/>
-              </a:defRPr>
-            </a:lvl6pPr>
-            <a:lvl7pPr marL="2743200" algn="l" defTabSz="914400" rtl="0" eaLnBrk="1" latinLnBrk="0" hangingPunct="1">
-              <a:defRPr sz="1800" kern="1200">
-                <a:solidFill>
-                  <a:schemeClr val="lt1"/>
-                </a:solidFill>
-                <a:latin typeface="+mn-lt"/>
-                <a:ea typeface="+mn-ea"/>
-                <a:cs typeface="+mn-cs"/>
-              </a:defRPr>
-            </a:lvl7pPr>
-            <a:lvl8pPr marL="3200400" algn="l" defTabSz="914400" rtl="0" eaLnBrk="1" latinLnBrk="0" hangingPunct="1">
-              <a:defRPr sz="1800" kern="1200">
-                <a:solidFill>
-                  <a:schemeClr val="lt1"/>
-                </a:solidFill>
-                <a:latin typeface="+mn-lt"/>
-                <a:ea typeface="+mn-ea"/>
-                <a:cs typeface="+mn-cs"/>
-              </a:defRPr>
-            </a:lvl8pPr>
-            <a:lvl9pPr marL="3657600" algn="l" defTabSz="914400" rtl="0" eaLnBrk="1" latinLnBrk="0" hangingPunct="1">
-              <a:defRPr sz="1800" kern="1200">
-                <a:solidFill>
-                  <a:schemeClr val="lt1"/>
-                </a:solidFill>
-                <a:latin typeface="+mn-lt"/>
-                <a:ea typeface="+mn-ea"/>
-                <a:cs typeface="+mn-cs"/>
-              </a:defRPr>
-            </a:lvl9pPr>
-          </a:lstStyle>
-          <a:p>
-            <a:pPr algn="ctr"/>
-            <a:endParaRPr lang="en-US"/>
-          </a:p>
-        </p:txBody>
-      </p:sp>
-      <p:sp useBgFill="1">
-        <p:nvSpPr>
-          <p:cNvPr id="10" name="Rectangle 9">
-            <a:extLst>
-              <a:ext uri="{FF2B5EF4-FFF2-40B4-BE49-F238E27FC236}">
-                <a16:creationId xmlns:a16="http://schemas.microsoft.com/office/drawing/2014/main" id="{252FEFEF-6AC0-46B6-AC09-11FC56196FA4}"/>
-              </a:ext>
-              <a:ext uri="{C183D7F6-B498-43B3-948B-1728B52AA6E4}">
-                <adec:decorative xmlns:adec="http://schemas.microsoft.com/office/drawing/2017/decorative" val="1"/>
-              </a:ext>
-            </a:extLst>
-          </p:cNvPr>
-          <p:cNvSpPr>
-            <a:spLocks noGrp="1" noRot="1" noChangeAspect="1" noMove="1" noResize="1" noEditPoints="1" noAdjustHandles="1" noChangeArrowheads="1" noChangeShapeType="1" noTextEdit="1"/>
-          </p:cNvSpPr>
-          <p:nvPr>
-            <p:extLst>
-              <p:ext uri="{386F3935-93C4-4BCD-93E2-E3B085C9AB24}">
-                <p16:designElem xmlns:p16="http://schemas.microsoft.com/office/powerpoint/2015/main" val="1"/>
-              </p:ext>
-            </p:extLst>
-          </p:nvPr>
-        </p:nvSpPr>
-        <p:spPr>
-          <a:xfrm>
-            <a:off x="210312" y="226665"/>
-            <a:ext cx="11722608" cy="6382512"/>
-          </a:xfrm>
-          <a:prstGeom prst="rect">
-            <a:avLst/>
-          </a:prstGeom>
-          <a:ln w="6350" cap="flat" cmpd="sng" algn="ctr">
-            <a:noFill/>
-            <a:prstDash val="solid"/>
-          </a:ln>
-          <a:effectLst>
-            <a:softEdge rad="0"/>
-          </a:effectLst>
-        </p:spPr>
-      </p:sp>
       <p:sp>
         <p:nvSpPr>
           <p:cNvPr id="2" name="Title 1">
@@ -5787,907 +4562,6 @@
           </a:p>
         </p:txBody>
       </p:sp>
-      <p:sp>
-        <p:nvSpPr>
-          <p:cNvPr id="7" name="Rectangle 6">
-            <a:extLst>
-              <a:ext uri="{FF2B5EF4-FFF2-40B4-BE49-F238E27FC236}">
-                <a16:creationId xmlns:a16="http://schemas.microsoft.com/office/drawing/2014/main" id="{7CE969CD-1EC5-DC44-AD16-6AA6B028C930}"/>
-              </a:ext>
-              <a:ext uri="{C183D7F6-B498-43B3-948B-1728B52AA6E4}">
-                <adec:decorative xmlns:adec="http://schemas.microsoft.com/office/drawing/2017/decorative" val="1"/>
-              </a:ext>
-            </a:extLst>
-          </p:cNvPr>
-          <p:cNvSpPr>
-            <a:spLocks noGrp="1" noRot="1" noChangeAspect="1" noMove="1" noResize="1" noEditPoints="1" noAdjustHandles="1" noChangeArrowheads="1" noChangeShapeType="1" noTextEdit="1"/>
-          </p:cNvSpPr>
-          <p:nvPr>
-            <p:extLst>
-              <p:ext uri="{386F3935-93C4-4BCD-93E2-E3B085C9AB24}">
-                <p16:designElem xmlns:p16="http://schemas.microsoft.com/office/powerpoint/2015/main" val="1"/>
-              </p:ext>
-            </p:extLst>
-          </p:nvPr>
-        </p:nvSpPr>
-        <p:spPr>
-          <a:xfrm>
-            <a:off x="152400" y="152400"/>
-            <a:ext cx="12192001" cy="6858000"/>
-          </a:xfrm>
-          <a:prstGeom prst="rect">
-            <a:avLst/>
-          </a:prstGeom>
-          <a:solidFill>
-            <a:schemeClr val="accent1"/>
-          </a:solidFill>
-          <a:ln>
-            <a:noFill/>
-          </a:ln>
-        </p:spPr>
-        <p:style>
-          <a:lnRef idx="2">
-            <a:schemeClr val="accent1">
-              <a:shade val="50000"/>
-            </a:schemeClr>
-          </a:lnRef>
-          <a:fillRef idx="1">
-            <a:schemeClr val="accent1"/>
-          </a:fillRef>
-          <a:effectRef idx="0">
-            <a:schemeClr val="accent1"/>
-          </a:effectRef>
-          <a:fontRef idx="minor">
-            <a:schemeClr val="lt1"/>
-          </a:fontRef>
-        </p:style>
-        <p:txBody>
-          <a:bodyPr rot="0" spcFirstLastPara="0" vert="horz" wrap="square" lIns="91440" tIns="45720" rIns="91440" bIns="45720" numCol="1" spcCol="0" rtlCol="0" fromWordArt="0" anchor="ctr" anchorCtr="0" forceAA="0" compatLnSpc="1">
-            <a:prstTxWarp prst="textNoShape">
-              <a:avLst/>
-            </a:prstTxWarp>
-            <a:noAutofit/>
-          </a:bodyPr>
-          <a:lstStyle>
-            <a:defPPr>
-              <a:defRPr lang="en-US"/>
-            </a:defPPr>
-            <a:lvl1pPr marL="0" algn="l" defTabSz="914400" rtl="0" eaLnBrk="1" latinLnBrk="0" hangingPunct="1">
-              <a:defRPr sz="1800" kern="1200">
-                <a:solidFill>
-                  <a:schemeClr val="lt1"/>
-                </a:solidFill>
-                <a:latin typeface="+mn-lt"/>
-                <a:ea typeface="+mn-ea"/>
-                <a:cs typeface="+mn-cs"/>
-              </a:defRPr>
-            </a:lvl1pPr>
-            <a:lvl2pPr marL="457200" algn="l" defTabSz="914400" rtl="0" eaLnBrk="1" latinLnBrk="0" hangingPunct="1">
-              <a:defRPr sz="1800" kern="1200">
-                <a:solidFill>
-                  <a:schemeClr val="lt1"/>
-                </a:solidFill>
-                <a:latin typeface="+mn-lt"/>
-                <a:ea typeface="+mn-ea"/>
-                <a:cs typeface="+mn-cs"/>
-              </a:defRPr>
-            </a:lvl2pPr>
-            <a:lvl3pPr marL="914400" algn="l" defTabSz="914400" rtl="0" eaLnBrk="1" latinLnBrk="0" hangingPunct="1">
-              <a:defRPr sz="1800" kern="1200">
-                <a:solidFill>
-                  <a:schemeClr val="lt1"/>
-                </a:solidFill>
-                <a:latin typeface="+mn-lt"/>
-                <a:ea typeface="+mn-ea"/>
-                <a:cs typeface="+mn-cs"/>
-              </a:defRPr>
-            </a:lvl3pPr>
-            <a:lvl4pPr marL="1371600" algn="l" defTabSz="914400" rtl="0" eaLnBrk="1" latinLnBrk="0" hangingPunct="1">
-              <a:defRPr sz="1800" kern="1200">
-                <a:solidFill>
-                  <a:schemeClr val="lt1"/>
-                </a:solidFill>
-                <a:latin typeface="+mn-lt"/>
-                <a:ea typeface="+mn-ea"/>
-                <a:cs typeface="+mn-cs"/>
-              </a:defRPr>
-            </a:lvl4pPr>
-            <a:lvl5pPr marL="1828800" algn="l" defTabSz="914400" rtl="0" eaLnBrk="1" latinLnBrk="0" hangingPunct="1">
-              <a:defRPr sz="1800" kern="1200">
-                <a:solidFill>
-                  <a:schemeClr val="lt1"/>
-                </a:solidFill>
-                <a:latin typeface="+mn-lt"/>
-                <a:ea typeface="+mn-ea"/>
-                <a:cs typeface="+mn-cs"/>
-              </a:defRPr>
-            </a:lvl5pPr>
-            <a:lvl6pPr marL="2286000" algn="l" defTabSz="914400" rtl="0" eaLnBrk="1" latinLnBrk="0" hangingPunct="1">
-              <a:defRPr sz="1800" kern="1200">
-                <a:solidFill>
-                  <a:schemeClr val="lt1"/>
-                </a:solidFill>
-                <a:latin typeface="+mn-lt"/>
-                <a:ea typeface="+mn-ea"/>
-                <a:cs typeface="+mn-cs"/>
-              </a:defRPr>
-            </a:lvl6pPr>
-            <a:lvl7pPr marL="2743200" algn="l" defTabSz="914400" rtl="0" eaLnBrk="1" latinLnBrk="0" hangingPunct="1">
-              <a:defRPr sz="1800" kern="1200">
-                <a:solidFill>
-                  <a:schemeClr val="lt1"/>
-                </a:solidFill>
-                <a:latin typeface="+mn-lt"/>
-                <a:ea typeface="+mn-ea"/>
-                <a:cs typeface="+mn-cs"/>
-              </a:defRPr>
-            </a:lvl7pPr>
-            <a:lvl8pPr marL="3200400" algn="l" defTabSz="914400" rtl="0" eaLnBrk="1" latinLnBrk="0" hangingPunct="1">
-              <a:defRPr sz="1800" kern="1200">
-                <a:solidFill>
-                  <a:schemeClr val="lt1"/>
-                </a:solidFill>
-                <a:latin typeface="+mn-lt"/>
-                <a:ea typeface="+mn-ea"/>
-                <a:cs typeface="+mn-cs"/>
-              </a:defRPr>
-            </a:lvl8pPr>
-            <a:lvl9pPr marL="3657600" algn="l" defTabSz="914400" rtl="0" eaLnBrk="1" latinLnBrk="0" hangingPunct="1">
-              <a:defRPr sz="1800" kern="1200">
-                <a:solidFill>
-                  <a:schemeClr val="lt1"/>
-                </a:solidFill>
-                <a:latin typeface="+mn-lt"/>
-                <a:ea typeface="+mn-ea"/>
-                <a:cs typeface="+mn-cs"/>
-              </a:defRPr>
-            </a:lvl9pPr>
-          </a:lstStyle>
-          <a:p>
-            <a:pPr algn="ctr"/>
-            <a:endParaRPr lang="en-US"/>
-          </a:p>
-        </p:txBody>
-      </p:sp>
-      <p:sp useBgFill="1">
-        <p:nvSpPr>
-          <p:cNvPr id="9" name="Rectangle 8">
-            <a:extLst>
-              <a:ext uri="{FF2B5EF4-FFF2-40B4-BE49-F238E27FC236}">
-                <a16:creationId xmlns:a16="http://schemas.microsoft.com/office/drawing/2014/main" id="{421C9A7D-C14F-E245-B578-432F1BB18147}"/>
-              </a:ext>
-              <a:ext uri="{C183D7F6-B498-43B3-948B-1728B52AA6E4}">
-                <adec:decorative xmlns:adec="http://schemas.microsoft.com/office/drawing/2017/decorative" val="1"/>
-              </a:ext>
-            </a:extLst>
-          </p:cNvPr>
-          <p:cNvSpPr>
-            <a:spLocks noGrp="1" noRot="1" noChangeAspect="1" noMove="1" noResize="1" noEditPoints="1" noAdjustHandles="1" noChangeArrowheads="1" noChangeShapeType="1" noTextEdit="1"/>
-          </p:cNvSpPr>
-          <p:nvPr>
-            <p:extLst>
-              <p:ext uri="{386F3935-93C4-4BCD-93E2-E3B085C9AB24}">
-                <p16:designElem xmlns:p16="http://schemas.microsoft.com/office/powerpoint/2015/main" val="1"/>
-              </p:ext>
-            </p:extLst>
-          </p:nvPr>
-        </p:nvSpPr>
-        <p:spPr>
-          <a:xfrm>
-            <a:off x="362712" y="379065"/>
-            <a:ext cx="11722608" cy="6382512"/>
-          </a:xfrm>
-          <a:prstGeom prst="rect">
-            <a:avLst/>
-          </a:prstGeom>
-          <a:ln w="6350" cap="flat" cmpd="sng" algn="ctr">
-            <a:noFill/>
-            <a:prstDash val="solid"/>
-          </a:ln>
-          <a:effectLst>
-            <a:softEdge rad="0"/>
-          </a:effectLst>
-        </p:spPr>
-      </p:sp>
-      <p:sp>
-        <p:nvSpPr>
-          <p:cNvPr id="11" name="Title 1">
-            <a:extLst>
-              <a:ext uri="{FF2B5EF4-FFF2-40B4-BE49-F238E27FC236}">
-                <a16:creationId xmlns:a16="http://schemas.microsoft.com/office/drawing/2014/main" id="{00A5F20E-0122-BB4A-83C0-BDCD84C258DC}"/>
-              </a:ext>
-            </a:extLst>
-          </p:cNvPr>
-          <p:cNvSpPr txBox="1">
-            <a:spLocks/>
-          </p:cNvSpPr>
-          <p:nvPr/>
-        </p:nvSpPr>
-        <p:spPr>
-          <a:xfrm>
-            <a:off x="1327912" y="1022532"/>
-            <a:ext cx="9792208" cy="1527078"/>
-          </a:xfrm>
-          <a:prstGeom prst="rect">
-            <a:avLst/>
-          </a:prstGeom>
-        </p:spPr>
-        <p:txBody>
-          <a:bodyPr vert="horz" lIns="91440" tIns="45720" rIns="91440" bIns="45720" rtlCol="0" anchor="ctr">
-            <a:normAutofit/>
-          </a:bodyPr>
-          <a:lstStyle>
-            <a:lvl1pPr algn="l" defTabSz="914400" rtl="0" eaLnBrk="1" latinLnBrk="0" hangingPunct="1">
-              <a:lnSpc>
-                <a:spcPct val="90000"/>
-              </a:lnSpc>
-              <a:spcBef>
-                <a:spcPct val="0"/>
-              </a:spcBef>
-              <a:buNone/>
-              <a:defRPr lang="en-US" sz="4800" kern="1200" cap="none" spc="0" baseline="0" dirty="0">
-                <a:solidFill>
-                  <a:schemeClr val="tx1">
-                    <a:lumMod val="85000"/>
-                    <a:lumOff val="15000"/>
-                  </a:schemeClr>
-                </a:solidFill>
-                <a:effectLst/>
-                <a:latin typeface="+mj-lt"/>
-                <a:ea typeface="+mn-ea"/>
-                <a:cs typeface="+mn-cs"/>
-              </a:defRPr>
-            </a:lvl1pPr>
-          </a:lstStyle>
-          <a:p>
-            <a:r>
-              <a:rPr lang="en-GB">
-                <a:solidFill>
-                  <a:schemeClr val="tx2">
-                    <a:lumMod val="75000"/>
-                  </a:schemeClr>
-                </a:solidFill>
-              </a:rPr>
-              <a:t>Data types so far</a:t>
-            </a:r>
-          </a:p>
-        </p:txBody>
-      </p:sp>
-      <p:sp>
-        <p:nvSpPr>
-          <p:cNvPr id="12" name="Content Placeholder 2">
-            <a:extLst>
-              <a:ext uri="{FF2B5EF4-FFF2-40B4-BE49-F238E27FC236}">
-                <a16:creationId xmlns:a16="http://schemas.microsoft.com/office/drawing/2014/main" id="{D6541C87-652C-CD47-84B8-B7204AAB3BCF}"/>
-              </a:ext>
-            </a:extLst>
-          </p:cNvPr>
-          <p:cNvSpPr txBox="1">
-            <a:spLocks/>
-          </p:cNvSpPr>
-          <p:nvPr/>
-        </p:nvSpPr>
-        <p:spPr>
-          <a:xfrm>
-            <a:off x="6248400" y="2776275"/>
-            <a:ext cx="4300949" cy="3177029"/>
-          </a:xfrm>
-          <a:prstGeom prst="rect">
-            <a:avLst/>
-          </a:prstGeom>
-        </p:spPr>
-        <p:txBody>
-          <a:bodyPr vert="horz" lIns="91440" tIns="45720" rIns="91440" bIns="45720" rtlCol="0">
-            <a:normAutofit/>
-          </a:bodyPr>
-          <a:lstStyle>
-            <a:lvl1pPr marL="182880" indent="-182880" algn="l" defTabSz="914400" rtl="0" eaLnBrk="1" latinLnBrk="0" hangingPunct="1">
-              <a:lnSpc>
-                <a:spcPct val="100000"/>
-              </a:lnSpc>
-              <a:spcBef>
-                <a:spcPts val="900"/>
-              </a:spcBef>
-              <a:spcAft>
-                <a:spcPts val="0"/>
-              </a:spcAft>
-              <a:buClr>
-                <a:schemeClr val="tx1">
-                  <a:lumMod val="85000"/>
-                  <a:lumOff val="15000"/>
-                </a:schemeClr>
-              </a:buClr>
-              <a:buFont typeface="Garamond" pitchFamily="18" charset="0"/>
-              <a:buChar char="◦"/>
-              <a:defRPr sz="1800" kern="1200">
-                <a:solidFill>
-                  <a:schemeClr val="tx1"/>
-                </a:solidFill>
-                <a:latin typeface="+mn-lt"/>
-                <a:ea typeface="+mn-ea"/>
-                <a:cs typeface="+mn-cs"/>
-              </a:defRPr>
-            </a:lvl1pPr>
-            <a:lvl2pPr marL="457200" indent="-182880" algn="l" defTabSz="914400" rtl="0" eaLnBrk="1" latinLnBrk="0" hangingPunct="1">
-              <a:lnSpc>
-                <a:spcPct val="100000"/>
-              </a:lnSpc>
-              <a:spcBef>
-                <a:spcPts val="500"/>
-              </a:spcBef>
-              <a:buClr>
-                <a:schemeClr val="tx1">
-                  <a:lumMod val="85000"/>
-                  <a:lumOff val="15000"/>
-                </a:schemeClr>
-              </a:buClr>
-              <a:buFont typeface="Garamond" pitchFamily="18" charset="0"/>
-              <a:buChar char="◦"/>
-              <a:defRPr sz="1600" kern="1200">
-                <a:solidFill>
-                  <a:schemeClr val="tx1"/>
-                </a:solidFill>
-                <a:latin typeface="+mn-lt"/>
-                <a:ea typeface="+mn-ea"/>
-                <a:cs typeface="+mn-cs"/>
-              </a:defRPr>
-            </a:lvl2pPr>
-            <a:lvl3pPr marL="731520" indent="-182880" algn="l" defTabSz="914400" rtl="0" eaLnBrk="1" latinLnBrk="0" hangingPunct="1">
-              <a:lnSpc>
-                <a:spcPct val="100000"/>
-              </a:lnSpc>
-              <a:spcBef>
-                <a:spcPts val="500"/>
-              </a:spcBef>
-              <a:buClr>
-                <a:schemeClr val="tx1">
-                  <a:lumMod val="85000"/>
-                  <a:lumOff val="15000"/>
-                </a:schemeClr>
-              </a:buClr>
-              <a:buFont typeface="Garamond" pitchFamily="18" charset="0"/>
-              <a:buChar char="◦"/>
-              <a:defRPr sz="1400" kern="1200">
-                <a:solidFill>
-                  <a:schemeClr val="tx1"/>
-                </a:solidFill>
-                <a:latin typeface="+mn-lt"/>
-                <a:ea typeface="+mn-ea"/>
-                <a:cs typeface="+mn-cs"/>
-              </a:defRPr>
-            </a:lvl3pPr>
-            <a:lvl4pPr marL="1005840" indent="-182880" algn="l" defTabSz="914400" rtl="0" eaLnBrk="1" latinLnBrk="0" hangingPunct="1">
-              <a:lnSpc>
-                <a:spcPct val="100000"/>
-              </a:lnSpc>
-              <a:spcBef>
-                <a:spcPts val="500"/>
-              </a:spcBef>
-              <a:buClr>
-                <a:schemeClr val="tx1">
-                  <a:lumMod val="85000"/>
-                  <a:lumOff val="15000"/>
-                </a:schemeClr>
-              </a:buClr>
-              <a:buFont typeface="Garamond" pitchFamily="18" charset="0"/>
-              <a:buChar char="◦"/>
-              <a:defRPr sz="1400" kern="1200">
-                <a:solidFill>
-                  <a:schemeClr val="tx1"/>
-                </a:solidFill>
-                <a:latin typeface="+mn-lt"/>
-                <a:ea typeface="+mn-ea"/>
-                <a:cs typeface="+mn-cs"/>
-              </a:defRPr>
-            </a:lvl4pPr>
-            <a:lvl5pPr marL="1280160" indent="-182880" algn="l" defTabSz="914400" rtl="0" eaLnBrk="1" latinLnBrk="0" hangingPunct="1">
-              <a:lnSpc>
-                <a:spcPct val="100000"/>
-              </a:lnSpc>
-              <a:spcBef>
-                <a:spcPts val="500"/>
-              </a:spcBef>
-              <a:buClr>
-                <a:schemeClr val="tx1">
-                  <a:lumMod val="85000"/>
-                  <a:lumOff val="15000"/>
-                </a:schemeClr>
-              </a:buClr>
-              <a:buFont typeface="Garamond" pitchFamily="18" charset="0"/>
-              <a:buChar char="◦"/>
-              <a:defRPr sz="1400" kern="1200">
-                <a:solidFill>
-                  <a:schemeClr val="tx1"/>
-                </a:solidFill>
-                <a:latin typeface="+mn-lt"/>
-                <a:ea typeface="+mn-ea"/>
-                <a:cs typeface="+mn-cs"/>
-              </a:defRPr>
-            </a:lvl5pPr>
-            <a:lvl6pPr marL="1600000" indent="-228600" algn="l" defTabSz="914400" rtl="0" eaLnBrk="1" latinLnBrk="0" hangingPunct="1">
-              <a:lnSpc>
-                <a:spcPct val="100000"/>
-              </a:lnSpc>
-              <a:spcBef>
-                <a:spcPts val="500"/>
-              </a:spcBef>
-              <a:buClr>
-                <a:schemeClr val="tx1">
-                  <a:lumMod val="85000"/>
-                  <a:lumOff val="15000"/>
-                </a:schemeClr>
-              </a:buClr>
-              <a:buFont typeface="Garamond" pitchFamily="18" charset="0"/>
-              <a:buChar char="◦"/>
-              <a:defRPr sz="1400" kern="1200">
-                <a:solidFill>
-                  <a:schemeClr val="tx1"/>
-                </a:solidFill>
-                <a:latin typeface="+mn-lt"/>
-                <a:ea typeface="+mn-ea"/>
-                <a:cs typeface="+mn-cs"/>
-              </a:defRPr>
-            </a:lvl6pPr>
-            <a:lvl7pPr marL="1900000" indent="-228600" algn="l" defTabSz="914400" rtl="0" eaLnBrk="1" latinLnBrk="0" hangingPunct="1">
-              <a:lnSpc>
-                <a:spcPct val="100000"/>
-              </a:lnSpc>
-              <a:spcBef>
-                <a:spcPts val="500"/>
-              </a:spcBef>
-              <a:buClr>
-                <a:schemeClr val="tx1">
-                  <a:lumMod val="85000"/>
-                  <a:lumOff val="15000"/>
-                </a:schemeClr>
-              </a:buClr>
-              <a:buFont typeface="Garamond" pitchFamily="18" charset="0"/>
-              <a:buChar char="◦"/>
-              <a:defRPr sz="1400" kern="1200">
-                <a:solidFill>
-                  <a:schemeClr val="tx1"/>
-                </a:solidFill>
-                <a:latin typeface="+mn-lt"/>
-                <a:ea typeface="+mn-ea"/>
-                <a:cs typeface="+mn-cs"/>
-              </a:defRPr>
-            </a:lvl7pPr>
-            <a:lvl8pPr marL="2200000" indent="-228600" algn="l" defTabSz="914400" rtl="0" eaLnBrk="1" latinLnBrk="0" hangingPunct="1">
-              <a:lnSpc>
-                <a:spcPct val="100000"/>
-              </a:lnSpc>
-              <a:spcBef>
-                <a:spcPts val="500"/>
-              </a:spcBef>
-              <a:buClr>
-                <a:schemeClr val="tx1">
-                  <a:lumMod val="85000"/>
-                  <a:lumOff val="15000"/>
-                </a:schemeClr>
-              </a:buClr>
-              <a:buFont typeface="Garamond" pitchFamily="18" charset="0"/>
-              <a:buChar char="◦"/>
-              <a:defRPr sz="1400" kern="1200">
-                <a:solidFill>
-                  <a:schemeClr val="tx1"/>
-                </a:solidFill>
-                <a:latin typeface="+mn-lt"/>
-                <a:ea typeface="+mn-ea"/>
-                <a:cs typeface="+mn-cs"/>
-              </a:defRPr>
-            </a:lvl8pPr>
-            <a:lvl9pPr marL="2500000" indent="-228600" algn="l" defTabSz="914400" rtl="0" eaLnBrk="1" latinLnBrk="0" hangingPunct="1">
-              <a:lnSpc>
-                <a:spcPct val="100000"/>
-              </a:lnSpc>
-              <a:spcBef>
-                <a:spcPts val="500"/>
-              </a:spcBef>
-              <a:buClr>
-                <a:schemeClr val="tx1">
-                  <a:lumMod val="85000"/>
-                  <a:lumOff val="15000"/>
-                </a:schemeClr>
-              </a:buClr>
-              <a:buFont typeface="Garamond" pitchFamily="18" charset="0"/>
-              <a:buChar char="◦"/>
-              <a:defRPr sz="1400" kern="1200">
-                <a:solidFill>
-                  <a:schemeClr val="tx1"/>
-                </a:solidFill>
-                <a:latin typeface="+mn-lt"/>
-                <a:ea typeface="+mn-ea"/>
-                <a:cs typeface="+mn-cs"/>
-              </a:defRPr>
-            </a:lvl9pPr>
-          </a:lstStyle>
-          <a:p>
-            <a:r>
-              <a:rPr lang="en-US" dirty="0">
-                <a:solidFill>
-                  <a:schemeClr val="tx2">
-                    <a:lumMod val="75000"/>
-                  </a:schemeClr>
-                </a:solidFill>
-                <a:latin typeface="Consolas" panose="020B0609020204030204" pitchFamily="49" charset="0"/>
-                <a:cs typeface="Consolas" panose="020B0609020204030204" pitchFamily="49" charset="0"/>
-              </a:rPr>
-              <a:t>str</a:t>
-            </a:r>
-          </a:p>
-          <a:p>
-            <a:r>
-              <a:rPr lang="en-US" i="1" dirty="0">
-                <a:solidFill>
-                  <a:schemeClr val="tx2">
-                    <a:lumMod val="75000"/>
-                  </a:schemeClr>
-                </a:solidFill>
-                <a:latin typeface="Consolas" panose="020B0609020204030204" pitchFamily="49" charset="0"/>
-                <a:cs typeface="Consolas" panose="020B0609020204030204" pitchFamily="49" charset="0"/>
-              </a:rPr>
-              <a:t>list</a:t>
-            </a:r>
-          </a:p>
-          <a:p>
-            <a:r>
-              <a:rPr lang="en-US" i="1" dirty="0">
-                <a:solidFill>
-                  <a:schemeClr val="tx2">
-                    <a:lumMod val="75000"/>
-                  </a:schemeClr>
-                </a:solidFill>
-                <a:latin typeface="Consolas" panose="020B0609020204030204" pitchFamily="49" charset="0"/>
-                <a:cs typeface="Consolas" panose="020B0609020204030204" pitchFamily="49" charset="0"/>
-              </a:rPr>
-              <a:t>set</a:t>
-            </a:r>
-          </a:p>
-          <a:p>
-            <a:r>
-              <a:rPr lang="en-US" i="1" dirty="0">
-                <a:solidFill>
-                  <a:schemeClr val="tx2">
-                    <a:lumMod val="75000"/>
-                  </a:schemeClr>
-                </a:solidFill>
-                <a:latin typeface="Consolas" panose="020B0609020204030204" pitchFamily="49" charset="0"/>
-                <a:cs typeface="Consolas" panose="020B0609020204030204" pitchFamily="49" charset="0"/>
-              </a:rPr>
-              <a:t>dict	</a:t>
-            </a:r>
-          </a:p>
-        </p:txBody>
-      </p:sp>
-      <p:sp>
-        <p:nvSpPr>
-          <p:cNvPr id="13" name="Content Placeholder 2">
-            <a:extLst>
-              <a:ext uri="{FF2B5EF4-FFF2-40B4-BE49-F238E27FC236}">
-                <a16:creationId xmlns:a16="http://schemas.microsoft.com/office/drawing/2014/main" id="{AB0F598F-D26A-8247-8C46-75A3FEAA3FB0}"/>
-              </a:ext>
-            </a:extLst>
-          </p:cNvPr>
-          <p:cNvSpPr txBox="1">
-            <a:spLocks/>
-          </p:cNvSpPr>
-          <p:nvPr/>
-        </p:nvSpPr>
-        <p:spPr>
-          <a:xfrm>
-            <a:off x="1480312" y="2862649"/>
-            <a:ext cx="4300949" cy="3177029"/>
-          </a:xfrm>
-          <a:prstGeom prst="rect">
-            <a:avLst/>
-          </a:prstGeom>
-        </p:spPr>
-        <p:txBody>
-          <a:bodyPr vert="horz" lIns="91440" tIns="45720" rIns="91440" bIns="45720" rtlCol="0">
-            <a:normAutofit/>
-          </a:bodyPr>
-          <a:lstStyle>
-            <a:lvl1pPr marL="182880" indent="-182880" algn="l" defTabSz="914400" rtl="0" eaLnBrk="1" latinLnBrk="0" hangingPunct="1">
-              <a:lnSpc>
-                <a:spcPct val="100000"/>
-              </a:lnSpc>
-              <a:spcBef>
-                <a:spcPts val="900"/>
-              </a:spcBef>
-              <a:spcAft>
-                <a:spcPts val="0"/>
-              </a:spcAft>
-              <a:buClr>
-                <a:schemeClr val="tx1">
-                  <a:lumMod val="85000"/>
-                  <a:lumOff val="15000"/>
-                </a:schemeClr>
-              </a:buClr>
-              <a:buFont typeface="Garamond" pitchFamily="18" charset="0"/>
-              <a:buChar char="◦"/>
-              <a:defRPr sz="1800" kern="1200">
-                <a:solidFill>
-                  <a:schemeClr val="tx1"/>
-                </a:solidFill>
-                <a:latin typeface="+mn-lt"/>
-                <a:ea typeface="+mn-ea"/>
-                <a:cs typeface="+mn-cs"/>
-              </a:defRPr>
-            </a:lvl1pPr>
-            <a:lvl2pPr marL="457200" indent="-182880" algn="l" defTabSz="914400" rtl="0" eaLnBrk="1" latinLnBrk="0" hangingPunct="1">
-              <a:lnSpc>
-                <a:spcPct val="100000"/>
-              </a:lnSpc>
-              <a:spcBef>
-                <a:spcPts val="500"/>
-              </a:spcBef>
-              <a:buClr>
-                <a:schemeClr val="tx1">
-                  <a:lumMod val="85000"/>
-                  <a:lumOff val="15000"/>
-                </a:schemeClr>
-              </a:buClr>
-              <a:buFont typeface="Garamond" pitchFamily="18" charset="0"/>
-              <a:buChar char="◦"/>
-              <a:defRPr sz="1600" kern="1200">
-                <a:solidFill>
-                  <a:schemeClr val="tx1"/>
-                </a:solidFill>
-                <a:latin typeface="+mn-lt"/>
-                <a:ea typeface="+mn-ea"/>
-                <a:cs typeface="+mn-cs"/>
-              </a:defRPr>
-            </a:lvl2pPr>
-            <a:lvl3pPr marL="731520" indent="-182880" algn="l" defTabSz="914400" rtl="0" eaLnBrk="1" latinLnBrk="0" hangingPunct="1">
-              <a:lnSpc>
-                <a:spcPct val="100000"/>
-              </a:lnSpc>
-              <a:spcBef>
-                <a:spcPts val="500"/>
-              </a:spcBef>
-              <a:buClr>
-                <a:schemeClr val="tx1">
-                  <a:lumMod val="85000"/>
-                  <a:lumOff val="15000"/>
-                </a:schemeClr>
-              </a:buClr>
-              <a:buFont typeface="Garamond" pitchFamily="18" charset="0"/>
-              <a:buChar char="◦"/>
-              <a:defRPr sz="1400" kern="1200">
-                <a:solidFill>
-                  <a:schemeClr val="tx1"/>
-                </a:solidFill>
-                <a:latin typeface="+mn-lt"/>
-                <a:ea typeface="+mn-ea"/>
-                <a:cs typeface="+mn-cs"/>
-              </a:defRPr>
-            </a:lvl3pPr>
-            <a:lvl4pPr marL="1005840" indent="-182880" algn="l" defTabSz="914400" rtl="0" eaLnBrk="1" latinLnBrk="0" hangingPunct="1">
-              <a:lnSpc>
-                <a:spcPct val="100000"/>
-              </a:lnSpc>
-              <a:spcBef>
-                <a:spcPts val="500"/>
-              </a:spcBef>
-              <a:buClr>
-                <a:schemeClr val="tx1">
-                  <a:lumMod val="85000"/>
-                  <a:lumOff val="15000"/>
-                </a:schemeClr>
-              </a:buClr>
-              <a:buFont typeface="Garamond" pitchFamily="18" charset="0"/>
-              <a:buChar char="◦"/>
-              <a:defRPr sz="1400" kern="1200">
-                <a:solidFill>
-                  <a:schemeClr val="tx1"/>
-                </a:solidFill>
-                <a:latin typeface="+mn-lt"/>
-                <a:ea typeface="+mn-ea"/>
-                <a:cs typeface="+mn-cs"/>
-              </a:defRPr>
-            </a:lvl4pPr>
-            <a:lvl5pPr marL="1280160" indent="-182880" algn="l" defTabSz="914400" rtl="0" eaLnBrk="1" latinLnBrk="0" hangingPunct="1">
-              <a:lnSpc>
-                <a:spcPct val="100000"/>
-              </a:lnSpc>
-              <a:spcBef>
-                <a:spcPts val="500"/>
-              </a:spcBef>
-              <a:buClr>
-                <a:schemeClr val="tx1">
-                  <a:lumMod val="85000"/>
-                  <a:lumOff val="15000"/>
-                </a:schemeClr>
-              </a:buClr>
-              <a:buFont typeface="Garamond" pitchFamily="18" charset="0"/>
-              <a:buChar char="◦"/>
-              <a:defRPr sz="1400" kern="1200">
-                <a:solidFill>
-                  <a:schemeClr val="tx1"/>
-                </a:solidFill>
-                <a:latin typeface="+mn-lt"/>
-                <a:ea typeface="+mn-ea"/>
-                <a:cs typeface="+mn-cs"/>
-              </a:defRPr>
-            </a:lvl5pPr>
-            <a:lvl6pPr marL="1600000" indent="-228600" algn="l" defTabSz="914400" rtl="0" eaLnBrk="1" latinLnBrk="0" hangingPunct="1">
-              <a:lnSpc>
-                <a:spcPct val="100000"/>
-              </a:lnSpc>
-              <a:spcBef>
-                <a:spcPts val="500"/>
-              </a:spcBef>
-              <a:buClr>
-                <a:schemeClr val="tx1">
-                  <a:lumMod val="85000"/>
-                  <a:lumOff val="15000"/>
-                </a:schemeClr>
-              </a:buClr>
-              <a:buFont typeface="Garamond" pitchFamily="18" charset="0"/>
-              <a:buChar char="◦"/>
-              <a:defRPr sz="1400" kern="1200">
-                <a:solidFill>
-                  <a:schemeClr val="tx1"/>
-                </a:solidFill>
-                <a:latin typeface="+mn-lt"/>
-                <a:ea typeface="+mn-ea"/>
-                <a:cs typeface="+mn-cs"/>
-              </a:defRPr>
-            </a:lvl6pPr>
-            <a:lvl7pPr marL="1900000" indent="-228600" algn="l" defTabSz="914400" rtl="0" eaLnBrk="1" latinLnBrk="0" hangingPunct="1">
-              <a:lnSpc>
-                <a:spcPct val="100000"/>
-              </a:lnSpc>
-              <a:spcBef>
-                <a:spcPts val="500"/>
-              </a:spcBef>
-              <a:buClr>
-                <a:schemeClr val="tx1">
-                  <a:lumMod val="85000"/>
-                  <a:lumOff val="15000"/>
-                </a:schemeClr>
-              </a:buClr>
-              <a:buFont typeface="Garamond" pitchFamily="18" charset="0"/>
-              <a:buChar char="◦"/>
-              <a:defRPr sz="1400" kern="1200">
-                <a:solidFill>
-                  <a:schemeClr val="tx1"/>
-                </a:solidFill>
-                <a:latin typeface="+mn-lt"/>
-                <a:ea typeface="+mn-ea"/>
-                <a:cs typeface="+mn-cs"/>
-              </a:defRPr>
-            </a:lvl7pPr>
-            <a:lvl8pPr marL="2200000" indent="-228600" algn="l" defTabSz="914400" rtl="0" eaLnBrk="1" latinLnBrk="0" hangingPunct="1">
-              <a:lnSpc>
-                <a:spcPct val="100000"/>
-              </a:lnSpc>
-              <a:spcBef>
-                <a:spcPts val="500"/>
-              </a:spcBef>
-              <a:buClr>
-                <a:schemeClr val="tx1">
-                  <a:lumMod val="85000"/>
-                  <a:lumOff val="15000"/>
-                </a:schemeClr>
-              </a:buClr>
-              <a:buFont typeface="Garamond" pitchFamily="18" charset="0"/>
-              <a:buChar char="◦"/>
-              <a:defRPr sz="1400" kern="1200">
-                <a:solidFill>
-                  <a:schemeClr val="tx1"/>
-                </a:solidFill>
-                <a:latin typeface="+mn-lt"/>
-                <a:ea typeface="+mn-ea"/>
-                <a:cs typeface="+mn-cs"/>
-              </a:defRPr>
-            </a:lvl8pPr>
-            <a:lvl9pPr marL="2500000" indent="-228600" algn="l" defTabSz="914400" rtl="0" eaLnBrk="1" latinLnBrk="0" hangingPunct="1">
-              <a:lnSpc>
-                <a:spcPct val="100000"/>
-              </a:lnSpc>
-              <a:spcBef>
-                <a:spcPts val="500"/>
-              </a:spcBef>
-              <a:buClr>
-                <a:schemeClr val="tx1">
-                  <a:lumMod val="85000"/>
-                  <a:lumOff val="15000"/>
-                </a:schemeClr>
-              </a:buClr>
-              <a:buFont typeface="Garamond" pitchFamily="18" charset="0"/>
-              <a:buChar char="◦"/>
-              <a:defRPr sz="1400" kern="1200">
-                <a:solidFill>
-                  <a:schemeClr val="tx1"/>
-                </a:solidFill>
-                <a:latin typeface="+mn-lt"/>
-                <a:ea typeface="+mn-ea"/>
-                <a:cs typeface="+mn-cs"/>
-              </a:defRPr>
-            </a:lvl9pPr>
-          </a:lstStyle>
-          <a:p>
-            <a:r>
-              <a:rPr lang="en-US" dirty="0">
-                <a:solidFill>
-                  <a:schemeClr val="tx2">
-                    <a:lumMod val="75000"/>
-                  </a:schemeClr>
-                </a:solidFill>
-                <a:latin typeface="Consolas" panose="020B0609020204030204" pitchFamily="49" charset="0"/>
-                <a:cs typeface="Consolas" panose="020B0609020204030204" pitchFamily="49" charset="0"/>
-              </a:rPr>
-              <a:t>boolean	</a:t>
-            </a:r>
-          </a:p>
-          <a:p>
-            <a:r>
-              <a:rPr lang="en-US" dirty="0">
-                <a:solidFill>
-                  <a:schemeClr val="tx2">
-                    <a:lumMod val="75000"/>
-                  </a:schemeClr>
-                </a:solidFill>
-                <a:latin typeface="Consolas" panose="020B0609020204030204" pitchFamily="49" charset="0"/>
-                <a:cs typeface="Consolas" panose="020B0609020204030204" pitchFamily="49" charset="0"/>
-              </a:rPr>
-              <a:t>int		</a:t>
-            </a:r>
-            <a:endParaRPr lang="en-US" i="1" dirty="0">
-              <a:solidFill>
-                <a:schemeClr val="tx2">
-                  <a:lumMod val="75000"/>
-                </a:schemeClr>
-              </a:solidFill>
-              <a:latin typeface="Consolas" panose="020B0609020204030204" pitchFamily="49" charset="0"/>
-              <a:cs typeface="Consolas" panose="020B0609020204030204" pitchFamily="49" charset="0"/>
-            </a:endParaRPr>
-          </a:p>
-          <a:p>
-            <a:r>
-              <a:rPr lang="en-US" i="1" dirty="0">
-                <a:solidFill>
-                  <a:schemeClr val="tx2">
-                    <a:lumMod val="75000"/>
-                  </a:schemeClr>
-                </a:solidFill>
-                <a:latin typeface="Consolas" panose="020B0609020204030204" pitchFamily="49" charset="0"/>
-                <a:cs typeface="Consolas" panose="020B0609020204030204" pitchFamily="49" charset="0"/>
-              </a:rPr>
-              <a:t>float	</a:t>
-            </a:r>
-          </a:p>
-          <a:p>
-            <a:r>
-              <a:rPr lang="en-US" i="1" dirty="0">
-                <a:solidFill>
-                  <a:schemeClr val="tx2">
-                    <a:lumMod val="75000"/>
-                  </a:schemeClr>
-                </a:solidFill>
-                <a:latin typeface="Consolas" panose="020B0609020204030204" pitchFamily="49" charset="0"/>
-                <a:cs typeface="Consolas" panose="020B0609020204030204" pitchFamily="49" charset="0"/>
-              </a:rPr>
-              <a:t>Complex</a:t>
-            </a:r>
-          </a:p>
-          <a:p>
-            <a:r>
-              <a:rPr lang="en-US" i="1" dirty="0">
-                <a:solidFill>
-                  <a:schemeClr val="tx2">
-                    <a:lumMod val="75000"/>
-                  </a:schemeClr>
-                </a:solidFill>
-                <a:latin typeface="Consolas" panose="020B0609020204030204" pitchFamily="49" charset="0"/>
-                <a:cs typeface="Consolas" panose="020B0609020204030204" pitchFamily="49" charset="0"/>
-              </a:rPr>
-              <a:t>char	</a:t>
-            </a:r>
-          </a:p>
-        </p:txBody>
-      </p:sp>
     </p:spTree>
     <p:extLst>
       <p:ext uri="{BB962C8B-B14F-4D97-AF65-F5344CB8AC3E}">
@@ -6728,208 +4602,6 @@
       </p:grpSpPr>
       <p:sp>
         <p:nvSpPr>
-          <p:cNvPr id="8" name="Rectangle 7">
-            <a:extLst>
-              <a:ext uri="{FF2B5EF4-FFF2-40B4-BE49-F238E27FC236}">
-                <a16:creationId xmlns:a16="http://schemas.microsoft.com/office/drawing/2014/main" id="{70120F84-A866-4D9F-8B1C-9120A013D654}"/>
-              </a:ext>
-              <a:ext uri="{C183D7F6-B498-43B3-948B-1728B52AA6E4}">
-                <adec:decorative xmlns:adec="http://schemas.microsoft.com/office/drawing/2017/decorative" val="1"/>
-              </a:ext>
-            </a:extLst>
-          </p:cNvPr>
-          <p:cNvSpPr>
-            <a:spLocks noGrp="1" noRot="1" noChangeAspect="1" noMove="1" noResize="1" noEditPoints="1" noAdjustHandles="1" noChangeArrowheads="1" noChangeShapeType="1" noTextEdit="1"/>
-          </p:cNvSpPr>
-          <p:nvPr>
-            <p:extLst>
-              <p:ext uri="{386F3935-93C4-4BCD-93E2-E3B085C9AB24}">
-                <p16:designElem xmlns:p16="http://schemas.microsoft.com/office/powerpoint/2015/main" val="1"/>
-              </p:ext>
-            </p:extLst>
-          </p:nvPr>
-        </p:nvSpPr>
-        <p:spPr>
-          <a:xfrm>
-            <a:off x="0" y="0"/>
-            <a:ext cx="12192001" cy="6858000"/>
-          </a:xfrm>
-          <a:prstGeom prst="rect">
-            <a:avLst/>
-          </a:prstGeom>
-          <a:solidFill>
-            <a:schemeClr val="accent1"/>
-          </a:solidFill>
-          <a:ln>
-            <a:noFill/>
-          </a:ln>
-        </p:spPr>
-        <p:style>
-          <a:lnRef idx="2">
-            <a:schemeClr val="accent1">
-              <a:shade val="50000"/>
-            </a:schemeClr>
-          </a:lnRef>
-          <a:fillRef idx="1">
-            <a:schemeClr val="accent1"/>
-          </a:fillRef>
-          <a:effectRef idx="0">
-            <a:schemeClr val="accent1"/>
-          </a:effectRef>
-          <a:fontRef idx="minor">
-            <a:schemeClr val="lt1"/>
-          </a:fontRef>
-        </p:style>
-        <p:txBody>
-          <a:bodyPr rot="0" spcFirstLastPara="0" vert="horz" wrap="square" lIns="91440" tIns="45720" rIns="91440" bIns="45720" numCol="1" spcCol="0" rtlCol="0" fromWordArt="0" anchor="ctr" anchorCtr="0" forceAA="0" compatLnSpc="1">
-            <a:prstTxWarp prst="textNoShape">
-              <a:avLst/>
-            </a:prstTxWarp>
-            <a:noAutofit/>
-          </a:bodyPr>
-          <a:lstStyle>
-            <a:defPPr>
-              <a:defRPr lang="en-US"/>
-            </a:defPPr>
-            <a:lvl1pPr marL="0" algn="l" defTabSz="914400" rtl="0" eaLnBrk="1" latinLnBrk="0" hangingPunct="1">
-              <a:defRPr sz="1800" kern="1200">
-                <a:solidFill>
-                  <a:schemeClr val="lt1"/>
-                </a:solidFill>
-                <a:latin typeface="+mn-lt"/>
-                <a:ea typeface="+mn-ea"/>
-                <a:cs typeface="+mn-cs"/>
-              </a:defRPr>
-            </a:lvl1pPr>
-            <a:lvl2pPr marL="457200" algn="l" defTabSz="914400" rtl="0" eaLnBrk="1" latinLnBrk="0" hangingPunct="1">
-              <a:defRPr sz="1800" kern="1200">
-                <a:solidFill>
-                  <a:schemeClr val="lt1"/>
-                </a:solidFill>
-                <a:latin typeface="+mn-lt"/>
-                <a:ea typeface="+mn-ea"/>
-                <a:cs typeface="+mn-cs"/>
-              </a:defRPr>
-            </a:lvl2pPr>
-            <a:lvl3pPr marL="914400" algn="l" defTabSz="914400" rtl="0" eaLnBrk="1" latinLnBrk="0" hangingPunct="1">
-              <a:defRPr sz="1800" kern="1200">
-                <a:solidFill>
-                  <a:schemeClr val="lt1"/>
-                </a:solidFill>
-                <a:latin typeface="+mn-lt"/>
-                <a:ea typeface="+mn-ea"/>
-                <a:cs typeface="+mn-cs"/>
-              </a:defRPr>
-            </a:lvl3pPr>
-            <a:lvl4pPr marL="1371600" algn="l" defTabSz="914400" rtl="0" eaLnBrk="1" latinLnBrk="0" hangingPunct="1">
-              <a:defRPr sz="1800" kern="1200">
-                <a:solidFill>
-                  <a:schemeClr val="lt1"/>
-                </a:solidFill>
-                <a:latin typeface="+mn-lt"/>
-                <a:ea typeface="+mn-ea"/>
-                <a:cs typeface="+mn-cs"/>
-              </a:defRPr>
-            </a:lvl4pPr>
-            <a:lvl5pPr marL="1828800" algn="l" defTabSz="914400" rtl="0" eaLnBrk="1" latinLnBrk="0" hangingPunct="1">
-              <a:defRPr sz="1800" kern="1200">
-                <a:solidFill>
-                  <a:schemeClr val="lt1"/>
-                </a:solidFill>
-                <a:latin typeface="+mn-lt"/>
-                <a:ea typeface="+mn-ea"/>
-                <a:cs typeface="+mn-cs"/>
-              </a:defRPr>
-            </a:lvl5pPr>
-            <a:lvl6pPr marL="2286000" algn="l" defTabSz="914400" rtl="0" eaLnBrk="1" latinLnBrk="0" hangingPunct="1">
-              <a:defRPr sz="1800" kern="1200">
-                <a:solidFill>
-                  <a:schemeClr val="lt1"/>
-                </a:solidFill>
-                <a:latin typeface="+mn-lt"/>
-                <a:ea typeface="+mn-ea"/>
-                <a:cs typeface="+mn-cs"/>
-              </a:defRPr>
-            </a:lvl6pPr>
-            <a:lvl7pPr marL="2743200" algn="l" defTabSz="914400" rtl="0" eaLnBrk="1" latinLnBrk="0" hangingPunct="1">
-              <a:defRPr sz="1800" kern="1200">
-                <a:solidFill>
-                  <a:schemeClr val="lt1"/>
-                </a:solidFill>
-                <a:latin typeface="+mn-lt"/>
-                <a:ea typeface="+mn-ea"/>
-                <a:cs typeface="+mn-cs"/>
-              </a:defRPr>
-            </a:lvl7pPr>
-            <a:lvl8pPr marL="3200400" algn="l" defTabSz="914400" rtl="0" eaLnBrk="1" latinLnBrk="0" hangingPunct="1">
-              <a:defRPr sz="1800" kern="1200">
-                <a:solidFill>
-                  <a:schemeClr val="lt1"/>
-                </a:solidFill>
-                <a:latin typeface="+mn-lt"/>
-                <a:ea typeface="+mn-ea"/>
-                <a:cs typeface="+mn-cs"/>
-              </a:defRPr>
-            </a:lvl8pPr>
-            <a:lvl9pPr marL="3657600" algn="l" defTabSz="914400" rtl="0" eaLnBrk="1" latinLnBrk="0" hangingPunct="1">
-              <a:defRPr sz="1800" kern="1200">
-                <a:solidFill>
-                  <a:schemeClr val="lt1"/>
-                </a:solidFill>
-                <a:latin typeface="+mn-lt"/>
-                <a:ea typeface="+mn-ea"/>
-                <a:cs typeface="+mn-cs"/>
-              </a:defRPr>
-            </a:lvl9pPr>
-          </a:lstStyle>
-          <a:p>
-            <a:pPr algn="ctr"/>
-            <a:endParaRPr lang="en-US"/>
-          </a:p>
-        </p:txBody>
-      </p:sp>
-      <p:sp useBgFill="1">
-        <p:nvSpPr>
-          <p:cNvPr id="10" name="Rectangle 9">
-            <a:extLst>
-              <a:ext uri="{FF2B5EF4-FFF2-40B4-BE49-F238E27FC236}">
-                <a16:creationId xmlns:a16="http://schemas.microsoft.com/office/drawing/2014/main" id="{252FEFEF-6AC0-46B6-AC09-11FC56196FA4}"/>
-              </a:ext>
-              <a:ext uri="{C183D7F6-B498-43B3-948B-1728B52AA6E4}">
-                <adec:decorative xmlns:adec="http://schemas.microsoft.com/office/drawing/2017/decorative" val="1"/>
-              </a:ext>
-            </a:extLst>
-          </p:cNvPr>
-          <p:cNvSpPr>
-            <a:spLocks noGrp="1" noRot="1" noChangeAspect="1" noMove="1" noResize="1" noEditPoints="1" noAdjustHandles="1" noChangeArrowheads="1" noChangeShapeType="1" noTextEdit="1"/>
-          </p:cNvSpPr>
-          <p:nvPr>
-            <p:extLst>
-              <p:ext uri="{386F3935-93C4-4BCD-93E2-E3B085C9AB24}">
-                <p16:designElem xmlns:p16="http://schemas.microsoft.com/office/powerpoint/2015/main" val="1"/>
-              </p:ext>
-            </p:extLst>
-          </p:nvPr>
-        </p:nvSpPr>
-        <p:spPr>
-          <a:xfrm>
-            <a:off x="210312" y="226665"/>
-            <a:ext cx="11722608" cy="6382512"/>
-          </a:xfrm>
-          <a:prstGeom prst="rect">
-            <a:avLst/>
-          </a:prstGeom>
-          <a:ln w="6350" cap="flat" cmpd="sng" algn="ctr">
-            <a:noFill/>
-            <a:prstDash val="solid"/>
-          </a:ln>
-          <a:effectLst>
-            <a:softEdge rad="0"/>
-          </a:effectLst>
-        </p:spPr>
-      </p:sp>
-      <p:sp>
-        <p:nvSpPr>
           <p:cNvPr id="2" name="Title 1">
             <a:extLst>
               <a:ext uri="{FF2B5EF4-FFF2-40B4-BE49-F238E27FC236}">
@@ -6993,7 +4665,7 @@
         </p:spPr>
         <p:txBody>
           <a:bodyPr>
-            <a:normAutofit/>
+            <a:normAutofit fontScale="77500" lnSpcReduction="20000"/>
           </a:bodyPr>
           <a:lstStyle/>
           <a:p>
@@ -7737,208 +5409,6 @@
       </p:grpSpPr>
       <p:sp>
         <p:nvSpPr>
-          <p:cNvPr id="8" name="Rectangle 7">
-            <a:extLst>
-              <a:ext uri="{FF2B5EF4-FFF2-40B4-BE49-F238E27FC236}">
-                <a16:creationId xmlns:a16="http://schemas.microsoft.com/office/drawing/2014/main" id="{70120F84-A866-4D9F-8B1C-9120A013D654}"/>
-              </a:ext>
-              <a:ext uri="{C183D7F6-B498-43B3-948B-1728B52AA6E4}">
-                <adec:decorative xmlns:adec="http://schemas.microsoft.com/office/drawing/2017/decorative" val="1"/>
-              </a:ext>
-            </a:extLst>
-          </p:cNvPr>
-          <p:cNvSpPr>
-            <a:spLocks noGrp="1" noRot="1" noChangeAspect="1" noMove="1" noResize="1" noEditPoints="1" noAdjustHandles="1" noChangeArrowheads="1" noChangeShapeType="1" noTextEdit="1"/>
-          </p:cNvSpPr>
-          <p:nvPr>
-            <p:extLst>
-              <p:ext uri="{386F3935-93C4-4BCD-93E2-E3B085C9AB24}">
-                <p16:designElem xmlns:p16="http://schemas.microsoft.com/office/powerpoint/2015/main" val="1"/>
-              </p:ext>
-            </p:extLst>
-          </p:nvPr>
-        </p:nvSpPr>
-        <p:spPr>
-          <a:xfrm>
-            <a:off x="0" y="0"/>
-            <a:ext cx="12192001" cy="6858000"/>
-          </a:xfrm>
-          <a:prstGeom prst="rect">
-            <a:avLst/>
-          </a:prstGeom>
-          <a:solidFill>
-            <a:schemeClr val="accent1"/>
-          </a:solidFill>
-          <a:ln>
-            <a:noFill/>
-          </a:ln>
-        </p:spPr>
-        <p:style>
-          <a:lnRef idx="2">
-            <a:schemeClr val="accent1">
-              <a:shade val="50000"/>
-            </a:schemeClr>
-          </a:lnRef>
-          <a:fillRef idx="1">
-            <a:schemeClr val="accent1"/>
-          </a:fillRef>
-          <a:effectRef idx="0">
-            <a:schemeClr val="accent1"/>
-          </a:effectRef>
-          <a:fontRef idx="minor">
-            <a:schemeClr val="lt1"/>
-          </a:fontRef>
-        </p:style>
-        <p:txBody>
-          <a:bodyPr rot="0" spcFirstLastPara="0" vert="horz" wrap="square" lIns="91440" tIns="45720" rIns="91440" bIns="45720" numCol="1" spcCol="0" rtlCol="0" fromWordArt="0" anchor="ctr" anchorCtr="0" forceAA="0" compatLnSpc="1">
-            <a:prstTxWarp prst="textNoShape">
-              <a:avLst/>
-            </a:prstTxWarp>
-            <a:noAutofit/>
-          </a:bodyPr>
-          <a:lstStyle>
-            <a:defPPr>
-              <a:defRPr lang="en-US"/>
-            </a:defPPr>
-            <a:lvl1pPr marL="0" algn="l" defTabSz="914400" rtl="0" eaLnBrk="1" latinLnBrk="0" hangingPunct="1">
-              <a:defRPr sz="1800" kern="1200">
-                <a:solidFill>
-                  <a:schemeClr val="lt1"/>
-                </a:solidFill>
-                <a:latin typeface="+mn-lt"/>
-                <a:ea typeface="+mn-ea"/>
-                <a:cs typeface="+mn-cs"/>
-              </a:defRPr>
-            </a:lvl1pPr>
-            <a:lvl2pPr marL="457200" algn="l" defTabSz="914400" rtl="0" eaLnBrk="1" latinLnBrk="0" hangingPunct="1">
-              <a:defRPr sz="1800" kern="1200">
-                <a:solidFill>
-                  <a:schemeClr val="lt1"/>
-                </a:solidFill>
-                <a:latin typeface="+mn-lt"/>
-                <a:ea typeface="+mn-ea"/>
-                <a:cs typeface="+mn-cs"/>
-              </a:defRPr>
-            </a:lvl2pPr>
-            <a:lvl3pPr marL="914400" algn="l" defTabSz="914400" rtl="0" eaLnBrk="1" latinLnBrk="0" hangingPunct="1">
-              <a:defRPr sz="1800" kern="1200">
-                <a:solidFill>
-                  <a:schemeClr val="lt1"/>
-                </a:solidFill>
-                <a:latin typeface="+mn-lt"/>
-                <a:ea typeface="+mn-ea"/>
-                <a:cs typeface="+mn-cs"/>
-              </a:defRPr>
-            </a:lvl3pPr>
-            <a:lvl4pPr marL="1371600" algn="l" defTabSz="914400" rtl="0" eaLnBrk="1" latinLnBrk="0" hangingPunct="1">
-              <a:defRPr sz="1800" kern="1200">
-                <a:solidFill>
-                  <a:schemeClr val="lt1"/>
-                </a:solidFill>
-                <a:latin typeface="+mn-lt"/>
-                <a:ea typeface="+mn-ea"/>
-                <a:cs typeface="+mn-cs"/>
-              </a:defRPr>
-            </a:lvl4pPr>
-            <a:lvl5pPr marL="1828800" algn="l" defTabSz="914400" rtl="0" eaLnBrk="1" latinLnBrk="0" hangingPunct="1">
-              <a:defRPr sz="1800" kern="1200">
-                <a:solidFill>
-                  <a:schemeClr val="lt1"/>
-                </a:solidFill>
-                <a:latin typeface="+mn-lt"/>
-                <a:ea typeface="+mn-ea"/>
-                <a:cs typeface="+mn-cs"/>
-              </a:defRPr>
-            </a:lvl5pPr>
-            <a:lvl6pPr marL="2286000" algn="l" defTabSz="914400" rtl="0" eaLnBrk="1" latinLnBrk="0" hangingPunct="1">
-              <a:defRPr sz="1800" kern="1200">
-                <a:solidFill>
-                  <a:schemeClr val="lt1"/>
-                </a:solidFill>
-                <a:latin typeface="+mn-lt"/>
-                <a:ea typeface="+mn-ea"/>
-                <a:cs typeface="+mn-cs"/>
-              </a:defRPr>
-            </a:lvl6pPr>
-            <a:lvl7pPr marL="2743200" algn="l" defTabSz="914400" rtl="0" eaLnBrk="1" latinLnBrk="0" hangingPunct="1">
-              <a:defRPr sz="1800" kern="1200">
-                <a:solidFill>
-                  <a:schemeClr val="lt1"/>
-                </a:solidFill>
-                <a:latin typeface="+mn-lt"/>
-                <a:ea typeface="+mn-ea"/>
-                <a:cs typeface="+mn-cs"/>
-              </a:defRPr>
-            </a:lvl7pPr>
-            <a:lvl8pPr marL="3200400" algn="l" defTabSz="914400" rtl="0" eaLnBrk="1" latinLnBrk="0" hangingPunct="1">
-              <a:defRPr sz="1800" kern="1200">
-                <a:solidFill>
-                  <a:schemeClr val="lt1"/>
-                </a:solidFill>
-                <a:latin typeface="+mn-lt"/>
-                <a:ea typeface="+mn-ea"/>
-                <a:cs typeface="+mn-cs"/>
-              </a:defRPr>
-            </a:lvl8pPr>
-            <a:lvl9pPr marL="3657600" algn="l" defTabSz="914400" rtl="0" eaLnBrk="1" latinLnBrk="0" hangingPunct="1">
-              <a:defRPr sz="1800" kern="1200">
-                <a:solidFill>
-                  <a:schemeClr val="lt1"/>
-                </a:solidFill>
-                <a:latin typeface="+mn-lt"/>
-                <a:ea typeface="+mn-ea"/>
-                <a:cs typeface="+mn-cs"/>
-              </a:defRPr>
-            </a:lvl9pPr>
-          </a:lstStyle>
-          <a:p>
-            <a:pPr algn="ctr"/>
-            <a:endParaRPr lang="en-US"/>
-          </a:p>
-        </p:txBody>
-      </p:sp>
-      <p:sp useBgFill="1">
-        <p:nvSpPr>
-          <p:cNvPr id="10" name="Rectangle 9">
-            <a:extLst>
-              <a:ext uri="{FF2B5EF4-FFF2-40B4-BE49-F238E27FC236}">
-                <a16:creationId xmlns:a16="http://schemas.microsoft.com/office/drawing/2014/main" id="{252FEFEF-6AC0-46B6-AC09-11FC56196FA4}"/>
-              </a:ext>
-              <a:ext uri="{C183D7F6-B498-43B3-948B-1728B52AA6E4}">
-                <adec:decorative xmlns:adec="http://schemas.microsoft.com/office/drawing/2017/decorative" val="1"/>
-              </a:ext>
-            </a:extLst>
-          </p:cNvPr>
-          <p:cNvSpPr>
-            <a:spLocks noGrp="1" noRot="1" noChangeAspect="1" noMove="1" noResize="1" noEditPoints="1" noAdjustHandles="1" noChangeArrowheads="1" noChangeShapeType="1" noTextEdit="1"/>
-          </p:cNvSpPr>
-          <p:nvPr>
-            <p:extLst>
-              <p:ext uri="{386F3935-93C4-4BCD-93E2-E3B085C9AB24}">
-                <p16:designElem xmlns:p16="http://schemas.microsoft.com/office/powerpoint/2015/main" val="1"/>
-              </p:ext>
-            </p:extLst>
-          </p:nvPr>
-        </p:nvSpPr>
-        <p:spPr>
-          <a:xfrm>
-            <a:off x="210312" y="226665"/>
-            <a:ext cx="11722608" cy="6382512"/>
-          </a:xfrm>
-          <a:prstGeom prst="rect">
-            <a:avLst/>
-          </a:prstGeom>
-          <a:ln w="6350" cap="flat" cmpd="sng" algn="ctr">
-            <a:noFill/>
-            <a:prstDash val="solid"/>
-          </a:ln>
-          <a:effectLst>
-            <a:softEdge rad="0"/>
-          </a:effectLst>
-        </p:spPr>
-      </p:sp>
-      <p:sp>
-        <p:nvSpPr>
           <p:cNvPr id="2" name="Title 1">
             <a:extLst>
               <a:ext uri="{FF2B5EF4-FFF2-40B4-BE49-F238E27FC236}">
@@ -8002,7 +5472,7 @@
         </p:spPr>
         <p:txBody>
           <a:bodyPr>
-            <a:normAutofit/>
+            <a:normAutofit fontScale="92500" lnSpcReduction="10000"/>
           </a:bodyPr>
           <a:lstStyle/>
           <a:p>
@@ -8848,947 +6318,6 @@
           </a:p>
         </p:txBody>
       </p:sp>
-      <p:sp>
-        <p:nvSpPr>
-          <p:cNvPr id="7" name="Rectangle 6">
-            <a:extLst>
-              <a:ext uri="{FF2B5EF4-FFF2-40B4-BE49-F238E27FC236}">
-                <a16:creationId xmlns:a16="http://schemas.microsoft.com/office/drawing/2014/main" id="{7CE969CD-1EC5-DC44-AD16-6AA6B028C930}"/>
-              </a:ext>
-              <a:ext uri="{C183D7F6-B498-43B3-948B-1728B52AA6E4}">
-                <adec:decorative xmlns:adec="http://schemas.microsoft.com/office/drawing/2017/decorative" val="1"/>
-              </a:ext>
-            </a:extLst>
-          </p:cNvPr>
-          <p:cNvSpPr>
-            <a:spLocks noGrp="1" noRot="1" noChangeAspect="1" noMove="1" noResize="1" noEditPoints="1" noAdjustHandles="1" noChangeArrowheads="1" noChangeShapeType="1" noTextEdit="1"/>
-          </p:cNvSpPr>
-          <p:nvPr>
-            <p:extLst>
-              <p:ext uri="{386F3935-93C4-4BCD-93E2-E3B085C9AB24}">
-                <p16:designElem xmlns:p16="http://schemas.microsoft.com/office/powerpoint/2015/main" val="1"/>
-              </p:ext>
-            </p:extLst>
-          </p:nvPr>
-        </p:nvSpPr>
-        <p:spPr>
-          <a:xfrm>
-            <a:off x="152400" y="152400"/>
-            <a:ext cx="12192001" cy="6858000"/>
-          </a:xfrm>
-          <a:prstGeom prst="rect">
-            <a:avLst/>
-          </a:prstGeom>
-          <a:solidFill>
-            <a:schemeClr val="accent1"/>
-          </a:solidFill>
-          <a:ln>
-            <a:noFill/>
-          </a:ln>
-        </p:spPr>
-        <p:style>
-          <a:lnRef idx="2">
-            <a:schemeClr val="accent1">
-              <a:shade val="50000"/>
-            </a:schemeClr>
-          </a:lnRef>
-          <a:fillRef idx="1">
-            <a:schemeClr val="accent1"/>
-          </a:fillRef>
-          <a:effectRef idx="0">
-            <a:schemeClr val="accent1"/>
-          </a:effectRef>
-          <a:fontRef idx="minor">
-            <a:schemeClr val="lt1"/>
-          </a:fontRef>
-        </p:style>
-        <p:txBody>
-          <a:bodyPr rot="0" spcFirstLastPara="0" vert="horz" wrap="square" lIns="91440" tIns="45720" rIns="91440" bIns="45720" numCol="1" spcCol="0" rtlCol="0" fromWordArt="0" anchor="ctr" anchorCtr="0" forceAA="0" compatLnSpc="1">
-            <a:prstTxWarp prst="textNoShape">
-              <a:avLst/>
-            </a:prstTxWarp>
-            <a:noAutofit/>
-          </a:bodyPr>
-          <a:lstStyle>
-            <a:defPPr>
-              <a:defRPr lang="en-US"/>
-            </a:defPPr>
-            <a:lvl1pPr marL="0" algn="l" defTabSz="914400" rtl="0" eaLnBrk="1" latinLnBrk="0" hangingPunct="1">
-              <a:defRPr sz="1800" kern="1200">
-                <a:solidFill>
-                  <a:schemeClr val="lt1"/>
-                </a:solidFill>
-                <a:latin typeface="+mn-lt"/>
-                <a:ea typeface="+mn-ea"/>
-                <a:cs typeface="+mn-cs"/>
-              </a:defRPr>
-            </a:lvl1pPr>
-            <a:lvl2pPr marL="457200" algn="l" defTabSz="914400" rtl="0" eaLnBrk="1" latinLnBrk="0" hangingPunct="1">
-              <a:defRPr sz="1800" kern="1200">
-                <a:solidFill>
-                  <a:schemeClr val="lt1"/>
-                </a:solidFill>
-                <a:latin typeface="+mn-lt"/>
-                <a:ea typeface="+mn-ea"/>
-                <a:cs typeface="+mn-cs"/>
-              </a:defRPr>
-            </a:lvl2pPr>
-            <a:lvl3pPr marL="914400" algn="l" defTabSz="914400" rtl="0" eaLnBrk="1" latinLnBrk="0" hangingPunct="1">
-              <a:defRPr sz="1800" kern="1200">
-                <a:solidFill>
-                  <a:schemeClr val="lt1"/>
-                </a:solidFill>
-                <a:latin typeface="+mn-lt"/>
-                <a:ea typeface="+mn-ea"/>
-                <a:cs typeface="+mn-cs"/>
-              </a:defRPr>
-            </a:lvl3pPr>
-            <a:lvl4pPr marL="1371600" algn="l" defTabSz="914400" rtl="0" eaLnBrk="1" latinLnBrk="0" hangingPunct="1">
-              <a:defRPr sz="1800" kern="1200">
-                <a:solidFill>
-                  <a:schemeClr val="lt1"/>
-                </a:solidFill>
-                <a:latin typeface="+mn-lt"/>
-                <a:ea typeface="+mn-ea"/>
-                <a:cs typeface="+mn-cs"/>
-              </a:defRPr>
-            </a:lvl4pPr>
-            <a:lvl5pPr marL="1828800" algn="l" defTabSz="914400" rtl="0" eaLnBrk="1" latinLnBrk="0" hangingPunct="1">
-              <a:defRPr sz="1800" kern="1200">
-                <a:solidFill>
-                  <a:schemeClr val="lt1"/>
-                </a:solidFill>
-                <a:latin typeface="+mn-lt"/>
-                <a:ea typeface="+mn-ea"/>
-                <a:cs typeface="+mn-cs"/>
-              </a:defRPr>
-            </a:lvl5pPr>
-            <a:lvl6pPr marL="2286000" algn="l" defTabSz="914400" rtl="0" eaLnBrk="1" latinLnBrk="0" hangingPunct="1">
-              <a:defRPr sz="1800" kern="1200">
-                <a:solidFill>
-                  <a:schemeClr val="lt1"/>
-                </a:solidFill>
-                <a:latin typeface="+mn-lt"/>
-                <a:ea typeface="+mn-ea"/>
-                <a:cs typeface="+mn-cs"/>
-              </a:defRPr>
-            </a:lvl6pPr>
-            <a:lvl7pPr marL="2743200" algn="l" defTabSz="914400" rtl="0" eaLnBrk="1" latinLnBrk="0" hangingPunct="1">
-              <a:defRPr sz="1800" kern="1200">
-                <a:solidFill>
-                  <a:schemeClr val="lt1"/>
-                </a:solidFill>
-                <a:latin typeface="+mn-lt"/>
-                <a:ea typeface="+mn-ea"/>
-                <a:cs typeface="+mn-cs"/>
-              </a:defRPr>
-            </a:lvl7pPr>
-            <a:lvl8pPr marL="3200400" algn="l" defTabSz="914400" rtl="0" eaLnBrk="1" latinLnBrk="0" hangingPunct="1">
-              <a:defRPr sz="1800" kern="1200">
-                <a:solidFill>
-                  <a:schemeClr val="lt1"/>
-                </a:solidFill>
-                <a:latin typeface="+mn-lt"/>
-                <a:ea typeface="+mn-ea"/>
-                <a:cs typeface="+mn-cs"/>
-              </a:defRPr>
-            </a:lvl8pPr>
-            <a:lvl9pPr marL="3657600" algn="l" defTabSz="914400" rtl="0" eaLnBrk="1" latinLnBrk="0" hangingPunct="1">
-              <a:defRPr sz="1800" kern="1200">
-                <a:solidFill>
-                  <a:schemeClr val="lt1"/>
-                </a:solidFill>
-                <a:latin typeface="+mn-lt"/>
-                <a:ea typeface="+mn-ea"/>
-                <a:cs typeface="+mn-cs"/>
-              </a:defRPr>
-            </a:lvl9pPr>
-          </a:lstStyle>
-          <a:p>
-            <a:pPr algn="ctr"/>
-            <a:endParaRPr lang="en-US"/>
-          </a:p>
-        </p:txBody>
-      </p:sp>
-      <p:sp useBgFill="1">
-        <p:nvSpPr>
-          <p:cNvPr id="9" name="Rectangle 8">
-            <a:extLst>
-              <a:ext uri="{FF2B5EF4-FFF2-40B4-BE49-F238E27FC236}">
-                <a16:creationId xmlns:a16="http://schemas.microsoft.com/office/drawing/2014/main" id="{421C9A7D-C14F-E245-B578-432F1BB18147}"/>
-              </a:ext>
-              <a:ext uri="{C183D7F6-B498-43B3-948B-1728B52AA6E4}">
-                <adec:decorative xmlns:adec="http://schemas.microsoft.com/office/drawing/2017/decorative" val="1"/>
-              </a:ext>
-            </a:extLst>
-          </p:cNvPr>
-          <p:cNvSpPr>
-            <a:spLocks noGrp="1" noRot="1" noChangeAspect="1" noMove="1" noResize="1" noEditPoints="1" noAdjustHandles="1" noChangeArrowheads="1" noChangeShapeType="1" noTextEdit="1"/>
-          </p:cNvSpPr>
-          <p:nvPr>
-            <p:extLst>
-              <p:ext uri="{386F3935-93C4-4BCD-93E2-E3B085C9AB24}">
-                <p16:designElem xmlns:p16="http://schemas.microsoft.com/office/powerpoint/2015/main" val="1"/>
-              </p:ext>
-            </p:extLst>
-          </p:nvPr>
-        </p:nvSpPr>
-        <p:spPr>
-          <a:xfrm>
-            <a:off x="362712" y="379065"/>
-            <a:ext cx="11722608" cy="6382512"/>
-          </a:xfrm>
-          <a:prstGeom prst="rect">
-            <a:avLst/>
-          </a:prstGeom>
-          <a:ln w="6350" cap="flat" cmpd="sng" algn="ctr">
-            <a:noFill/>
-            <a:prstDash val="solid"/>
-          </a:ln>
-          <a:effectLst>
-            <a:softEdge rad="0"/>
-          </a:effectLst>
-        </p:spPr>
-      </p:sp>
-      <p:sp>
-        <p:nvSpPr>
-          <p:cNvPr id="11" name="Title 1">
-            <a:extLst>
-              <a:ext uri="{FF2B5EF4-FFF2-40B4-BE49-F238E27FC236}">
-                <a16:creationId xmlns:a16="http://schemas.microsoft.com/office/drawing/2014/main" id="{00A5F20E-0122-BB4A-83C0-BDCD84C258DC}"/>
-              </a:ext>
-            </a:extLst>
-          </p:cNvPr>
-          <p:cNvSpPr txBox="1">
-            <a:spLocks/>
-          </p:cNvSpPr>
-          <p:nvPr/>
-        </p:nvSpPr>
-        <p:spPr>
-          <a:xfrm>
-            <a:off x="1327912" y="1022532"/>
-            <a:ext cx="9792208" cy="1527078"/>
-          </a:xfrm>
-          <a:prstGeom prst="rect">
-            <a:avLst/>
-          </a:prstGeom>
-        </p:spPr>
-        <p:txBody>
-          <a:bodyPr vert="horz" lIns="91440" tIns="45720" rIns="91440" bIns="45720" rtlCol="0" anchor="ctr">
-            <a:normAutofit/>
-          </a:bodyPr>
-          <a:lstStyle>
-            <a:lvl1pPr algn="l" defTabSz="914400" rtl="0" eaLnBrk="1" latinLnBrk="0" hangingPunct="1">
-              <a:lnSpc>
-                <a:spcPct val="90000"/>
-              </a:lnSpc>
-              <a:spcBef>
-                <a:spcPct val="0"/>
-              </a:spcBef>
-              <a:buNone/>
-              <a:defRPr lang="en-US" sz="4800" kern="1200" cap="none" spc="0" baseline="0" dirty="0">
-                <a:solidFill>
-                  <a:schemeClr val="tx1">
-                    <a:lumMod val="85000"/>
-                    <a:lumOff val="15000"/>
-                  </a:schemeClr>
-                </a:solidFill>
-                <a:effectLst/>
-                <a:latin typeface="+mj-lt"/>
-                <a:ea typeface="+mn-ea"/>
-                <a:cs typeface="+mn-cs"/>
-              </a:defRPr>
-            </a:lvl1pPr>
-          </a:lstStyle>
-          <a:p>
-            <a:r>
-              <a:rPr lang="en-GB" dirty="0">
-                <a:solidFill>
-                  <a:schemeClr val="tx2">
-                    <a:lumMod val="75000"/>
-                  </a:schemeClr>
-                </a:solidFill>
-              </a:rPr>
-              <a:t>Built-in Data types</a:t>
-            </a:r>
-          </a:p>
-        </p:txBody>
-      </p:sp>
-      <p:sp>
-        <p:nvSpPr>
-          <p:cNvPr id="12" name="Content Placeholder 2">
-            <a:extLst>
-              <a:ext uri="{FF2B5EF4-FFF2-40B4-BE49-F238E27FC236}">
-                <a16:creationId xmlns:a16="http://schemas.microsoft.com/office/drawing/2014/main" id="{D6541C87-652C-CD47-84B8-B7204AAB3BCF}"/>
-              </a:ext>
-            </a:extLst>
-          </p:cNvPr>
-          <p:cNvSpPr txBox="1">
-            <a:spLocks/>
-          </p:cNvSpPr>
-          <p:nvPr/>
-        </p:nvSpPr>
-        <p:spPr>
-          <a:xfrm>
-            <a:off x="6248400" y="2776275"/>
-            <a:ext cx="4300949" cy="3177029"/>
-          </a:xfrm>
-          <a:prstGeom prst="rect">
-            <a:avLst/>
-          </a:prstGeom>
-        </p:spPr>
-        <p:txBody>
-          <a:bodyPr vert="horz" lIns="91440" tIns="45720" rIns="91440" bIns="45720" rtlCol="0">
-            <a:normAutofit/>
-          </a:bodyPr>
-          <a:lstStyle>
-            <a:lvl1pPr marL="182880" indent="-182880" algn="l" defTabSz="914400" rtl="0" eaLnBrk="1" latinLnBrk="0" hangingPunct="1">
-              <a:lnSpc>
-                <a:spcPct val="100000"/>
-              </a:lnSpc>
-              <a:spcBef>
-                <a:spcPts val="900"/>
-              </a:spcBef>
-              <a:spcAft>
-                <a:spcPts val="0"/>
-              </a:spcAft>
-              <a:buClr>
-                <a:schemeClr val="tx1">
-                  <a:lumMod val="85000"/>
-                  <a:lumOff val="15000"/>
-                </a:schemeClr>
-              </a:buClr>
-              <a:buFont typeface="Garamond" pitchFamily="18" charset="0"/>
-              <a:buChar char="◦"/>
-              <a:defRPr sz="1800" kern="1200">
-                <a:solidFill>
-                  <a:schemeClr val="tx1"/>
-                </a:solidFill>
-                <a:latin typeface="+mn-lt"/>
-                <a:ea typeface="+mn-ea"/>
-                <a:cs typeface="+mn-cs"/>
-              </a:defRPr>
-            </a:lvl1pPr>
-            <a:lvl2pPr marL="457200" indent="-182880" algn="l" defTabSz="914400" rtl="0" eaLnBrk="1" latinLnBrk="0" hangingPunct="1">
-              <a:lnSpc>
-                <a:spcPct val="100000"/>
-              </a:lnSpc>
-              <a:spcBef>
-                <a:spcPts val="500"/>
-              </a:spcBef>
-              <a:buClr>
-                <a:schemeClr val="tx1">
-                  <a:lumMod val="85000"/>
-                  <a:lumOff val="15000"/>
-                </a:schemeClr>
-              </a:buClr>
-              <a:buFont typeface="Garamond" pitchFamily="18" charset="0"/>
-              <a:buChar char="◦"/>
-              <a:defRPr sz="1600" kern="1200">
-                <a:solidFill>
-                  <a:schemeClr val="tx1"/>
-                </a:solidFill>
-                <a:latin typeface="+mn-lt"/>
-                <a:ea typeface="+mn-ea"/>
-                <a:cs typeface="+mn-cs"/>
-              </a:defRPr>
-            </a:lvl2pPr>
-            <a:lvl3pPr marL="731520" indent="-182880" algn="l" defTabSz="914400" rtl="0" eaLnBrk="1" latinLnBrk="0" hangingPunct="1">
-              <a:lnSpc>
-                <a:spcPct val="100000"/>
-              </a:lnSpc>
-              <a:spcBef>
-                <a:spcPts val="500"/>
-              </a:spcBef>
-              <a:buClr>
-                <a:schemeClr val="tx1">
-                  <a:lumMod val="85000"/>
-                  <a:lumOff val="15000"/>
-                </a:schemeClr>
-              </a:buClr>
-              <a:buFont typeface="Garamond" pitchFamily="18" charset="0"/>
-              <a:buChar char="◦"/>
-              <a:defRPr sz="1400" kern="1200">
-                <a:solidFill>
-                  <a:schemeClr val="tx1"/>
-                </a:solidFill>
-                <a:latin typeface="+mn-lt"/>
-                <a:ea typeface="+mn-ea"/>
-                <a:cs typeface="+mn-cs"/>
-              </a:defRPr>
-            </a:lvl3pPr>
-            <a:lvl4pPr marL="1005840" indent="-182880" algn="l" defTabSz="914400" rtl="0" eaLnBrk="1" latinLnBrk="0" hangingPunct="1">
-              <a:lnSpc>
-                <a:spcPct val="100000"/>
-              </a:lnSpc>
-              <a:spcBef>
-                <a:spcPts val="500"/>
-              </a:spcBef>
-              <a:buClr>
-                <a:schemeClr val="tx1">
-                  <a:lumMod val="85000"/>
-                  <a:lumOff val="15000"/>
-                </a:schemeClr>
-              </a:buClr>
-              <a:buFont typeface="Garamond" pitchFamily="18" charset="0"/>
-              <a:buChar char="◦"/>
-              <a:defRPr sz="1400" kern="1200">
-                <a:solidFill>
-                  <a:schemeClr val="tx1"/>
-                </a:solidFill>
-                <a:latin typeface="+mn-lt"/>
-                <a:ea typeface="+mn-ea"/>
-                <a:cs typeface="+mn-cs"/>
-              </a:defRPr>
-            </a:lvl4pPr>
-            <a:lvl5pPr marL="1280160" indent="-182880" algn="l" defTabSz="914400" rtl="0" eaLnBrk="1" latinLnBrk="0" hangingPunct="1">
-              <a:lnSpc>
-                <a:spcPct val="100000"/>
-              </a:lnSpc>
-              <a:spcBef>
-                <a:spcPts val="500"/>
-              </a:spcBef>
-              <a:buClr>
-                <a:schemeClr val="tx1">
-                  <a:lumMod val="85000"/>
-                  <a:lumOff val="15000"/>
-                </a:schemeClr>
-              </a:buClr>
-              <a:buFont typeface="Garamond" pitchFamily="18" charset="0"/>
-              <a:buChar char="◦"/>
-              <a:defRPr sz="1400" kern="1200">
-                <a:solidFill>
-                  <a:schemeClr val="tx1"/>
-                </a:solidFill>
-                <a:latin typeface="+mn-lt"/>
-                <a:ea typeface="+mn-ea"/>
-                <a:cs typeface="+mn-cs"/>
-              </a:defRPr>
-            </a:lvl5pPr>
-            <a:lvl6pPr marL="1600000" indent="-228600" algn="l" defTabSz="914400" rtl="0" eaLnBrk="1" latinLnBrk="0" hangingPunct="1">
-              <a:lnSpc>
-                <a:spcPct val="100000"/>
-              </a:lnSpc>
-              <a:spcBef>
-                <a:spcPts val="500"/>
-              </a:spcBef>
-              <a:buClr>
-                <a:schemeClr val="tx1">
-                  <a:lumMod val="85000"/>
-                  <a:lumOff val="15000"/>
-                </a:schemeClr>
-              </a:buClr>
-              <a:buFont typeface="Garamond" pitchFamily="18" charset="0"/>
-              <a:buChar char="◦"/>
-              <a:defRPr sz="1400" kern="1200">
-                <a:solidFill>
-                  <a:schemeClr val="tx1"/>
-                </a:solidFill>
-                <a:latin typeface="+mn-lt"/>
-                <a:ea typeface="+mn-ea"/>
-                <a:cs typeface="+mn-cs"/>
-              </a:defRPr>
-            </a:lvl6pPr>
-            <a:lvl7pPr marL="1900000" indent="-228600" algn="l" defTabSz="914400" rtl="0" eaLnBrk="1" latinLnBrk="0" hangingPunct="1">
-              <a:lnSpc>
-                <a:spcPct val="100000"/>
-              </a:lnSpc>
-              <a:spcBef>
-                <a:spcPts val="500"/>
-              </a:spcBef>
-              <a:buClr>
-                <a:schemeClr val="tx1">
-                  <a:lumMod val="85000"/>
-                  <a:lumOff val="15000"/>
-                </a:schemeClr>
-              </a:buClr>
-              <a:buFont typeface="Garamond" pitchFamily="18" charset="0"/>
-              <a:buChar char="◦"/>
-              <a:defRPr sz="1400" kern="1200">
-                <a:solidFill>
-                  <a:schemeClr val="tx1"/>
-                </a:solidFill>
-                <a:latin typeface="+mn-lt"/>
-                <a:ea typeface="+mn-ea"/>
-                <a:cs typeface="+mn-cs"/>
-              </a:defRPr>
-            </a:lvl7pPr>
-            <a:lvl8pPr marL="2200000" indent="-228600" algn="l" defTabSz="914400" rtl="0" eaLnBrk="1" latinLnBrk="0" hangingPunct="1">
-              <a:lnSpc>
-                <a:spcPct val="100000"/>
-              </a:lnSpc>
-              <a:spcBef>
-                <a:spcPts val="500"/>
-              </a:spcBef>
-              <a:buClr>
-                <a:schemeClr val="tx1">
-                  <a:lumMod val="85000"/>
-                  <a:lumOff val="15000"/>
-                </a:schemeClr>
-              </a:buClr>
-              <a:buFont typeface="Garamond" pitchFamily="18" charset="0"/>
-              <a:buChar char="◦"/>
-              <a:defRPr sz="1400" kern="1200">
-                <a:solidFill>
-                  <a:schemeClr val="tx1"/>
-                </a:solidFill>
-                <a:latin typeface="+mn-lt"/>
-                <a:ea typeface="+mn-ea"/>
-                <a:cs typeface="+mn-cs"/>
-              </a:defRPr>
-            </a:lvl8pPr>
-            <a:lvl9pPr marL="2500000" indent="-228600" algn="l" defTabSz="914400" rtl="0" eaLnBrk="1" latinLnBrk="0" hangingPunct="1">
-              <a:lnSpc>
-                <a:spcPct val="100000"/>
-              </a:lnSpc>
-              <a:spcBef>
-                <a:spcPts val="500"/>
-              </a:spcBef>
-              <a:buClr>
-                <a:schemeClr val="tx1">
-                  <a:lumMod val="85000"/>
-                  <a:lumOff val="15000"/>
-                </a:schemeClr>
-              </a:buClr>
-              <a:buFont typeface="Garamond" pitchFamily="18" charset="0"/>
-              <a:buChar char="◦"/>
-              <a:defRPr sz="1400" kern="1200">
-                <a:solidFill>
-                  <a:schemeClr val="tx1"/>
-                </a:solidFill>
-                <a:latin typeface="+mn-lt"/>
-                <a:ea typeface="+mn-ea"/>
-                <a:cs typeface="+mn-cs"/>
-              </a:defRPr>
-            </a:lvl9pPr>
-          </a:lstStyle>
-          <a:p>
-            <a:r>
-              <a:rPr lang="en-US" dirty="0">
-                <a:solidFill>
-                  <a:schemeClr val="tx2">
-                    <a:lumMod val="75000"/>
-                  </a:schemeClr>
-                </a:solidFill>
-                <a:latin typeface="Consolas" panose="020B0609020204030204" pitchFamily="49" charset="0"/>
-                <a:cs typeface="Consolas" panose="020B0609020204030204" pitchFamily="49" charset="0"/>
-              </a:rPr>
-              <a:t>str</a:t>
-            </a:r>
-          </a:p>
-          <a:p>
-            <a:r>
-              <a:rPr lang="en-US" i="1" dirty="0">
-                <a:solidFill>
-                  <a:schemeClr val="tx2">
-                    <a:lumMod val="75000"/>
-                  </a:schemeClr>
-                </a:solidFill>
-                <a:latin typeface="Consolas" panose="020B0609020204030204" pitchFamily="49" charset="0"/>
-                <a:cs typeface="Consolas" panose="020B0609020204030204" pitchFamily="49" charset="0"/>
-              </a:rPr>
-              <a:t>list</a:t>
-            </a:r>
-          </a:p>
-          <a:p>
-            <a:r>
-              <a:rPr lang="en-US" i="1" dirty="0">
-                <a:solidFill>
-                  <a:schemeClr val="tx2">
-                    <a:lumMod val="75000"/>
-                  </a:schemeClr>
-                </a:solidFill>
-                <a:latin typeface="Consolas" panose="020B0609020204030204" pitchFamily="49" charset="0"/>
-                <a:cs typeface="Consolas" panose="020B0609020204030204" pitchFamily="49" charset="0"/>
-              </a:rPr>
-              <a:t>set</a:t>
-            </a:r>
-          </a:p>
-          <a:p>
-            <a:r>
-              <a:rPr lang="en-US" i="1" dirty="0" err="1">
-                <a:solidFill>
-                  <a:schemeClr val="tx2">
-                    <a:lumMod val="75000"/>
-                  </a:schemeClr>
-                </a:solidFill>
-                <a:latin typeface="Consolas" panose="020B0609020204030204" pitchFamily="49" charset="0"/>
-                <a:cs typeface="Consolas" panose="020B0609020204030204" pitchFamily="49" charset="0"/>
-              </a:rPr>
-              <a:t>dict</a:t>
-            </a:r>
-            <a:endParaRPr lang="en-US" i="1" dirty="0">
-              <a:solidFill>
-                <a:schemeClr val="tx2">
-                  <a:lumMod val="75000"/>
-                </a:schemeClr>
-              </a:solidFill>
-              <a:latin typeface="Consolas" panose="020B0609020204030204" pitchFamily="49" charset="0"/>
-              <a:cs typeface="Consolas" panose="020B0609020204030204" pitchFamily="49" charset="0"/>
-            </a:endParaRPr>
-          </a:p>
-          <a:p>
-            <a:r>
-              <a:rPr lang="en-US" i="1" dirty="0">
-                <a:solidFill>
-                  <a:schemeClr val="tx2">
-                    <a:lumMod val="75000"/>
-                  </a:schemeClr>
-                </a:solidFill>
-                <a:latin typeface="Consolas" panose="020B0609020204030204" pitchFamily="49" charset="0"/>
-                <a:cs typeface="Consolas" panose="020B0609020204030204" pitchFamily="49" charset="0"/>
-              </a:rPr>
-              <a:t>tuple	</a:t>
-            </a:r>
-          </a:p>
-          <a:p>
-            <a:pPr marL="0" indent="0">
-              <a:buNone/>
-            </a:pPr>
-            <a:r>
-              <a:rPr lang="en-US" i="1" dirty="0">
-                <a:solidFill>
-                  <a:schemeClr val="tx2">
-                    <a:lumMod val="75000"/>
-                  </a:schemeClr>
-                </a:solidFill>
-                <a:latin typeface="Consolas" panose="020B0609020204030204" pitchFamily="49" charset="0"/>
-                <a:cs typeface="Consolas" panose="020B0609020204030204" pitchFamily="49" charset="0"/>
-              </a:rPr>
-              <a:t>	</a:t>
-            </a:r>
-          </a:p>
-        </p:txBody>
-      </p:sp>
-      <p:sp>
-        <p:nvSpPr>
-          <p:cNvPr id="13" name="Content Placeholder 2">
-            <a:extLst>
-              <a:ext uri="{FF2B5EF4-FFF2-40B4-BE49-F238E27FC236}">
-                <a16:creationId xmlns:a16="http://schemas.microsoft.com/office/drawing/2014/main" id="{AB0F598F-D26A-8247-8C46-75A3FEAA3FB0}"/>
-              </a:ext>
-            </a:extLst>
-          </p:cNvPr>
-          <p:cNvSpPr txBox="1">
-            <a:spLocks/>
-          </p:cNvSpPr>
-          <p:nvPr/>
-        </p:nvSpPr>
-        <p:spPr>
-          <a:xfrm>
-            <a:off x="1480312" y="2862649"/>
-            <a:ext cx="4300949" cy="3177029"/>
-          </a:xfrm>
-          <a:prstGeom prst="rect">
-            <a:avLst/>
-          </a:prstGeom>
-        </p:spPr>
-        <p:txBody>
-          <a:bodyPr vert="horz" lIns="91440" tIns="45720" rIns="91440" bIns="45720" rtlCol="0">
-            <a:normAutofit/>
-          </a:bodyPr>
-          <a:lstStyle>
-            <a:lvl1pPr marL="182880" indent="-182880" algn="l" defTabSz="914400" rtl="0" eaLnBrk="1" latinLnBrk="0" hangingPunct="1">
-              <a:lnSpc>
-                <a:spcPct val="100000"/>
-              </a:lnSpc>
-              <a:spcBef>
-                <a:spcPts val="900"/>
-              </a:spcBef>
-              <a:spcAft>
-                <a:spcPts val="0"/>
-              </a:spcAft>
-              <a:buClr>
-                <a:schemeClr val="tx1">
-                  <a:lumMod val="85000"/>
-                  <a:lumOff val="15000"/>
-                </a:schemeClr>
-              </a:buClr>
-              <a:buFont typeface="Garamond" pitchFamily="18" charset="0"/>
-              <a:buChar char="◦"/>
-              <a:defRPr sz="1800" kern="1200">
-                <a:solidFill>
-                  <a:schemeClr val="tx1"/>
-                </a:solidFill>
-                <a:latin typeface="+mn-lt"/>
-                <a:ea typeface="+mn-ea"/>
-                <a:cs typeface="+mn-cs"/>
-              </a:defRPr>
-            </a:lvl1pPr>
-            <a:lvl2pPr marL="457200" indent="-182880" algn="l" defTabSz="914400" rtl="0" eaLnBrk="1" latinLnBrk="0" hangingPunct="1">
-              <a:lnSpc>
-                <a:spcPct val="100000"/>
-              </a:lnSpc>
-              <a:spcBef>
-                <a:spcPts val="500"/>
-              </a:spcBef>
-              <a:buClr>
-                <a:schemeClr val="tx1">
-                  <a:lumMod val="85000"/>
-                  <a:lumOff val="15000"/>
-                </a:schemeClr>
-              </a:buClr>
-              <a:buFont typeface="Garamond" pitchFamily="18" charset="0"/>
-              <a:buChar char="◦"/>
-              <a:defRPr sz="1600" kern="1200">
-                <a:solidFill>
-                  <a:schemeClr val="tx1"/>
-                </a:solidFill>
-                <a:latin typeface="+mn-lt"/>
-                <a:ea typeface="+mn-ea"/>
-                <a:cs typeface="+mn-cs"/>
-              </a:defRPr>
-            </a:lvl2pPr>
-            <a:lvl3pPr marL="731520" indent="-182880" algn="l" defTabSz="914400" rtl="0" eaLnBrk="1" latinLnBrk="0" hangingPunct="1">
-              <a:lnSpc>
-                <a:spcPct val="100000"/>
-              </a:lnSpc>
-              <a:spcBef>
-                <a:spcPts val="500"/>
-              </a:spcBef>
-              <a:buClr>
-                <a:schemeClr val="tx1">
-                  <a:lumMod val="85000"/>
-                  <a:lumOff val="15000"/>
-                </a:schemeClr>
-              </a:buClr>
-              <a:buFont typeface="Garamond" pitchFamily="18" charset="0"/>
-              <a:buChar char="◦"/>
-              <a:defRPr sz="1400" kern="1200">
-                <a:solidFill>
-                  <a:schemeClr val="tx1"/>
-                </a:solidFill>
-                <a:latin typeface="+mn-lt"/>
-                <a:ea typeface="+mn-ea"/>
-                <a:cs typeface="+mn-cs"/>
-              </a:defRPr>
-            </a:lvl3pPr>
-            <a:lvl4pPr marL="1005840" indent="-182880" algn="l" defTabSz="914400" rtl="0" eaLnBrk="1" latinLnBrk="0" hangingPunct="1">
-              <a:lnSpc>
-                <a:spcPct val="100000"/>
-              </a:lnSpc>
-              <a:spcBef>
-                <a:spcPts val="500"/>
-              </a:spcBef>
-              <a:buClr>
-                <a:schemeClr val="tx1">
-                  <a:lumMod val="85000"/>
-                  <a:lumOff val="15000"/>
-                </a:schemeClr>
-              </a:buClr>
-              <a:buFont typeface="Garamond" pitchFamily="18" charset="0"/>
-              <a:buChar char="◦"/>
-              <a:defRPr sz="1400" kern="1200">
-                <a:solidFill>
-                  <a:schemeClr val="tx1"/>
-                </a:solidFill>
-                <a:latin typeface="+mn-lt"/>
-                <a:ea typeface="+mn-ea"/>
-                <a:cs typeface="+mn-cs"/>
-              </a:defRPr>
-            </a:lvl4pPr>
-            <a:lvl5pPr marL="1280160" indent="-182880" algn="l" defTabSz="914400" rtl="0" eaLnBrk="1" latinLnBrk="0" hangingPunct="1">
-              <a:lnSpc>
-                <a:spcPct val="100000"/>
-              </a:lnSpc>
-              <a:spcBef>
-                <a:spcPts val="500"/>
-              </a:spcBef>
-              <a:buClr>
-                <a:schemeClr val="tx1">
-                  <a:lumMod val="85000"/>
-                  <a:lumOff val="15000"/>
-                </a:schemeClr>
-              </a:buClr>
-              <a:buFont typeface="Garamond" pitchFamily="18" charset="0"/>
-              <a:buChar char="◦"/>
-              <a:defRPr sz="1400" kern="1200">
-                <a:solidFill>
-                  <a:schemeClr val="tx1"/>
-                </a:solidFill>
-                <a:latin typeface="+mn-lt"/>
-                <a:ea typeface="+mn-ea"/>
-                <a:cs typeface="+mn-cs"/>
-              </a:defRPr>
-            </a:lvl5pPr>
-            <a:lvl6pPr marL="1600000" indent="-228600" algn="l" defTabSz="914400" rtl="0" eaLnBrk="1" latinLnBrk="0" hangingPunct="1">
-              <a:lnSpc>
-                <a:spcPct val="100000"/>
-              </a:lnSpc>
-              <a:spcBef>
-                <a:spcPts val="500"/>
-              </a:spcBef>
-              <a:buClr>
-                <a:schemeClr val="tx1">
-                  <a:lumMod val="85000"/>
-                  <a:lumOff val="15000"/>
-                </a:schemeClr>
-              </a:buClr>
-              <a:buFont typeface="Garamond" pitchFamily="18" charset="0"/>
-              <a:buChar char="◦"/>
-              <a:defRPr sz="1400" kern="1200">
-                <a:solidFill>
-                  <a:schemeClr val="tx1"/>
-                </a:solidFill>
-                <a:latin typeface="+mn-lt"/>
-                <a:ea typeface="+mn-ea"/>
-                <a:cs typeface="+mn-cs"/>
-              </a:defRPr>
-            </a:lvl6pPr>
-            <a:lvl7pPr marL="1900000" indent="-228600" algn="l" defTabSz="914400" rtl="0" eaLnBrk="1" latinLnBrk="0" hangingPunct="1">
-              <a:lnSpc>
-                <a:spcPct val="100000"/>
-              </a:lnSpc>
-              <a:spcBef>
-                <a:spcPts val="500"/>
-              </a:spcBef>
-              <a:buClr>
-                <a:schemeClr val="tx1">
-                  <a:lumMod val="85000"/>
-                  <a:lumOff val="15000"/>
-                </a:schemeClr>
-              </a:buClr>
-              <a:buFont typeface="Garamond" pitchFamily="18" charset="0"/>
-              <a:buChar char="◦"/>
-              <a:defRPr sz="1400" kern="1200">
-                <a:solidFill>
-                  <a:schemeClr val="tx1"/>
-                </a:solidFill>
-                <a:latin typeface="+mn-lt"/>
-                <a:ea typeface="+mn-ea"/>
-                <a:cs typeface="+mn-cs"/>
-              </a:defRPr>
-            </a:lvl7pPr>
-            <a:lvl8pPr marL="2200000" indent="-228600" algn="l" defTabSz="914400" rtl="0" eaLnBrk="1" latinLnBrk="0" hangingPunct="1">
-              <a:lnSpc>
-                <a:spcPct val="100000"/>
-              </a:lnSpc>
-              <a:spcBef>
-                <a:spcPts val="500"/>
-              </a:spcBef>
-              <a:buClr>
-                <a:schemeClr val="tx1">
-                  <a:lumMod val="85000"/>
-                  <a:lumOff val="15000"/>
-                </a:schemeClr>
-              </a:buClr>
-              <a:buFont typeface="Garamond" pitchFamily="18" charset="0"/>
-              <a:buChar char="◦"/>
-              <a:defRPr sz="1400" kern="1200">
-                <a:solidFill>
-                  <a:schemeClr val="tx1"/>
-                </a:solidFill>
-                <a:latin typeface="+mn-lt"/>
-                <a:ea typeface="+mn-ea"/>
-                <a:cs typeface="+mn-cs"/>
-              </a:defRPr>
-            </a:lvl8pPr>
-            <a:lvl9pPr marL="2500000" indent="-228600" algn="l" defTabSz="914400" rtl="0" eaLnBrk="1" latinLnBrk="0" hangingPunct="1">
-              <a:lnSpc>
-                <a:spcPct val="100000"/>
-              </a:lnSpc>
-              <a:spcBef>
-                <a:spcPts val="500"/>
-              </a:spcBef>
-              <a:buClr>
-                <a:schemeClr val="tx1">
-                  <a:lumMod val="85000"/>
-                  <a:lumOff val="15000"/>
-                </a:schemeClr>
-              </a:buClr>
-              <a:buFont typeface="Garamond" pitchFamily="18" charset="0"/>
-              <a:buChar char="◦"/>
-              <a:defRPr sz="1400" kern="1200">
-                <a:solidFill>
-                  <a:schemeClr val="tx1"/>
-                </a:solidFill>
-                <a:latin typeface="+mn-lt"/>
-                <a:ea typeface="+mn-ea"/>
-                <a:cs typeface="+mn-cs"/>
-              </a:defRPr>
-            </a:lvl9pPr>
-          </a:lstStyle>
-          <a:p>
-            <a:r>
-              <a:rPr lang="en-US" dirty="0">
-                <a:solidFill>
-                  <a:schemeClr val="tx2">
-                    <a:lumMod val="75000"/>
-                  </a:schemeClr>
-                </a:solidFill>
-                <a:latin typeface="Consolas" panose="020B0609020204030204" pitchFamily="49" charset="0"/>
-                <a:cs typeface="Consolas" panose="020B0609020204030204" pitchFamily="49" charset="0"/>
-              </a:rPr>
-              <a:t>boolean	</a:t>
-            </a:r>
-          </a:p>
-          <a:p>
-            <a:r>
-              <a:rPr lang="en-US" dirty="0">
-                <a:solidFill>
-                  <a:schemeClr val="tx2">
-                    <a:lumMod val="75000"/>
-                  </a:schemeClr>
-                </a:solidFill>
-                <a:latin typeface="Consolas" panose="020B0609020204030204" pitchFamily="49" charset="0"/>
-                <a:cs typeface="Consolas" panose="020B0609020204030204" pitchFamily="49" charset="0"/>
-              </a:rPr>
-              <a:t>int		</a:t>
-            </a:r>
-            <a:endParaRPr lang="en-US" i="1" dirty="0">
-              <a:solidFill>
-                <a:schemeClr val="tx2">
-                  <a:lumMod val="75000"/>
-                </a:schemeClr>
-              </a:solidFill>
-              <a:latin typeface="Consolas" panose="020B0609020204030204" pitchFamily="49" charset="0"/>
-              <a:cs typeface="Consolas" panose="020B0609020204030204" pitchFamily="49" charset="0"/>
-            </a:endParaRPr>
-          </a:p>
-          <a:p>
-            <a:r>
-              <a:rPr lang="en-US" i="1" dirty="0">
-                <a:solidFill>
-                  <a:schemeClr val="tx2">
-                    <a:lumMod val="75000"/>
-                  </a:schemeClr>
-                </a:solidFill>
-                <a:latin typeface="Consolas" panose="020B0609020204030204" pitchFamily="49" charset="0"/>
-                <a:cs typeface="Consolas" panose="020B0609020204030204" pitchFamily="49" charset="0"/>
-              </a:rPr>
-              <a:t>float	</a:t>
-            </a:r>
-          </a:p>
-          <a:p>
-            <a:r>
-              <a:rPr lang="en-US" i="1" dirty="0">
-                <a:solidFill>
-                  <a:schemeClr val="tx2">
-                    <a:lumMod val="75000"/>
-                  </a:schemeClr>
-                </a:solidFill>
-                <a:latin typeface="Consolas" panose="020B0609020204030204" pitchFamily="49" charset="0"/>
-                <a:cs typeface="Consolas" panose="020B0609020204030204" pitchFamily="49" charset="0"/>
-              </a:rPr>
-              <a:t>Complex</a:t>
-            </a:r>
-          </a:p>
-          <a:p>
-            <a:r>
-              <a:rPr lang="en-US" i="1" dirty="0">
-                <a:solidFill>
-                  <a:schemeClr val="tx2">
-                    <a:lumMod val="75000"/>
-                  </a:schemeClr>
-                </a:solidFill>
-                <a:latin typeface="Consolas" panose="020B0609020204030204" pitchFamily="49" charset="0"/>
-                <a:cs typeface="Consolas" panose="020B0609020204030204" pitchFamily="49" charset="0"/>
-              </a:rPr>
-              <a:t>char</a:t>
-            </a:r>
-          </a:p>
-        </p:txBody>
-      </p:sp>
     </p:spTree>
     <p:extLst>
       <p:ext uri="{BB962C8B-B14F-4D97-AF65-F5344CB8AC3E}">
@@ -9829,208 +6358,6 @@
       </p:grpSpPr>
       <p:sp>
         <p:nvSpPr>
-          <p:cNvPr id="8" name="Rectangle 7">
-            <a:extLst>
-              <a:ext uri="{FF2B5EF4-FFF2-40B4-BE49-F238E27FC236}">
-                <a16:creationId xmlns:a16="http://schemas.microsoft.com/office/drawing/2014/main" id="{70120F84-A866-4D9F-8B1C-9120A013D654}"/>
-              </a:ext>
-              <a:ext uri="{C183D7F6-B498-43B3-948B-1728B52AA6E4}">
-                <adec:decorative xmlns:adec="http://schemas.microsoft.com/office/drawing/2017/decorative" val="1"/>
-              </a:ext>
-            </a:extLst>
-          </p:cNvPr>
-          <p:cNvSpPr>
-            <a:spLocks noGrp="1" noRot="1" noChangeAspect="1" noMove="1" noResize="1" noEditPoints="1" noAdjustHandles="1" noChangeArrowheads="1" noChangeShapeType="1" noTextEdit="1"/>
-          </p:cNvSpPr>
-          <p:nvPr>
-            <p:extLst>
-              <p:ext uri="{386F3935-93C4-4BCD-93E2-E3B085C9AB24}">
-                <p16:designElem xmlns:p16="http://schemas.microsoft.com/office/powerpoint/2015/main" val="1"/>
-              </p:ext>
-            </p:extLst>
-          </p:nvPr>
-        </p:nvSpPr>
-        <p:spPr>
-          <a:xfrm>
-            <a:off x="0" y="0"/>
-            <a:ext cx="12192001" cy="6858000"/>
-          </a:xfrm>
-          <a:prstGeom prst="rect">
-            <a:avLst/>
-          </a:prstGeom>
-          <a:solidFill>
-            <a:schemeClr val="accent1"/>
-          </a:solidFill>
-          <a:ln>
-            <a:noFill/>
-          </a:ln>
-        </p:spPr>
-        <p:style>
-          <a:lnRef idx="2">
-            <a:schemeClr val="accent1">
-              <a:shade val="50000"/>
-            </a:schemeClr>
-          </a:lnRef>
-          <a:fillRef idx="1">
-            <a:schemeClr val="accent1"/>
-          </a:fillRef>
-          <a:effectRef idx="0">
-            <a:schemeClr val="accent1"/>
-          </a:effectRef>
-          <a:fontRef idx="minor">
-            <a:schemeClr val="lt1"/>
-          </a:fontRef>
-        </p:style>
-        <p:txBody>
-          <a:bodyPr rot="0" spcFirstLastPara="0" vert="horz" wrap="square" lIns="91440" tIns="45720" rIns="91440" bIns="45720" numCol="1" spcCol="0" rtlCol="0" fromWordArt="0" anchor="ctr" anchorCtr="0" forceAA="0" compatLnSpc="1">
-            <a:prstTxWarp prst="textNoShape">
-              <a:avLst/>
-            </a:prstTxWarp>
-            <a:noAutofit/>
-          </a:bodyPr>
-          <a:lstStyle>
-            <a:defPPr>
-              <a:defRPr lang="en-US"/>
-            </a:defPPr>
-            <a:lvl1pPr marL="0" algn="l" defTabSz="914400" rtl="0" eaLnBrk="1" latinLnBrk="0" hangingPunct="1">
-              <a:defRPr sz="1800" kern="1200">
-                <a:solidFill>
-                  <a:schemeClr val="lt1"/>
-                </a:solidFill>
-                <a:latin typeface="+mn-lt"/>
-                <a:ea typeface="+mn-ea"/>
-                <a:cs typeface="+mn-cs"/>
-              </a:defRPr>
-            </a:lvl1pPr>
-            <a:lvl2pPr marL="457200" algn="l" defTabSz="914400" rtl="0" eaLnBrk="1" latinLnBrk="0" hangingPunct="1">
-              <a:defRPr sz="1800" kern="1200">
-                <a:solidFill>
-                  <a:schemeClr val="lt1"/>
-                </a:solidFill>
-                <a:latin typeface="+mn-lt"/>
-                <a:ea typeface="+mn-ea"/>
-                <a:cs typeface="+mn-cs"/>
-              </a:defRPr>
-            </a:lvl2pPr>
-            <a:lvl3pPr marL="914400" algn="l" defTabSz="914400" rtl="0" eaLnBrk="1" latinLnBrk="0" hangingPunct="1">
-              <a:defRPr sz="1800" kern="1200">
-                <a:solidFill>
-                  <a:schemeClr val="lt1"/>
-                </a:solidFill>
-                <a:latin typeface="+mn-lt"/>
-                <a:ea typeface="+mn-ea"/>
-                <a:cs typeface="+mn-cs"/>
-              </a:defRPr>
-            </a:lvl3pPr>
-            <a:lvl4pPr marL="1371600" algn="l" defTabSz="914400" rtl="0" eaLnBrk="1" latinLnBrk="0" hangingPunct="1">
-              <a:defRPr sz="1800" kern="1200">
-                <a:solidFill>
-                  <a:schemeClr val="lt1"/>
-                </a:solidFill>
-                <a:latin typeface="+mn-lt"/>
-                <a:ea typeface="+mn-ea"/>
-                <a:cs typeface="+mn-cs"/>
-              </a:defRPr>
-            </a:lvl4pPr>
-            <a:lvl5pPr marL="1828800" algn="l" defTabSz="914400" rtl="0" eaLnBrk="1" latinLnBrk="0" hangingPunct="1">
-              <a:defRPr sz="1800" kern="1200">
-                <a:solidFill>
-                  <a:schemeClr val="lt1"/>
-                </a:solidFill>
-                <a:latin typeface="+mn-lt"/>
-                <a:ea typeface="+mn-ea"/>
-                <a:cs typeface="+mn-cs"/>
-              </a:defRPr>
-            </a:lvl5pPr>
-            <a:lvl6pPr marL="2286000" algn="l" defTabSz="914400" rtl="0" eaLnBrk="1" latinLnBrk="0" hangingPunct="1">
-              <a:defRPr sz="1800" kern="1200">
-                <a:solidFill>
-                  <a:schemeClr val="lt1"/>
-                </a:solidFill>
-                <a:latin typeface="+mn-lt"/>
-                <a:ea typeface="+mn-ea"/>
-                <a:cs typeface="+mn-cs"/>
-              </a:defRPr>
-            </a:lvl6pPr>
-            <a:lvl7pPr marL="2743200" algn="l" defTabSz="914400" rtl="0" eaLnBrk="1" latinLnBrk="0" hangingPunct="1">
-              <a:defRPr sz="1800" kern="1200">
-                <a:solidFill>
-                  <a:schemeClr val="lt1"/>
-                </a:solidFill>
-                <a:latin typeface="+mn-lt"/>
-                <a:ea typeface="+mn-ea"/>
-                <a:cs typeface="+mn-cs"/>
-              </a:defRPr>
-            </a:lvl7pPr>
-            <a:lvl8pPr marL="3200400" algn="l" defTabSz="914400" rtl="0" eaLnBrk="1" latinLnBrk="0" hangingPunct="1">
-              <a:defRPr sz="1800" kern="1200">
-                <a:solidFill>
-                  <a:schemeClr val="lt1"/>
-                </a:solidFill>
-                <a:latin typeface="+mn-lt"/>
-                <a:ea typeface="+mn-ea"/>
-                <a:cs typeface="+mn-cs"/>
-              </a:defRPr>
-            </a:lvl8pPr>
-            <a:lvl9pPr marL="3657600" algn="l" defTabSz="914400" rtl="0" eaLnBrk="1" latinLnBrk="0" hangingPunct="1">
-              <a:defRPr sz="1800" kern="1200">
-                <a:solidFill>
-                  <a:schemeClr val="lt1"/>
-                </a:solidFill>
-                <a:latin typeface="+mn-lt"/>
-                <a:ea typeface="+mn-ea"/>
-                <a:cs typeface="+mn-cs"/>
-              </a:defRPr>
-            </a:lvl9pPr>
-          </a:lstStyle>
-          <a:p>
-            <a:pPr algn="ctr"/>
-            <a:endParaRPr lang="en-US"/>
-          </a:p>
-        </p:txBody>
-      </p:sp>
-      <p:sp useBgFill="1">
-        <p:nvSpPr>
-          <p:cNvPr id="10" name="Rectangle 9">
-            <a:extLst>
-              <a:ext uri="{FF2B5EF4-FFF2-40B4-BE49-F238E27FC236}">
-                <a16:creationId xmlns:a16="http://schemas.microsoft.com/office/drawing/2014/main" id="{252FEFEF-6AC0-46B6-AC09-11FC56196FA4}"/>
-              </a:ext>
-              <a:ext uri="{C183D7F6-B498-43B3-948B-1728B52AA6E4}">
-                <adec:decorative xmlns:adec="http://schemas.microsoft.com/office/drawing/2017/decorative" val="1"/>
-              </a:ext>
-            </a:extLst>
-          </p:cNvPr>
-          <p:cNvSpPr>
-            <a:spLocks noGrp="1" noRot="1" noChangeAspect="1" noMove="1" noResize="1" noEditPoints="1" noAdjustHandles="1" noChangeArrowheads="1" noChangeShapeType="1" noTextEdit="1"/>
-          </p:cNvSpPr>
-          <p:nvPr>
-            <p:extLst>
-              <p:ext uri="{386F3935-93C4-4BCD-93E2-E3B085C9AB24}">
-                <p16:designElem xmlns:p16="http://schemas.microsoft.com/office/powerpoint/2015/main" val="1"/>
-              </p:ext>
-            </p:extLst>
-          </p:nvPr>
-        </p:nvSpPr>
-        <p:spPr>
-          <a:xfrm>
-            <a:off x="210312" y="226665"/>
-            <a:ext cx="11722608" cy="6382512"/>
-          </a:xfrm>
-          <a:prstGeom prst="rect">
-            <a:avLst/>
-          </a:prstGeom>
-          <a:ln w="6350" cap="flat" cmpd="sng" algn="ctr">
-            <a:noFill/>
-            <a:prstDash val="solid"/>
-          </a:ln>
-          <a:effectLst>
-            <a:softEdge rad="0"/>
-          </a:effectLst>
-        </p:spPr>
-      </p:sp>
-      <p:sp>
-        <p:nvSpPr>
           <p:cNvPr id="2" name="Title 1">
             <a:extLst>
               <a:ext uri="{FF2B5EF4-FFF2-40B4-BE49-F238E27FC236}">
@@ -10094,7 +6421,7 @@
         </p:spPr>
         <p:txBody>
           <a:bodyPr>
-            <a:normAutofit fontScale="85000" lnSpcReduction="20000"/>
+            <a:normAutofit fontScale="62500" lnSpcReduction="20000"/>
           </a:bodyPr>
           <a:lstStyle/>
           <a:p>
@@ -10267,7 +6594,9 @@
             </a:r>
           </a:p>
           <a:p>
-            <a:pPr lvl="1"/>
+            <a:pPr marL="457200" lvl="1" indent="0">
+              <a:buNone/>
+            </a:pPr>
             <a:r>
               <a:rPr lang="en-US" sz="1800" dirty="0">
                 <a:solidFill>
@@ -10278,10 +6607,10 @@
                 <a:latin typeface="Consolas" panose="020B0609020204030204" pitchFamily="49" charset="0"/>
                 <a:cs typeface="Consolas" panose="020B0609020204030204" pitchFamily="49" charset="0"/>
               </a:rPr>
-              <a:t>print(</a:t>
-            </a:r>
-            <a:r>
-              <a:rPr lang="en-US" sz="1800" dirty="0" err="1">
+              <a:t> 	</a:t>
+            </a:r>
+            <a:r>
+              <a:rPr lang="en-US" sz="2900" dirty="0">
                 <a:solidFill>
                   <a:schemeClr val="tx2">
                     <a:lumMod val="75000"/>
@@ -10290,10 +6619,22 @@
                 <a:latin typeface="Consolas" panose="020B0609020204030204" pitchFamily="49" charset="0"/>
                 <a:cs typeface="Consolas" panose="020B0609020204030204" pitchFamily="49" charset="0"/>
               </a:rPr>
+              <a:t>print(</a:t>
+            </a:r>
+            <a:r>
+              <a:rPr lang="en-US" sz="2900" dirty="0" err="1">
+                <a:solidFill>
+                  <a:schemeClr val="tx2">
+                    <a:lumMod val="75000"/>
+                  </a:schemeClr>
+                </a:solidFill>
+                <a:latin typeface="Consolas" panose="020B0609020204030204" pitchFamily="49" charset="0"/>
+                <a:cs typeface="Consolas" panose="020B0609020204030204" pitchFamily="49" charset="0"/>
+              </a:rPr>
               <a:t>i</a:t>
             </a:r>
             <a:r>
-              <a:rPr lang="en-US" sz="1800" dirty="0">
+              <a:rPr lang="en-US" sz="2900" dirty="0">
                 <a:solidFill>
                   <a:schemeClr val="tx2">
                     <a:lumMod val="75000"/>
@@ -10359,208 +6700,6 @@
           <a:chExt cx="0" cy="0"/>
         </a:xfrm>
       </p:grpSpPr>
-      <p:sp>
-        <p:nvSpPr>
-          <p:cNvPr id="8" name="Rectangle 7">
-            <a:extLst>
-              <a:ext uri="{FF2B5EF4-FFF2-40B4-BE49-F238E27FC236}">
-                <a16:creationId xmlns:a16="http://schemas.microsoft.com/office/drawing/2014/main" id="{70120F84-A866-4D9F-8B1C-9120A013D654}"/>
-              </a:ext>
-              <a:ext uri="{C183D7F6-B498-43B3-948B-1728B52AA6E4}">
-                <adec:decorative xmlns:adec="http://schemas.microsoft.com/office/drawing/2017/decorative" val="1"/>
-              </a:ext>
-            </a:extLst>
-          </p:cNvPr>
-          <p:cNvSpPr>
-            <a:spLocks noGrp="1" noRot="1" noChangeAspect="1" noMove="1" noResize="1" noEditPoints="1" noAdjustHandles="1" noChangeArrowheads="1" noChangeShapeType="1" noTextEdit="1"/>
-          </p:cNvSpPr>
-          <p:nvPr>
-            <p:extLst>
-              <p:ext uri="{386F3935-93C4-4BCD-93E2-E3B085C9AB24}">
-                <p16:designElem xmlns:p16="http://schemas.microsoft.com/office/powerpoint/2015/main" val="1"/>
-              </p:ext>
-            </p:extLst>
-          </p:nvPr>
-        </p:nvSpPr>
-        <p:spPr>
-          <a:xfrm>
-            <a:off x="0" y="0"/>
-            <a:ext cx="12192001" cy="6858000"/>
-          </a:xfrm>
-          <a:prstGeom prst="rect">
-            <a:avLst/>
-          </a:prstGeom>
-          <a:solidFill>
-            <a:schemeClr val="accent1"/>
-          </a:solidFill>
-          <a:ln>
-            <a:noFill/>
-          </a:ln>
-        </p:spPr>
-        <p:style>
-          <a:lnRef idx="2">
-            <a:schemeClr val="accent1">
-              <a:shade val="50000"/>
-            </a:schemeClr>
-          </a:lnRef>
-          <a:fillRef idx="1">
-            <a:schemeClr val="accent1"/>
-          </a:fillRef>
-          <a:effectRef idx="0">
-            <a:schemeClr val="accent1"/>
-          </a:effectRef>
-          <a:fontRef idx="minor">
-            <a:schemeClr val="lt1"/>
-          </a:fontRef>
-        </p:style>
-        <p:txBody>
-          <a:bodyPr rot="0" spcFirstLastPara="0" vert="horz" wrap="square" lIns="91440" tIns="45720" rIns="91440" bIns="45720" numCol="1" spcCol="0" rtlCol="0" fromWordArt="0" anchor="ctr" anchorCtr="0" forceAA="0" compatLnSpc="1">
-            <a:prstTxWarp prst="textNoShape">
-              <a:avLst/>
-            </a:prstTxWarp>
-            <a:noAutofit/>
-          </a:bodyPr>
-          <a:lstStyle>
-            <a:defPPr>
-              <a:defRPr lang="en-US"/>
-            </a:defPPr>
-            <a:lvl1pPr marL="0" algn="l" defTabSz="914400" rtl="0" eaLnBrk="1" latinLnBrk="0" hangingPunct="1">
-              <a:defRPr sz="1800" kern="1200">
-                <a:solidFill>
-                  <a:schemeClr val="lt1"/>
-                </a:solidFill>
-                <a:latin typeface="+mn-lt"/>
-                <a:ea typeface="+mn-ea"/>
-                <a:cs typeface="+mn-cs"/>
-              </a:defRPr>
-            </a:lvl1pPr>
-            <a:lvl2pPr marL="457200" algn="l" defTabSz="914400" rtl="0" eaLnBrk="1" latinLnBrk="0" hangingPunct="1">
-              <a:defRPr sz="1800" kern="1200">
-                <a:solidFill>
-                  <a:schemeClr val="lt1"/>
-                </a:solidFill>
-                <a:latin typeface="+mn-lt"/>
-                <a:ea typeface="+mn-ea"/>
-                <a:cs typeface="+mn-cs"/>
-              </a:defRPr>
-            </a:lvl2pPr>
-            <a:lvl3pPr marL="914400" algn="l" defTabSz="914400" rtl="0" eaLnBrk="1" latinLnBrk="0" hangingPunct="1">
-              <a:defRPr sz="1800" kern="1200">
-                <a:solidFill>
-                  <a:schemeClr val="lt1"/>
-                </a:solidFill>
-                <a:latin typeface="+mn-lt"/>
-                <a:ea typeface="+mn-ea"/>
-                <a:cs typeface="+mn-cs"/>
-              </a:defRPr>
-            </a:lvl3pPr>
-            <a:lvl4pPr marL="1371600" algn="l" defTabSz="914400" rtl="0" eaLnBrk="1" latinLnBrk="0" hangingPunct="1">
-              <a:defRPr sz="1800" kern="1200">
-                <a:solidFill>
-                  <a:schemeClr val="lt1"/>
-                </a:solidFill>
-                <a:latin typeface="+mn-lt"/>
-                <a:ea typeface="+mn-ea"/>
-                <a:cs typeface="+mn-cs"/>
-              </a:defRPr>
-            </a:lvl4pPr>
-            <a:lvl5pPr marL="1828800" algn="l" defTabSz="914400" rtl="0" eaLnBrk="1" latinLnBrk="0" hangingPunct="1">
-              <a:defRPr sz="1800" kern="1200">
-                <a:solidFill>
-                  <a:schemeClr val="lt1"/>
-                </a:solidFill>
-                <a:latin typeface="+mn-lt"/>
-                <a:ea typeface="+mn-ea"/>
-                <a:cs typeface="+mn-cs"/>
-              </a:defRPr>
-            </a:lvl5pPr>
-            <a:lvl6pPr marL="2286000" algn="l" defTabSz="914400" rtl="0" eaLnBrk="1" latinLnBrk="0" hangingPunct="1">
-              <a:defRPr sz="1800" kern="1200">
-                <a:solidFill>
-                  <a:schemeClr val="lt1"/>
-                </a:solidFill>
-                <a:latin typeface="+mn-lt"/>
-                <a:ea typeface="+mn-ea"/>
-                <a:cs typeface="+mn-cs"/>
-              </a:defRPr>
-            </a:lvl6pPr>
-            <a:lvl7pPr marL="2743200" algn="l" defTabSz="914400" rtl="0" eaLnBrk="1" latinLnBrk="0" hangingPunct="1">
-              <a:defRPr sz="1800" kern="1200">
-                <a:solidFill>
-                  <a:schemeClr val="lt1"/>
-                </a:solidFill>
-                <a:latin typeface="+mn-lt"/>
-                <a:ea typeface="+mn-ea"/>
-                <a:cs typeface="+mn-cs"/>
-              </a:defRPr>
-            </a:lvl7pPr>
-            <a:lvl8pPr marL="3200400" algn="l" defTabSz="914400" rtl="0" eaLnBrk="1" latinLnBrk="0" hangingPunct="1">
-              <a:defRPr sz="1800" kern="1200">
-                <a:solidFill>
-                  <a:schemeClr val="lt1"/>
-                </a:solidFill>
-                <a:latin typeface="+mn-lt"/>
-                <a:ea typeface="+mn-ea"/>
-                <a:cs typeface="+mn-cs"/>
-              </a:defRPr>
-            </a:lvl8pPr>
-            <a:lvl9pPr marL="3657600" algn="l" defTabSz="914400" rtl="0" eaLnBrk="1" latinLnBrk="0" hangingPunct="1">
-              <a:defRPr sz="1800" kern="1200">
-                <a:solidFill>
-                  <a:schemeClr val="lt1"/>
-                </a:solidFill>
-                <a:latin typeface="+mn-lt"/>
-                <a:ea typeface="+mn-ea"/>
-                <a:cs typeface="+mn-cs"/>
-              </a:defRPr>
-            </a:lvl9pPr>
-          </a:lstStyle>
-          <a:p>
-            <a:pPr algn="ctr"/>
-            <a:endParaRPr lang="en-US"/>
-          </a:p>
-        </p:txBody>
-      </p:sp>
-      <p:sp useBgFill="1">
-        <p:nvSpPr>
-          <p:cNvPr id="10" name="Rectangle 9">
-            <a:extLst>
-              <a:ext uri="{FF2B5EF4-FFF2-40B4-BE49-F238E27FC236}">
-                <a16:creationId xmlns:a16="http://schemas.microsoft.com/office/drawing/2014/main" id="{252FEFEF-6AC0-46B6-AC09-11FC56196FA4}"/>
-              </a:ext>
-              <a:ext uri="{C183D7F6-B498-43B3-948B-1728B52AA6E4}">
-                <adec:decorative xmlns:adec="http://schemas.microsoft.com/office/drawing/2017/decorative" val="1"/>
-              </a:ext>
-            </a:extLst>
-          </p:cNvPr>
-          <p:cNvSpPr>
-            <a:spLocks noGrp="1" noRot="1" noChangeAspect="1" noMove="1" noResize="1" noEditPoints="1" noAdjustHandles="1" noChangeArrowheads="1" noChangeShapeType="1" noTextEdit="1"/>
-          </p:cNvSpPr>
-          <p:nvPr>
-            <p:extLst>
-              <p:ext uri="{386F3935-93C4-4BCD-93E2-E3B085C9AB24}">
-                <p16:designElem xmlns:p16="http://schemas.microsoft.com/office/powerpoint/2015/main" val="1"/>
-              </p:ext>
-            </p:extLst>
-          </p:nvPr>
-        </p:nvSpPr>
-        <p:spPr>
-          <a:xfrm>
-            <a:off x="210312" y="226665"/>
-            <a:ext cx="11722608" cy="6382512"/>
-          </a:xfrm>
-          <a:prstGeom prst="rect">
-            <a:avLst/>
-          </a:prstGeom>
-          <a:ln w="6350" cap="flat" cmpd="sng" algn="ctr">
-            <a:noFill/>
-            <a:prstDash val="solid"/>
-          </a:ln>
-          <a:effectLst>
-            <a:softEdge rad="0"/>
-          </a:effectLst>
-        </p:spPr>
-      </p:sp>
       <p:sp>
         <p:nvSpPr>
           <p:cNvPr id="2" name="Title 1">
@@ -12913,208 +9052,6 @@
       </p:grpSpPr>
       <p:sp>
         <p:nvSpPr>
-          <p:cNvPr id="8" name="Rectangle 7">
-            <a:extLst>
-              <a:ext uri="{FF2B5EF4-FFF2-40B4-BE49-F238E27FC236}">
-                <a16:creationId xmlns:a16="http://schemas.microsoft.com/office/drawing/2014/main" id="{70120F84-A866-4D9F-8B1C-9120A013D654}"/>
-              </a:ext>
-              <a:ext uri="{C183D7F6-B498-43B3-948B-1728B52AA6E4}">
-                <adec:decorative xmlns:adec="http://schemas.microsoft.com/office/drawing/2017/decorative" val="1"/>
-              </a:ext>
-            </a:extLst>
-          </p:cNvPr>
-          <p:cNvSpPr>
-            <a:spLocks noGrp="1" noRot="1" noChangeAspect="1" noMove="1" noResize="1" noEditPoints="1" noAdjustHandles="1" noChangeArrowheads="1" noChangeShapeType="1" noTextEdit="1"/>
-          </p:cNvSpPr>
-          <p:nvPr>
-            <p:extLst>
-              <p:ext uri="{386F3935-93C4-4BCD-93E2-E3B085C9AB24}">
-                <p16:designElem xmlns:p16="http://schemas.microsoft.com/office/powerpoint/2015/main" val="1"/>
-              </p:ext>
-            </p:extLst>
-          </p:nvPr>
-        </p:nvSpPr>
-        <p:spPr>
-          <a:xfrm>
-            <a:off x="0" y="0"/>
-            <a:ext cx="12192001" cy="6858000"/>
-          </a:xfrm>
-          <a:prstGeom prst="rect">
-            <a:avLst/>
-          </a:prstGeom>
-          <a:solidFill>
-            <a:schemeClr val="accent1"/>
-          </a:solidFill>
-          <a:ln>
-            <a:noFill/>
-          </a:ln>
-        </p:spPr>
-        <p:style>
-          <a:lnRef idx="2">
-            <a:schemeClr val="accent1">
-              <a:shade val="50000"/>
-            </a:schemeClr>
-          </a:lnRef>
-          <a:fillRef idx="1">
-            <a:schemeClr val="accent1"/>
-          </a:fillRef>
-          <a:effectRef idx="0">
-            <a:schemeClr val="accent1"/>
-          </a:effectRef>
-          <a:fontRef idx="minor">
-            <a:schemeClr val="lt1"/>
-          </a:fontRef>
-        </p:style>
-        <p:txBody>
-          <a:bodyPr rot="0" spcFirstLastPara="0" vert="horz" wrap="square" lIns="91440" tIns="45720" rIns="91440" bIns="45720" numCol="1" spcCol="0" rtlCol="0" fromWordArt="0" anchor="ctr" anchorCtr="0" forceAA="0" compatLnSpc="1">
-            <a:prstTxWarp prst="textNoShape">
-              <a:avLst/>
-            </a:prstTxWarp>
-            <a:noAutofit/>
-          </a:bodyPr>
-          <a:lstStyle>
-            <a:defPPr>
-              <a:defRPr lang="en-US"/>
-            </a:defPPr>
-            <a:lvl1pPr marL="0" algn="l" defTabSz="914400" rtl="0" eaLnBrk="1" latinLnBrk="0" hangingPunct="1">
-              <a:defRPr sz="1800" kern="1200">
-                <a:solidFill>
-                  <a:schemeClr val="lt1"/>
-                </a:solidFill>
-                <a:latin typeface="+mn-lt"/>
-                <a:ea typeface="+mn-ea"/>
-                <a:cs typeface="+mn-cs"/>
-              </a:defRPr>
-            </a:lvl1pPr>
-            <a:lvl2pPr marL="457200" algn="l" defTabSz="914400" rtl="0" eaLnBrk="1" latinLnBrk="0" hangingPunct="1">
-              <a:defRPr sz="1800" kern="1200">
-                <a:solidFill>
-                  <a:schemeClr val="lt1"/>
-                </a:solidFill>
-                <a:latin typeface="+mn-lt"/>
-                <a:ea typeface="+mn-ea"/>
-                <a:cs typeface="+mn-cs"/>
-              </a:defRPr>
-            </a:lvl2pPr>
-            <a:lvl3pPr marL="914400" algn="l" defTabSz="914400" rtl="0" eaLnBrk="1" latinLnBrk="0" hangingPunct="1">
-              <a:defRPr sz="1800" kern="1200">
-                <a:solidFill>
-                  <a:schemeClr val="lt1"/>
-                </a:solidFill>
-                <a:latin typeface="+mn-lt"/>
-                <a:ea typeface="+mn-ea"/>
-                <a:cs typeface="+mn-cs"/>
-              </a:defRPr>
-            </a:lvl3pPr>
-            <a:lvl4pPr marL="1371600" algn="l" defTabSz="914400" rtl="0" eaLnBrk="1" latinLnBrk="0" hangingPunct="1">
-              <a:defRPr sz="1800" kern="1200">
-                <a:solidFill>
-                  <a:schemeClr val="lt1"/>
-                </a:solidFill>
-                <a:latin typeface="+mn-lt"/>
-                <a:ea typeface="+mn-ea"/>
-                <a:cs typeface="+mn-cs"/>
-              </a:defRPr>
-            </a:lvl4pPr>
-            <a:lvl5pPr marL="1828800" algn="l" defTabSz="914400" rtl="0" eaLnBrk="1" latinLnBrk="0" hangingPunct="1">
-              <a:defRPr sz="1800" kern="1200">
-                <a:solidFill>
-                  <a:schemeClr val="lt1"/>
-                </a:solidFill>
-                <a:latin typeface="+mn-lt"/>
-                <a:ea typeface="+mn-ea"/>
-                <a:cs typeface="+mn-cs"/>
-              </a:defRPr>
-            </a:lvl5pPr>
-            <a:lvl6pPr marL="2286000" algn="l" defTabSz="914400" rtl="0" eaLnBrk="1" latinLnBrk="0" hangingPunct="1">
-              <a:defRPr sz="1800" kern="1200">
-                <a:solidFill>
-                  <a:schemeClr val="lt1"/>
-                </a:solidFill>
-                <a:latin typeface="+mn-lt"/>
-                <a:ea typeface="+mn-ea"/>
-                <a:cs typeface="+mn-cs"/>
-              </a:defRPr>
-            </a:lvl6pPr>
-            <a:lvl7pPr marL="2743200" algn="l" defTabSz="914400" rtl="0" eaLnBrk="1" latinLnBrk="0" hangingPunct="1">
-              <a:defRPr sz="1800" kern="1200">
-                <a:solidFill>
-                  <a:schemeClr val="lt1"/>
-                </a:solidFill>
-                <a:latin typeface="+mn-lt"/>
-                <a:ea typeface="+mn-ea"/>
-                <a:cs typeface="+mn-cs"/>
-              </a:defRPr>
-            </a:lvl7pPr>
-            <a:lvl8pPr marL="3200400" algn="l" defTabSz="914400" rtl="0" eaLnBrk="1" latinLnBrk="0" hangingPunct="1">
-              <a:defRPr sz="1800" kern="1200">
-                <a:solidFill>
-                  <a:schemeClr val="lt1"/>
-                </a:solidFill>
-                <a:latin typeface="+mn-lt"/>
-                <a:ea typeface="+mn-ea"/>
-                <a:cs typeface="+mn-cs"/>
-              </a:defRPr>
-            </a:lvl8pPr>
-            <a:lvl9pPr marL="3657600" algn="l" defTabSz="914400" rtl="0" eaLnBrk="1" latinLnBrk="0" hangingPunct="1">
-              <a:defRPr sz="1800" kern="1200">
-                <a:solidFill>
-                  <a:schemeClr val="lt1"/>
-                </a:solidFill>
-                <a:latin typeface="+mn-lt"/>
-                <a:ea typeface="+mn-ea"/>
-                <a:cs typeface="+mn-cs"/>
-              </a:defRPr>
-            </a:lvl9pPr>
-          </a:lstStyle>
-          <a:p>
-            <a:pPr algn="ctr"/>
-            <a:endParaRPr lang="en-US"/>
-          </a:p>
-        </p:txBody>
-      </p:sp>
-      <p:sp useBgFill="1">
-        <p:nvSpPr>
-          <p:cNvPr id="10" name="Rectangle 9">
-            <a:extLst>
-              <a:ext uri="{FF2B5EF4-FFF2-40B4-BE49-F238E27FC236}">
-                <a16:creationId xmlns:a16="http://schemas.microsoft.com/office/drawing/2014/main" id="{252FEFEF-6AC0-46B6-AC09-11FC56196FA4}"/>
-              </a:ext>
-              <a:ext uri="{C183D7F6-B498-43B3-948B-1728B52AA6E4}">
-                <adec:decorative xmlns:adec="http://schemas.microsoft.com/office/drawing/2017/decorative" val="1"/>
-              </a:ext>
-            </a:extLst>
-          </p:cNvPr>
-          <p:cNvSpPr>
-            <a:spLocks noGrp="1" noRot="1" noChangeAspect="1" noMove="1" noResize="1" noEditPoints="1" noAdjustHandles="1" noChangeArrowheads="1" noChangeShapeType="1" noTextEdit="1"/>
-          </p:cNvSpPr>
-          <p:nvPr>
-            <p:extLst>
-              <p:ext uri="{386F3935-93C4-4BCD-93E2-E3B085C9AB24}">
-                <p16:designElem xmlns:p16="http://schemas.microsoft.com/office/powerpoint/2015/main" val="1"/>
-              </p:ext>
-            </p:extLst>
-          </p:nvPr>
-        </p:nvSpPr>
-        <p:spPr>
-          <a:xfrm>
-            <a:off x="210312" y="226665"/>
-            <a:ext cx="11722608" cy="6382512"/>
-          </a:xfrm>
-          <a:prstGeom prst="rect">
-            <a:avLst/>
-          </a:prstGeom>
-          <a:ln w="6350" cap="flat" cmpd="sng" algn="ctr">
-            <a:noFill/>
-            <a:prstDash val="solid"/>
-          </a:ln>
-          <a:effectLst>
-            <a:softEdge rad="0"/>
-          </a:effectLst>
-        </p:spPr>
-      </p:sp>
-      <p:sp>
-        <p:nvSpPr>
           <p:cNvPr id="2" name="Title 1">
             <a:extLst>
               <a:ext uri="{FF2B5EF4-FFF2-40B4-BE49-F238E27FC236}">
@@ -13178,7 +9115,7 @@
         </p:spPr>
         <p:txBody>
           <a:bodyPr>
-            <a:normAutofit/>
+            <a:normAutofit fontScale="92500" lnSpcReduction="20000"/>
           </a:bodyPr>
           <a:lstStyle/>
           <a:p>
@@ -13381,208 +9318,6 @@
           <a:chExt cx="0" cy="0"/>
         </a:xfrm>
       </p:grpSpPr>
-      <p:sp>
-        <p:nvSpPr>
-          <p:cNvPr id="8" name="Rectangle 7">
-            <a:extLst>
-              <a:ext uri="{FF2B5EF4-FFF2-40B4-BE49-F238E27FC236}">
-                <a16:creationId xmlns:a16="http://schemas.microsoft.com/office/drawing/2014/main" id="{70120F84-A866-4D9F-8B1C-9120A013D654}"/>
-              </a:ext>
-              <a:ext uri="{C183D7F6-B498-43B3-948B-1728B52AA6E4}">
-                <adec:decorative xmlns:adec="http://schemas.microsoft.com/office/drawing/2017/decorative" val="1"/>
-              </a:ext>
-            </a:extLst>
-          </p:cNvPr>
-          <p:cNvSpPr>
-            <a:spLocks noGrp="1" noRot="1" noChangeAspect="1" noMove="1" noResize="1" noEditPoints="1" noAdjustHandles="1" noChangeArrowheads="1" noChangeShapeType="1" noTextEdit="1"/>
-          </p:cNvSpPr>
-          <p:nvPr>
-            <p:extLst>
-              <p:ext uri="{386F3935-93C4-4BCD-93E2-E3B085C9AB24}">
-                <p16:designElem xmlns:p16="http://schemas.microsoft.com/office/powerpoint/2015/main" val="1"/>
-              </p:ext>
-            </p:extLst>
-          </p:nvPr>
-        </p:nvSpPr>
-        <p:spPr>
-          <a:xfrm>
-            <a:off x="0" y="0"/>
-            <a:ext cx="12192001" cy="6858000"/>
-          </a:xfrm>
-          <a:prstGeom prst="rect">
-            <a:avLst/>
-          </a:prstGeom>
-          <a:solidFill>
-            <a:schemeClr val="accent1"/>
-          </a:solidFill>
-          <a:ln>
-            <a:noFill/>
-          </a:ln>
-        </p:spPr>
-        <p:style>
-          <a:lnRef idx="2">
-            <a:schemeClr val="accent1">
-              <a:shade val="50000"/>
-            </a:schemeClr>
-          </a:lnRef>
-          <a:fillRef idx="1">
-            <a:schemeClr val="accent1"/>
-          </a:fillRef>
-          <a:effectRef idx="0">
-            <a:schemeClr val="accent1"/>
-          </a:effectRef>
-          <a:fontRef idx="minor">
-            <a:schemeClr val="lt1"/>
-          </a:fontRef>
-        </p:style>
-        <p:txBody>
-          <a:bodyPr rot="0" spcFirstLastPara="0" vert="horz" wrap="square" lIns="91440" tIns="45720" rIns="91440" bIns="45720" numCol="1" spcCol="0" rtlCol="0" fromWordArt="0" anchor="ctr" anchorCtr="0" forceAA="0" compatLnSpc="1">
-            <a:prstTxWarp prst="textNoShape">
-              <a:avLst/>
-            </a:prstTxWarp>
-            <a:noAutofit/>
-          </a:bodyPr>
-          <a:lstStyle>
-            <a:defPPr>
-              <a:defRPr lang="en-US"/>
-            </a:defPPr>
-            <a:lvl1pPr marL="0" algn="l" defTabSz="914400" rtl="0" eaLnBrk="1" latinLnBrk="0" hangingPunct="1">
-              <a:defRPr sz="1800" kern="1200">
-                <a:solidFill>
-                  <a:schemeClr val="lt1"/>
-                </a:solidFill>
-                <a:latin typeface="+mn-lt"/>
-                <a:ea typeface="+mn-ea"/>
-                <a:cs typeface="+mn-cs"/>
-              </a:defRPr>
-            </a:lvl1pPr>
-            <a:lvl2pPr marL="457200" algn="l" defTabSz="914400" rtl="0" eaLnBrk="1" latinLnBrk="0" hangingPunct="1">
-              <a:defRPr sz="1800" kern="1200">
-                <a:solidFill>
-                  <a:schemeClr val="lt1"/>
-                </a:solidFill>
-                <a:latin typeface="+mn-lt"/>
-                <a:ea typeface="+mn-ea"/>
-                <a:cs typeface="+mn-cs"/>
-              </a:defRPr>
-            </a:lvl2pPr>
-            <a:lvl3pPr marL="914400" algn="l" defTabSz="914400" rtl="0" eaLnBrk="1" latinLnBrk="0" hangingPunct="1">
-              <a:defRPr sz="1800" kern="1200">
-                <a:solidFill>
-                  <a:schemeClr val="lt1"/>
-                </a:solidFill>
-                <a:latin typeface="+mn-lt"/>
-                <a:ea typeface="+mn-ea"/>
-                <a:cs typeface="+mn-cs"/>
-              </a:defRPr>
-            </a:lvl3pPr>
-            <a:lvl4pPr marL="1371600" algn="l" defTabSz="914400" rtl="0" eaLnBrk="1" latinLnBrk="0" hangingPunct="1">
-              <a:defRPr sz="1800" kern="1200">
-                <a:solidFill>
-                  <a:schemeClr val="lt1"/>
-                </a:solidFill>
-                <a:latin typeface="+mn-lt"/>
-                <a:ea typeface="+mn-ea"/>
-                <a:cs typeface="+mn-cs"/>
-              </a:defRPr>
-            </a:lvl4pPr>
-            <a:lvl5pPr marL="1828800" algn="l" defTabSz="914400" rtl="0" eaLnBrk="1" latinLnBrk="0" hangingPunct="1">
-              <a:defRPr sz="1800" kern="1200">
-                <a:solidFill>
-                  <a:schemeClr val="lt1"/>
-                </a:solidFill>
-                <a:latin typeface="+mn-lt"/>
-                <a:ea typeface="+mn-ea"/>
-                <a:cs typeface="+mn-cs"/>
-              </a:defRPr>
-            </a:lvl5pPr>
-            <a:lvl6pPr marL="2286000" algn="l" defTabSz="914400" rtl="0" eaLnBrk="1" latinLnBrk="0" hangingPunct="1">
-              <a:defRPr sz="1800" kern="1200">
-                <a:solidFill>
-                  <a:schemeClr val="lt1"/>
-                </a:solidFill>
-                <a:latin typeface="+mn-lt"/>
-                <a:ea typeface="+mn-ea"/>
-                <a:cs typeface="+mn-cs"/>
-              </a:defRPr>
-            </a:lvl6pPr>
-            <a:lvl7pPr marL="2743200" algn="l" defTabSz="914400" rtl="0" eaLnBrk="1" latinLnBrk="0" hangingPunct="1">
-              <a:defRPr sz="1800" kern="1200">
-                <a:solidFill>
-                  <a:schemeClr val="lt1"/>
-                </a:solidFill>
-                <a:latin typeface="+mn-lt"/>
-                <a:ea typeface="+mn-ea"/>
-                <a:cs typeface="+mn-cs"/>
-              </a:defRPr>
-            </a:lvl7pPr>
-            <a:lvl8pPr marL="3200400" algn="l" defTabSz="914400" rtl="0" eaLnBrk="1" latinLnBrk="0" hangingPunct="1">
-              <a:defRPr sz="1800" kern="1200">
-                <a:solidFill>
-                  <a:schemeClr val="lt1"/>
-                </a:solidFill>
-                <a:latin typeface="+mn-lt"/>
-                <a:ea typeface="+mn-ea"/>
-                <a:cs typeface="+mn-cs"/>
-              </a:defRPr>
-            </a:lvl8pPr>
-            <a:lvl9pPr marL="3657600" algn="l" defTabSz="914400" rtl="0" eaLnBrk="1" latinLnBrk="0" hangingPunct="1">
-              <a:defRPr sz="1800" kern="1200">
-                <a:solidFill>
-                  <a:schemeClr val="lt1"/>
-                </a:solidFill>
-                <a:latin typeface="+mn-lt"/>
-                <a:ea typeface="+mn-ea"/>
-                <a:cs typeface="+mn-cs"/>
-              </a:defRPr>
-            </a:lvl9pPr>
-          </a:lstStyle>
-          <a:p>
-            <a:pPr algn="ctr"/>
-            <a:endParaRPr lang="en-US"/>
-          </a:p>
-        </p:txBody>
-      </p:sp>
-      <p:sp useBgFill="1">
-        <p:nvSpPr>
-          <p:cNvPr id="10" name="Rectangle 9">
-            <a:extLst>
-              <a:ext uri="{FF2B5EF4-FFF2-40B4-BE49-F238E27FC236}">
-                <a16:creationId xmlns:a16="http://schemas.microsoft.com/office/drawing/2014/main" id="{252FEFEF-6AC0-46B6-AC09-11FC56196FA4}"/>
-              </a:ext>
-              <a:ext uri="{C183D7F6-B498-43B3-948B-1728B52AA6E4}">
-                <adec:decorative xmlns:adec="http://schemas.microsoft.com/office/drawing/2017/decorative" val="1"/>
-              </a:ext>
-            </a:extLst>
-          </p:cNvPr>
-          <p:cNvSpPr>
-            <a:spLocks noGrp="1" noRot="1" noChangeAspect="1" noMove="1" noResize="1" noEditPoints="1" noAdjustHandles="1" noChangeArrowheads="1" noChangeShapeType="1" noTextEdit="1"/>
-          </p:cNvSpPr>
-          <p:nvPr>
-            <p:extLst>
-              <p:ext uri="{386F3935-93C4-4BCD-93E2-E3B085C9AB24}">
-                <p16:designElem xmlns:p16="http://schemas.microsoft.com/office/powerpoint/2015/main" val="1"/>
-              </p:ext>
-            </p:extLst>
-          </p:nvPr>
-        </p:nvSpPr>
-        <p:spPr>
-          <a:xfrm>
-            <a:off x="210312" y="226665"/>
-            <a:ext cx="11722608" cy="6382512"/>
-          </a:xfrm>
-          <a:prstGeom prst="rect">
-            <a:avLst/>
-          </a:prstGeom>
-          <a:ln w="6350" cap="flat" cmpd="sng" algn="ctr">
-            <a:noFill/>
-            <a:prstDash val="solid"/>
-          </a:ln>
-          <a:effectLst>
-            <a:softEdge rad="0"/>
-          </a:effectLst>
-        </p:spPr>
-      </p:sp>
       <p:sp>
         <p:nvSpPr>
           <p:cNvPr id="2" name="Title 1">
@@ -13954,7 +9689,7 @@
                 <a:latin typeface="Consolas" panose="020B0609020204030204" pitchFamily="49" charset="0"/>
                 <a:cs typeface="Consolas" panose="020B0609020204030204" pitchFamily="49" charset="0"/>
               </a:rPr>
-              <a:t>boolean	</a:t>
+              <a:t>bool	</a:t>
             </a:r>
           </a:p>
           <a:p>
@@ -14064,208 +9799,6 @@
       </p:grpSpPr>
       <p:sp>
         <p:nvSpPr>
-          <p:cNvPr id="8" name="Rectangle 7">
-            <a:extLst>
-              <a:ext uri="{FF2B5EF4-FFF2-40B4-BE49-F238E27FC236}">
-                <a16:creationId xmlns:a16="http://schemas.microsoft.com/office/drawing/2014/main" id="{70120F84-A866-4D9F-8B1C-9120A013D654}"/>
-              </a:ext>
-              <a:ext uri="{C183D7F6-B498-43B3-948B-1728B52AA6E4}">
-                <adec:decorative xmlns:adec="http://schemas.microsoft.com/office/drawing/2017/decorative" val="1"/>
-              </a:ext>
-            </a:extLst>
-          </p:cNvPr>
-          <p:cNvSpPr>
-            <a:spLocks noGrp="1" noRot="1" noChangeAspect="1" noMove="1" noResize="1" noEditPoints="1" noAdjustHandles="1" noChangeArrowheads="1" noChangeShapeType="1" noTextEdit="1"/>
-          </p:cNvSpPr>
-          <p:nvPr>
-            <p:extLst>
-              <p:ext uri="{386F3935-93C4-4BCD-93E2-E3B085C9AB24}">
-                <p16:designElem xmlns:p16="http://schemas.microsoft.com/office/powerpoint/2015/main" val="1"/>
-              </p:ext>
-            </p:extLst>
-          </p:nvPr>
-        </p:nvSpPr>
-        <p:spPr>
-          <a:xfrm>
-            <a:off x="0" y="0"/>
-            <a:ext cx="12192001" cy="6858000"/>
-          </a:xfrm>
-          <a:prstGeom prst="rect">
-            <a:avLst/>
-          </a:prstGeom>
-          <a:solidFill>
-            <a:schemeClr val="accent1"/>
-          </a:solidFill>
-          <a:ln>
-            <a:noFill/>
-          </a:ln>
-        </p:spPr>
-        <p:style>
-          <a:lnRef idx="2">
-            <a:schemeClr val="accent1">
-              <a:shade val="50000"/>
-            </a:schemeClr>
-          </a:lnRef>
-          <a:fillRef idx="1">
-            <a:schemeClr val="accent1"/>
-          </a:fillRef>
-          <a:effectRef idx="0">
-            <a:schemeClr val="accent1"/>
-          </a:effectRef>
-          <a:fontRef idx="minor">
-            <a:schemeClr val="lt1"/>
-          </a:fontRef>
-        </p:style>
-        <p:txBody>
-          <a:bodyPr rot="0" spcFirstLastPara="0" vert="horz" wrap="square" lIns="91440" tIns="45720" rIns="91440" bIns="45720" numCol="1" spcCol="0" rtlCol="0" fromWordArt="0" anchor="ctr" anchorCtr="0" forceAA="0" compatLnSpc="1">
-            <a:prstTxWarp prst="textNoShape">
-              <a:avLst/>
-            </a:prstTxWarp>
-            <a:noAutofit/>
-          </a:bodyPr>
-          <a:lstStyle>
-            <a:defPPr>
-              <a:defRPr lang="en-US"/>
-            </a:defPPr>
-            <a:lvl1pPr marL="0" algn="l" defTabSz="914400" rtl="0" eaLnBrk="1" latinLnBrk="0" hangingPunct="1">
-              <a:defRPr sz="1800" kern="1200">
-                <a:solidFill>
-                  <a:schemeClr val="lt1"/>
-                </a:solidFill>
-                <a:latin typeface="+mn-lt"/>
-                <a:ea typeface="+mn-ea"/>
-                <a:cs typeface="+mn-cs"/>
-              </a:defRPr>
-            </a:lvl1pPr>
-            <a:lvl2pPr marL="457200" algn="l" defTabSz="914400" rtl="0" eaLnBrk="1" latinLnBrk="0" hangingPunct="1">
-              <a:defRPr sz="1800" kern="1200">
-                <a:solidFill>
-                  <a:schemeClr val="lt1"/>
-                </a:solidFill>
-                <a:latin typeface="+mn-lt"/>
-                <a:ea typeface="+mn-ea"/>
-                <a:cs typeface="+mn-cs"/>
-              </a:defRPr>
-            </a:lvl2pPr>
-            <a:lvl3pPr marL="914400" algn="l" defTabSz="914400" rtl="0" eaLnBrk="1" latinLnBrk="0" hangingPunct="1">
-              <a:defRPr sz="1800" kern="1200">
-                <a:solidFill>
-                  <a:schemeClr val="lt1"/>
-                </a:solidFill>
-                <a:latin typeface="+mn-lt"/>
-                <a:ea typeface="+mn-ea"/>
-                <a:cs typeface="+mn-cs"/>
-              </a:defRPr>
-            </a:lvl3pPr>
-            <a:lvl4pPr marL="1371600" algn="l" defTabSz="914400" rtl="0" eaLnBrk="1" latinLnBrk="0" hangingPunct="1">
-              <a:defRPr sz="1800" kern="1200">
-                <a:solidFill>
-                  <a:schemeClr val="lt1"/>
-                </a:solidFill>
-                <a:latin typeface="+mn-lt"/>
-                <a:ea typeface="+mn-ea"/>
-                <a:cs typeface="+mn-cs"/>
-              </a:defRPr>
-            </a:lvl4pPr>
-            <a:lvl5pPr marL="1828800" algn="l" defTabSz="914400" rtl="0" eaLnBrk="1" latinLnBrk="0" hangingPunct="1">
-              <a:defRPr sz="1800" kern="1200">
-                <a:solidFill>
-                  <a:schemeClr val="lt1"/>
-                </a:solidFill>
-                <a:latin typeface="+mn-lt"/>
-                <a:ea typeface="+mn-ea"/>
-                <a:cs typeface="+mn-cs"/>
-              </a:defRPr>
-            </a:lvl5pPr>
-            <a:lvl6pPr marL="2286000" algn="l" defTabSz="914400" rtl="0" eaLnBrk="1" latinLnBrk="0" hangingPunct="1">
-              <a:defRPr sz="1800" kern="1200">
-                <a:solidFill>
-                  <a:schemeClr val="lt1"/>
-                </a:solidFill>
-                <a:latin typeface="+mn-lt"/>
-                <a:ea typeface="+mn-ea"/>
-                <a:cs typeface="+mn-cs"/>
-              </a:defRPr>
-            </a:lvl6pPr>
-            <a:lvl7pPr marL="2743200" algn="l" defTabSz="914400" rtl="0" eaLnBrk="1" latinLnBrk="0" hangingPunct="1">
-              <a:defRPr sz="1800" kern="1200">
-                <a:solidFill>
-                  <a:schemeClr val="lt1"/>
-                </a:solidFill>
-                <a:latin typeface="+mn-lt"/>
-                <a:ea typeface="+mn-ea"/>
-                <a:cs typeface="+mn-cs"/>
-              </a:defRPr>
-            </a:lvl7pPr>
-            <a:lvl8pPr marL="3200400" algn="l" defTabSz="914400" rtl="0" eaLnBrk="1" latinLnBrk="0" hangingPunct="1">
-              <a:defRPr sz="1800" kern="1200">
-                <a:solidFill>
-                  <a:schemeClr val="lt1"/>
-                </a:solidFill>
-                <a:latin typeface="+mn-lt"/>
-                <a:ea typeface="+mn-ea"/>
-                <a:cs typeface="+mn-cs"/>
-              </a:defRPr>
-            </a:lvl8pPr>
-            <a:lvl9pPr marL="3657600" algn="l" defTabSz="914400" rtl="0" eaLnBrk="1" latinLnBrk="0" hangingPunct="1">
-              <a:defRPr sz="1800" kern="1200">
-                <a:solidFill>
-                  <a:schemeClr val="lt1"/>
-                </a:solidFill>
-                <a:latin typeface="+mn-lt"/>
-                <a:ea typeface="+mn-ea"/>
-                <a:cs typeface="+mn-cs"/>
-              </a:defRPr>
-            </a:lvl9pPr>
-          </a:lstStyle>
-          <a:p>
-            <a:pPr algn="ctr"/>
-            <a:endParaRPr lang="en-US"/>
-          </a:p>
-        </p:txBody>
-      </p:sp>
-      <p:sp useBgFill="1">
-        <p:nvSpPr>
-          <p:cNvPr id="10" name="Rectangle 9">
-            <a:extLst>
-              <a:ext uri="{FF2B5EF4-FFF2-40B4-BE49-F238E27FC236}">
-                <a16:creationId xmlns:a16="http://schemas.microsoft.com/office/drawing/2014/main" id="{252FEFEF-6AC0-46B6-AC09-11FC56196FA4}"/>
-              </a:ext>
-              <a:ext uri="{C183D7F6-B498-43B3-948B-1728B52AA6E4}">
-                <adec:decorative xmlns:adec="http://schemas.microsoft.com/office/drawing/2017/decorative" val="1"/>
-              </a:ext>
-            </a:extLst>
-          </p:cNvPr>
-          <p:cNvSpPr>
-            <a:spLocks noGrp="1" noRot="1" noChangeAspect="1" noMove="1" noResize="1" noEditPoints="1" noAdjustHandles="1" noChangeArrowheads="1" noChangeShapeType="1" noTextEdit="1"/>
-          </p:cNvSpPr>
-          <p:nvPr>
-            <p:extLst>
-              <p:ext uri="{386F3935-93C4-4BCD-93E2-E3B085C9AB24}">
-                <p16:designElem xmlns:p16="http://schemas.microsoft.com/office/powerpoint/2015/main" val="1"/>
-              </p:ext>
-            </p:extLst>
-          </p:nvPr>
-        </p:nvSpPr>
-        <p:spPr>
-          <a:xfrm>
-            <a:off x="210312" y="226665"/>
-            <a:ext cx="11722608" cy="6382512"/>
-          </a:xfrm>
-          <a:prstGeom prst="rect">
-            <a:avLst/>
-          </a:prstGeom>
-          <a:ln w="6350" cap="flat" cmpd="sng" algn="ctr">
-            <a:noFill/>
-            <a:prstDash val="solid"/>
-          </a:ln>
-          <a:effectLst>
-            <a:softEdge rad="0"/>
-          </a:effectLst>
-        </p:spPr>
-      </p:sp>
-      <p:sp>
-        <p:nvSpPr>
           <p:cNvPr id="2" name="Title 1">
             <a:extLst>
               <a:ext uri="{FF2B5EF4-FFF2-40B4-BE49-F238E27FC236}">
@@ -14363,22 +9896,10 @@
             </a:endParaRPr>
           </a:p>
           <a:p>
-            <a:endParaRPr lang="en-US" dirty="0">
-              <a:solidFill>
-                <a:schemeClr val="tx2">
-                  <a:lumMod val="75000"/>
-                </a:schemeClr>
-              </a:solidFill>
-            </a:endParaRPr>
-          </a:p>
-          <a:p>
-            <a:endParaRPr lang="en-US" dirty="0">
-              <a:solidFill>
-                <a:schemeClr val="tx2">
-                  <a:lumMod val="75000"/>
-                </a:schemeClr>
-              </a:solidFill>
-            </a:endParaRPr>
+            <a:pPr marL="0" indent="0">
+              <a:buNone/>
+            </a:pPr>
+            <a:endParaRPr lang="en-US" dirty="0"/>
           </a:p>
           <a:p>
             <a:r>
@@ -14781,13 +10302,13 @@
           <p:nvPr>
             <p:extLst>
               <p:ext uri="{D42A27DB-BD31-4B8C-83A1-F6EECF244321}">
-                <p14:modId xmlns:p14="http://schemas.microsoft.com/office/powerpoint/2010/main" val="2323574396"/>
+                <p14:modId xmlns:p14="http://schemas.microsoft.com/office/powerpoint/2010/main" val="3145453105"/>
               </p:ext>
             </p:extLst>
           </p:nvPr>
         </p:nvGraphicFramePr>
         <p:xfrm>
-          <a:off x="1343631" y="4987989"/>
+          <a:off x="1343631" y="5167521"/>
           <a:ext cx="8128000" cy="370840"/>
         </p:xfrm>
         <a:graphic>
@@ -15212,208 +10733,6 @@
       </p:grpSpPr>
       <p:sp>
         <p:nvSpPr>
-          <p:cNvPr id="8" name="Rectangle 7">
-            <a:extLst>
-              <a:ext uri="{FF2B5EF4-FFF2-40B4-BE49-F238E27FC236}">
-                <a16:creationId xmlns:a16="http://schemas.microsoft.com/office/drawing/2014/main" id="{70120F84-A866-4D9F-8B1C-9120A013D654}"/>
-              </a:ext>
-              <a:ext uri="{C183D7F6-B498-43B3-948B-1728B52AA6E4}">
-                <adec:decorative xmlns:adec="http://schemas.microsoft.com/office/drawing/2017/decorative" val="1"/>
-              </a:ext>
-            </a:extLst>
-          </p:cNvPr>
-          <p:cNvSpPr>
-            <a:spLocks noGrp="1" noRot="1" noChangeAspect="1" noMove="1" noResize="1" noEditPoints="1" noAdjustHandles="1" noChangeArrowheads="1" noChangeShapeType="1" noTextEdit="1"/>
-          </p:cNvSpPr>
-          <p:nvPr>
-            <p:extLst>
-              <p:ext uri="{386F3935-93C4-4BCD-93E2-E3B085C9AB24}">
-                <p16:designElem xmlns:p16="http://schemas.microsoft.com/office/powerpoint/2015/main" val="1"/>
-              </p:ext>
-            </p:extLst>
-          </p:nvPr>
-        </p:nvSpPr>
-        <p:spPr>
-          <a:xfrm>
-            <a:off x="0" y="0"/>
-            <a:ext cx="12192001" cy="6858000"/>
-          </a:xfrm>
-          <a:prstGeom prst="rect">
-            <a:avLst/>
-          </a:prstGeom>
-          <a:solidFill>
-            <a:schemeClr val="accent1"/>
-          </a:solidFill>
-          <a:ln>
-            <a:noFill/>
-          </a:ln>
-        </p:spPr>
-        <p:style>
-          <a:lnRef idx="2">
-            <a:schemeClr val="accent1">
-              <a:shade val="50000"/>
-            </a:schemeClr>
-          </a:lnRef>
-          <a:fillRef idx="1">
-            <a:schemeClr val="accent1"/>
-          </a:fillRef>
-          <a:effectRef idx="0">
-            <a:schemeClr val="accent1"/>
-          </a:effectRef>
-          <a:fontRef idx="minor">
-            <a:schemeClr val="lt1"/>
-          </a:fontRef>
-        </p:style>
-        <p:txBody>
-          <a:bodyPr rot="0" spcFirstLastPara="0" vert="horz" wrap="square" lIns="91440" tIns="45720" rIns="91440" bIns="45720" numCol="1" spcCol="0" rtlCol="0" fromWordArt="0" anchor="ctr" anchorCtr="0" forceAA="0" compatLnSpc="1">
-            <a:prstTxWarp prst="textNoShape">
-              <a:avLst/>
-            </a:prstTxWarp>
-            <a:noAutofit/>
-          </a:bodyPr>
-          <a:lstStyle>
-            <a:defPPr>
-              <a:defRPr lang="en-US"/>
-            </a:defPPr>
-            <a:lvl1pPr marL="0" algn="l" defTabSz="914400" rtl="0" eaLnBrk="1" latinLnBrk="0" hangingPunct="1">
-              <a:defRPr sz="1800" kern="1200">
-                <a:solidFill>
-                  <a:schemeClr val="lt1"/>
-                </a:solidFill>
-                <a:latin typeface="+mn-lt"/>
-                <a:ea typeface="+mn-ea"/>
-                <a:cs typeface="+mn-cs"/>
-              </a:defRPr>
-            </a:lvl1pPr>
-            <a:lvl2pPr marL="457200" algn="l" defTabSz="914400" rtl="0" eaLnBrk="1" latinLnBrk="0" hangingPunct="1">
-              <a:defRPr sz="1800" kern="1200">
-                <a:solidFill>
-                  <a:schemeClr val="lt1"/>
-                </a:solidFill>
-                <a:latin typeface="+mn-lt"/>
-                <a:ea typeface="+mn-ea"/>
-                <a:cs typeface="+mn-cs"/>
-              </a:defRPr>
-            </a:lvl2pPr>
-            <a:lvl3pPr marL="914400" algn="l" defTabSz="914400" rtl="0" eaLnBrk="1" latinLnBrk="0" hangingPunct="1">
-              <a:defRPr sz="1800" kern="1200">
-                <a:solidFill>
-                  <a:schemeClr val="lt1"/>
-                </a:solidFill>
-                <a:latin typeface="+mn-lt"/>
-                <a:ea typeface="+mn-ea"/>
-                <a:cs typeface="+mn-cs"/>
-              </a:defRPr>
-            </a:lvl3pPr>
-            <a:lvl4pPr marL="1371600" algn="l" defTabSz="914400" rtl="0" eaLnBrk="1" latinLnBrk="0" hangingPunct="1">
-              <a:defRPr sz="1800" kern="1200">
-                <a:solidFill>
-                  <a:schemeClr val="lt1"/>
-                </a:solidFill>
-                <a:latin typeface="+mn-lt"/>
-                <a:ea typeface="+mn-ea"/>
-                <a:cs typeface="+mn-cs"/>
-              </a:defRPr>
-            </a:lvl4pPr>
-            <a:lvl5pPr marL="1828800" algn="l" defTabSz="914400" rtl="0" eaLnBrk="1" latinLnBrk="0" hangingPunct="1">
-              <a:defRPr sz="1800" kern="1200">
-                <a:solidFill>
-                  <a:schemeClr val="lt1"/>
-                </a:solidFill>
-                <a:latin typeface="+mn-lt"/>
-                <a:ea typeface="+mn-ea"/>
-                <a:cs typeface="+mn-cs"/>
-              </a:defRPr>
-            </a:lvl5pPr>
-            <a:lvl6pPr marL="2286000" algn="l" defTabSz="914400" rtl="0" eaLnBrk="1" latinLnBrk="0" hangingPunct="1">
-              <a:defRPr sz="1800" kern="1200">
-                <a:solidFill>
-                  <a:schemeClr val="lt1"/>
-                </a:solidFill>
-                <a:latin typeface="+mn-lt"/>
-                <a:ea typeface="+mn-ea"/>
-                <a:cs typeface="+mn-cs"/>
-              </a:defRPr>
-            </a:lvl6pPr>
-            <a:lvl7pPr marL="2743200" algn="l" defTabSz="914400" rtl="0" eaLnBrk="1" latinLnBrk="0" hangingPunct="1">
-              <a:defRPr sz="1800" kern="1200">
-                <a:solidFill>
-                  <a:schemeClr val="lt1"/>
-                </a:solidFill>
-                <a:latin typeface="+mn-lt"/>
-                <a:ea typeface="+mn-ea"/>
-                <a:cs typeface="+mn-cs"/>
-              </a:defRPr>
-            </a:lvl7pPr>
-            <a:lvl8pPr marL="3200400" algn="l" defTabSz="914400" rtl="0" eaLnBrk="1" latinLnBrk="0" hangingPunct="1">
-              <a:defRPr sz="1800" kern="1200">
-                <a:solidFill>
-                  <a:schemeClr val="lt1"/>
-                </a:solidFill>
-                <a:latin typeface="+mn-lt"/>
-                <a:ea typeface="+mn-ea"/>
-                <a:cs typeface="+mn-cs"/>
-              </a:defRPr>
-            </a:lvl8pPr>
-            <a:lvl9pPr marL="3657600" algn="l" defTabSz="914400" rtl="0" eaLnBrk="1" latinLnBrk="0" hangingPunct="1">
-              <a:defRPr sz="1800" kern="1200">
-                <a:solidFill>
-                  <a:schemeClr val="lt1"/>
-                </a:solidFill>
-                <a:latin typeface="+mn-lt"/>
-                <a:ea typeface="+mn-ea"/>
-                <a:cs typeface="+mn-cs"/>
-              </a:defRPr>
-            </a:lvl9pPr>
-          </a:lstStyle>
-          <a:p>
-            <a:pPr algn="ctr"/>
-            <a:endParaRPr lang="en-US"/>
-          </a:p>
-        </p:txBody>
-      </p:sp>
-      <p:sp useBgFill="1">
-        <p:nvSpPr>
-          <p:cNvPr id="10" name="Rectangle 9">
-            <a:extLst>
-              <a:ext uri="{FF2B5EF4-FFF2-40B4-BE49-F238E27FC236}">
-                <a16:creationId xmlns:a16="http://schemas.microsoft.com/office/drawing/2014/main" id="{252FEFEF-6AC0-46B6-AC09-11FC56196FA4}"/>
-              </a:ext>
-              <a:ext uri="{C183D7F6-B498-43B3-948B-1728B52AA6E4}">
-                <adec:decorative xmlns:adec="http://schemas.microsoft.com/office/drawing/2017/decorative" val="1"/>
-              </a:ext>
-            </a:extLst>
-          </p:cNvPr>
-          <p:cNvSpPr>
-            <a:spLocks noGrp="1" noRot="1" noChangeAspect="1" noMove="1" noResize="1" noEditPoints="1" noAdjustHandles="1" noChangeArrowheads="1" noChangeShapeType="1" noTextEdit="1"/>
-          </p:cNvSpPr>
-          <p:nvPr>
-            <p:extLst>
-              <p:ext uri="{386F3935-93C4-4BCD-93E2-E3B085C9AB24}">
-                <p16:designElem xmlns:p16="http://schemas.microsoft.com/office/powerpoint/2015/main" val="1"/>
-              </p:ext>
-            </p:extLst>
-          </p:nvPr>
-        </p:nvSpPr>
-        <p:spPr>
-          <a:xfrm>
-            <a:off x="210312" y="226665"/>
-            <a:ext cx="11722608" cy="6382512"/>
-          </a:xfrm>
-          <a:prstGeom prst="rect">
-            <a:avLst/>
-          </a:prstGeom>
-          <a:ln w="6350" cap="flat" cmpd="sng" algn="ctr">
-            <a:noFill/>
-            <a:prstDash val="solid"/>
-          </a:ln>
-          <a:effectLst>
-            <a:softEdge rad="0"/>
-          </a:effectLst>
-        </p:spPr>
-      </p:sp>
-      <p:sp>
-        <p:nvSpPr>
           <p:cNvPr id="2" name="Title 1">
             <a:extLst>
               <a:ext uri="{FF2B5EF4-FFF2-40B4-BE49-F238E27FC236}">
@@ -15593,7 +10912,7 @@
         </p:nvSpPr>
         <p:spPr>
           <a:xfrm>
-            <a:off x="4500082" y="4787353"/>
+            <a:off x="4698864" y="5279149"/>
             <a:ext cx="1595919" cy="686562"/>
           </a:xfrm>
           <a:prstGeom prst="roundRect">
@@ -15642,7 +10961,7 @@
         </p:nvCxnSpPr>
         <p:spPr>
           <a:xfrm>
-            <a:off x="5298041" y="4067353"/>
+            <a:off x="5496823" y="4559149"/>
             <a:ext cx="0" cy="720000"/>
           </a:xfrm>
           <a:prstGeom prst="straightConnector1">
@@ -15683,7 +11002,7 @@
         </p:nvCxnSpPr>
         <p:spPr>
           <a:xfrm>
-            <a:off x="5298041" y="5473915"/>
+            <a:off x="5496823" y="5965711"/>
             <a:ext cx="0" cy="720000"/>
           </a:xfrm>
           <a:prstGeom prst="straightConnector1">
@@ -15722,7 +11041,7 @@
         </p:nvSpPr>
         <p:spPr>
           <a:xfrm>
-            <a:off x="5000523" y="3760483"/>
+            <a:off x="5199305" y="4252279"/>
             <a:ext cx="595035" cy="369332"/>
           </a:xfrm>
           <a:prstGeom prst="rect">
@@ -15757,7 +11076,7 @@
         </p:nvSpPr>
         <p:spPr>
           <a:xfrm>
-            <a:off x="4956440" y="6160477"/>
+            <a:off x="5155222" y="6652273"/>
             <a:ext cx="683200" cy="369332"/>
           </a:xfrm>
           <a:prstGeom prst="rect">
@@ -15818,208 +11137,6 @@
       </p:grpSpPr>
       <p:sp>
         <p:nvSpPr>
-          <p:cNvPr id="8" name="Rectangle 7">
-            <a:extLst>
-              <a:ext uri="{FF2B5EF4-FFF2-40B4-BE49-F238E27FC236}">
-                <a16:creationId xmlns:a16="http://schemas.microsoft.com/office/drawing/2014/main" id="{70120F84-A866-4D9F-8B1C-9120A013D654}"/>
-              </a:ext>
-              <a:ext uri="{C183D7F6-B498-43B3-948B-1728B52AA6E4}">
-                <adec:decorative xmlns:adec="http://schemas.microsoft.com/office/drawing/2017/decorative" val="1"/>
-              </a:ext>
-            </a:extLst>
-          </p:cNvPr>
-          <p:cNvSpPr>
-            <a:spLocks noGrp="1" noRot="1" noChangeAspect="1" noMove="1" noResize="1" noEditPoints="1" noAdjustHandles="1" noChangeArrowheads="1" noChangeShapeType="1" noTextEdit="1"/>
-          </p:cNvSpPr>
-          <p:nvPr>
-            <p:extLst>
-              <p:ext uri="{386F3935-93C4-4BCD-93E2-E3B085C9AB24}">
-                <p16:designElem xmlns:p16="http://schemas.microsoft.com/office/powerpoint/2015/main" val="1"/>
-              </p:ext>
-            </p:extLst>
-          </p:nvPr>
-        </p:nvSpPr>
-        <p:spPr>
-          <a:xfrm>
-            <a:off x="0" y="0"/>
-            <a:ext cx="12192001" cy="6858000"/>
-          </a:xfrm>
-          <a:prstGeom prst="rect">
-            <a:avLst/>
-          </a:prstGeom>
-          <a:solidFill>
-            <a:schemeClr val="accent1"/>
-          </a:solidFill>
-          <a:ln>
-            <a:noFill/>
-          </a:ln>
-        </p:spPr>
-        <p:style>
-          <a:lnRef idx="2">
-            <a:schemeClr val="accent1">
-              <a:shade val="50000"/>
-            </a:schemeClr>
-          </a:lnRef>
-          <a:fillRef idx="1">
-            <a:schemeClr val="accent1"/>
-          </a:fillRef>
-          <a:effectRef idx="0">
-            <a:schemeClr val="accent1"/>
-          </a:effectRef>
-          <a:fontRef idx="minor">
-            <a:schemeClr val="lt1"/>
-          </a:fontRef>
-        </p:style>
-        <p:txBody>
-          <a:bodyPr rot="0" spcFirstLastPara="0" vert="horz" wrap="square" lIns="91440" tIns="45720" rIns="91440" bIns="45720" numCol="1" spcCol="0" rtlCol="0" fromWordArt="0" anchor="ctr" anchorCtr="0" forceAA="0" compatLnSpc="1">
-            <a:prstTxWarp prst="textNoShape">
-              <a:avLst/>
-            </a:prstTxWarp>
-            <a:noAutofit/>
-          </a:bodyPr>
-          <a:lstStyle>
-            <a:defPPr>
-              <a:defRPr lang="en-US"/>
-            </a:defPPr>
-            <a:lvl1pPr marL="0" algn="l" defTabSz="914400" rtl="0" eaLnBrk="1" latinLnBrk="0" hangingPunct="1">
-              <a:defRPr sz="1800" kern="1200">
-                <a:solidFill>
-                  <a:schemeClr val="lt1"/>
-                </a:solidFill>
-                <a:latin typeface="+mn-lt"/>
-                <a:ea typeface="+mn-ea"/>
-                <a:cs typeface="+mn-cs"/>
-              </a:defRPr>
-            </a:lvl1pPr>
-            <a:lvl2pPr marL="457200" algn="l" defTabSz="914400" rtl="0" eaLnBrk="1" latinLnBrk="0" hangingPunct="1">
-              <a:defRPr sz="1800" kern="1200">
-                <a:solidFill>
-                  <a:schemeClr val="lt1"/>
-                </a:solidFill>
-                <a:latin typeface="+mn-lt"/>
-                <a:ea typeface="+mn-ea"/>
-                <a:cs typeface="+mn-cs"/>
-              </a:defRPr>
-            </a:lvl2pPr>
-            <a:lvl3pPr marL="914400" algn="l" defTabSz="914400" rtl="0" eaLnBrk="1" latinLnBrk="0" hangingPunct="1">
-              <a:defRPr sz="1800" kern="1200">
-                <a:solidFill>
-                  <a:schemeClr val="lt1"/>
-                </a:solidFill>
-                <a:latin typeface="+mn-lt"/>
-                <a:ea typeface="+mn-ea"/>
-                <a:cs typeface="+mn-cs"/>
-              </a:defRPr>
-            </a:lvl3pPr>
-            <a:lvl4pPr marL="1371600" algn="l" defTabSz="914400" rtl="0" eaLnBrk="1" latinLnBrk="0" hangingPunct="1">
-              <a:defRPr sz="1800" kern="1200">
-                <a:solidFill>
-                  <a:schemeClr val="lt1"/>
-                </a:solidFill>
-                <a:latin typeface="+mn-lt"/>
-                <a:ea typeface="+mn-ea"/>
-                <a:cs typeface="+mn-cs"/>
-              </a:defRPr>
-            </a:lvl4pPr>
-            <a:lvl5pPr marL="1828800" algn="l" defTabSz="914400" rtl="0" eaLnBrk="1" latinLnBrk="0" hangingPunct="1">
-              <a:defRPr sz="1800" kern="1200">
-                <a:solidFill>
-                  <a:schemeClr val="lt1"/>
-                </a:solidFill>
-                <a:latin typeface="+mn-lt"/>
-                <a:ea typeface="+mn-ea"/>
-                <a:cs typeface="+mn-cs"/>
-              </a:defRPr>
-            </a:lvl5pPr>
-            <a:lvl6pPr marL="2286000" algn="l" defTabSz="914400" rtl="0" eaLnBrk="1" latinLnBrk="0" hangingPunct="1">
-              <a:defRPr sz="1800" kern="1200">
-                <a:solidFill>
-                  <a:schemeClr val="lt1"/>
-                </a:solidFill>
-                <a:latin typeface="+mn-lt"/>
-                <a:ea typeface="+mn-ea"/>
-                <a:cs typeface="+mn-cs"/>
-              </a:defRPr>
-            </a:lvl6pPr>
-            <a:lvl7pPr marL="2743200" algn="l" defTabSz="914400" rtl="0" eaLnBrk="1" latinLnBrk="0" hangingPunct="1">
-              <a:defRPr sz="1800" kern="1200">
-                <a:solidFill>
-                  <a:schemeClr val="lt1"/>
-                </a:solidFill>
-                <a:latin typeface="+mn-lt"/>
-                <a:ea typeface="+mn-ea"/>
-                <a:cs typeface="+mn-cs"/>
-              </a:defRPr>
-            </a:lvl7pPr>
-            <a:lvl8pPr marL="3200400" algn="l" defTabSz="914400" rtl="0" eaLnBrk="1" latinLnBrk="0" hangingPunct="1">
-              <a:defRPr sz="1800" kern="1200">
-                <a:solidFill>
-                  <a:schemeClr val="lt1"/>
-                </a:solidFill>
-                <a:latin typeface="+mn-lt"/>
-                <a:ea typeface="+mn-ea"/>
-                <a:cs typeface="+mn-cs"/>
-              </a:defRPr>
-            </a:lvl8pPr>
-            <a:lvl9pPr marL="3657600" algn="l" defTabSz="914400" rtl="0" eaLnBrk="1" latinLnBrk="0" hangingPunct="1">
-              <a:defRPr sz="1800" kern="1200">
-                <a:solidFill>
-                  <a:schemeClr val="lt1"/>
-                </a:solidFill>
-                <a:latin typeface="+mn-lt"/>
-                <a:ea typeface="+mn-ea"/>
-                <a:cs typeface="+mn-cs"/>
-              </a:defRPr>
-            </a:lvl9pPr>
-          </a:lstStyle>
-          <a:p>
-            <a:pPr algn="ctr"/>
-            <a:endParaRPr lang="en-US"/>
-          </a:p>
-        </p:txBody>
-      </p:sp>
-      <p:sp useBgFill="1">
-        <p:nvSpPr>
-          <p:cNvPr id="10" name="Rectangle 9">
-            <a:extLst>
-              <a:ext uri="{FF2B5EF4-FFF2-40B4-BE49-F238E27FC236}">
-                <a16:creationId xmlns:a16="http://schemas.microsoft.com/office/drawing/2014/main" id="{252FEFEF-6AC0-46B6-AC09-11FC56196FA4}"/>
-              </a:ext>
-              <a:ext uri="{C183D7F6-B498-43B3-948B-1728B52AA6E4}">
-                <adec:decorative xmlns:adec="http://schemas.microsoft.com/office/drawing/2017/decorative" val="1"/>
-              </a:ext>
-            </a:extLst>
-          </p:cNvPr>
-          <p:cNvSpPr>
-            <a:spLocks noGrp="1" noRot="1" noChangeAspect="1" noMove="1" noResize="1" noEditPoints="1" noAdjustHandles="1" noChangeArrowheads="1" noChangeShapeType="1" noTextEdit="1"/>
-          </p:cNvSpPr>
-          <p:nvPr>
-            <p:extLst>
-              <p:ext uri="{386F3935-93C4-4BCD-93E2-E3B085C9AB24}">
-                <p16:designElem xmlns:p16="http://schemas.microsoft.com/office/powerpoint/2015/main" val="1"/>
-              </p:ext>
-            </p:extLst>
-          </p:nvPr>
-        </p:nvSpPr>
-        <p:spPr>
-          <a:xfrm>
-            <a:off x="210312" y="226665"/>
-            <a:ext cx="11722608" cy="6382512"/>
-          </a:xfrm>
-          <a:prstGeom prst="rect">
-            <a:avLst/>
-          </a:prstGeom>
-          <a:ln w="6350" cap="flat" cmpd="sng" algn="ctr">
-            <a:noFill/>
-            <a:prstDash val="solid"/>
-          </a:ln>
-          <a:effectLst>
-            <a:softEdge rad="0"/>
-          </a:effectLst>
-        </p:spPr>
-      </p:sp>
-      <p:sp>
-        <p:nvSpPr>
           <p:cNvPr id="2" name="Title 1">
             <a:extLst>
               <a:ext uri="{FF2B5EF4-FFF2-40B4-BE49-F238E27FC236}">
@@ -16083,7 +11200,7 @@
         </p:spPr>
         <p:txBody>
           <a:bodyPr>
-            <a:normAutofit lnSpcReduction="10000"/>
+            <a:normAutofit fontScale="70000" lnSpcReduction="20000"/>
           </a:bodyPr>
           <a:lstStyle/>
           <a:p>
@@ -16281,208 +11398,6 @@
       </p:grpSpPr>
       <p:sp>
         <p:nvSpPr>
-          <p:cNvPr id="8" name="Rectangle 7">
-            <a:extLst>
-              <a:ext uri="{FF2B5EF4-FFF2-40B4-BE49-F238E27FC236}">
-                <a16:creationId xmlns:a16="http://schemas.microsoft.com/office/drawing/2014/main" id="{70120F84-A866-4D9F-8B1C-9120A013D654}"/>
-              </a:ext>
-              <a:ext uri="{C183D7F6-B498-43B3-948B-1728B52AA6E4}">
-                <adec:decorative xmlns:adec="http://schemas.microsoft.com/office/drawing/2017/decorative" val="1"/>
-              </a:ext>
-            </a:extLst>
-          </p:cNvPr>
-          <p:cNvSpPr>
-            <a:spLocks noGrp="1" noRot="1" noChangeAspect="1" noMove="1" noResize="1" noEditPoints="1" noAdjustHandles="1" noChangeArrowheads="1" noChangeShapeType="1" noTextEdit="1"/>
-          </p:cNvSpPr>
-          <p:nvPr>
-            <p:extLst>
-              <p:ext uri="{386F3935-93C4-4BCD-93E2-E3B085C9AB24}">
-                <p16:designElem xmlns:p16="http://schemas.microsoft.com/office/powerpoint/2015/main" val="1"/>
-              </p:ext>
-            </p:extLst>
-          </p:nvPr>
-        </p:nvSpPr>
-        <p:spPr>
-          <a:xfrm>
-            <a:off x="0" y="0"/>
-            <a:ext cx="12192001" cy="6858000"/>
-          </a:xfrm>
-          <a:prstGeom prst="rect">
-            <a:avLst/>
-          </a:prstGeom>
-          <a:solidFill>
-            <a:schemeClr val="accent1"/>
-          </a:solidFill>
-          <a:ln>
-            <a:noFill/>
-          </a:ln>
-        </p:spPr>
-        <p:style>
-          <a:lnRef idx="2">
-            <a:schemeClr val="accent1">
-              <a:shade val="50000"/>
-            </a:schemeClr>
-          </a:lnRef>
-          <a:fillRef idx="1">
-            <a:schemeClr val="accent1"/>
-          </a:fillRef>
-          <a:effectRef idx="0">
-            <a:schemeClr val="accent1"/>
-          </a:effectRef>
-          <a:fontRef idx="minor">
-            <a:schemeClr val="lt1"/>
-          </a:fontRef>
-        </p:style>
-        <p:txBody>
-          <a:bodyPr rot="0" spcFirstLastPara="0" vert="horz" wrap="square" lIns="91440" tIns="45720" rIns="91440" bIns="45720" numCol="1" spcCol="0" rtlCol="0" fromWordArt="0" anchor="ctr" anchorCtr="0" forceAA="0" compatLnSpc="1">
-            <a:prstTxWarp prst="textNoShape">
-              <a:avLst/>
-            </a:prstTxWarp>
-            <a:noAutofit/>
-          </a:bodyPr>
-          <a:lstStyle>
-            <a:defPPr>
-              <a:defRPr lang="en-US"/>
-            </a:defPPr>
-            <a:lvl1pPr marL="0" algn="l" defTabSz="914400" rtl="0" eaLnBrk="1" latinLnBrk="0" hangingPunct="1">
-              <a:defRPr sz="1800" kern="1200">
-                <a:solidFill>
-                  <a:schemeClr val="lt1"/>
-                </a:solidFill>
-                <a:latin typeface="+mn-lt"/>
-                <a:ea typeface="+mn-ea"/>
-                <a:cs typeface="+mn-cs"/>
-              </a:defRPr>
-            </a:lvl1pPr>
-            <a:lvl2pPr marL="457200" algn="l" defTabSz="914400" rtl="0" eaLnBrk="1" latinLnBrk="0" hangingPunct="1">
-              <a:defRPr sz="1800" kern="1200">
-                <a:solidFill>
-                  <a:schemeClr val="lt1"/>
-                </a:solidFill>
-                <a:latin typeface="+mn-lt"/>
-                <a:ea typeface="+mn-ea"/>
-                <a:cs typeface="+mn-cs"/>
-              </a:defRPr>
-            </a:lvl2pPr>
-            <a:lvl3pPr marL="914400" algn="l" defTabSz="914400" rtl="0" eaLnBrk="1" latinLnBrk="0" hangingPunct="1">
-              <a:defRPr sz="1800" kern="1200">
-                <a:solidFill>
-                  <a:schemeClr val="lt1"/>
-                </a:solidFill>
-                <a:latin typeface="+mn-lt"/>
-                <a:ea typeface="+mn-ea"/>
-                <a:cs typeface="+mn-cs"/>
-              </a:defRPr>
-            </a:lvl3pPr>
-            <a:lvl4pPr marL="1371600" algn="l" defTabSz="914400" rtl="0" eaLnBrk="1" latinLnBrk="0" hangingPunct="1">
-              <a:defRPr sz="1800" kern="1200">
-                <a:solidFill>
-                  <a:schemeClr val="lt1"/>
-                </a:solidFill>
-                <a:latin typeface="+mn-lt"/>
-                <a:ea typeface="+mn-ea"/>
-                <a:cs typeface="+mn-cs"/>
-              </a:defRPr>
-            </a:lvl4pPr>
-            <a:lvl5pPr marL="1828800" algn="l" defTabSz="914400" rtl="0" eaLnBrk="1" latinLnBrk="0" hangingPunct="1">
-              <a:defRPr sz="1800" kern="1200">
-                <a:solidFill>
-                  <a:schemeClr val="lt1"/>
-                </a:solidFill>
-                <a:latin typeface="+mn-lt"/>
-                <a:ea typeface="+mn-ea"/>
-                <a:cs typeface="+mn-cs"/>
-              </a:defRPr>
-            </a:lvl5pPr>
-            <a:lvl6pPr marL="2286000" algn="l" defTabSz="914400" rtl="0" eaLnBrk="1" latinLnBrk="0" hangingPunct="1">
-              <a:defRPr sz="1800" kern="1200">
-                <a:solidFill>
-                  <a:schemeClr val="lt1"/>
-                </a:solidFill>
-                <a:latin typeface="+mn-lt"/>
-                <a:ea typeface="+mn-ea"/>
-                <a:cs typeface="+mn-cs"/>
-              </a:defRPr>
-            </a:lvl6pPr>
-            <a:lvl7pPr marL="2743200" algn="l" defTabSz="914400" rtl="0" eaLnBrk="1" latinLnBrk="0" hangingPunct="1">
-              <a:defRPr sz="1800" kern="1200">
-                <a:solidFill>
-                  <a:schemeClr val="lt1"/>
-                </a:solidFill>
-                <a:latin typeface="+mn-lt"/>
-                <a:ea typeface="+mn-ea"/>
-                <a:cs typeface="+mn-cs"/>
-              </a:defRPr>
-            </a:lvl7pPr>
-            <a:lvl8pPr marL="3200400" algn="l" defTabSz="914400" rtl="0" eaLnBrk="1" latinLnBrk="0" hangingPunct="1">
-              <a:defRPr sz="1800" kern="1200">
-                <a:solidFill>
-                  <a:schemeClr val="lt1"/>
-                </a:solidFill>
-                <a:latin typeface="+mn-lt"/>
-                <a:ea typeface="+mn-ea"/>
-                <a:cs typeface="+mn-cs"/>
-              </a:defRPr>
-            </a:lvl8pPr>
-            <a:lvl9pPr marL="3657600" algn="l" defTabSz="914400" rtl="0" eaLnBrk="1" latinLnBrk="0" hangingPunct="1">
-              <a:defRPr sz="1800" kern="1200">
-                <a:solidFill>
-                  <a:schemeClr val="lt1"/>
-                </a:solidFill>
-                <a:latin typeface="+mn-lt"/>
-                <a:ea typeface="+mn-ea"/>
-                <a:cs typeface="+mn-cs"/>
-              </a:defRPr>
-            </a:lvl9pPr>
-          </a:lstStyle>
-          <a:p>
-            <a:pPr algn="ctr"/>
-            <a:endParaRPr lang="en-US"/>
-          </a:p>
-        </p:txBody>
-      </p:sp>
-      <p:sp useBgFill="1">
-        <p:nvSpPr>
-          <p:cNvPr id="10" name="Rectangle 9">
-            <a:extLst>
-              <a:ext uri="{FF2B5EF4-FFF2-40B4-BE49-F238E27FC236}">
-                <a16:creationId xmlns:a16="http://schemas.microsoft.com/office/drawing/2014/main" id="{252FEFEF-6AC0-46B6-AC09-11FC56196FA4}"/>
-              </a:ext>
-              <a:ext uri="{C183D7F6-B498-43B3-948B-1728B52AA6E4}">
-                <adec:decorative xmlns:adec="http://schemas.microsoft.com/office/drawing/2017/decorative" val="1"/>
-              </a:ext>
-            </a:extLst>
-          </p:cNvPr>
-          <p:cNvSpPr>
-            <a:spLocks noGrp="1" noRot="1" noChangeAspect="1" noMove="1" noResize="1" noEditPoints="1" noAdjustHandles="1" noChangeArrowheads="1" noChangeShapeType="1" noTextEdit="1"/>
-          </p:cNvSpPr>
-          <p:nvPr>
-            <p:extLst>
-              <p:ext uri="{386F3935-93C4-4BCD-93E2-E3B085C9AB24}">
-                <p16:designElem xmlns:p16="http://schemas.microsoft.com/office/powerpoint/2015/main" val="1"/>
-              </p:ext>
-            </p:extLst>
-          </p:nvPr>
-        </p:nvSpPr>
-        <p:spPr>
-          <a:xfrm>
-            <a:off x="210312" y="226665"/>
-            <a:ext cx="11722608" cy="6382512"/>
-          </a:xfrm>
-          <a:prstGeom prst="rect">
-            <a:avLst/>
-          </a:prstGeom>
-          <a:ln w="6350" cap="flat" cmpd="sng" algn="ctr">
-            <a:noFill/>
-            <a:prstDash val="solid"/>
-          </a:ln>
-          <a:effectLst>
-            <a:softEdge rad="0"/>
-          </a:effectLst>
-        </p:spPr>
-      </p:sp>
-      <p:sp>
-        <p:nvSpPr>
           <p:cNvPr id="2" name="Title 1">
             <a:extLst>
               <a:ext uri="{FF2B5EF4-FFF2-40B4-BE49-F238E27FC236}">
@@ -16660,208 +11575,6 @@
           <a:chExt cx="0" cy="0"/>
         </a:xfrm>
       </p:grpSpPr>
-      <p:sp>
-        <p:nvSpPr>
-          <p:cNvPr id="8" name="Rectangle 7">
-            <a:extLst>
-              <a:ext uri="{FF2B5EF4-FFF2-40B4-BE49-F238E27FC236}">
-                <a16:creationId xmlns:a16="http://schemas.microsoft.com/office/drawing/2014/main" id="{70120F84-A866-4D9F-8B1C-9120A013D654}"/>
-              </a:ext>
-              <a:ext uri="{C183D7F6-B498-43B3-948B-1728B52AA6E4}">
-                <adec:decorative xmlns:adec="http://schemas.microsoft.com/office/drawing/2017/decorative" val="1"/>
-              </a:ext>
-            </a:extLst>
-          </p:cNvPr>
-          <p:cNvSpPr>
-            <a:spLocks noGrp="1" noRot="1" noChangeAspect="1" noMove="1" noResize="1" noEditPoints="1" noAdjustHandles="1" noChangeArrowheads="1" noChangeShapeType="1" noTextEdit="1"/>
-          </p:cNvSpPr>
-          <p:nvPr>
-            <p:extLst>
-              <p:ext uri="{386F3935-93C4-4BCD-93E2-E3B085C9AB24}">
-                <p16:designElem xmlns:p16="http://schemas.microsoft.com/office/powerpoint/2015/main" val="1"/>
-              </p:ext>
-            </p:extLst>
-          </p:nvPr>
-        </p:nvSpPr>
-        <p:spPr>
-          <a:xfrm>
-            <a:off x="0" y="0"/>
-            <a:ext cx="12192001" cy="6858000"/>
-          </a:xfrm>
-          <a:prstGeom prst="rect">
-            <a:avLst/>
-          </a:prstGeom>
-          <a:solidFill>
-            <a:schemeClr val="accent1"/>
-          </a:solidFill>
-          <a:ln>
-            <a:noFill/>
-          </a:ln>
-        </p:spPr>
-        <p:style>
-          <a:lnRef idx="2">
-            <a:schemeClr val="accent1">
-              <a:shade val="50000"/>
-            </a:schemeClr>
-          </a:lnRef>
-          <a:fillRef idx="1">
-            <a:schemeClr val="accent1"/>
-          </a:fillRef>
-          <a:effectRef idx="0">
-            <a:schemeClr val="accent1"/>
-          </a:effectRef>
-          <a:fontRef idx="minor">
-            <a:schemeClr val="lt1"/>
-          </a:fontRef>
-        </p:style>
-        <p:txBody>
-          <a:bodyPr rot="0" spcFirstLastPara="0" vert="horz" wrap="square" lIns="91440" tIns="45720" rIns="91440" bIns="45720" numCol="1" spcCol="0" rtlCol="0" fromWordArt="0" anchor="ctr" anchorCtr="0" forceAA="0" compatLnSpc="1">
-            <a:prstTxWarp prst="textNoShape">
-              <a:avLst/>
-            </a:prstTxWarp>
-            <a:noAutofit/>
-          </a:bodyPr>
-          <a:lstStyle>
-            <a:defPPr>
-              <a:defRPr lang="en-US"/>
-            </a:defPPr>
-            <a:lvl1pPr marL="0" algn="l" defTabSz="914400" rtl="0" eaLnBrk="1" latinLnBrk="0" hangingPunct="1">
-              <a:defRPr sz="1800" kern="1200">
-                <a:solidFill>
-                  <a:schemeClr val="lt1"/>
-                </a:solidFill>
-                <a:latin typeface="+mn-lt"/>
-                <a:ea typeface="+mn-ea"/>
-                <a:cs typeface="+mn-cs"/>
-              </a:defRPr>
-            </a:lvl1pPr>
-            <a:lvl2pPr marL="457200" algn="l" defTabSz="914400" rtl="0" eaLnBrk="1" latinLnBrk="0" hangingPunct="1">
-              <a:defRPr sz="1800" kern="1200">
-                <a:solidFill>
-                  <a:schemeClr val="lt1"/>
-                </a:solidFill>
-                <a:latin typeface="+mn-lt"/>
-                <a:ea typeface="+mn-ea"/>
-                <a:cs typeface="+mn-cs"/>
-              </a:defRPr>
-            </a:lvl2pPr>
-            <a:lvl3pPr marL="914400" algn="l" defTabSz="914400" rtl="0" eaLnBrk="1" latinLnBrk="0" hangingPunct="1">
-              <a:defRPr sz="1800" kern="1200">
-                <a:solidFill>
-                  <a:schemeClr val="lt1"/>
-                </a:solidFill>
-                <a:latin typeface="+mn-lt"/>
-                <a:ea typeface="+mn-ea"/>
-                <a:cs typeface="+mn-cs"/>
-              </a:defRPr>
-            </a:lvl3pPr>
-            <a:lvl4pPr marL="1371600" algn="l" defTabSz="914400" rtl="0" eaLnBrk="1" latinLnBrk="0" hangingPunct="1">
-              <a:defRPr sz="1800" kern="1200">
-                <a:solidFill>
-                  <a:schemeClr val="lt1"/>
-                </a:solidFill>
-                <a:latin typeface="+mn-lt"/>
-                <a:ea typeface="+mn-ea"/>
-                <a:cs typeface="+mn-cs"/>
-              </a:defRPr>
-            </a:lvl4pPr>
-            <a:lvl5pPr marL="1828800" algn="l" defTabSz="914400" rtl="0" eaLnBrk="1" latinLnBrk="0" hangingPunct="1">
-              <a:defRPr sz="1800" kern="1200">
-                <a:solidFill>
-                  <a:schemeClr val="lt1"/>
-                </a:solidFill>
-                <a:latin typeface="+mn-lt"/>
-                <a:ea typeface="+mn-ea"/>
-                <a:cs typeface="+mn-cs"/>
-              </a:defRPr>
-            </a:lvl5pPr>
-            <a:lvl6pPr marL="2286000" algn="l" defTabSz="914400" rtl="0" eaLnBrk="1" latinLnBrk="0" hangingPunct="1">
-              <a:defRPr sz="1800" kern="1200">
-                <a:solidFill>
-                  <a:schemeClr val="lt1"/>
-                </a:solidFill>
-                <a:latin typeface="+mn-lt"/>
-                <a:ea typeface="+mn-ea"/>
-                <a:cs typeface="+mn-cs"/>
-              </a:defRPr>
-            </a:lvl6pPr>
-            <a:lvl7pPr marL="2743200" algn="l" defTabSz="914400" rtl="0" eaLnBrk="1" latinLnBrk="0" hangingPunct="1">
-              <a:defRPr sz="1800" kern="1200">
-                <a:solidFill>
-                  <a:schemeClr val="lt1"/>
-                </a:solidFill>
-                <a:latin typeface="+mn-lt"/>
-                <a:ea typeface="+mn-ea"/>
-                <a:cs typeface="+mn-cs"/>
-              </a:defRPr>
-            </a:lvl7pPr>
-            <a:lvl8pPr marL="3200400" algn="l" defTabSz="914400" rtl="0" eaLnBrk="1" latinLnBrk="0" hangingPunct="1">
-              <a:defRPr sz="1800" kern="1200">
-                <a:solidFill>
-                  <a:schemeClr val="lt1"/>
-                </a:solidFill>
-                <a:latin typeface="+mn-lt"/>
-                <a:ea typeface="+mn-ea"/>
-                <a:cs typeface="+mn-cs"/>
-              </a:defRPr>
-            </a:lvl8pPr>
-            <a:lvl9pPr marL="3657600" algn="l" defTabSz="914400" rtl="0" eaLnBrk="1" latinLnBrk="0" hangingPunct="1">
-              <a:defRPr sz="1800" kern="1200">
-                <a:solidFill>
-                  <a:schemeClr val="lt1"/>
-                </a:solidFill>
-                <a:latin typeface="+mn-lt"/>
-                <a:ea typeface="+mn-ea"/>
-                <a:cs typeface="+mn-cs"/>
-              </a:defRPr>
-            </a:lvl9pPr>
-          </a:lstStyle>
-          <a:p>
-            <a:pPr algn="ctr"/>
-            <a:endParaRPr lang="en-US"/>
-          </a:p>
-        </p:txBody>
-      </p:sp>
-      <p:sp useBgFill="1">
-        <p:nvSpPr>
-          <p:cNvPr id="10" name="Rectangle 9">
-            <a:extLst>
-              <a:ext uri="{FF2B5EF4-FFF2-40B4-BE49-F238E27FC236}">
-                <a16:creationId xmlns:a16="http://schemas.microsoft.com/office/drawing/2014/main" id="{252FEFEF-6AC0-46B6-AC09-11FC56196FA4}"/>
-              </a:ext>
-              <a:ext uri="{C183D7F6-B498-43B3-948B-1728B52AA6E4}">
-                <adec:decorative xmlns:adec="http://schemas.microsoft.com/office/drawing/2017/decorative" val="1"/>
-              </a:ext>
-            </a:extLst>
-          </p:cNvPr>
-          <p:cNvSpPr>
-            <a:spLocks noGrp="1" noRot="1" noChangeAspect="1" noMove="1" noResize="1" noEditPoints="1" noAdjustHandles="1" noChangeArrowheads="1" noChangeShapeType="1" noTextEdit="1"/>
-          </p:cNvSpPr>
-          <p:nvPr>
-            <p:extLst>
-              <p:ext uri="{386F3935-93C4-4BCD-93E2-E3B085C9AB24}">
-                <p16:designElem xmlns:p16="http://schemas.microsoft.com/office/powerpoint/2015/main" val="1"/>
-              </p:ext>
-            </p:extLst>
-          </p:nvPr>
-        </p:nvSpPr>
-        <p:spPr>
-          <a:xfrm>
-            <a:off x="210312" y="226665"/>
-            <a:ext cx="11722608" cy="6382512"/>
-          </a:xfrm>
-          <a:prstGeom prst="rect">
-            <a:avLst/>
-          </a:prstGeom>
-          <a:ln w="6350" cap="flat" cmpd="sng" algn="ctr">
-            <a:noFill/>
-            <a:prstDash val="solid"/>
-          </a:ln>
-          <a:effectLst>
-            <a:softEdge rad="0"/>
-          </a:effectLst>
-        </p:spPr>
-      </p:sp>
       <p:sp>
         <p:nvSpPr>
           <p:cNvPr id="2" name="Title 1">
@@ -17272,7 +11985,7 @@
           </a:lstStyle>
           <a:p>
             <a:r>
-              <a:rPr lang="en-US" sz="1600" dirty="0">
+              <a:rPr lang="en-US" sz="2000" dirty="0">
                 <a:solidFill>
                   <a:schemeClr val="tx2">
                     <a:lumMod val="75000"/>
@@ -17281,35 +11994,11 @@
                 <a:latin typeface="Consolas" panose="020B0609020204030204" pitchFamily="49" charset="0"/>
                 <a:cs typeface="Consolas" panose="020B0609020204030204" pitchFamily="49" charset="0"/>
               </a:rPr>
-              <a:t>print (</a:t>
-            </a:r>
-            <a:r>
-              <a:rPr lang="en-US" sz="1600" dirty="0" err="1">
-                <a:solidFill>
-                  <a:schemeClr val="tx2">
-                    <a:lumMod val="75000"/>
-                  </a:schemeClr>
-                </a:solidFill>
-                <a:latin typeface="Consolas" panose="020B0609020204030204" pitchFamily="49" charset="0"/>
-                <a:cs typeface="Consolas" panose="020B0609020204030204" pitchFamily="49" charset="0"/>
-              </a:rPr>
-              <a:t>dict_fruit</a:t>
-            </a:r>
-            <a:r>
-              <a:rPr lang="en-US" sz="1600" dirty="0">
-                <a:solidFill>
-                  <a:schemeClr val="tx2">
-                    <a:lumMod val="75000"/>
-                  </a:schemeClr>
-                </a:solidFill>
-                <a:latin typeface="Consolas" panose="020B0609020204030204" pitchFamily="49" charset="0"/>
-                <a:cs typeface="Consolas" panose="020B0609020204030204" pitchFamily="49" charset="0"/>
-              </a:rPr>
-              <a:t>[‘apple’])</a:t>
-            </a:r>
-          </a:p>
-          <a:p>
-            <a:endParaRPr lang="en-US" sz="1600" dirty="0">
+              <a:t>print (dict_fruit[‘apple’])</a:t>
+            </a:r>
+          </a:p>
+          <a:p>
+            <a:endParaRPr lang="en-US" sz="2000" dirty="0">
               <a:solidFill>
                 <a:schemeClr val="tx2">
                   <a:lumMod val="75000"/>
@@ -17321,7 +12010,7 @@
           </a:p>
           <a:p>
             <a:r>
-              <a:rPr lang="en-US" sz="1600" dirty="0">
+              <a:rPr lang="en-US" sz="2000" dirty="0">
                 <a:solidFill>
                   <a:schemeClr val="tx2">
                     <a:lumMod val="75000"/>
@@ -17330,10 +12019,15 @@
                 <a:latin typeface="Consolas" panose="020B0609020204030204" pitchFamily="49" charset="0"/>
                 <a:cs typeface="Consolas" panose="020B0609020204030204" pitchFamily="49" charset="0"/>
               </a:rPr>
-              <a:t>for fruit in </a:t>
-            </a:r>
-            <a:r>
-              <a:rPr lang="en-US" sz="1600" dirty="0" err="1">
+              <a:t>for fruit in dict_fruit:</a:t>
+            </a:r>
+          </a:p>
+          <a:p>
+            <a:pPr marL="0" indent="0">
+              <a:buNone/>
+            </a:pPr>
+            <a:r>
+              <a:rPr lang="en-US" sz="2000" dirty="0">
                 <a:solidFill>
                   <a:schemeClr val="tx2">
                     <a:lumMod val="75000"/>
@@ -17342,58 +12036,7 @@
                 <a:latin typeface="Consolas" panose="020B0609020204030204" pitchFamily="49" charset="0"/>
                 <a:cs typeface="Consolas" panose="020B0609020204030204" pitchFamily="49" charset="0"/>
               </a:rPr>
-              <a:t>dict_fruit</a:t>
-            </a:r>
-            <a:r>
-              <a:rPr lang="en-US" sz="1600" dirty="0">
-                <a:solidFill>
-                  <a:schemeClr val="tx2">
-                    <a:lumMod val="75000"/>
-                  </a:schemeClr>
-                </a:solidFill>
-                <a:latin typeface="Consolas" panose="020B0609020204030204" pitchFamily="49" charset="0"/>
-                <a:cs typeface="Consolas" panose="020B0609020204030204" pitchFamily="49" charset="0"/>
-              </a:rPr>
-              <a:t>:</a:t>
-            </a:r>
-          </a:p>
-          <a:p>
-            <a:pPr lvl="1"/>
-            <a:r>
-              <a:rPr lang="en-US" dirty="0">
-                <a:solidFill>
-                  <a:schemeClr val="tx2">
-                    <a:lumMod val="75000"/>
-                  </a:schemeClr>
-                </a:solidFill>
-                <a:latin typeface="Consolas" panose="020B0609020204030204" pitchFamily="49" charset="0"/>
-                <a:cs typeface="Consolas" panose="020B0609020204030204" pitchFamily="49" charset="0"/>
-              </a:rPr>
-              <a:t>print(</a:t>
-            </a:r>
-            <a:r>
-              <a:rPr lang="en-US" dirty="0" err="1">
-                <a:solidFill>
-                  <a:schemeClr val="tx2">
-                    <a:lumMod val="75000"/>
-                  </a:schemeClr>
-                </a:solidFill>
-                <a:latin typeface="Consolas" panose="020B0609020204030204" pitchFamily="49" charset="0"/>
-                <a:cs typeface="Consolas" panose="020B0609020204030204" pitchFamily="49" charset="0"/>
-              </a:rPr>
-              <a:t>dict_fruit</a:t>
-            </a:r>
-            <a:r>
-              <a:rPr lang="en-US" dirty="0">
-                <a:solidFill>
-                  <a:schemeClr val="tx2">
-                    <a:lumMod val="75000"/>
-                  </a:schemeClr>
-                </a:solidFill>
-                <a:latin typeface="Consolas" panose="020B0609020204030204" pitchFamily="49" charset="0"/>
-                <a:cs typeface="Consolas" panose="020B0609020204030204" pitchFamily="49" charset="0"/>
-              </a:rPr>
-              <a:t>(fruit))</a:t>
+              <a:t>	print(dict_fruit(fruit))</a:t>
             </a:r>
           </a:p>
         </p:txBody>
@@ -17438,208 +12081,6 @@
       </p:grpSpPr>
       <p:sp>
         <p:nvSpPr>
-          <p:cNvPr id="8" name="Rectangle 7">
-            <a:extLst>
-              <a:ext uri="{FF2B5EF4-FFF2-40B4-BE49-F238E27FC236}">
-                <a16:creationId xmlns:a16="http://schemas.microsoft.com/office/drawing/2014/main" id="{70120F84-A866-4D9F-8B1C-9120A013D654}"/>
-              </a:ext>
-              <a:ext uri="{C183D7F6-B498-43B3-948B-1728B52AA6E4}">
-                <adec:decorative xmlns:adec="http://schemas.microsoft.com/office/drawing/2017/decorative" val="1"/>
-              </a:ext>
-            </a:extLst>
-          </p:cNvPr>
-          <p:cNvSpPr>
-            <a:spLocks noGrp="1" noRot="1" noChangeAspect="1" noMove="1" noResize="1" noEditPoints="1" noAdjustHandles="1" noChangeArrowheads="1" noChangeShapeType="1" noTextEdit="1"/>
-          </p:cNvSpPr>
-          <p:nvPr>
-            <p:extLst>
-              <p:ext uri="{386F3935-93C4-4BCD-93E2-E3B085C9AB24}">
-                <p16:designElem xmlns:p16="http://schemas.microsoft.com/office/powerpoint/2015/main" val="1"/>
-              </p:ext>
-            </p:extLst>
-          </p:nvPr>
-        </p:nvSpPr>
-        <p:spPr>
-          <a:xfrm>
-            <a:off x="0" y="0"/>
-            <a:ext cx="12192001" cy="6858000"/>
-          </a:xfrm>
-          <a:prstGeom prst="rect">
-            <a:avLst/>
-          </a:prstGeom>
-          <a:solidFill>
-            <a:schemeClr val="accent1"/>
-          </a:solidFill>
-          <a:ln>
-            <a:noFill/>
-          </a:ln>
-        </p:spPr>
-        <p:style>
-          <a:lnRef idx="2">
-            <a:schemeClr val="accent1">
-              <a:shade val="50000"/>
-            </a:schemeClr>
-          </a:lnRef>
-          <a:fillRef idx="1">
-            <a:schemeClr val="accent1"/>
-          </a:fillRef>
-          <a:effectRef idx="0">
-            <a:schemeClr val="accent1"/>
-          </a:effectRef>
-          <a:fontRef idx="minor">
-            <a:schemeClr val="lt1"/>
-          </a:fontRef>
-        </p:style>
-        <p:txBody>
-          <a:bodyPr rot="0" spcFirstLastPara="0" vert="horz" wrap="square" lIns="91440" tIns="45720" rIns="91440" bIns="45720" numCol="1" spcCol="0" rtlCol="0" fromWordArt="0" anchor="ctr" anchorCtr="0" forceAA="0" compatLnSpc="1">
-            <a:prstTxWarp prst="textNoShape">
-              <a:avLst/>
-            </a:prstTxWarp>
-            <a:noAutofit/>
-          </a:bodyPr>
-          <a:lstStyle>
-            <a:defPPr>
-              <a:defRPr lang="en-US"/>
-            </a:defPPr>
-            <a:lvl1pPr marL="0" algn="l" defTabSz="914400" rtl="0" eaLnBrk="1" latinLnBrk="0" hangingPunct="1">
-              <a:defRPr sz="1800" kern="1200">
-                <a:solidFill>
-                  <a:schemeClr val="lt1"/>
-                </a:solidFill>
-                <a:latin typeface="+mn-lt"/>
-                <a:ea typeface="+mn-ea"/>
-                <a:cs typeface="+mn-cs"/>
-              </a:defRPr>
-            </a:lvl1pPr>
-            <a:lvl2pPr marL="457200" algn="l" defTabSz="914400" rtl="0" eaLnBrk="1" latinLnBrk="0" hangingPunct="1">
-              <a:defRPr sz="1800" kern="1200">
-                <a:solidFill>
-                  <a:schemeClr val="lt1"/>
-                </a:solidFill>
-                <a:latin typeface="+mn-lt"/>
-                <a:ea typeface="+mn-ea"/>
-                <a:cs typeface="+mn-cs"/>
-              </a:defRPr>
-            </a:lvl2pPr>
-            <a:lvl3pPr marL="914400" algn="l" defTabSz="914400" rtl="0" eaLnBrk="1" latinLnBrk="0" hangingPunct="1">
-              <a:defRPr sz="1800" kern="1200">
-                <a:solidFill>
-                  <a:schemeClr val="lt1"/>
-                </a:solidFill>
-                <a:latin typeface="+mn-lt"/>
-                <a:ea typeface="+mn-ea"/>
-                <a:cs typeface="+mn-cs"/>
-              </a:defRPr>
-            </a:lvl3pPr>
-            <a:lvl4pPr marL="1371600" algn="l" defTabSz="914400" rtl="0" eaLnBrk="1" latinLnBrk="0" hangingPunct="1">
-              <a:defRPr sz="1800" kern="1200">
-                <a:solidFill>
-                  <a:schemeClr val="lt1"/>
-                </a:solidFill>
-                <a:latin typeface="+mn-lt"/>
-                <a:ea typeface="+mn-ea"/>
-                <a:cs typeface="+mn-cs"/>
-              </a:defRPr>
-            </a:lvl4pPr>
-            <a:lvl5pPr marL="1828800" algn="l" defTabSz="914400" rtl="0" eaLnBrk="1" latinLnBrk="0" hangingPunct="1">
-              <a:defRPr sz="1800" kern="1200">
-                <a:solidFill>
-                  <a:schemeClr val="lt1"/>
-                </a:solidFill>
-                <a:latin typeface="+mn-lt"/>
-                <a:ea typeface="+mn-ea"/>
-                <a:cs typeface="+mn-cs"/>
-              </a:defRPr>
-            </a:lvl5pPr>
-            <a:lvl6pPr marL="2286000" algn="l" defTabSz="914400" rtl="0" eaLnBrk="1" latinLnBrk="0" hangingPunct="1">
-              <a:defRPr sz="1800" kern="1200">
-                <a:solidFill>
-                  <a:schemeClr val="lt1"/>
-                </a:solidFill>
-                <a:latin typeface="+mn-lt"/>
-                <a:ea typeface="+mn-ea"/>
-                <a:cs typeface="+mn-cs"/>
-              </a:defRPr>
-            </a:lvl6pPr>
-            <a:lvl7pPr marL="2743200" algn="l" defTabSz="914400" rtl="0" eaLnBrk="1" latinLnBrk="0" hangingPunct="1">
-              <a:defRPr sz="1800" kern="1200">
-                <a:solidFill>
-                  <a:schemeClr val="lt1"/>
-                </a:solidFill>
-                <a:latin typeface="+mn-lt"/>
-                <a:ea typeface="+mn-ea"/>
-                <a:cs typeface="+mn-cs"/>
-              </a:defRPr>
-            </a:lvl7pPr>
-            <a:lvl8pPr marL="3200400" algn="l" defTabSz="914400" rtl="0" eaLnBrk="1" latinLnBrk="0" hangingPunct="1">
-              <a:defRPr sz="1800" kern="1200">
-                <a:solidFill>
-                  <a:schemeClr val="lt1"/>
-                </a:solidFill>
-                <a:latin typeface="+mn-lt"/>
-                <a:ea typeface="+mn-ea"/>
-                <a:cs typeface="+mn-cs"/>
-              </a:defRPr>
-            </a:lvl8pPr>
-            <a:lvl9pPr marL="3657600" algn="l" defTabSz="914400" rtl="0" eaLnBrk="1" latinLnBrk="0" hangingPunct="1">
-              <a:defRPr sz="1800" kern="1200">
-                <a:solidFill>
-                  <a:schemeClr val="lt1"/>
-                </a:solidFill>
-                <a:latin typeface="+mn-lt"/>
-                <a:ea typeface="+mn-ea"/>
-                <a:cs typeface="+mn-cs"/>
-              </a:defRPr>
-            </a:lvl9pPr>
-          </a:lstStyle>
-          <a:p>
-            <a:pPr algn="ctr"/>
-            <a:endParaRPr lang="en-US"/>
-          </a:p>
-        </p:txBody>
-      </p:sp>
-      <p:sp useBgFill="1">
-        <p:nvSpPr>
-          <p:cNvPr id="10" name="Rectangle 9">
-            <a:extLst>
-              <a:ext uri="{FF2B5EF4-FFF2-40B4-BE49-F238E27FC236}">
-                <a16:creationId xmlns:a16="http://schemas.microsoft.com/office/drawing/2014/main" id="{252FEFEF-6AC0-46B6-AC09-11FC56196FA4}"/>
-              </a:ext>
-              <a:ext uri="{C183D7F6-B498-43B3-948B-1728B52AA6E4}">
-                <adec:decorative xmlns:adec="http://schemas.microsoft.com/office/drawing/2017/decorative" val="1"/>
-              </a:ext>
-            </a:extLst>
-          </p:cNvPr>
-          <p:cNvSpPr>
-            <a:spLocks noGrp="1" noRot="1" noChangeAspect="1" noMove="1" noResize="1" noEditPoints="1" noAdjustHandles="1" noChangeArrowheads="1" noChangeShapeType="1" noTextEdit="1"/>
-          </p:cNvSpPr>
-          <p:nvPr>
-            <p:extLst>
-              <p:ext uri="{386F3935-93C4-4BCD-93E2-E3B085C9AB24}">
-                <p16:designElem xmlns:p16="http://schemas.microsoft.com/office/powerpoint/2015/main" val="1"/>
-              </p:ext>
-            </p:extLst>
-          </p:nvPr>
-        </p:nvSpPr>
-        <p:spPr>
-          <a:xfrm>
-            <a:off x="210312" y="226665"/>
-            <a:ext cx="11722608" cy="6382512"/>
-          </a:xfrm>
-          <a:prstGeom prst="rect">
-            <a:avLst/>
-          </a:prstGeom>
-          <a:ln w="6350" cap="flat" cmpd="sng" algn="ctr">
-            <a:noFill/>
-            <a:prstDash val="solid"/>
-          </a:ln>
-          <a:effectLst>
-            <a:softEdge rad="0"/>
-          </a:effectLst>
-        </p:spPr>
-      </p:sp>
-      <p:sp>
-        <p:nvSpPr>
           <p:cNvPr id="2" name="Title 1">
             <a:extLst>
               <a:ext uri="{FF2B5EF4-FFF2-40B4-BE49-F238E27FC236}">
@@ -17703,7 +12144,7 @@
         </p:spPr>
         <p:txBody>
           <a:bodyPr>
-            <a:normAutofit/>
+            <a:normAutofit lnSpcReduction="10000"/>
           </a:bodyPr>
           <a:lstStyle/>
           <a:p>
@@ -17864,208 +12305,6 @@
       </p:grpSpPr>
       <p:sp>
         <p:nvSpPr>
-          <p:cNvPr id="8" name="Rectangle 7">
-            <a:extLst>
-              <a:ext uri="{FF2B5EF4-FFF2-40B4-BE49-F238E27FC236}">
-                <a16:creationId xmlns:a16="http://schemas.microsoft.com/office/drawing/2014/main" id="{70120F84-A866-4D9F-8B1C-9120A013D654}"/>
-              </a:ext>
-              <a:ext uri="{C183D7F6-B498-43B3-948B-1728B52AA6E4}">
-                <adec:decorative xmlns:adec="http://schemas.microsoft.com/office/drawing/2017/decorative" val="1"/>
-              </a:ext>
-            </a:extLst>
-          </p:cNvPr>
-          <p:cNvSpPr>
-            <a:spLocks noGrp="1" noRot="1" noChangeAspect="1" noMove="1" noResize="1" noEditPoints="1" noAdjustHandles="1" noChangeArrowheads="1" noChangeShapeType="1" noTextEdit="1"/>
-          </p:cNvSpPr>
-          <p:nvPr>
-            <p:extLst>
-              <p:ext uri="{386F3935-93C4-4BCD-93E2-E3B085C9AB24}">
-                <p16:designElem xmlns:p16="http://schemas.microsoft.com/office/powerpoint/2015/main" val="1"/>
-              </p:ext>
-            </p:extLst>
-          </p:nvPr>
-        </p:nvSpPr>
-        <p:spPr>
-          <a:xfrm>
-            <a:off x="0" y="0"/>
-            <a:ext cx="12192001" cy="6858000"/>
-          </a:xfrm>
-          <a:prstGeom prst="rect">
-            <a:avLst/>
-          </a:prstGeom>
-          <a:solidFill>
-            <a:schemeClr val="accent1"/>
-          </a:solidFill>
-          <a:ln>
-            <a:noFill/>
-          </a:ln>
-        </p:spPr>
-        <p:style>
-          <a:lnRef idx="2">
-            <a:schemeClr val="accent1">
-              <a:shade val="50000"/>
-            </a:schemeClr>
-          </a:lnRef>
-          <a:fillRef idx="1">
-            <a:schemeClr val="accent1"/>
-          </a:fillRef>
-          <a:effectRef idx="0">
-            <a:schemeClr val="accent1"/>
-          </a:effectRef>
-          <a:fontRef idx="minor">
-            <a:schemeClr val="lt1"/>
-          </a:fontRef>
-        </p:style>
-        <p:txBody>
-          <a:bodyPr rot="0" spcFirstLastPara="0" vert="horz" wrap="square" lIns="91440" tIns="45720" rIns="91440" bIns="45720" numCol="1" spcCol="0" rtlCol="0" fromWordArt="0" anchor="ctr" anchorCtr="0" forceAA="0" compatLnSpc="1">
-            <a:prstTxWarp prst="textNoShape">
-              <a:avLst/>
-            </a:prstTxWarp>
-            <a:noAutofit/>
-          </a:bodyPr>
-          <a:lstStyle>
-            <a:defPPr>
-              <a:defRPr lang="en-US"/>
-            </a:defPPr>
-            <a:lvl1pPr marL="0" algn="l" defTabSz="914400" rtl="0" eaLnBrk="1" latinLnBrk="0" hangingPunct="1">
-              <a:defRPr sz="1800" kern="1200">
-                <a:solidFill>
-                  <a:schemeClr val="lt1"/>
-                </a:solidFill>
-                <a:latin typeface="+mn-lt"/>
-                <a:ea typeface="+mn-ea"/>
-                <a:cs typeface="+mn-cs"/>
-              </a:defRPr>
-            </a:lvl1pPr>
-            <a:lvl2pPr marL="457200" algn="l" defTabSz="914400" rtl="0" eaLnBrk="1" latinLnBrk="0" hangingPunct="1">
-              <a:defRPr sz="1800" kern="1200">
-                <a:solidFill>
-                  <a:schemeClr val="lt1"/>
-                </a:solidFill>
-                <a:latin typeface="+mn-lt"/>
-                <a:ea typeface="+mn-ea"/>
-                <a:cs typeface="+mn-cs"/>
-              </a:defRPr>
-            </a:lvl2pPr>
-            <a:lvl3pPr marL="914400" algn="l" defTabSz="914400" rtl="0" eaLnBrk="1" latinLnBrk="0" hangingPunct="1">
-              <a:defRPr sz="1800" kern="1200">
-                <a:solidFill>
-                  <a:schemeClr val="lt1"/>
-                </a:solidFill>
-                <a:latin typeface="+mn-lt"/>
-                <a:ea typeface="+mn-ea"/>
-                <a:cs typeface="+mn-cs"/>
-              </a:defRPr>
-            </a:lvl3pPr>
-            <a:lvl4pPr marL="1371600" algn="l" defTabSz="914400" rtl="0" eaLnBrk="1" latinLnBrk="0" hangingPunct="1">
-              <a:defRPr sz="1800" kern="1200">
-                <a:solidFill>
-                  <a:schemeClr val="lt1"/>
-                </a:solidFill>
-                <a:latin typeface="+mn-lt"/>
-                <a:ea typeface="+mn-ea"/>
-                <a:cs typeface="+mn-cs"/>
-              </a:defRPr>
-            </a:lvl4pPr>
-            <a:lvl5pPr marL="1828800" algn="l" defTabSz="914400" rtl="0" eaLnBrk="1" latinLnBrk="0" hangingPunct="1">
-              <a:defRPr sz="1800" kern="1200">
-                <a:solidFill>
-                  <a:schemeClr val="lt1"/>
-                </a:solidFill>
-                <a:latin typeface="+mn-lt"/>
-                <a:ea typeface="+mn-ea"/>
-                <a:cs typeface="+mn-cs"/>
-              </a:defRPr>
-            </a:lvl5pPr>
-            <a:lvl6pPr marL="2286000" algn="l" defTabSz="914400" rtl="0" eaLnBrk="1" latinLnBrk="0" hangingPunct="1">
-              <a:defRPr sz="1800" kern="1200">
-                <a:solidFill>
-                  <a:schemeClr val="lt1"/>
-                </a:solidFill>
-                <a:latin typeface="+mn-lt"/>
-                <a:ea typeface="+mn-ea"/>
-                <a:cs typeface="+mn-cs"/>
-              </a:defRPr>
-            </a:lvl6pPr>
-            <a:lvl7pPr marL="2743200" algn="l" defTabSz="914400" rtl="0" eaLnBrk="1" latinLnBrk="0" hangingPunct="1">
-              <a:defRPr sz="1800" kern="1200">
-                <a:solidFill>
-                  <a:schemeClr val="lt1"/>
-                </a:solidFill>
-                <a:latin typeface="+mn-lt"/>
-                <a:ea typeface="+mn-ea"/>
-                <a:cs typeface="+mn-cs"/>
-              </a:defRPr>
-            </a:lvl7pPr>
-            <a:lvl8pPr marL="3200400" algn="l" defTabSz="914400" rtl="0" eaLnBrk="1" latinLnBrk="0" hangingPunct="1">
-              <a:defRPr sz="1800" kern="1200">
-                <a:solidFill>
-                  <a:schemeClr val="lt1"/>
-                </a:solidFill>
-                <a:latin typeface="+mn-lt"/>
-                <a:ea typeface="+mn-ea"/>
-                <a:cs typeface="+mn-cs"/>
-              </a:defRPr>
-            </a:lvl8pPr>
-            <a:lvl9pPr marL="3657600" algn="l" defTabSz="914400" rtl="0" eaLnBrk="1" latinLnBrk="0" hangingPunct="1">
-              <a:defRPr sz="1800" kern="1200">
-                <a:solidFill>
-                  <a:schemeClr val="lt1"/>
-                </a:solidFill>
-                <a:latin typeface="+mn-lt"/>
-                <a:ea typeface="+mn-ea"/>
-                <a:cs typeface="+mn-cs"/>
-              </a:defRPr>
-            </a:lvl9pPr>
-          </a:lstStyle>
-          <a:p>
-            <a:pPr algn="ctr"/>
-            <a:endParaRPr lang="en-US"/>
-          </a:p>
-        </p:txBody>
-      </p:sp>
-      <p:sp useBgFill="1">
-        <p:nvSpPr>
-          <p:cNvPr id="10" name="Rectangle 9">
-            <a:extLst>
-              <a:ext uri="{FF2B5EF4-FFF2-40B4-BE49-F238E27FC236}">
-                <a16:creationId xmlns:a16="http://schemas.microsoft.com/office/drawing/2014/main" id="{252FEFEF-6AC0-46B6-AC09-11FC56196FA4}"/>
-              </a:ext>
-              <a:ext uri="{C183D7F6-B498-43B3-948B-1728B52AA6E4}">
-                <adec:decorative xmlns:adec="http://schemas.microsoft.com/office/drawing/2017/decorative" val="1"/>
-              </a:ext>
-            </a:extLst>
-          </p:cNvPr>
-          <p:cNvSpPr>
-            <a:spLocks noGrp="1" noRot="1" noChangeAspect="1" noMove="1" noResize="1" noEditPoints="1" noAdjustHandles="1" noChangeArrowheads="1" noChangeShapeType="1" noTextEdit="1"/>
-          </p:cNvSpPr>
-          <p:nvPr>
-            <p:extLst>
-              <p:ext uri="{386F3935-93C4-4BCD-93E2-E3B085C9AB24}">
-                <p16:designElem xmlns:p16="http://schemas.microsoft.com/office/powerpoint/2015/main" val="1"/>
-              </p:ext>
-            </p:extLst>
-          </p:nvPr>
-        </p:nvSpPr>
-        <p:spPr>
-          <a:xfrm>
-            <a:off x="210312" y="226665"/>
-            <a:ext cx="11722608" cy="6382512"/>
-          </a:xfrm>
-          <a:prstGeom prst="rect">
-            <a:avLst/>
-          </a:prstGeom>
-          <a:ln w="6350" cap="flat" cmpd="sng" algn="ctr">
-            <a:noFill/>
-            <a:prstDash val="solid"/>
-          </a:ln>
-          <a:effectLst>
-            <a:softEdge rad="0"/>
-          </a:effectLst>
-        </p:spPr>
-      </p:sp>
-      <p:sp>
-        <p:nvSpPr>
           <p:cNvPr id="2" name="Title 1">
             <a:extLst>
               <a:ext uri="{FF2B5EF4-FFF2-40B4-BE49-F238E27FC236}">
@@ -18238,14 +12477,14 @@
 </file>
 
 <file path=ppt/theme/theme1.xml><?xml version="1.0" encoding="utf-8"?>
-<a:theme xmlns:a="http://schemas.openxmlformats.org/drawingml/2006/main" name="Savon">
+<a:theme xmlns:a="http://schemas.openxmlformats.org/drawingml/2006/main" name="Office Theme">
   <a:themeElements>
-    <a:clrScheme name="Savon">
+    <a:clrScheme name="Custom 1">
       <a:dk1>
-        <a:sysClr val="windowText" lastClr="000000"/>
+        <a:srgbClr val="000000"/>
       </a:dk1>
       <a:lt1>
-        <a:sysClr val="window" lastClr="FFFFFF"/>
+        <a:srgbClr val="FFFFFF"/>
       </a:lt1>
       <a:dk2>
         <a:srgbClr val="1485A4"/>
@@ -18278,18 +12517,70 @@
         <a:srgbClr val="739D9B"/>
       </a:folHlink>
     </a:clrScheme>
-    <a:fontScheme name="Savon">
+    <a:fontScheme name="Office">
       <a:majorFont>
-        <a:latin typeface="Century Gothic" panose="020B0502020202020204"/>
+        <a:latin typeface="Calibri Light" panose="020F0302020204030204"/>
         <a:ea typeface=""/>
         <a:cs typeface=""/>
-        <a:font script="Jpan" typeface="ＭＳ ゴシック"/>
+        <a:font script="Jpan" typeface="游ゴシック Light"/>
         <a:font script="Hang" typeface="맑은 고딕"/>
-        <a:font script="Hans" typeface="宋体"/>
+        <a:font script="Hans" typeface="等线 Light"/>
         <a:font script="Hant" typeface="新細明體"/>
-        <a:font script="Arab" typeface="Tahoma"/>
-        <a:font script="Hebr" typeface="Gisha"/>
-        <a:font script="Thai" typeface="DilleniaUPC"/>
+        <a:font script="Arab" typeface="Times New Roman"/>
+        <a:font script="Hebr" typeface="Times New Roman"/>
+        <a:font script="Thai" typeface="Angsana New"/>
+        <a:font script="Ethi" typeface="Nyala"/>
+        <a:font script="Beng" typeface="Vrinda"/>
+        <a:font script="Gujr" typeface="Shruti"/>
+        <a:font script="Khmr" typeface="MoolBoran"/>
+        <a:font script="Knda" typeface="Tunga"/>
+        <a:font script="Guru" typeface="Raavi"/>
+        <a:font script="Cans" typeface="Euphemia"/>
+        <a:font script="Cher" typeface="Plantagenet Cherokee"/>
+        <a:font script="Yiii" typeface="Microsoft Yi Baiti"/>
+        <a:font script="Tibt" typeface="Microsoft Himalaya"/>
+        <a:font script="Thaa" typeface="MV Boli"/>
+        <a:font script="Deva" typeface="Mangal"/>
+        <a:font script="Telu" typeface="Gautami"/>
+        <a:font script="Taml" typeface="Latha"/>
+        <a:font script="Syrc" typeface="Estrangelo Edessa"/>
+        <a:font script="Orya" typeface="Kalinga"/>
+        <a:font script="Mlym" typeface="Kartika"/>
+        <a:font script="Laoo" typeface="DokChampa"/>
+        <a:font script="Sinh" typeface="Iskoola Pota"/>
+        <a:font script="Mong" typeface="Mongolian Baiti"/>
+        <a:font script="Viet" typeface="Times New Roman"/>
+        <a:font script="Uigh" typeface="Microsoft Uighur"/>
+        <a:font script="Geor" typeface="Sylfaen"/>
+        <a:font script="Armn" typeface="Arial"/>
+        <a:font script="Bugi" typeface="Leelawadee UI"/>
+        <a:font script="Bopo" typeface="Microsoft JhengHei"/>
+        <a:font script="Java" typeface="Javanese Text"/>
+        <a:font script="Lisu" typeface="Segoe UI"/>
+        <a:font script="Mymr" typeface="Myanmar Text"/>
+        <a:font script="Nkoo" typeface="Ebrima"/>
+        <a:font script="Olck" typeface="Nirmala UI"/>
+        <a:font script="Osma" typeface="Ebrima"/>
+        <a:font script="Phag" typeface="Phagspa"/>
+        <a:font script="Syrn" typeface="Estrangelo Edessa"/>
+        <a:font script="Syrj" typeface="Estrangelo Edessa"/>
+        <a:font script="Syre" typeface="Estrangelo Edessa"/>
+        <a:font script="Sora" typeface="Nirmala UI"/>
+        <a:font script="Tale" typeface="Microsoft Tai Le"/>
+        <a:font script="Talu" typeface="Microsoft New Tai Lue"/>
+        <a:font script="Tfng" typeface="Ebrima"/>
+      </a:majorFont>
+      <a:minorFont>
+        <a:latin typeface="Calibri" panose="020F0502020204030204"/>
+        <a:ea typeface=""/>
+        <a:cs typeface=""/>
+        <a:font script="Jpan" typeface="游ゴシック"/>
+        <a:font script="Hang" typeface="맑은 고딕"/>
+        <a:font script="Hans" typeface="等线"/>
+        <a:font script="Hant" typeface="新細明體"/>
+        <a:font script="Arab" typeface="Arial"/>
+        <a:font script="Hebr" typeface="Arial"/>
+        <a:font script="Thai" typeface="Cordia New"/>
         <a:font script="Ethi" typeface="Nyala"/>
         <a:font script="Beng" typeface="Vrinda"/>
         <a:font script="Gujr" typeface="Shruti"/>
@@ -18310,47 +12601,29 @@
         <a:font script="Laoo" typeface="DokChampa"/>
         <a:font script="Sinh" typeface="Iskoola Pota"/>
         <a:font script="Mong" typeface="Mongolian Baiti"/>
-        <a:font script="Viet" typeface="Tahoma"/>
+        <a:font script="Viet" typeface="Arial"/>
         <a:font script="Uigh" typeface="Microsoft Uighur"/>
         <a:font script="Geor" typeface="Sylfaen"/>
-      </a:majorFont>
-      <a:minorFont>
-        <a:latin typeface="Century Gothic" panose="020B0502020202020204"/>
-        <a:ea typeface=""/>
-        <a:cs typeface=""/>
-        <a:font script="Jpan" typeface="ＭＳ ゴシック"/>
-        <a:font script="Hang" typeface="맑은 고딕"/>
-        <a:font script="Hans" typeface="宋体"/>
-        <a:font script="Hant" typeface="新細明體"/>
-        <a:font script="Arab" typeface="Tahoma"/>
-        <a:font script="Hebr" typeface="Gisha"/>
-        <a:font script="Thai" typeface="DilleniaUPC"/>
-        <a:font script="Ethi" typeface="Nyala"/>
-        <a:font script="Beng" typeface="Vrinda"/>
-        <a:font script="Gujr" typeface="Shruti"/>
-        <a:font script="Khmr" typeface="DaunPenh"/>
-        <a:font script="Knda" typeface="Tunga"/>
-        <a:font script="Guru" typeface="Raavi"/>
-        <a:font script="Cans" typeface="Euphemia"/>
-        <a:font script="Cher" typeface="Plantagenet Cherokee"/>
-        <a:font script="Yiii" typeface="Microsoft Yi Baiti"/>
-        <a:font script="Tibt" typeface="Microsoft Himalaya"/>
-        <a:font script="Thaa" typeface="MV Boli"/>
-        <a:font script="Deva" typeface="Mangal"/>
-        <a:font script="Telu" typeface="Gautami"/>
-        <a:font script="Taml" typeface="Latha"/>
-        <a:font script="Syrc" typeface="Estrangelo Edessa"/>
-        <a:font script="Orya" typeface="Kalinga"/>
-        <a:font script="Mlym" typeface="Kartika"/>
-        <a:font script="Laoo" typeface="DokChampa"/>
-        <a:font script="Sinh" typeface="Iskoola Pota"/>
-        <a:font script="Mong" typeface="Mongolian Baiti"/>
-        <a:font script="Viet" typeface="Verdana"/>
-        <a:font script="Uigh" typeface="Microsoft Uighur"/>
-        <a:font script="Geor" typeface="Sylfaen"/>
+        <a:font script="Armn" typeface="Arial"/>
+        <a:font script="Bugi" typeface="Leelawadee UI"/>
+        <a:font script="Bopo" typeface="Microsoft JhengHei"/>
+        <a:font script="Java" typeface="Javanese Text"/>
+        <a:font script="Lisu" typeface="Segoe UI"/>
+        <a:font script="Mymr" typeface="Myanmar Text"/>
+        <a:font script="Nkoo" typeface="Ebrima"/>
+        <a:font script="Olck" typeface="Nirmala UI"/>
+        <a:font script="Osma" typeface="Ebrima"/>
+        <a:font script="Phag" typeface="Phagspa"/>
+        <a:font script="Syrn" typeface="Estrangelo Edessa"/>
+        <a:font script="Syrj" typeface="Estrangelo Edessa"/>
+        <a:font script="Syre" typeface="Estrangelo Edessa"/>
+        <a:font script="Sora" typeface="Nirmala UI"/>
+        <a:font script="Tale" typeface="Microsoft Tai Le"/>
+        <a:font script="Talu" typeface="Microsoft New Tai Lue"/>
+        <a:font script="Tfng" typeface="Ebrima"/>
       </a:minorFont>
     </a:fontScheme>
-    <a:fmtScheme name="Savon">
+    <a:fmtScheme name="Office">
       <a:fillStyleLst>
         <a:solidFill>
           <a:schemeClr val="phClr"/>
@@ -18359,23 +12632,23 @@
           <a:gsLst>
             <a:gs pos="0">
               <a:schemeClr val="phClr">
-                <a:tint val="60000"/>
+                <a:lumMod val="110000"/>
                 <a:satMod val="105000"/>
+                <a:tint val="67000"/>
+              </a:schemeClr>
+            </a:gs>
+            <a:gs pos="50000">
+              <a:schemeClr val="phClr">
                 <a:lumMod val="105000"/>
+                <a:satMod val="103000"/>
+                <a:tint val="73000"/>
               </a:schemeClr>
             </a:gs>
             <a:gs pos="100000">
               <a:schemeClr val="phClr">
-                <a:tint val="65000"/>
-                <a:satMod val="100000"/>
-                <a:lumMod val="100000"/>
-              </a:schemeClr>
-            </a:gs>
-            <a:gs pos="100000">
-              <a:schemeClr val="phClr">
-                <a:tint val="70000"/>
-                <a:satMod val="100000"/>
-                <a:lumMod val="100000"/>
+                <a:lumMod val="105000"/>
+                <a:satMod val="109000"/>
+                <a:tint val="81000"/>
               </a:schemeClr>
             </a:gs>
           </a:gsLst>
@@ -18385,22 +12658,23 @@
           <a:gsLst>
             <a:gs pos="0">
               <a:schemeClr val="phClr">
-                <a:satMod val="100000"/>
-                <a:lumMod val="100000"/>
+                <a:satMod val="103000"/>
+                <a:lumMod val="102000"/>
+                <a:tint val="94000"/>
               </a:schemeClr>
             </a:gs>
             <a:gs pos="50000">
               <a:schemeClr val="phClr">
-                <a:shade val="99000"/>
-                <a:satMod val="105000"/>
+                <a:satMod val="110000"/>
                 <a:lumMod val="100000"/>
+                <a:shade val="100000"/>
               </a:schemeClr>
             </a:gs>
             <a:gs pos="100000">
               <a:schemeClr val="phClr">
-                <a:shade val="98000"/>
-                <a:satMod val="105000"/>
-                <a:lumMod val="100000"/>
+                <a:lumMod val="99000"/>
+                <a:satMod val="120000"/>
+                <a:shade val="78000"/>
               </a:schemeClr>
             </a:gs>
           </a:gsLst>
@@ -18413,18 +12687,21 @@
             <a:schemeClr val="phClr"/>
           </a:solidFill>
           <a:prstDash val="solid"/>
+          <a:miter lim="800000"/>
         </a:ln>
         <a:ln w="12700" cap="flat" cmpd="sng" algn="ctr">
           <a:solidFill>
             <a:schemeClr val="phClr"/>
           </a:solidFill>
           <a:prstDash val="solid"/>
+          <a:miter lim="800000"/>
         </a:ln>
         <a:ln w="19050" cap="flat" cmpd="sng" algn="ctr">
           <a:solidFill>
             <a:schemeClr val="phClr"/>
           </a:solidFill>
           <a:prstDash val="solid"/>
+          <a:miter lim="800000"/>
         </a:ln>
       </a:lnStyleLst>
       <a:effectStyleLst>
@@ -18432,13 +12709,7 @@
           <a:effectLst/>
         </a:effectStyle>
         <a:effectStyle>
-          <a:effectLst>
-            <a:outerShdw blurRad="38100" dist="12700" dir="5400000" algn="ctr" rotWithShape="0">
-              <a:srgbClr val="000000">
-                <a:alpha val="63000"/>
-              </a:srgbClr>
-            </a:outerShdw>
-          </a:effectLst>
+          <a:effectLst/>
         </a:effectStyle>
         <a:effectStyle>
           <a:effectLst>
@@ -18448,63 +12719,45 @@
               </a:srgbClr>
             </a:outerShdw>
           </a:effectLst>
-          <a:scene3d>
-            <a:camera prst="orthographicFront">
-              <a:rot lat="0" lon="0" rev="0"/>
-            </a:camera>
-            <a:lightRig rig="flat" dir="tl">
-              <a:rot lat="0" lon="0" rev="4200000"/>
-            </a:lightRig>
-          </a:scene3d>
-          <a:sp3d prstMaterial="flat">
-            <a:bevelT w="50800" h="63500" prst="riblet"/>
-          </a:sp3d>
         </a:effectStyle>
       </a:effectStyleLst>
       <a:bgFillStyleLst>
         <a:solidFill>
           <a:schemeClr val="phClr"/>
         </a:solidFill>
+        <a:solidFill>
+          <a:schemeClr val="phClr">
+            <a:tint val="95000"/>
+            <a:satMod val="170000"/>
+          </a:schemeClr>
+        </a:solidFill>
         <a:gradFill rotWithShape="1">
           <a:gsLst>
             <a:gs pos="0">
               <a:schemeClr val="phClr">
-                <a:tint val="90000"/>
-                <a:shade val="92000"/>
-                <a:satMod val="160000"/>
+                <a:tint val="93000"/>
+                <a:satMod val="150000"/>
+                <a:shade val="98000"/>
+                <a:lumMod val="102000"/>
               </a:schemeClr>
             </a:gs>
-            <a:gs pos="77000">
+            <a:gs pos="50000">
               <a:schemeClr val="phClr">
-                <a:tint val="100000"/>
-                <a:shade val="73000"/>
-                <a:satMod val="155000"/>
+                <a:tint val="98000"/>
+                <a:satMod val="130000"/>
+                <a:shade val="90000"/>
+                <a:lumMod val="103000"/>
               </a:schemeClr>
             </a:gs>
             <a:gs pos="100000">
               <a:schemeClr val="phClr">
-                <a:tint val="100000"/>
-                <a:shade val="67000"/>
-                <a:satMod val="145000"/>
+                <a:shade val="63000"/>
+                <a:satMod val="120000"/>
               </a:schemeClr>
             </a:gs>
           </a:gsLst>
           <a:lin ang="5400000" scaled="0"/>
         </a:gradFill>
-        <a:blipFill rotWithShape="1">
-          <a:blip xmlns:r="http://schemas.openxmlformats.org/officeDocument/2006/relationships" r:embed="rId1">
-            <a:duotone>
-              <a:schemeClr val="phClr">
-                <a:tint val="95000"/>
-              </a:schemeClr>
-              <a:schemeClr val="phClr">
-                <a:shade val="92000"/>
-                <a:satMod val="115000"/>
-              </a:schemeClr>
-            </a:duotone>
-          </a:blip>
-          <a:tile tx="0" ty="0" sx="60000" sy="60000" flip="none" algn="tl"/>
-        </a:blipFill>
       </a:bgFillStyleLst>
     </a:fmtScheme>
   </a:themeElements>
@@ -18512,7 +12765,7 @@
   <a:extraClrSchemeLst/>
   <a:extLst>
     <a:ext uri="{05A4C25C-085E-4340-85A3-A5531E510DB2}">
-      <thm15:themeFamily xmlns:thm15="http://schemas.microsoft.com/office/thememl/2012/main" name="Savon" id="{1306E473-ED32-493B-A2D0-240A757EDD34}" vid="{C20BADFE-D095-436F-9677-9264042809F0}"/>
+      <thm15:themeFamily xmlns:thm15="http://schemas.microsoft.com/office/thememl/2012/main" name="Office Theme" id="{62F939B6-93AF-4DB8-9C6B-D6C7DFDC589F}" vid="{4A3C46E8-61CC-4603-A589-7422A47A8E4A}"/>
     </a:ext>
   </a:extLst>
 </a:theme>
